--- a/Documentación Soporte/Documento Tablas - Relaciones Borrador.pptx
+++ b/Documentación Soporte/Documento Tablas - Relaciones Borrador.pptx
@@ -10,8 +10,6 @@
     <p:sldId id="264" r:id="rId4"/>
     <p:sldId id="258" r:id="rId5"/>
     <p:sldId id="262" r:id="rId6"/>
-    <p:sldId id="259" r:id="rId7"/>
-    <p:sldId id="261" r:id="rId8"/>
   </p:sldIdLst>
   <p:sldSz cx="9144000" cy="6858000" type="screen4x3"/>
   <p:notesSz cx="6797675" cy="9926638"/>
@@ -112,7 +110,7 @@
   </p:defaultTextStyle>
   <p:extLst>
     <p:ext uri="{EFAFB233-063F-42B5-8137-9DF3F51BA10A}">
-      <p15:sldGuideLst xmlns="" xmlns:p15="http://schemas.microsoft.com/office/powerpoint/2012/main">
+      <p15:sldGuideLst xmlns:p15="http://schemas.microsoft.com/office/powerpoint/2012/main" xmlns="">
         <p15:guide id="1" orient="horz" pos="2160">
           <p15:clr>
             <a:srgbClr val="A4A3A4"/>
@@ -308,7 +306,7 @@
           <a:p>
             <a:fld id="{4BC66413-18F1-4893-88B2-0A18709E0B52}" type="datetimeFigureOut">
               <a:rPr lang="es-ES" smtClean="0"/>
-              <a:t>02/03/2020</a:t>
+              <a:t>04/06/2020</a:t>
             </a:fld>
             <a:endParaRPr lang="es-ES"/>
           </a:p>
@@ -476,7 +474,7 @@
           <a:p>
             <a:fld id="{4BC66413-18F1-4893-88B2-0A18709E0B52}" type="datetimeFigureOut">
               <a:rPr lang="es-ES" smtClean="0"/>
-              <a:t>02/03/2020</a:t>
+              <a:t>04/06/2020</a:t>
             </a:fld>
             <a:endParaRPr lang="es-ES"/>
           </a:p>
@@ -654,7 +652,7 @@
           <a:p>
             <a:fld id="{4BC66413-18F1-4893-88B2-0A18709E0B52}" type="datetimeFigureOut">
               <a:rPr lang="es-ES" smtClean="0"/>
-              <a:t>02/03/2020</a:t>
+              <a:t>04/06/2020</a:t>
             </a:fld>
             <a:endParaRPr lang="es-ES"/>
           </a:p>
@@ -822,7 +820,7 @@
           <a:p>
             <a:fld id="{4BC66413-18F1-4893-88B2-0A18709E0B52}" type="datetimeFigureOut">
               <a:rPr lang="es-ES" smtClean="0"/>
-              <a:t>02/03/2020</a:t>
+              <a:t>04/06/2020</a:t>
             </a:fld>
             <a:endParaRPr lang="es-ES"/>
           </a:p>
@@ -1067,7 +1065,7 @@
           <a:p>
             <a:fld id="{4BC66413-18F1-4893-88B2-0A18709E0B52}" type="datetimeFigureOut">
               <a:rPr lang="es-ES" smtClean="0"/>
-              <a:t>02/03/2020</a:t>
+              <a:t>04/06/2020</a:t>
             </a:fld>
             <a:endParaRPr lang="es-ES"/>
           </a:p>
@@ -1352,7 +1350,7 @@
           <a:p>
             <a:fld id="{4BC66413-18F1-4893-88B2-0A18709E0B52}" type="datetimeFigureOut">
               <a:rPr lang="es-ES" smtClean="0"/>
-              <a:t>02/03/2020</a:t>
+              <a:t>04/06/2020</a:t>
             </a:fld>
             <a:endParaRPr lang="es-ES"/>
           </a:p>
@@ -1771,7 +1769,7 @@
           <a:p>
             <a:fld id="{4BC66413-18F1-4893-88B2-0A18709E0B52}" type="datetimeFigureOut">
               <a:rPr lang="es-ES" smtClean="0"/>
-              <a:t>02/03/2020</a:t>
+              <a:t>04/06/2020</a:t>
             </a:fld>
             <a:endParaRPr lang="es-ES"/>
           </a:p>
@@ -1888,7 +1886,7 @@
           <a:p>
             <a:fld id="{4BC66413-18F1-4893-88B2-0A18709E0B52}" type="datetimeFigureOut">
               <a:rPr lang="es-ES" smtClean="0"/>
-              <a:t>02/03/2020</a:t>
+              <a:t>04/06/2020</a:t>
             </a:fld>
             <a:endParaRPr lang="es-ES"/>
           </a:p>
@@ -1983,7 +1981,7 @@
           <a:p>
             <a:fld id="{4BC66413-18F1-4893-88B2-0A18709E0B52}" type="datetimeFigureOut">
               <a:rPr lang="es-ES" smtClean="0"/>
-              <a:t>02/03/2020</a:t>
+              <a:t>04/06/2020</a:t>
             </a:fld>
             <a:endParaRPr lang="es-ES"/>
           </a:p>
@@ -2258,7 +2256,7 @@
           <a:p>
             <a:fld id="{4BC66413-18F1-4893-88B2-0A18709E0B52}" type="datetimeFigureOut">
               <a:rPr lang="es-ES" smtClean="0"/>
-              <a:t>02/03/2020</a:t>
+              <a:t>04/06/2020</a:t>
             </a:fld>
             <a:endParaRPr lang="es-ES"/>
           </a:p>
@@ -2510,7 +2508,7 @@
           <a:p>
             <a:fld id="{4BC66413-18F1-4893-88B2-0A18709E0B52}" type="datetimeFigureOut">
               <a:rPr lang="es-ES" smtClean="0"/>
-              <a:t>02/03/2020</a:t>
+              <a:t>04/06/2020</a:t>
             </a:fld>
             <a:endParaRPr lang="es-ES"/>
           </a:p>
@@ -2721,7 +2719,7 @@
           <a:p>
             <a:fld id="{4BC66413-18F1-4893-88B2-0A18709E0B52}" type="datetimeFigureOut">
               <a:rPr lang="es-ES" smtClean="0"/>
-              <a:t>02/03/2020</a:t>
+              <a:t>04/06/2020</a:t>
             </a:fld>
             <a:endParaRPr lang="es-ES"/>
           </a:p>
@@ -3124,7 +3122,7 @@
                 <a:gridCol w="1463824">
                   <a:extLst>
                     <a:ext uri="{9D8B030D-6E8A-4147-A177-3AD203B41FA5}">
-                      <a16:colId xmlns="" xmlns:a16="http://schemas.microsoft.com/office/drawing/2014/main" val="20000"/>
+                      <a16:colId xmlns:a16="http://schemas.microsoft.com/office/drawing/2014/main" xmlns="" val="20000"/>
                     </a:ext>
                   </a:extLst>
                 </a:gridCol>
@@ -3146,7 +3144,7 @@
                 </a:tc>
                 <a:extLst>
                   <a:ext uri="{0D108BD9-81ED-4DB2-BD59-A6C34878D82A}">
-                    <a16:rowId xmlns="" xmlns:a16="http://schemas.microsoft.com/office/drawing/2014/main" val="10000"/>
+                    <a16:rowId xmlns:a16="http://schemas.microsoft.com/office/drawing/2014/main" xmlns="" val="10000"/>
                   </a:ext>
                 </a:extLst>
               </a:tr>
@@ -3214,7 +3212,7 @@
                 </a:tc>
                 <a:extLst>
                   <a:ext uri="{0D108BD9-81ED-4DB2-BD59-A6C34878D82A}">
-                    <a16:rowId xmlns="" xmlns:a16="http://schemas.microsoft.com/office/drawing/2014/main" val="10001"/>
+                    <a16:rowId xmlns:a16="http://schemas.microsoft.com/office/drawing/2014/main" xmlns="" val="10001"/>
                   </a:ext>
                 </a:extLst>
               </a:tr>
@@ -3247,7 +3245,7 @@
                 </a:tc>
                 <a:extLst>
                   <a:ext uri="{0D108BD9-81ED-4DB2-BD59-A6C34878D82A}">
-                    <a16:rowId xmlns="" xmlns:a16="http://schemas.microsoft.com/office/drawing/2014/main" val="10002"/>
+                    <a16:rowId xmlns:a16="http://schemas.microsoft.com/office/drawing/2014/main" xmlns="" val="10002"/>
                   </a:ext>
                 </a:extLst>
               </a:tr>
@@ -3264,14 +3262,14 @@
           <p:nvPr>
             <p:extLst>
               <p:ext uri="{D42A27DB-BD31-4B8C-83A1-F6EECF244321}">
-                <p14:modId xmlns:p14="http://schemas.microsoft.com/office/powerpoint/2010/main" val="157300260"/>
+                <p14:modId xmlns:p14="http://schemas.microsoft.com/office/powerpoint/2010/main" val="1214972360"/>
               </p:ext>
             </p:extLst>
           </p:nvPr>
         </p:nvGraphicFramePr>
         <p:xfrm>
           <a:off x="2183650" y="744225"/>
-          <a:ext cx="1463824" cy="3118733"/>
+          <a:ext cx="1463824" cy="2752973"/>
         </p:xfrm>
         <a:graphic>
           <a:graphicData uri="http://schemas.openxmlformats.org/drawingml/2006/table">
@@ -3283,7 +3281,7 @@
                 <a:gridCol w="1463824">
                   <a:extLst>
                     <a:ext uri="{9D8B030D-6E8A-4147-A177-3AD203B41FA5}">
-                      <a16:colId xmlns="" xmlns:a16="http://schemas.microsoft.com/office/drawing/2014/main" val="20000"/>
+                      <a16:colId xmlns:a16="http://schemas.microsoft.com/office/drawing/2014/main" xmlns="" val="20000"/>
                     </a:ext>
                   </a:extLst>
                 </a:gridCol>
@@ -3305,7 +3303,7 @@
                 </a:tc>
                 <a:extLst>
                   <a:ext uri="{0D108BD9-81ED-4DB2-BD59-A6C34878D82A}">
-                    <a16:rowId xmlns="" xmlns:a16="http://schemas.microsoft.com/office/drawing/2014/main" val="10000"/>
+                    <a16:rowId xmlns:a16="http://schemas.microsoft.com/office/drawing/2014/main" xmlns="" val="10000"/>
                   </a:ext>
                 </a:extLst>
               </a:tr>
@@ -3326,7 +3324,7 @@
                 </a:tc>
                 <a:extLst>
                   <a:ext uri="{0D108BD9-81ED-4DB2-BD59-A6C34878D82A}">
-                    <a16:rowId xmlns="" xmlns:a16="http://schemas.microsoft.com/office/drawing/2014/main" val="10001"/>
+                    <a16:rowId xmlns:a16="http://schemas.microsoft.com/office/drawing/2014/main" xmlns="" val="10001"/>
                   </a:ext>
                 </a:extLst>
               </a:tr>
@@ -3356,8 +3354,13 @@
                     <a:p>
                       <a:r>
                         <a:rPr lang="es-ES" sz="800" dirty="0" smtClean="0"/>
-                        <a:t>APROBADO  (BIN)</a:t>
-                      </a:r>
+                        <a:t>APROBADO  (BIN</a:t>
+                      </a:r>
+                      <a:r>
+                        <a:rPr lang="es-ES" sz="800" dirty="0" smtClean="0"/>
+                        <a:t>)</a:t>
+                      </a:r>
+                      <a:endParaRPr lang="es-ES" sz="800" dirty="0" smtClean="0"/>
                     </a:p>
                     <a:p>
                       <a:r>
@@ -3369,42 +3372,6 @@
                       <a:r>
                         <a:rPr lang="es-ES" sz="800" dirty="0" smtClean="0"/>
                         <a:t>PROC_CONTRATACION</a:t>
-                      </a:r>
-                    </a:p>
-                    <a:p>
-                      <a:r>
-                        <a:rPr lang="es-ES" sz="800" dirty="0" smtClean="0"/>
-                        <a:t>FUNCION</a:t>
-                      </a:r>
-                    </a:p>
-                    <a:p>
-                      <a:r>
-                        <a:rPr lang="es-ES" sz="800" dirty="0" smtClean="0"/>
-                        <a:t>PRIORIDAD</a:t>
-                      </a:r>
-                    </a:p>
-                    <a:p>
-                      <a:r>
-                        <a:rPr lang="es-ES" sz="800" dirty="0" smtClean="0"/>
-                        <a:t>RESUMEN</a:t>
-                      </a:r>
-                    </a:p>
-                    <a:p>
-                      <a:r>
-                        <a:rPr lang="es-ES" sz="800" dirty="0" smtClean="0"/>
-                        <a:t>INICIO_PREVISTO</a:t>
-                      </a:r>
-                    </a:p>
-                    <a:p>
-                      <a:r>
-                        <a:rPr lang="es-ES" sz="800" dirty="0" smtClean="0"/>
-                        <a:t>FIN_PREVISTO</a:t>
-                      </a:r>
-                    </a:p>
-                    <a:p>
-                      <a:r>
-                        <a:rPr lang="es-ES" sz="800" dirty="0" smtClean="0"/>
-                        <a:t>TIPO_CONTRATACION</a:t>
                       </a:r>
                     </a:p>
                     <a:p>
@@ -3427,11 +3394,44 @@
                       </a:pPr>
                       <a:r>
                         <a:rPr lang="es-ES" sz="800" dirty="0" smtClean="0"/>
-                        <a:t>PRORROGA</a:t>
-                      </a:r>
-                      <a:r>
-                        <a:rPr lang="es-ES" sz="800" baseline="0" dirty="0" smtClean="0"/>
-                        <a:t> (BIN)</a:t>
+                        <a:t>ID_JP</a:t>
+                      </a:r>
+                      <a:endParaRPr lang="es-ES" sz="800" dirty="0" smtClean="0"/>
+                    </a:p>
+                    <a:p>
+                      <a:r>
+                        <a:rPr lang="es-ES" sz="800" dirty="0" smtClean="0"/>
+                        <a:t>FUNCION</a:t>
+                      </a:r>
+                    </a:p>
+                    <a:p>
+                      <a:r>
+                        <a:rPr lang="es-ES" sz="800" dirty="0" smtClean="0"/>
+                        <a:t>PRIORIDAD</a:t>
+                      </a:r>
+                    </a:p>
+                    <a:p>
+                      <a:r>
+                        <a:rPr lang="es-ES" sz="800" dirty="0" smtClean="0"/>
+                        <a:t>RESUMEN</a:t>
+                      </a:r>
+                    </a:p>
+                    <a:p>
+                      <a:r>
+                        <a:rPr lang="es-ES" sz="800" dirty="0" smtClean="0"/>
+                        <a:t>INICIO_PREVISTO</a:t>
+                      </a:r>
+                    </a:p>
+                    <a:p>
+                      <a:r>
+                        <a:rPr lang="es-ES" sz="800" dirty="0" smtClean="0"/>
+                        <a:t>FIN_PREVISTO</a:t>
+                      </a:r>
+                    </a:p>
+                    <a:p>
+                      <a:r>
+                        <a:rPr lang="es-ES" sz="800" dirty="0" smtClean="0"/>
+                        <a:t>TIPO_CONTRATACION</a:t>
                       </a:r>
                     </a:p>
                     <a:p>
@@ -3453,15 +3453,12 @@
                         <a:defRPr/>
                       </a:pPr>
                       <a:r>
+                        <a:rPr lang="es-ES" sz="800" dirty="0" smtClean="0"/>
+                        <a:t>PRORROGA</a:t>
+                      </a:r>
+                      <a:r>
                         <a:rPr lang="es-ES" sz="800" baseline="0" dirty="0" smtClean="0"/>
-                        <a:t>RECURRENTE  (BIN)</a:t>
-                      </a:r>
-                      <a:endParaRPr lang="es-ES" sz="800" dirty="0" smtClean="0"/>
-                    </a:p>
-                    <a:p>
-                      <a:r>
-                        <a:rPr lang="es-ES" sz="800" dirty="0" smtClean="0"/>
-                        <a:t>SP_SUBSECUENTE</a:t>
+                        <a:t> (BIN)</a:t>
                       </a:r>
                     </a:p>
                     <a:p>
@@ -3483,8 +3480,15 @@
                         <a:defRPr/>
                       </a:pPr>
                       <a:r>
-                        <a:rPr lang="es-ES" sz="800" dirty="0" smtClean="0"/>
-                        <a:t>TRAM_ANTICIPADA</a:t>
+                        <a:rPr lang="es-ES" sz="800" baseline="0" dirty="0" smtClean="0"/>
+                        <a:t>RECURRENTE  (BIN)</a:t>
+                      </a:r>
+                      <a:endParaRPr lang="es-ES" sz="800" dirty="0" smtClean="0"/>
+                    </a:p>
+                    <a:p>
+                      <a:r>
+                        <a:rPr lang="es-ES" sz="800" dirty="0" smtClean="0"/>
+                        <a:t>SP_SUBSECUENTE</a:t>
                       </a:r>
                     </a:p>
                     <a:p>
@@ -3507,7 +3511,7 @@
                       </a:pPr>
                       <a:r>
                         <a:rPr lang="es-ES" sz="800" dirty="0" smtClean="0"/>
-                        <a:t>CATEGORIA_GARTNER</a:t>
+                        <a:t>TRAM_ANTICIPADA</a:t>
                       </a:r>
                     </a:p>
                     <a:p>
@@ -3529,8 +3533,150 @@
                         <a:defRPr/>
                       </a:pPr>
                       <a:r>
-                        <a:rPr lang="es-ES" sz="800" dirty="0" smtClean="0"/>
-                        <a:t>PROYECTO_INVERSION</a:t>
+                        <a:rPr lang="es-ES" sz="800" baseline="0" dirty="0" smtClean="0"/>
+                        <a:t>COMENTARIOS</a:t>
+                      </a:r>
+                      <a:endParaRPr lang="es-ES" sz="800" dirty="0"/>
+                    </a:p>
+                  </a:txBody>
+                  <a:tcPr/>
+                </a:tc>
+                <a:extLst>
+                  <a:ext uri="{0D108BD9-81ED-4DB2-BD59-A6C34878D82A}">
+                    <a16:rowId xmlns:a16="http://schemas.microsoft.com/office/drawing/2014/main" xmlns="" val="10002"/>
+                  </a:ext>
+                </a:extLst>
+              </a:tr>
+            </a:tbl>
+          </a:graphicData>
+        </a:graphic>
+      </p:graphicFrame>
+      <p:graphicFrame>
+        <p:nvGraphicFramePr>
+          <p:cNvPr id="4" name="3 Tabla"/>
+          <p:cNvGraphicFramePr>
+            <a:graphicFrameLocks noGrp="1"/>
+          </p:cNvGraphicFramePr>
+          <p:nvPr>
+            <p:extLst>
+              <p:ext uri="{D42A27DB-BD31-4B8C-83A1-F6EECF244321}">
+                <p14:modId xmlns:p14="http://schemas.microsoft.com/office/powerpoint/2010/main" val="125737269"/>
+              </p:ext>
+            </p:extLst>
+          </p:nvPr>
+        </p:nvGraphicFramePr>
+        <p:xfrm>
+          <a:off x="3972272" y="1004873"/>
+          <a:ext cx="1463824" cy="3200400"/>
+        </p:xfrm>
+        <a:graphic>
+          <a:graphicData uri="http://schemas.openxmlformats.org/drawingml/2006/table">
+            <a:tbl>
+              <a:tblPr firstRow="1" bandRow="1">
+                <a:tableStyleId>{5C22544A-7EE6-4342-B048-85BDC9FD1C3A}</a:tableStyleId>
+              </a:tblPr>
+              <a:tblGrid>
+                <a:gridCol w="1463824">
+                  <a:extLst>
+                    <a:ext uri="{9D8B030D-6E8A-4147-A177-3AD203B41FA5}">
+                      <a16:colId xmlns:a16="http://schemas.microsoft.com/office/drawing/2014/main" xmlns="" val="20000"/>
+                    </a:ext>
+                  </a:extLst>
+                </a:gridCol>
+              </a:tblGrid>
+              <a:tr h="213360">
+                <a:tc>
+                  <a:txBody>
+                    <a:bodyPr/>
+                    <a:lstStyle/>
+                    <a:p>
+                      <a:r>
+                        <a:rPr lang="es-ES" sz="800" i="1" dirty="0" smtClean="0"/>
+                        <a:t>EXPEDIENTES</a:t>
+                      </a:r>
+                      <a:endParaRPr lang="es-ES" sz="800" i="1" dirty="0"/>
+                    </a:p>
+                  </a:txBody>
+                  <a:tcPr/>
+                </a:tc>
+                <a:extLst>
+                  <a:ext uri="{0D108BD9-81ED-4DB2-BD59-A6C34878D82A}">
+                    <a16:rowId xmlns:a16="http://schemas.microsoft.com/office/drawing/2014/main" xmlns="" val="10000"/>
+                  </a:ext>
+                </a:extLst>
+              </a:tr>
+              <a:tr h="213360">
+                <a:tc>
+                  <a:txBody>
+                    <a:bodyPr/>
+                    <a:lstStyle/>
+                    <a:p>
+                      <a:r>
+                        <a:rPr lang="es-ES" sz="800" dirty="0" smtClean="0"/>
+                        <a:t>UA</a:t>
+                      </a:r>
+                      <a:endParaRPr lang="es-ES" sz="800" dirty="0"/>
+                    </a:p>
+                  </a:txBody>
+                  <a:tcPr/>
+                </a:tc>
+                <a:extLst>
+                  <a:ext uri="{0D108BD9-81ED-4DB2-BD59-A6C34878D82A}">
+                    <a16:rowId xmlns:a16="http://schemas.microsoft.com/office/drawing/2014/main" xmlns="" val="10001"/>
+                  </a:ext>
+                </a:extLst>
+              </a:tr>
+              <a:tr h="1798320">
+                <a:tc>
+                  <a:txBody>
+                    <a:bodyPr/>
+                    <a:lstStyle/>
+                    <a:p>
+                      <a:r>
+                        <a:rPr lang="es-ES" sz="800" dirty="0" smtClean="0"/>
+                        <a:t>SP</a:t>
+                      </a:r>
+                    </a:p>
+                    <a:p>
+                      <a:r>
+                        <a:rPr lang="es-ES" sz="800" dirty="0" smtClean="0"/>
+                        <a:t>UA_PADRE</a:t>
+                      </a:r>
+                    </a:p>
+                    <a:p>
+                      <a:r>
+                        <a:rPr lang="es-ES" sz="800" dirty="0" smtClean="0"/>
+                        <a:t>NUM_LOTE_PADRE</a:t>
+                      </a:r>
+                    </a:p>
+                    <a:p>
+                      <a:r>
+                        <a:rPr lang="es-ES" sz="800" dirty="0" smtClean="0"/>
+                        <a:t>NOMBRE</a:t>
+                      </a:r>
+                    </a:p>
+                    <a:p>
+                      <a:r>
+                        <a:rPr lang="es-ES" sz="800" dirty="0" smtClean="0"/>
+                        <a:t>PROC_CONTRATACION</a:t>
+                      </a:r>
+                    </a:p>
+                    <a:p>
+                      <a:r>
+                        <a:rPr lang="es-ES" sz="800" dirty="0" smtClean="0"/>
+                        <a:t>RC_SOLICITADO  (BIN)</a:t>
+                      </a:r>
+                    </a:p>
+                    <a:p>
+                      <a:r>
+                        <a:rPr lang="es-ES" sz="800" dirty="0" smtClean="0"/>
+                        <a:t>ORGANO_CONTRATACION</a:t>
+                      </a:r>
+                    </a:p>
+                    <a:p>
+                      <a:r>
+                        <a:rPr lang="es-ES" sz="800" dirty="0" smtClean="0"/>
+                        <a:t>TIPO_EJERCICIOS_FUTUROS</a:t>
                       </a:r>
                     </a:p>
                     <a:p>
@@ -3553,277 +3699,88 @@
                       </a:pPr>
                       <a:r>
                         <a:rPr lang="es-ES" sz="800" dirty="0" smtClean="0"/>
-                        <a:t>ID_AUXILIAR1</a:t>
-                      </a:r>
-                    </a:p>
-                    <a:p>
-                      <a:pPr marL="0" marR="0" indent="0" algn="l" defTabSz="914400" rtl="0" eaLnBrk="1" fontAlgn="auto" latinLnBrk="0" hangingPunct="1">
-                        <a:lnSpc>
-                          <a:spcPct val="100000"/>
-                        </a:lnSpc>
-                        <a:spcBef>
-                          <a:spcPts val="0"/>
-                        </a:spcBef>
-                        <a:spcAft>
-                          <a:spcPts val="0"/>
-                        </a:spcAft>
-                        <a:buClrTx/>
-                        <a:buSzTx/>
-                        <a:buFontTx/>
-                        <a:buNone/>
-                        <a:tabLst/>
-                        <a:defRPr/>
-                      </a:pPr>
-                      <a:r>
-                        <a:rPr lang="es-ES" sz="800" dirty="0" smtClean="0"/>
-                        <a:t>ID_AUXILIAR</a:t>
-                      </a:r>
-                      <a:r>
-                        <a:rPr lang="es-ES" sz="800" baseline="0" dirty="0" smtClean="0"/>
-                        <a:t>2</a:t>
-                      </a:r>
-                    </a:p>
-                    <a:p>
-                      <a:pPr marL="0" marR="0" indent="0" algn="l" defTabSz="914400" rtl="0" eaLnBrk="1" fontAlgn="auto" latinLnBrk="0" hangingPunct="1">
-                        <a:lnSpc>
-                          <a:spcPct val="100000"/>
-                        </a:lnSpc>
-                        <a:spcBef>
-                          <a:spcPts val="0"/>
-                        </a:spcBef>
-                        <a:spcAft>
-                          <a:spcPts val="0"/>
-                        </a:spcAft>
-                        <a:buClrTx/>
-                        <a:buSzTx/>
-                        <a:buFontTx/>
-                        <a:buNone/>
-                        <a:tabLst/>
-                        <a:defRPr/>
-                      </a:pPr>
+                        <a:t>INICIO_TRAMITACION</a:t>
+                      </a:r>
+                      <a:endParaRPr lang="es-ES" sz="800" dirty="0" smtClean="0"/>
+                    </a:p>
+                    <a:p>
+                      <a:r>
+                        <a:rPr lang="es-ES" sz="800" dirty="0" smtClean="0"/>
+                        <a:t>TIPO_CONTRATACION</a:t>
+                      </a:r>
+                      <a:endParaRPr lang="es-ES" sz="800" dirty="0" smtClean="0"/>
+                    </a:p>
+                    <a:p>
+                      <a:r>
+                        <a:rPr lang="es-ES" sz="800" dirty="0" smtClean="0"/>
+                        <a:t>PRORROGA (BIN)</a:t>
+                      </a:r>
+                    </a:p>
+                    <a:p>
+                      <a:r>
+                        <a:rPr lang="es-ES" sz="800" dirty="0" smtClean="0"/>
+                        <a:t>FECHA_FIN_PRORROGA</a:t>
+                      </a:r>
+                    </a:p>
+                    <a:p>
+                      <a:r>
+                        <a:rPr lang="es-ES" sz="800" dirty="0" smtClean="0"/>
+                        <a:t>PROYECTO_INVERSION</a:t>
+                      </a:r>
+                    </a:p>
+                    <a:p>
+                      <a:r>
+                        <a:rPr lang="es-ES" sz="800" dirty="0" smtClean="0"/>
+                        <a:t>ID_JC</a:t>
+                      </a:r>
+                    </a:p>
+                    <a:p>
+                      <a:r>
+                        <a:rPr lang="es-ES" sz="800" dirty="0" smtClean="0"/>
+                        <a:t>ID_CPAE</a:t>
+                      </a:r>
+                    </a:p>
+                    <a:p>
+                      <a:r>
+                        <a:rPr lang="es-ES" sz="800" dirty="0" smtClean="0"/>
+                        <a:t>ID_DGRCC</a:t>
+                      </a:r>
+                    </a:p>
+                    <a:p>
+                      <a:r>
+                        <a:rPr lang="es-ES" sz="800" dirty="0" smtClean="0"/>
+                        <a:t>ID_DTIC</a:t>
+                      </a:r>
+                    </a:p>
+                    <a:p>
+                      <a:r>
+                        <a:rPr lang="es-ES" sz="800" dirty="0" smtClean="0"/>
+                        <a:t>ID_FINANCIERA</a:t>
+                      </a:r>
+                    </a:p>
+                    <a:p>
+                      <a:r>
+                        <a:rPr lang="es-ES" sz="800" dirty="0" smtClean="0"/>
+                        <a:t>TRAM_ANTICIPADA</a:t>
+                      </a:r>
+                      <a:endParaRPr lang="es-ES" sz="800" dirty="0" smtClean="0"/>
+                    </a:p>
+                    <a:p>
+                      <a:r>
+                        <a:rPr lang="es-ES" sz="800" dirty="0" smtClean="0"/>
+                        <a:t>TIPO_TRAMITACION</a:t>
+                      </a:r>
+                    </a:p>
+                    <a:p>
                       <a:r>
                         <a:rPr lang="es-ES" sz="800" baseline="0" dirty="0" smtClean="0"/>
                         <a:t>COMENTARIOS</a:t>
                       </a:r>
-                      <a:endParaRPr lang="es-ES" sz="800" dirty="0"/>
-                    </a:p>
-                  </a:txBody>
-                  <a:tcPr/>
-                </a:tc>
-                <a:extLst>
-                  <a:ext uri="{0D108BD9-81ED-4DB2-BD59-A6C34878D82A}">
-                    <a16:rowId xmlns="" xmlns:a16="http://schemas.microsoft.com/office/drawing/2014/main" val="10002"/>
-                  </a:ext>
-                </a:extLst>
-              </a:tr>
-            </a:tbl>
-          </a:graphicData>
-        </a:graphic>
-      </p:graphicFrame>
-      <p:graphicFrame>
-        <p:nvGraphicFramePr>
-          <p:cNvPr id="4" name="3 Tabla"/>
-          <p:cNvGraphicFramePr>
-            <a:graphicFrameLocks noGrp="1"/>
-          </p:cNvGraphicFramePr>
-          <p:nvPr>
-            <p:extLst>
-              <p:ext uri="{D42A27DB-BD31-4B8C-83A1-F6EECF244321}">
-                <p14:modId xmlns:p14="http://schemas.microsoft.com/office/powerpoint/2010/main" val="2623784639"/>
-              </p:ext>
-            </p:extLst>
-          </p:nvPr>
-        </p:nvGraphicFramePr>
-        <p:xfrm>
-          <a:off x="3972272" y="1004873"/>
-          <a:ext cx="1463824" cy="3078480"/>
-        </p:xfrm>
-        <a:graphic>
-          <a:graphicData uri="http://schemas.openxmlformats.org/drawingml/2006/table">
-            <a:tbl>
-              <a:tblPr firstRow="1" bandRow="1">
-                <a:tableStyleId>{5C22544A-7EE6-4342-B048-85BDC9FD1C3A}</a:tableStyleId>
-              </a:tblPr>
-              <a:tblGrid>
-                <a:gridCol w="1463824">
-                  <a:extLst>
-                    <a:ext uri="{9D8B030D-6E8A-4147-A177-3AD203B41FA5}">
-                      <a16:colId xmlns="" xmlns:a16="http://schemas.microsoft.com/office/drawing/2014/main" val="20000"/>
-                    </a:ext>
-                  </a:extLst>
-                </a:gridCol>
-              </a:tblGrid>
-              <a:tr h="213360">
-                <a:tc>
-                  <a:txBody>
-                    <a:bodyPr/>
-                    <a:lstStyle/>
-                    <a:p>
-                      <a:r>
-                        <a:rPr lang="es-ES" sz="800" i="1" dirty="0" smtClean="0"/>
-                        <a:t>EXPEDIENTES</a:t>
-                      </a:r>
-                      <a:endParaRPr lang="es-ES" sz="800" i="1" dirty="0"/>
-                    </a:p>
-                  </a:txBody>
-                  <a:tcPr/>
-                </a:tc>
-                <a:extLst>
-                  <a:ext uri="{0D108BD9-81ED-4DB2-BD59-A6C34878D82A}">
-                    <a16:rowId xmlns="" xmlns:a16="http://schemas.microsoft.com/office/drawing/2014/main" val="10000"/>
-                  </a:ext>
-                </a:extLst>
-              </a:tr>
-              <a:tr h="213360">
-                <a:tc>
-                  <a:txBody>
-                    <a:bodyPr/>
-                    <a:lstStyle/>
-                    <a:p>
-                      <a:r>
-                        <a:rPr lang="es-ES" sz="800" dirty="0" smtClean="0"/>
-                        <a:t>UA</a:t>
-                      </a:r>
-                      <a:endParaRPr lang="es-ES" sz="800" dirty="0"/>
-                    </a:p>
-                  </a:txBody>
-                  <a:tcPr/>
-                </a:tc>
-                <a:extLst>
-                  <a:ext uri="{0D108BD9-81ED-4DB2-BD59-A6C34878D82A}">
-                    <a16:rowId xmlns="" xmlns:a16="http://schemas.microsoft.com/office/drawing/2014/main" val="10001"/>
-                  </a:ext>
-                </a:extLst>
-              </a:tr>
-              <a:tr h="1798320">
-                <a:tc>
-                  <a:txBody>
-                    <a:bodyPr/>
-                    <a:lstStyle/>
-                    <a:p>
-                      <a:r>
-                        <a:rPr lang="es-ES" sz="800" dirty="0" smtClean="0"/>
-                        <a:t>SP</a:t>
-                      </a:r>
-                    </a:p>
-                    <a:p>
-                      <a:r>
-                        <a:rPr lang="es-ES" sz="800" dirty="0" smtClean="0"/>
-                        <a:t>UA_PADRE</a:t>
-                      </a:r>
-                    </a:p>
-                    <a:p>
-                      <a:r>
-                        <a:rPr lang="es-ES" sz="800" dirty="0" smtClean="0"/>
-                        <a:t>NUM_LOTE_PADRE</a:t>
-                      </a:r>
-                    </a:p>
-                    <a:p>
-                      <a:r>
-                        <a:rPr lang="es-ES" sz="800" dirty="0" smtClean="0"/>
-                        <a:t>NOMBRE</a:t>
-                      </a:r>
-                    </a:p>
-                    <a:p>
-                      <a:r>
-                        <a:rPr lang="es-ES" sz="800" dirty="0" smtClean="0"/>
-                        <a:t>PROC_CONTRATACION</a:t>
-                      </a:r>
-                    </a:p>
-                    <a:p>
-                      <a:r>
-                        <a:rPr lang="es-ES" sz="800" dirty="0" smtClean="0"/>
-                        <a:t>RC_SOLICITADO  (BIN)</a:t>
-                      </a:r>
-                    </a:p>
-                    <a:p>
-                      <a:r>
-                        <a:rPr lang="es-ES" sz="800" dirty="0" smtClean="0"/>
-                        <a:t>ORGANO_CONTRATACION</a:t>
-                      </a:r>
-                    </a:p>
-                    <a:p>
-                      <a:r>
-                        <a:rPr lang="es-ES" sz="800" dirty="0" smtClean="0"/>
-                        <a:t>TIPO_EJERCICIOS_FUTUROS</a:t>
-                      </a:r>
-                    </a:p>
-                    <a:p>
-                      <a:r>
-                        <a:rPr lang="es-ES" sz="800" dirty="0" smtClean="0"/>
-                        <a:t>INICIO_PREVISTO</a:t>
-                      </a:r>
-                    </a:p>
-                    <a:p>
-                      <a:r>
-                        <a:rPr lang="es-ES" sz="800" dirty="0" smtClean="0"/>
-                        <a:t>FIN_REVISTO</a:t>
-                      </a:r>
-                    </a:p>
-                    <a:p>
-                      <a:r>
-                        <a:rPr lang="es-ES" sz="800" dirty="0" smtClean="0"/>
-                        <a:t>TIPO_CONTRATACION</a:t>
-                      </a:r>
-                    </a:p>
-                    <a:p>
-                      <a:r>
-                        <a:rPr lang="es-ES" sz="800" dirty="0" smtClean="0"/>
-                        <a:t>PRORROGA (BIN)</a:t>
-                      </a:r>
-                    </a:p>
-                    <a:p>
-                      <a:r>
-                        <a:rPr lang="es-ES" sz="800" dirty="0" smtClean="0"/>
-                        <a:t>FECHA_FIN_PRORROGA</a:t>
-                      </a:r>
-                    </a:p>
-                    <a:p>
-                      <a:r>
-                        <a:rPr lang="es-ES" sz="800" dirty="0" smtClean="0"/>
-                        <a:t>PROYECTO_INVERSION</a:t>
-                      </a:r>
-                    </a:p>
-                    <a:p>
-                      <a:r>
-                        <a:rPr lang="es-ES" sz="800" dirty="0" smtClean="0"/>
-                        <a:t>ID_JC</a:t>
-                      </a:r>
-                    </a:p>
-                    <a:p>
-                      <a:r>
-                        <a:rPr lang="es-ES" sz="800" dirty="0" smtClean="0"/>
-                        <a:t>ID_CPAE</a:t>
-                      </a:r>
-                    </a:p>
-                    <a:p>
-                      <a:r>
-                        <a:rPr lang="es-ES" sz="800" dirty="0" smtClean="0"/>
-                        <a:t>ID_DGRCC</a:t>
-                      </a:r>
-                    </a:p>
-                    <a:p>
-                      <a:r>
-                        <a:rPr lang="es-ES" sz="800" dirty="0" smtClean="0"/>
-                        <a:t>ID_DTIC</a:t>
-                      </a:r>
-                    </a:p>
-                    <a:p>
-                      <a:r>
-                        <a:rPr lang="es-ES" sz="800" dirty="0" smtClean="0"/>
-                        <a:t>ID_FINANCIERA</a:t>
-                      </a:r>
-                    </a:p>
-                    <a:p>
-                      <a:r>
-                        <a:rPr lang="es-ES" sz="800" dirty="0" smtClean="0"/>
-                        <a:t>TIPO_TRAMITACION</a:t>
-                      </a:r>
                     </a:p>
                     <a:p>
                       <a:r>
                         <a:rPr lang="es-ES" sz="800" baseline="0" dirty="0" smtClean="0"/>
-                        <a:t>COMENTARIOS</a:t>
+                        <a:t>CANCELADO (BIN)</a:t>
                       </a:r>
                       <a:endParaRPr lang="es-ES" sz="800" baseline="0" dirty="0"/>
                     </a:p>
@@ -3832,7 +3789,7 @@
                 </a:tc>
                 <a:extLst>
                   <a:ext uri="{0D108BD9-81ED-4DB2-BD59-A6C34878D82A}">
-                    <a16:rowId xmlns="" xmlns:a16="http://schemas.microsoft.com/office/drawing/2014/main" val="10002"/>
+                    <a16:rowId xmlns:a16="http://schemas.microsoft.com/office/drawing/2014/main" xmlns="" val="10002"/>
                   </a:ext>
                 </a:extLst>
               </a:tr>
@@ -3849,14 +3806,14 @@
           <p:nvPr>
             <p:extLst>
               <p:ext uri="{D42A27DB-BD31-4B8C-83A1-F6EECF244321}">
-                <p14:modId xmlns:p14="http://schemas.microsoft.com/office/powerpoint/2010/main" val="1662139652"/>
+                <p14:modId xmlns:p14="http://schemas.microsoft.com/office/powerpoint/2010/main" val="3265449572"/>
               </p:ext>
             </p:extLst>
           </p:nvPr>
         </p:nvGraphicFramePr>
         <p:xfrm>
           <a:off x="5759878" y="1868969"/>
-          <a:ext cx="1332402" cy="2103120"/>
+          <a:ext cx="1332402" cy="2225040"/>
         </p:xfrm>
         <a:graphic>
           <a:graphicData uri="http://schemas.openxmlformats.org/drawingml/2006/table">
@@ -3868,7 +3825,7 @@
                 <a:gridCol w="1332402">
                   <a:extLst>
                     <a:ext uri="{9D8B030D-6E8A-4147-A177-3AD203B41FA5}">
-                      <a16:colId xmlns="" xmlns:a16="http://schemas.microsoft.com/office/drawing/2014/main" val="20000"/>
+                      <a16:colId xmlns:a16="http://schemas.microsoft.com/office/drawing/2014/main" xmlns="" val="20000"/>
                     </a:ext>
                   </a:extLst>
                 </a:gridCol>
@@ -3889,7 +3846,7 @@
                 </a:tc>
                 <a:extLst>
                   <a:ext uri="{0D108BD9-81ED-4DB2-BD59-A6C34878D82A}">
-                    <a16:rowId xmlns="" xmlns:a16="http://schemas.microsoft.com/office/drawing/2014/main" val="10000"/>
+                    <a16:rowId xmlns:a16="http://schemas.microsoft.com/office/drawing/2014/main" xmlns="" val="10000"/>
                   </a:ext>
                 </a:extLst>
               </a:tr>
@@ -3916,7 +3873,7 @@
                 </a:tc>
                 <a:extLst>
                   <a:ext uri="{0D108BD9-81ED-4DB2-BD59-A6C34878D82A}">
-                    <a16:rowId xmlns="" xmlns:a16="http://schemas.microsoft.com/office/drawing/2014/main" val="10001"/>
+                    <a16:rowId xmlns:a16="http://schemas.microsoft.com/office/drawing/2014/main" xmlns="" val="10001"/>
                   </a:ext>
                 </a:extLst>
               </a:tr>
@@ -3928,8 +3885,15 @@
                     <a:p>
                       <a:r>
                         <a:rPr lang="es-ES" sz="800" dirty="0" smtClean="0"/>
+                        <a:t>DESCRIPCION</a:t>
+                      </a:r>
+                    </a:p>
+                    <a:p>
+                      <a:r>
+                        <a:rPr lang="es-ES" sz="800" dirty="0" smtClean="0"/>
                         <a:t>ID_JP</a:t>
                       </a:r>
+                      <a:endParaRPr lang="es-ES" sz="800" dirty="0" smtClean="0"/>
                     </a:p>
                     <a:p>
                       <a:r>
@@ -3997,7 +3961,7 @@
                 </a:tc>
                 <a:extLst>
                   <a:ext uri="{0D108BD9-81ED-4DB2-BD59-A6C34878D82A}">
-                    <a16:rowId xmlns="" xmlns:a16="http://schemas.microsoft.com/office/drawing/2014/main" val="10002"/>
+                    <a16:rowId xmlns:a16="http://schemas.microsoft.com/office/drawing/2014/main" xmlns="" val="10002"/>
                   </a:ext>
                 </a:extLst>
               </a:tr>
@@ -4033,7 +3997,7 @@
                 <a:gridCol w="1296144">
                   <a:extLst>
                     <a:ext uri="{9D8B030D-6E8A-4147-A177-3AD203B41FA5}">
-                      <a16:colId xmlns="" xmlns:a16="http://schemas.microsoft.com/office/drawing/2014/main" val="20000"/>
+                      <a16:colId xmlns:a16="http://schemas.microsoft.com/office/drawing/2014/main" xmlns="" val="20000"/>
                     </a:ext>
                   </a:extLst>
                 </a:gridCol>
@@ -4059,7 +4023,7 @@
                 </a:tc>
                 <a:extLst>
                   <a:ext uri="{0D108BD9-81ED-4DB2-BD59-A6C34878D82A}">
-                    <a16:rowId xmlns="" xmlns:a16="http://schemas.microsoft.com/office/drawing/2014/main" val="10000"/>
+                    <a16:rowId xmlns:a16="http://schemas.microsoft.com/office/drawing/2014/main" xmlns="" val="10000"/>
                   </a:ext>
                 </a:extLst>
               </a:tr>
@@ -4085,7 +4049,7 @@
                 </a:tc>
                 <a:extLst>
                   <a:ext uri="{0D108BD9-81ED-4DB2-BD59-A6C34878D82A}">
-                    <a16:rowId xmlns="" xmlns:a16="http://schemas.microsoft.com/office/drawing/2014/main" val="10001"/>
+                    <a16:rowId xmlns:a16="http://schemas.microsoft.com/office/drawing/2014/main" xmlns="" val="10001"/>
                   </a:ext>
                 </a:extLst>
               </a:tr>
@@ -4112,7 +4076,7 @@
                 </a:tc>
                 <a:extLst>
                   <a:ext uri="{0D108BD9-81ED-4DB2-BD59-A6C34878D82A}">
-                    <a16:rowId xmlns="" xmlns:a16="http://schemas.microsoft.com/office/drawing/2014/main" val="10002"/>
+                    <a16:rowId xmlns:a16="http://schemas.microsoft.com/office/drawing/2014/main" xmlns="" val="10002"/>
                   </a:ext>
                 </a:extLst>
               </a:tr>
@@ -4129,14 +4093,14 @@
           <p:nvPr>
             <p:extLst>
               <p:ext uri="{D42A27DB-BD31-4B8C-83A1-F6EECF244321}">
-                <p14:modId xmlns:p14="http://schemas.microsoft.com/office/powerpoint/2010/main" val="2420107238"/>
+                <p14:modId xmlns:p14="http://schemas.microsoft.com/office/powerpoint/2010/main" val="3580077993"/>
               </p:ext>
             </p:extLst>
           </p:nvPr>
         </p:nvGraphicFramePr>
         <p:xfrm>
-          <a:off x="7503307" y="4118327"/>
-          <a:ext cx="1317165" cy="2479025"/>
+          <a:off x="6804248" y="4293096"/>
+          <a:ext cx="1317165" cy="2357105"/>
         </p:xfrm>
         <a:graphic>
           <a:graphicData uri="http://schemas.openxmlformats.org/drawingml/2006/table">
@@ -4148,7 +4112,7 @@
                 <a:gridCol w="1317165">
                   <a:extLst>
                     <a:ext uri="{9D8B030D-6E8A-4147-A177-3AD203B41FA5}">
-                      <a16:colId xmlns="" xmlns:a16="http://schemas.microsoft.com/office/drawing/2014/main" val="20000"/>
+                      <a16:colId xmlns:a16="http://schemas.microsoft.com/office/drawing/2014/main" xmlns="" val="20000"/>
                     </a:ext>
                   </a:extLst>
                 </a:gridCol>
@@ -4170,7 +4134,28 @@
                 </a:tc>
                 <a:extLst>
                   <a:ext uri="{0D108BD9-81ED-4DB2-BD59-A6C34878D82A}">
-                    <a16:rowId xmlns="" xmlns:a16="http://schemas.microsoft.com/office/drawing/2014/main" val="10000"/>
+                    <a16:rowId xmlns:a16="http://schemas.microsoft.com/office/drawing/2014/main" xmlns="" val="10000"/>
+                  </a:ext>
+                </a:extLst>
+              </a:tr>
+              <a:tr h="208543">
+                <a:tc>
+                  <a:txBody>
+                    <a:bodyPr/>
+                    <a:lstStyle/>
+                    <a:p>
+                      <a:r>
+                        <a:rPr lang="es-ES" sz="800" dirty="0" smtClean="0"/>
+                        <a:t>NUM_FACTURA</a:t>
+                      </a:r>
+                      <a:endParaRPr lang="es-ES" sz="800" dirty="0"/>
+                    </a:p>
+                  </a:txBody>
+                  <a:tcPr/>
+                </a:tc>
+                <a:extLst>
+                  <a:ext uri="{0D108BD9-81ED-4DB2-BD59-A6C34878D82A}">
+                    <a16:rowId xmlns:a16="http://schemas.microsoft.com/office/drawing/2014/main" xmlns="" val="10001"/>
                   </a:ext>
                 </a:extLst>
               </a:tr>
@@ -4212,19 +4197,63 @@
                     <a:p>
                       <a:r>
                         <a:rPr lang="es-ES" sz="800" dirty="0" smtClean="0"/>
-                        <a:t>CONCEPTO</a:t>
-                      </a:r>
-                    </a:p>
-                    <a:p>
-                      <a:r>
-                        <a:rPr lang="es-ES" sz="800" dirty="0" smtClean="0"/>
                         <a:t>ANO</a:t>
                       </a:r>
                     </a:p>
                     <a:p>
                       <a:r>
                         <a:rPr lang="es-ES" sz="800" dirty="0" smtClean="0"/>
-                        <a:t>NUM_FACTURA</a:t>
+                        <a:t>PERIODO</a:t>
+                      </a:r>
+                      <a:endParaRPr lang="es-ES" sz="800" dirty="0" smtClean="0"/>
+                    </a:p>
+                    <a:p>
+                      <a:r>
+                        <a:rPr lang="es-ES" sz="800" dirty="0" smtClean="0"/>
+                        <a:t>NUM_FACTURA_EXTERNO</a:t>
+                      </a:r>
+                      <a:endParaRPr lang="es-ES" sz="800" u="sng" dirty="0" smtClean="0"/>
+                    </a:p>
+                    <a:p>
+                      <a:r>
+                        <a:rPr lang="es-ES" sz="800" dirty="0" smtClean="0"/>
+                        <a:t>FECHA_FACTURA</a:t>
+                      </a:r>
+                    </a:p>
+                    <a:p>
+                      <a:r>
+                        <a:rPr lang="es-ES" sz="800" dirty="0" smtClean="0"/>
+                        <a:t>FECHA_ULT_CONTACTO</a:t>
+                      </a:r>
+                    </a:p>
+                    <a:p>
+                      <a:r>
+                        <a:rPr lang="es-ES" sz="800" dirty="0" smtClean="0"/>
+                        <a:t>FECHA_CERT</a:t>
+                      </a:r>
+                    </a:p>
+                    <a:p>
+                      <a:r>
+                        <a:rPr lang="es-ES" sz="800" dirty="0" smtClean="0"/>
+                        <a:t>FECHA_PAGO</a:t>
+                      </a:r>
+                    </a:p>
+                    <a:p>
+                      <a:r>
+                        <a:rPr lang="es-ES" sz="800" dirty="0" smtClean="0"/>
+                        <a:t>FECHA_DEV</a:t>
+                      </a:r>
+                    </a:p>
+                    <a:p>
+                      <a:r>
+                        <a:rPr lang="es-ES" sz="800" dirty="0" smtClean="0"/>
+                        <a:t>PAGADOR</a:t>
+                      </a:r>
+                    </a:p>
+                    <a:p>
+                      <a:r>
+                        <a:rPr lang="es-ES" sz="800" dirty="0" smtClean="0"/>
+                        <a:t>COMENTARIOS</a:t>
                       </a:r>
                       <a:endParaRPr lang="es-ES" sz="800" dirty="0"/>
                     </a:p>
@@ -4233,77 +4262,7 @@
                 </a:tc>
                 <a:extLst>
                   <a:ext uri="{0D108BD9-81ED-4DB2-BD59-A6C34878D82A}">
-                    <a16:rowId xmlns="" xmlns:a16="http://schemas.microsoft.com/office/drawing/2014/main" val="10001"/>
-                  </a:ext>
-                </a:extLst>
-              </a:tr>
-              <a:tr h="989806">
-                <a:tc>
-                  <a:txBody>
-                    <a:bodyPr/>
-                    <a:lstStyle/>
-                    <a:p>
-                      <a:r>
-                        <a:rPr lang="es-ES" sz="800" dirty="0" smtClean="0"/>
-                        <a:t>PERIODO</a:t>
-                      </a:r>
-                    </a:p>
-                    <a:p>
-                      <a:r>
-                        <a:rPr lang="es-ES" sz="800" dirty="0" smtClean="0"/>
-                        <a:t>NUM_FACTURA_EXTERNO</a:t>
-                      </a:r>
-                      <a:endParaRPr lang="es-ES" sz="800" u="sng" dirty="0" smtClean="0"/>
-                    </a:p>
-                    <a:p>
-                      <a:r>
-                        <a:rPr lang="es-ES" sz="800" dirty="0" smtClean="0"/>
-                        <a:t>FECHA_FACTURA</a:t>
-                      </a:r>
-                    </a:p>
-                    <a:p>
-                      <a:r>
-                        <a:rPr lang="es-ES" sz="800" dirty="0" smtClean="0"/>
-                        <a:t>FECHA_ULT_CONTACTO</a:t>
-                      </a:r>
-                    </a:p>
-                    <a:p>
-                      <a:r>
-                        <a:rPr lang="es-ES" sz="800" dirty="0" smtClean="0"/>
-                        <a:t>FECHA_CERT</a:t>
-                      </a:r>
-                    </a:p>
-                    <a:p>
-                      <a:r>
-                        <a:rPr lang="es-ES" sz="800" dirty="0" smtClean="0"/>
-                        <a:t>FECHA_PAGO</a:t>
-                      </a:r>
-                    </a:p>
-                    <a:p>
-                      <a:r>
-                        <a:rPr lang="es-ES" sz="800" dirty="0" smtClean="0"/>
-                        <a:t>FECHA_DEV</a:t>
-                      </a:r>
-                    </a:p>
-                    <a:p>
-                      <a:r>
-                        <a:rPr lang="es-ES" sz="800" dirty="0" smtClean="0"/>
-                        <a:t>PAGADOR</a:t>
-                      </a:r>
-                    </a:p>
-                    <a:p>
-                      <a:r>
-                        <a:rPr lang="es-ES" sz="800" dirty="0" smtClean="0"/>
-                        <a:t>COMENTARIOS</a:t>
-                      </a:r>
-                      <a:endParaRPr lang="es-ES" sz="800" dirty="0"/>
-                    </a:p>
-                  </a:txBody>
-                  <a:tcPr/>
-                </a:tc>
-                <a:extLst>
-                  <a:ext uri="{0D108BD9-81ED-4DB2-BD59-A6C34878D82A}">
-                    <a16:rowId xmlns="" xmlns:a16="http://schemas.microsoft.com/office/drawing/2014/main" val="10002"/>
+                    <a16:rowId xmlns:a16="http://schemas.microsoft.com/office/drawing/2014/main" xmlns="" val="10002"/>
                   </a:ext>
                 </a:extLst>
               </a:tr>
@@ -4320,13 +4279,13 @@
           <p:nvPr>
             <p:extLst>
               <p:ext uri="{D42A27DB-BD31-4B8C-83A1-F6EECF244321}">
-                <p14:modId xmlns:p14="http://schemas.microsoft.com/office/powerpoint/2010/main" val="1870707527"/>
+                <p14:modId xmlns:p14="http://schemas.microsoft.com/office/powerpoint/2010/main" val="642962340"/>
               </p:ext>
             </p:extLst>
           </p:nvPr>
         </p:nvGraphicFramePr>
         <p:xfrm>
-          <a:off x="5878349" y="5013176"/>
+          <a:off x="5580112" y="4293096"/>
           <a:ext cx="1080120" cy="1249680"/>
         </p:xfrm>
         <a:graphic>
@@ -4339,7 +4298,7 @@
                 <a:gridCol w="1080120">
                   <a:extLst>
                     <a:ext uri="{9D8B030D-6E8A-4147-A177-3AD203B41FA5}">
-                      <a16:colId xmlns="" xmlns:a16="http://schemas.microsoft.com/office/drawing/2014/main" val="20000"/>
+                      <a16:colId xmlns:a16="http://schemas.microsoft.com/office/drawing/2014/main" xmlns="" val="20000"/>
                     </a:ext>
                   </a:extLst>
                 </a:gridCol>
@@ -4361,7 +4320,7 @@
                 </a:tc>
                 <a:extLst>
                   <a:ext uri="{0D108BD9-81ED-4DB2-BD59-A6C34878D82A}">
-                    <a16:rowId xmlns="" xmlns:a16="http://schemas.microsoft.com/office/drawing/2014/main" val="10000"/>
+                    <a16:rowId xmlns:a16="http://schemas.microsoft.com/office/drawing/2014/main" xmlns="" val="10000"/>
                   </a:ext>
                 </a:extLst>
               </a:tr>
@@ -4394,7 +4353,7 @@
                 </a:tc>
                 <a:extLst>
                   <a:ext uri="{0D108BD9-81ED-4DB2-BD59-A6C34878D82A}">
-                    <a16:rowId xmlns="" xmlns:a16="http://schemas.microsoft.com/office/drawing/2014/main" val="10001"/>
+                    <a16:rowId xmlns:a16="http://schemas.microsoft.com/office/drawing/2014/main" xmlns="" val="10001"/>
                   </a:ext>
                 </a:extLst>
               </a:tr>
@@ -4427,7 +4386,7 @@
                 </a:tc>
                 <a:extLst>
                   <a:ext uri="{0D108BD9-81ED-4DB2-BD59-A6C34878D82A}">
-                    <a16:rowId xmlns="" xmlns:a16="http://schemas.microsoft.com/office/drawing/2014/main" val="10002"/>
+                    <a16:rowId xmlns:a16="http://schemas.microsoft.com/office/drawing/2014/main" xmlns="" val="10002"/>
                   </a:ext>
                 </a:extLst>
               </a:tr>
@@ -4444,13 +4403,13 @@
           <p:nvPr>
             <p:extLst>
               <p:ext uri="{D42A27DB-BD31-4B8C-83A1-F6EECF244321}">
-                <p14:modId xmlns:p14="http://schemas.microsoft.com/office/powerpoint/2010/main" val="1982754450"/>
+                <p14:modId xmlns:p14="http://schemas.microsoft.com/office/powerpoint/2010/main" val="680192760"/>
               </p:ext>
             </p:extLst>
           </p:nvPr>
         </p:nvGraphicFramePr>
         <p:xfrm>
-          <a:off x="3923928" y="4505672"/>
+          <a:off x="3923928" y="4581128"/>
           <a:ext cx="1512168" cy="1371600"/>
         </p:xfrm>
         <a:graphic>
@@ -4463,7 +4422,7 @@
                 <a:gridCol w="1512168">
                   <a:extLst>
                     <a:ext uri="{9D8B030D-6E8A-4147-A177-3AD203B41FA5}">
-                      <a16:colId xmlns="" xmlns:a16="http://schemas.microsoft.com/office/drawing/2014/main" val="20000"/>
+                      <a16:colId xmlns:a16="http://schemas.microsoft.com/office/drawing/2014/main" xmlns="" val="20000"/>
                     </a:ext>
                   </a:extLst>
                 </a:gridCol>
@@ -4476,7 +4435,7 @@
                     <a:p>
                       <a:r>
                         <a:rPr lang="es-ES" sz="800" i="1" dirty="0" smtClean="0"/>
-                        <a:t>EVENTOS</a:t>
+                        <a:t>EVENTOS_CONTRATACION</a:t>
                       </a:r>
                       <a:endParaRPr lang="es-ES" sz="800" i="1" dirty="0"/>
                     </a:p>
@@ -4485,7 +4444,7 @@
                 </a:tc>
                 <a:extLst>
                   <a:ext uri="{0D108BD9-81ED-4DB2-BD59-A6C34878D82A}">
-                    <a16:rowId xmlns="" xmlns:a16="http://schemas.microsoft.com/office/drawing/2014/main" val="10000"/>
+                    <a16:rowId xmlns:a16="http://schemas.microsoft.com/office/drawing/2014/main" xmlns="" val="10000"/>
                   </a:ext>
                 </a:extLst>
               </a:tr>
@@ -4506,7 +4465,7 @@
                 </a:tc>
                 <a:extLst>
                   <a:ext uri="{0D108BD9-81ED-4DB2-BD59-A6C34878D82A}">
-                    <a16:rowId xmlns="" xmlns:a16="http://schemas.microsoft.com/office/drawing/2014/main" val="10001"/>
+                    <a16:rowId xmlns:a16="http://schemas.microsoft.com/office/drawing/2014/main" xmlns="" val="10001"/>
                   </a:ext>
                 </a:extLst>
               </a:tr>
@@ -4541,8 +4500,9 @@
                       </a:pPr>
                       <a:r>
                         <a:rPr lang="es-ES" sz="800" dirty="0" smtClean="0"/>
-                        <a:t>TIPO_EVENTO</a:t>
-                      </a:r>
+                        <a:t>TIPO_EVENTO_CONTRATACION</a:t>
+                      </a:r>
+                      <a:endParaRPr lang="es-ES" sz="800" dirty="0" smtClean="0"/>
                     </a:p>
                     <a:p>
                       <a:pPr marL="0" marR="0" indent="0" algn="l" defTabSz="914400" rtl="0" eaLnBrk="1" fontAlgn="auto" latinLnBrk="0" hangingPunct="1">
@@ -4636,7 +4596,7 @@
                 </a:tc>
                 <a:extLst>
                   <a:ext uri="{0D108BD9-81ED-4DB2-BD59-A6C34878D82A}">
-                    <a16:rowId xmlns="" xmlns:a16="http://schemas.microsoft.com/office/drawing/2014/main" val="10002"/>
+                    <a16:rowId xmlns:a16="http://schemas.microsoft.com/office/drawing/2014/main" xmlns="" val="10002"/>
                   </a:ext>
                 </a:extLst>
               </a:tr>
@@ -4653,13 +4613,13 @@
           <p:nvPr>
             <p:extLst>
               <p:ext uri="{D42A27DB-BD31-4B8C-83A1-F6EECF244321}">
-                <p14:modId xmlns:p14="http://schemas.microsoft.com/office/powerpoint/2010/main" val="4100306011"/>
+                <p14:modId xmlns:p14="http://schemas.microsoft.com/office/powerpoint/2010/main" val="2853874460"/>
               </p:ext>
             </p:extLst>
           </p:nvPr>
         </p:nvGraphicFramePr>
         <p:xfrm>
-          <a:off x="443880" y="2661057"/>
+          <a:off x="251520" y="2522984"/>
           <a:ext cx="1463824" cy="762000"/>
         </p:xfrm>
         <a:graphic>
@@ -4672,7 +4632,7 @@
                 <a:gridCol w="1463824">
                   <a:extLst>
                     <a:ext uri="{9D8B030D-6E8A-4147-A177-3AD203B41FA5}">
-                      <a16:colId xmlns="" xmlns:a16="http://schemas.microsoft.com/office/drawing/2014/main" val="20000"/>
+                      <a16:colId xmlns:a16="http://schemas.microsoft.com/office/drawing/2014/main" xmlns="" val="20000"/>
                     </a:ext>
                   </a:extLst>
                 </a:gridCol>
@@ -4685,11 +4645,7 @@
                     <a:p>
                       <a:r>
                         <a:rPr lang="es-ES" sz="800" i="1" dirty="0" smtClean="0"/>
-                        <a:t>Distribuciones </a:t>
-                      </a:r>
-                      <a:r>
-                        <a:rPr lang="es-ES" sz="800" i="1" dirty="0" err="1" smtClean="0"/>
-                        <a:t>prevision</a:t>
+                        <a:t>DISTRIBUCION_PREVISION</a:t>
                       </a:r>
                       <a:endParaRPr lang="es-ES" sz="800" i="1" dirty="0"/>
                     </a:p>
@@ -4698,7 +4654,7 @@
                 </a:tc>
                 <a:extLst>
                   <a:ext uri="{0D108BD9-81ED-4DB2-BD59-A6C34878D82A}">
-                    <a16:rowId xmlns="" xmlns:a16="http://schemas.microsoft.com/office/drawing/2014/main" val="10000"/>
+                    <a16:rowId xmlns:a16="http://schemas.microsoft.com/office/drawing/2014/main" xmlns="" val="10000"/>
                   </a:ext>
                 </a:extLst>
               </a:tr>
@@ -4725,7 +4681,7 @@
                 </a:tc>
                 <a:extLst>
                   <a:ext uri="{0D108BD9-81ED-4DB2-BD59-A6C34878D82A}">
-                    <a16:rowId xmlns="" xmlns:a16="http://schemas.microsoft.com/office/drawing/2014/main" val="10001"/>
+                    <a16:rowId xmlns:a16="http://schemas.microsoft.com/office/drawing/2014/main" xmlns="" val="10001"/>
                   </a:ext>
                 </a:extLst>
               </a:tr>
@@ -4746,7 +4702,7 @@
                 </a:tc>
                 <a:extLst>
                   <a:ext uri="{0D108BD9-81ED-4DB2-BD59-A6C34878D82A}">
-                    <a16:rowId xmlns="" xmlns:a16="http://schemas.microsoft.com/office/drawing/2014/main" val="10002"/>
+                    <a16:rowId xmlns:a16="http://schemas.microsoft.com/office/drawing/2014/main" xmlns="" val="10002"/>
                   </a:ext>
                 </a:extLst>
               </a:tr>
@@ -4765,12 +4721,12 @@
         </p:nvCxnSpPr>
         <p:spPr>
           <a:xfrm rot="16200000" flipH="1">
-            <a:off x="1825727" y="2773122"/>
-            <a:ext cx="439901" cy="1739770"/>
+            <a:off x="1843390" y="2425026"/>
+            <a:ext cx="212214" cy="1932130"/>
           </a:xfrm>
           <a:prstGeom prst="bentConnector3">
             <a:avLst>
-              <a:gd name="adj1" fmla="val 151966"/>
+              <a:gd name="adj1" fmla="val 207721"/>
             </a:avLst>
           </a:prstGeom>
           <a:ln>
@@ -4805,7 +4761,7 @@
         <p:spPr>
           <a:xfrm>
             <a:off x="1787352" y="1679625"/>
-            <a:ext cx="396298" cy="623966"/>
+            <a:ext cx="396298" cy="441086"/>
           </a:xfrm>
           <a:prstGeom prst="bentConnector3">
             <a:avLst/>
@@ -4841,8 +4797,8 @@
         </p:nvCxnSpPr>
         <p:spPr>
           <a:xfrm>
-            <a:off x="3647474" y="2303591"/>
-            <a:ext cx="324798" cy="240522"/>
+            <a:off x="3647474" y="2120711"/>
+            <a:ext cx="324798" cy="484362"/>
           </a:xfrm>
           <a:prstGeom prst="bentConnector3">
             <a:avLst/>
@@ -4878,8 +4834,8 @@
         </p:nvCxnSpPr>
         <p:spPr>
           <a:xfrm rot="5400000" flipH="1" flipV="1">
-            <a:off x="4480939" y="4282427"/>
-            <a:ext cx="422319" cy="24172"/>
+            <a:off x="4504171" y="4381115"/>
+            <a:ext cx="375855" cy="24172"/>
           </a:xfrm>
           <a:prstGeom prst="bentConnector3">
             <a:avLst>
@@ -4918,7 +4874,7 @@
         <p:spPr>
           <a:xfrm flipV="1">
             <a:off x="7092280" y="1566704"/>
-            <a:ext cx="504056" cy="1353825"/>
+            <a:ext cx="504056" cy="1414785"/>
           </a:xfrm>
           <a:prstGeom prst="bentConnector3">
             <a:avLst>
@@ -4956,8 +4912,8 @@
         </p:nvCxnSpPr>
         <p:spPr>
           <a:xfrm rot="5400000" flipH="1" flipV="1">
-            <a:off x="5901701" y="4488798"/>
-            <a:ext cx="1041087" cy="7670"/>
+            <a:off x="6173582" y="4040600"/>
+            <a:ext cx="199087" cy="305907"/>
           </a:xfrm>
           <a:prstGeom prst="bentConnector3">
             <a:avLst>
@@ -4995,7 +4951,7 @@
         </p:nvCxnSpPr>
         <p:spPr>
           <a:xfrm>
-            <a:off x="5436096" y="2544113"/>
+            <a:off x="5436096" y="2605073"/>
             <a:ext cx="323782" cy="376416"/>
           </a:xfrm>
           <a:prstGeom prst="bentConnector3">
@@ -5026,15 +4982,15 @@
           <p:cNvPr id="40" name="39 Conector angular"/>
           <p:cNvCxnSpPr>
             <a:cxnSpLocks/>
-            <a:stCxn id="9" idx="0"/>
+            <a:stCxn id="64" idx="0"/>
             <a:endCxn id="47" idx="2"/>
           </p:cNvCxnSpPr>
           <p:nvPr/>
         </p:nvCxnSpPr>
         <p:spPr>
-          <a:xfrm rot="5400000" flipH="1" flipV="1">
-            <a:off x="8115097" y="3989017"/>
-            <a:ext cx="176103" cy="82519"/>
+          <a:xfrm rot="16200000" flipV="1">
+            <a:off x="8434267" y="3752366"/>
+            <a:ext cx="350873" cy="730590"/>
           </a:xfrm>
           <a:prstGeom prst="bentConnector3">
             <a:avLst>
@@ -5089,7 +5045,7 @@
                 <a:gridCol w="1080120">
                   <a:extLst>
                     <a:ext uri="{9D8B030D-6E8A-4147-A177-3AD203B41FA5}">
-                      <a16:colId xmlns="" xmlns:a16="http://schemas.microsoft.com/office/drawing/2014/main" val="20000"/>
+                      <a16:colId xmlns:a16="http://schemas.microsoft.com/office/drawing/2014/main" xmlns="" val="20000"/>
                     </a:ext>
                   </a:extLst>
                 </a:gridCol>
@@ -5111,7 +5067,7 @@
                 </a:tc>
                 <a:extLst>
                   <a:ext uri="{0D108BD9-81ED-4DB2-BD59-A6C34878D82A}">
-                    <a16:rowId xmlns="" xmlns:a16="http://schemas.microsoft.com/office/drawing/2014/main" val="10000"/>
+                    <a16:rowId xmlns:a16="http://schemas.microsoft.com/office/drawing/2014/main" xmlns="" val="10000"/>
                   </a:ext>
                 </a:extLst>
               </a:tr>
@@ -5138,7 +5094,7 @@
                 </a:tc>
                 <a:extLst>
                   <a:ext uri="{0D108BD9-81ED-4DB2-BD59-A6C34878D82A}">
-                    <a16:rowId xmlns="" xmlns:a16="http://schemas.microsoft.com/office/drawing/2014/main" val="10001"/>
+                    <a16:rowId xmlns:a16="http://schemas.microsoft.com/office/drawing/2014/main" xmlns="" val="10001"/>
                   </a:ext>
                 </a:extLst>
               </a:tr>
@@ -5171,7 +5127,7 @@
                 </a:tc>
                 <a:extLst>
                   <a:ext uri="{0D108BD9-81ED-4DB2-BD59-A6C34878D82A}">
-                    <a16:rowId xmlns="" xmlns:a16="http://schemas.microsoft.com/office/drawing/2014/main" val="10002"/>
+                    <a16:rowId xmlns:a16="http://schemas.microsoft.com/office/drawing/2014/main" xmlns="" val="10002"/>
                   </a:ext>
                 </a:extLst>
               </a:tr>
@@ -5228,13 +5184,13 @@
           <p:nvPr>
             <p:extLst>
               <p:ext uri="{D42A27DB-BD31-4B8C-83A1-F6EECF244321}">
-                <p14:modId xmlns:p14="http://schemas.microsoft.com/office/powerpoint/2010/main" val="762771252"/>
+                <p14:modId xmlns:p14="http://schemas.microsoft.com/office/powerpoint/2010/main" val="2936666820"/>
               </p:ext>
             </p:extLst>
           </p:nvPr>
         </p:nvGraphicFramePr>
         <p:xfrm>
-          <a:off x="548488" y="4636124"/>
+          <a:off x="548488" y="5306292"/>
           <a:ext cx="1368152" cy="1867124"/>
         </p:xfrm>
         <a:graphic>
@@ -5247,7 +5203,7 @@
                 <a:gridCol w="1368152">
                   <a:extLst>
                     <a:ext uri="{9D8B030D-6E8A-4147-A177-3AD203B41FA5}">
-                      <a16:colId xmlns="" xmlns:a16="http://schemas.microsoft.com/office/drawing/2014/main" val="20000"/>
+                      <a16:colId xmlns:a16="http://schemas.microsoft.com/office/drawing/2014/main" xmlns="" val="20000"/>
                     </a:ext>
                   </a:extLst>
                 </a:gridCol>
@@ -5269,7 +5225,7 @@
                 </a:tc>
                 <a:extLst>
                   <a:ext uri="{0D108BD9-81ED-4DB2-BD59-A6C34878D82A}">
-                    <a16:rowId xmlns="" xmlns:a16="http://schemas.microsoft.com/office/drawing/2014/main" val="10000"/>
+                    <a16:rowId xmlns:a16="http://schemas.microsoft.com/office/drawing/2014/main" xmlns="" val="10000"/>
                   </a:ext>
                 </a:extLst>
               </a:tr>
@@ -5338,7 +5294,7 @@
                 </a:tc>
                 <a:extLst>
                   <a:ext uri="{0D108BD9-81ED-4DB2-BD59-A6C34878D82A}">
-                    <a16:rowId xmlns="" xmlns:a16="http://schemas.microsoft.com/office/drawing/2014/main" val="10001"/>
+                    <a16:rowId xmlns:a16="http://schemas.microsoft.com/office/drawing/2014/main" xmlns="" val="10001"/>
                   </a:ext>
                 </a:extLst>
               </a:tr>
@@ -5371,7 +5327,7 @@
                 </a:tc>
                 <a:extLst>
                   <a:ext uri="{0D108BD9-81ED-4DB2-BD59-A6C34878D82A}">
-                    <a16:rowId xmlns="" xmlns:a16="http://schemas.microsoft.com/office/drawing/2014/main" val="10002"/>
+                    <a16:rowId xmlns:a16="http://schemas.microsoft.com/office/drawing/2014/main" xmlns="" val="10002"/>
                   </a:ext>
                 </a:extLst>
               </a:tr>
@@ -5390,13 +5346,13 @@
           <p:nvPr/>
         </p:nvCxnSpPr>
         <p:spPr>
-          <a:xfrm rot="5400000" flipH="1">
-            <a:off x="4650175" y="3085638"/>
-            <a:ext cx="94104" cy="6929325"/>
+          <a:xfrm rot="5400000">
+            <a:off x="4086090" y="3796675"/>
+            <a:ext cx="523215" cy="6230266"/>
           </a:xfrm>
           <a:prstGeom prst="bentConnector3">
             <a:avLst>
-              <a:gd name="adj1" fmla="val -242923"/>
+              <a:gd name="adj1" fmla="val 143691"/>
             </a:avLst>
           </a:prstGeom>
           <a:ln>
@@ -5424,7 +5380,7 @@
           <p:cNvPr id="20" name="CuadroTexto 19">
             <a:extLst>
               <a:ext uri="{FF2B5EF4-FFF2-40B4-BE49-F238E27FC236}">
-                <a16:creationId xmlns="" xmlns:a16="http://schemas.microsoft.com/office/drawing/2014/main" id="{58ABF96F-D80D-4391-85D2-883FE28F91A0}"/>
+                <a16:creationId xmlns:a16="http://schemas.microsoft.com/office/drawing/2014/main" xmlns="" id="{58ABF96F-D80D-4391-85D2-883FE28F91A0}"/>
               </a:ext>
             </a:extLst>
           </p:cNvPr>
@@ -5459,7 +5415,7 @@
           <p:cNvPr id="39" name="CuadroTexto 38">
             <a:extLst>
               <a:ext uri="{FF2B5EF4-FFF2-40B4-BE49-F238E27FC236}">
-                <a16:creationId xmlns="" xmlns:a16="http://schemas.microsoft.com/office/drawing/2014/main" id="{6B08FE2C-B795-482D-8B2D-91CAB6048C42}"/>
+                <a16:creationId xmlns:a16="http://schemas.microsoft.com/office/drawing/2014/main" xmlns="" id="{6B08FE2C-B795-482D-8B2D-91CAB6048C42}"/>
               </a:ext>
             </a:extLst>
           </p:cNvPr>
@@ -5494,7 +5450,7 @@
           <p:cNvPr id="42" name="CuadroTexto 41">
             <a:extLst>
               <a:ext uri="{FF2B5EF4-FFF2-40B4-BE49-F238E27FC236}">
-                <a16:creationId xmlns="" xmlns:a16="http://schemas.microsoft.com/office/drawing/2014/main" id="{D4BD3DB6-0773-492F-8371-E4DBF04AB502}"/>
+                <a16:creationId xmlns:a16="http://schemas.microsoft.com/office/drawing/2014/main" xmlns="" id="{D4BD3DB6-0773-492F-8371-E4DBF04AB502}"/>
               </a:ext>
             </a:extLst>
           </p:cNvPr>
@@ -5530,7 +5486,7 @@
           <p:cNvPr id="43" name="CuadroTexto 42">
             <a:extLst>
               <a:ext uri="{FF2B5EF4-FFF2-40B4-BE49-F238E27FC236}">
-                <a16:creationId xmlns="" xmlns:a16="http://schemas.microsoft.com/office/drawing/2014/main" id="{319322CE-E44B-4D1D-8E0E-B3B87AE651CB}"/>
+                <a16:creationId xmlns:a16="http://schemas.microsoft.com/office/drawing/2014/main" xmlns="" id="{319322CE-E44B-4D1D-8E0E-B3B87AE651CB}"/>
               </a:ext>
             </a:extLst>
           </p:cNvPr>
@@ -5539,7 +5495,7 @@
         </p:nvSpPr>
         <p:spPr>
           <a:xfrm>
-            <a:off x="4731559" y="4240964"/>
+            <a:off x="4731559" y="4293096"/>
             <a:ext cx="432556" cy="215444"/>
           </a:xfrm>
           <a:prstGeom prst="rect">
@@ -5565,7 +5521,7 @@
           <p:cNvPr id="45" name="CuadroTexto 44">
             <a:extLst>
               <a:ext uri="{FF2B5EF4-FFF2-40B4-BE49-F238E27FC236}">
-                <a16:creationId xmlns="" xmlns:a16="http://schemas.microsoft.com/office/drawing/2014/main" id="{58DDF0F6-557A-42E3-87C5-C25B3173C4ED}"/>
+                <a16:creationId xmlns:a16="http://schemas.microsoft.com/office/drawing/2014/main" xmlns="" id="{58DDF0F6-557A-42E3-87C5-C25B3173C4ED}"/>
               </a:ext>
             </a:extLst>
           </p:cNvPr>
@@ -5600,7 +5556,7 @@
           <p:cNvPr id="46" name="CuadroTexto 45">
             <a:extLst>
               <a:ext uri="{FF2B5EF4-FFF2-40B4-BE49-F238E27FC236}">
-                <a16:creationId xmlns="" xmlns:a16="http://schemas.microsoft.com/office/drawing/2014/main" id="{55F53D7F-2119-4913-AA53-D870B574148E}"/>
+                <a16:creationId xmlns:a16="http://schemas.microsoft.com/office/drawing/2014/main" xmlns="" id="{55F53D7F-2119-4913-AA53-D870B574148E}"/>
               </a:ext>
             </a:extLst>
           </p:cNvPr>
@@ -5635,7 +5591,7 @@
           <p:cNvPr id="52" name="CuadroTexto 51">
             <a:extLst>
               <a:ext uri="{FF2B5EF4-FFF2-40B4-BE49-F238E27FC236}">
-                <a16:creationId xmlns="" xmlns:a16="http://schemas.microsoft.com/office/drawing/2014/main" id="{B6D70908-F77F-48B9-9026-68A9D9B4D50E}"/>
+                <a16:creationId xmlns:a16="http://schemas.microsoft.com/office/drawing/2014/main" xmlns="" id="{B6D70908-F77F-48B9-9026-68A9D9B4D50E}"/>
               </a:ext>
             </a:extLst>
           </p:cNvPr>
@@ -5670,7 +5626,7 @@
           <p:cNvPr id="53" name="CuadroTexto 52">
             <a:extLst>
               <a:ext uri="{FF2B5EF4-FFF2-40B4-BE49-F238E27FC236}">
-                <a16:creationId xmlns="" xmlns:a16="http://schemas.microsoft.com/office/drawing/2014/main" id="{753AD79F-CA2B-4809-8F9C-D46F075A8F66}"/>
+                <a16:creationId xmlns:a16="http://schemas.microsoft.com/office/drawing/2014/main" xmlns="" id="{753AD79F-CA2B-4809-8F9C-D46F075A8F66}"/>
               </a:ext>
             </a:extLst>
           </p:cNvPr>
@@ -5705,7 +5661,7 @@
           <p:cNvPr id="57" name="CuadroTexto 56">
             <a:extLst>
               <a:ext uri="{FF2B5EF4-FFF2-40B4-BE49-F238E27FC236}">
-                <a16:creationId xmlns="" xmlns:a16="http://schemas.microsoft.com/office/drawing/2014/main" id="{D5180711-4B86-4B2F-956C-8DDD8710CE54}"/>
+                <a16:creationId xmlns:a16="http://schemas.microsoft.com/office/drawing/2014/main" xmlns="" id="{D5180711-4B86-4B2F-956C-8DDD8710CE54}"/>
               </a:ext>
             </a:extLst>
           </p:cNvPr>
@@ -5714,7 +5670,7 @@
         </p:nvSpPr>
         <p:spPr>
           <a:xfrm>
-            <a:off x="6418409" y="4323951"/>
+            <a:off x="6418409" y="4077072"/>
             <a:ext cx="432556" cy="215444"/>
           </a:xfrm>
           <a:prstGeom prst="rect">
@@ -5740,7 +5696,7 @@
           <p:cNvPr id="58" name="CuadroTexto 57">
             <a:extLst>
               <a:ext uri="{FF2B5EF4-FFF2-40B4-BE49-F238E27FC236}">
-                <a16:creationId xmlns="" xmlns:a16="http://schemas.microsoft.com/office/drawing/2014/main" id="{D7B2DB04-F793-460A-B7CB-1510DCB68D1D}"/>
+                <a16:creationId xmlns:a16="http://schemas.microsoft.com/office/drawing/2014/main" xmlns="" id="{D7B2DB04-F793-460A-B7CB-1510DCB68D1D}"/>
               </a:ext>
             </a:extLst>
           </p:cNvPr>
@@ -5775,7 +5731,7 @@
           <p:cNvPr id="66" name="18 Tabla">
             <a:extLst>
               <a:ext uri="{FF2B5EF4-FFF2-40B4-BE49-F238E27FC236}">
-                <a16:creationId xmlns="" xmlns:a16="http://schemas.microsoft.com/office/drawing/2014/main" id="{05566C85-30C2-4CE1-8CE7-EDB88250823F}"/>
+                <a16:creationId xmlns:a16="http://schemas.microsoft.com/office/drawing/2014/main" xmlns="" id="{05566C85-30C2-4CE1-8CE7-EDB88250823F}"/>
               </a:ext>
             </a:extLst>
           </p:cNvPr>
@@ -5804,7 +5760,7 @@
                 <a:gridCol w="1920581">
                   <a:extLst>
                     <a:ext uri="{9D8B030D-6E8A-4147-A177-3AD203B41FA5}">
-                      <a16:colId xmlns="" xmlns:a16="http://schemas.microsoft.com/office/drawing/2014/main" val="20000"/>
+                      <a16:colId xmlns:a16="http://schemas.microsoft.com/office/drawing/2014/main" xmlns="" val="20000"/>
                     </a:ext>
                   </a:extLst>
                 </a:gridCol>
@@ -5826,7 +5782,7 @@
                 </a:tc>
                 <a:extLst>
                   <a:ext uri="{0D108BD9-81ED-4DB2-BD59-A6C34878D82A}">
-                    <a16:rowId xmlns="" xmlns:a16="http://schemas.microsoft.com/office/drawing/2014/main" val="10000"/>
+                    <a16:rowId xmlns:a16="http://schemas.microsoft.com/office/drawing/2014/main" xmlns="" val="10000"/>
                   </a:ext>
                 </a:extLst>
               </a:tr>
@@ -5859,7 +5815,7 @@
                 </a:tc>
                 <a:extLst>
                   <a:ext uri="{0D108BD9-81ED-4DB2-BD59-A6C34878D82A}">
-                    <a16:rowId xmlns="" xmlns:a16="http://schemas.microsoft.com/office/drawing/2014/main" val="10001"/>
+                    <a16:rowId xmlns:a16="http://schemas.microsoft.com/office/drawing/2014/main" xmlns="" val="10001"/>
                   </a:ext>
                 </a:extLst>
               </a:tr>
@@ -5880,7 +5836,7 @@
                 </a:tc>
                 <a:extLst>
                   <a:ext uri="{0D108BD9-81ED-4DB2-BD59-A6C34878D82A}">
-                    <a16:rowId xmlns="" xmlns:a16="http://schemas.microsoft.com/office/drawing/2014/main" val="10002"/>
+                    <a16:rowId xmlns:a16="http://schemas.microsoft.com/office/drawing/2014/main" xmlns="" val="10002"/>
                   </a:ext>
                 </a:extLst>
               </a:tr>
@@ -5893,7 +5849,7 @@
           <p:cNvPr id="67" name="23 Conector angular">
             <a:extLst>
               <a:ext uri="{FF2B5EF4-FFF2-40B4-BE49-F238E27FC236}">
-                <a16:creationId xmlns="" xmlns:a16="http://schemas.microsoft.com/office/drawing/2014/main" id="{651FD637-AEF2-4614-B81D-AA28E6099CB3}"/>
+                <a16:creationId xmlns:a16="http://schemas.microsoft.com/office/drawing/2014/main" xmlns="" id="{651FD637-AEF2-4614-B81D-AA28E6099CB3}"/>
               </a:ext>
             </a:extLst>
           </p:cNvPr>
@@ -5936,7 +5892,7 @@
           <p:cNvPr id="68" name="CuadroTexto 67">
             <a:extLst>
               <a:ext uri="{FF2B5EF4-FFF2-40B4-BE49-F238E27FC236}">
-                <a16:creationId xmlns="" xmlns:a16="http://schemas.microsoft.com/office/drawing/2014/main" id="{A558D5E9-768D-44B0-A51D-DF01F25E9C04}"/>
+                <a16:creationId xmlns:a16="http://schemas.microsoft.com/office/drawing/2014/main" xmlns="" id="{A558D5E9-768D-44B0-A51D-DF01F25E9C04}"/>
               </a:ext>
             </a:extLst>
           </p:cNvPr>
@@ -5975,14 +5931,14 @@
           <p:nvPr>
             <p:extLst>
               <p:ext uri="{D42A27DB-BD31-4B8C-83A1-F6EECF244321}">
-                <p14:modId xmlns:p14="http://schemas.microsoft.com/office/powerpoint/2010/main" val="3901544159"/>
+                <p14:modId xmlns:p14="http://schemas.microsoft.com/office/powerpoint/2010/main" val="776558126"/>
               </p:ext>
             </p:extLst>
           </p:nvPr>
         </p:nvGraphicFramePr>
         <p:xfrm>
-          <a:off x="2159479" y="4725144"/>
-          <a:ext cx="1512168" cy="762000"/>
+          <a:off x="2159479" y="5733256"/>
+          <a:ext cx="756085" cy="762000"/>
         </p:xfrm>
         <a:graphic>
           <a:graphicData uri="http://schemas.openxmlformats.org/drawingml/2006/table">
@@ -5991,10 +5947,10 @@
                 <a:tableStyleId>{5C22544A-7EE6-4342-B048-85BDC9FD1C3A}</a:tableStyleId>
               </a:tblPr>
               <a:tblGrid>
-                <a:gridCol w="1512168">
+                <a:gridCol w="756085">
                   <a:extLst>
                     <a:ext uri="{9D8B030D-6E8A-4147-A177-3AD203B41FA5}">
-                      <a16:colId xmlns="" xmlns:a16="http://schemas.microsoft.com/office/drawing/2014/main" val="20000"/>
+                      <a16:colId xmlns:a16="http://schemas.microsoft.com/office/drawing/2014/main" xmlns="" val="20000"/>
                     </a:ext>
                   </a:extLst>
                 </a:gridCol>
@@ -6016,7 +5972,7 @@
                 </a:tc>
                 <a:extLst>
                   <a:ext uri="{0D108BD9-81ED-4DB2-BD59-A6C34878D82A}">
-                    <a16:rowId xmlns="" xmlns:a16="http://schemas.microsoft.com/office/drawing/2014/main" val="10000"/>
+                    <a16:rowId xmlns:a16="http://schemas.microsoft.com/office/drawing/2014/main" xmlns="" val="10000"/>
                   </a:ext>
                 </a:extLst>
               </a:tr>
@@ -6037,7 +5993,7 @@
                 </a:tc>
                 <a:extLst>
                   <a:ext uri="{0D108BD9-81ED-4DB2-BD59-A6C34878D82A}">
-                    <a16:rowId xmlns="" xmlns:a16="http://schemas.microsoft.com/office/drawing/2014/main" val="10001"/>
+                    <a16:rowId xmlns:a16="http://schemas.microsoft.com/office/drawing/2014/main" xmlns="" val="10001"/>
                   </a:ext>
                 </a:extLst>
               </a:tr>
@@ -6064,7 +6020,7 @@
                 </a:tc>
                 <a:extLst>
                   <a:ext uri="{0D108BD9-81ED-4DB2-BD59-A6C34878D82A}">
-                    <a16:rowId xmlns="" xmlns:a16="http://schemas.microsoft.com/office/drawing/2014/main" val="10002"/>
+                    <a16:rowId xmlns:a16="http://schemas.microsoft.com/office/drawing/2014/main" xmlns="" val="10002"/>
                   </a:ext>
                 </a:extLst>
               </a:tr>
@@ -6082,9 +6038,9 @@
           <p:nvPr/>
         </p:nvCxnSpPr>
         <p:spPr>
-          <a:xfrm rot="16200000" flipV="1">
-            <a:off x="2484470" y="4294050"/>
-            <a:ext cx="862186" cy="1"/>
+          <a:xfrm rot="5400000" flipH="1" flipV="1">
+            <a:off x="1608512" y="4426207"/>
+            <a:ext cx="2236058" cy="378041"/>
           </a:xfrm>
           <a:prstGeom prst="bentConnector3">
             <a:avLst>
@@ -6116,7 +6072,7 @@
           <p:cNvPr id="70" name="CuadroTexto 38">
             <a:extLst>
               <a:ext uri="{FF2B5EF4-FFF2-40B4-BE49-F238E27FC236}">
-                <a16:creationId xmlns="" xmlns:a16="http://schemas.microsoft.com/office/drawing/2014/main" id="{6B08FE2C-B795-482D-8B2D-91CAB6048C42}"/>
+                <a16:creationId xmlns:a16="http://schemas.microsoft.com/office/drawing/2014/main" xmlns="" id="{6B08FE2C-B795-482D-8B2D-91CAB6048C42}"/>
               </a:ext>
             </a:extLst>
           </p:cNvPr>
@@ -6125,7 +6081,7 @@
         </p:nvSpPr>
         <p:spPr>
           <a:xfrm>
-            <a:off x="2915562" y="4365104"/>
+            <a:off x="2104964" y="4421171"/>
             <a:ext cx="432556" cy="215444"/>
           </a:xfrm>
           <a:prstGeom prst="rect">
@@ -6204,7 +6160,7 @@
                 <a:gridCol w="1296144">
                   <a:extLst>
                     <a:ext uri="{9D8B030D-6E8A-4147-A177-3AD203B41FA5}">
-                      <a16:colId xmlns="" xmlns:a16="http://schemas.microsoft.com/office/drawing/2014/main" val="20000"/>
+                      <a16:colId xmlns:a16="http://schemas.microsoft.com/office/drawing/2014/main" xmlns="" val="20000"/>
                     </a:ext>
                   </a:extLst>
                 </a:gridCol>
@@ -6226,7 +6182,7 @@
                 </a:tc>
                 <a:extLst>
                   <a:ext uri="{0D108BD9-81ED-4DB2-BD59-A6C34878D82A}">
-                    <a16:rowId xmlns="" xmlns:a16="http://schemas.microsoft.com/office/drawing/2014/main" val="10000"/>
+                    <a16:rowId xmlns:a16="http://schemas.microsoft.com/office/drawing/2014/main" xmlns="" val="10000"/>
                   </a:ext>
                 </a:extLst>
               </a:tr>
@@ -6289,7 +6245,7 @@
                 </a:tc>
                 <a:extLst>
                   <a:ext uri="{0D108BD9-81ED-4DB2-BD59-A6C34878D82A}">
-                    <a16:rowId xmlns="" xmlns:a16="http://schemas.microsoft.com/office/drawing/2014/main" val="10001"/>
+                    <a16:rowId xmlns:a16="http://schemas.microsoft.com/office/drawing/2014/main" xmlns="" val="10001"/>
                   </a:ext>
                 </a:extLst>
               </a:tr>
@@ -6326,7 +6282,7 @@
                 </a:tc>
                 <a:extLst>
                   <a:ext uri="{0D108BD9-81ED-4DB2-BD59-A6C34878D82A}">
-                    <a16:rowId xmlns="" xmlns:a16="http://schemas.microsoft.com/office/drawing/2014/main" val="10002"/>
+                    <a16:rowId xmlns:a16="http://schemas.microsoft.com/office/drawing/2014/main" xmlns="" val="10002"/>
                   </a:ext>
                 </a:extLst>
               </a:tr>
@@ -6378,7 +6334,7 @@
           <p:cNvPr id="61" name="CuadroTexto 67">
             <a:extLst>
               <a:ext uri="{FF2B5EF4-FFF2-40B4-BE49-F238E27FC236}">
-                <a16:creationId xmlns="" xmlns:a16="http://schemas.microsoft.com/office/drawing/2014/main" id="{A558D5E9-768D-44B0-A51D-DF01F25E9C04}"/>
+                <a16:creationId xmlns:a16="http://schemas.microsoft.com/office/drawing/2014/main" xmlns="" id="{A558D5E9-768D-44B0-A51D-DF01F25E9C04}"/>
               </a:ext>
             </a:extLst>
           </p:cNvPr>
@@ -6413,7 +6369,7 @@
           <p:cNvPr id="62" name="CuadroTexto 67">
             <a:extLst>
               <a:ext uri="{FF2B5EF4-FFF2-40B4-BE49-F238E27FC236}">
-                <a16:creationId xmlns="" xmlns:a16="http://schemas.microsoft.com/office/drawing/2014/main" id="{A558D5E9-768D-44B0-A51D-DF01F25E9C04}"/>
+                <a16:creationId xmlns:a16="http://schemas.microsoft.com/office/drawing/2014/main" xmlns="" id="{A558D5E9-768D-44B0-A51D-DF01F25E9C04}"/>
               </a:ext>
             </a:extLst>
           </p:cNvPr>
@@ -6439,6 +6395,947 @@
             <a:r>
               <a:rPr lang="es-ES" sz="800" dirty="0"/>
               <a:t>1…*</a:t>
+            </a:r>
+          </a:p>
+        </p:txBody>
+      </p:sp>
+      <p:graphicFrame>
+        <p:nvGraphicFramePr>
+          <p:cNvPr id="51" name="50 Tabla"/>
+          <p:cNvGraphicFramePr>
+            <a:graphicFrameLocks noGrp="1"/>
+          </p:cNvGraphicFramePr>
+          <p:nvPr>
+            <p:extLst>
+              <p:ext uri="{D42A27DB-BD31-4B8C-83A1-F6EECF244321}">
+                <p14:modId xmlns:p14="http://schemas.microsoft.com/office/powerpoint/2010/main" val="3665701663"/>
+              </p:ext>
+            </p:extLst>
+          </p:nvPr>
+        </p:nvGraphicFramePr>
+        <p:xfrm>
+          <a:off x="3056179" y="4725144"/>
+          <a:ext cx="756085" cy="1127760"/>
+        </p:xfrm>
+        <a:graphic>
+          <a:graphicData uri="http://schemas.openxmlformats.org/drawingml/2006/table">
+            <a:tbl>
+              <a:tblPr firstRow="1" bandRow="1">
+                <a:tableStyleId>{5C22544A-7EE6-4342-B048-85BDC9FD1C3A}</a:tableStyleId>
+              </a:tblPr>
+              <a:tblGrid>
+                <a:gridCol w="756085">
+                  <a:extLst>
+                    <a:ext uri="{9D8B030D-6E8A-4147-A177-3AD203B41FA5}">
+                      <a16:colId xmlns:a16="http://schemas.microsoft.com/office/drawing/2014/main" xmlns="" val="20000"/>
+                    </a:ext>
+                  </a:extLst>
+                </a:gridCol>
+              </a:tblGrid>
+              <a:tr h="125272">
+                <a:tc>
+                  <a:txBody>
+                    <a:bodyPr/>
+                    <a:lstStyle/>
+                    <a:p>
+                      <a:r>
+                        <a:rPr lang="es-ES" sz="800" i="1" dirty="0" smtClean="0"/>
+                        <a:t>ATRIBUTOS_PREVISION</a:t>
+                      </a:r>
+                      <a:endParaRPr lang="es-ES" sz="800" i="1" dirty="0"/>
+                    </a:p>
+                  </a:txBody>
+                  <a:tcPr/>
+                </a:tc>
+                <a:extLst>
+                  <a:ext uri="{0D108BD9-81ED-4DB2-BD59-A6C34878D82A}">
+                    <a16:rowId xmlns:a16="http://schemas.microsoft.com/office/drawing/2014/main" xmlns="" val="10000"/>
+                  </a:ext>
+                </a:extLst>
+              </a:tr>
+              <a:tr h="125272">
+                <a:tc>
+                  <a:txBody>
+                    <a:bodyPr/>
+                    <a:lstStyle/>
+                    <a:p>
+                      <a:r>
+                        <a:rPr lang="es-ES" sz="800" dirty="0" smtClean="0"/>
+                        <a:t>ID_ATRIBUTO_PREVISION</a:t>
+                      </a:r>
+                      <a:endParaRPr lang="es-ES" sz="800" dirty="0"/>
+                    </a:p>
+                  </a:txBody>
+                  <a:tcPr/>
+                </a:tc>
+                <a:extLst>
+                  <a:ext uri="{0D108BD9-81ED-4DB2-BD59-A6C34878D82A}">
+                    <a16:rowId xmlns:a16="http://schemas.microsoft.com/office/drawing/2014/main" xmlns="" val="10001"/>
+                  </a:ext>
+                </a:extLst>
+              </a:tr>
+              <a:tr h="125272">
+                <a:tc>
+                  <a:txBody>
+                    <a:bodyPr/>
+                    <a:lstStyle/>
+                    <a:p>
+                      <a:r>
+                        <a:rPr lang="es-ES" sz="800" dirty="0" smtClean="0"/>
+                        <a:t>TIPO_ATRIBUTO</a:t>
+                      </a:r>
+                      <a:endParaRPr lang="es-ES" sz="800" dirty="0" smtClean="0"/>
+                    </a:p>
+                    <a:p>
+                      <a:r>
+                        <a:rPr lang="es-ES" sz="800" dirty="0" smtClean="0"/>
+                        <a:t>VALOR</a:t>
+                      </a:r>
+                      <a:endParaRPr lang="es-ES" sz="800" dirty="0"/>
+                    </a:p>
+                  </a:txBody>
+                  <a:tcPr/>
+                </a:tc>
+                <a:extLst>
+                  <a:ext uri="{0D108BD9-81ED-4DB2-BD59-A6C34878D82A}">
+                    <a16:rowId xmlns:a16="http://schemas.microsoft.com/office/drawing/2014/main" xmlns="" val="10002"/>
+                  </a:ext>
+                </a:extLst>
+              </a:tr>
+            </a:tbl>
+          </a:graphicData>
+        </a:graphic>
+      </p:graphicFrame>
+      <p:cxnSp>
+        <p:nvCxnSpPr>
+          <p:cNvPr id="54" name="53 Conector angular"/>
+          <p:cNvCxnSpPr>
+            <a:stCxn id="51" idx="0"/>
+            <a:endCxn id="3" idx="2"/>
+          </p:cNvCxnSpPr>
+          <p:nvPr/>
+        </p:nvCxnSpPr>
+        <p:spPr>
+          <a:xfrm rot="16200000" flipV="1">
+            <a:off x="2560919" y="3851841"/>
+            <a:ext cx="1227946" cy="518659"/>
+          </a:xfrm>
+          <a:prstGeom prst="bentConnector3">
+            <a:avLst>
+              <a:gd name="adj1" fmla="val 50000"/>
+            </a:avLst>
+          </a:prstGeom>
+          <a:ln>
+            <a:headEnd type="arrow"/>
+            <a:tailEnd type="arrow"/>
+          </a:ln>
+        </p:spPr>
+        <p:style>
+          <a:lnRef idx="1">
+            <a:schemeClr val="accent1"/>
+          </a:lnRef>
+          <a:fillRef idx="0">
+            <a:schemeClr val="accent1"/>
+          </a:fillRef>
+          <a:effectRef idx="0">
+            <a:schemeClr val="accent1"/>
+          </a:effectRef>
+          <a:fontRef idx="minor">
+            <a:schemeClr val="tx1"/>
+          </a:fontRef>
+        </p:style>
+      </p:cxnSp>
+      <p:sp>
+        <p:nvSpPr>
+          <p:cNvPr id="63" name="CuadroTexto 38">
+            <a:extLst>
+              <a:ext uri="{FF2B5EF4-FFF2-40B4-BE49-F238E27FC236}">
+                <a16:creationId xmlns:a16="http://schemas.microsoft.com/office/drawing/2014/main" xmlns="" id="{6B08FE2C-B795-482D-8B2D-91CAB6048C42}"/>
+              </a:ext>
+            </a:extLst>
+          </p:cNvPr>
+          <p:cNvSpPr txBox="1"/>
+          <p:nvPr/>
+        </p:nvSpPr>
+        <p:spPr>
+          <a:xfrm>
+            <a:off x="3434222" y="4421171"/>
+            <a:ext cx="432556" cy="215444"/>
+          </a:xfrm>
+          <a:prstGeom prst="rect">
+            <a:avLst/>
+          </a:prstGeom>
+          <a:noFill/>
+        </p:spPr>
+        <p:txBody>
+          <a:bodyPr wrap="square" rtlCol="0">
+            <a:spAutoFit/>
+          </a:bodyPr>
+          <a:lstStyle/>
+          <a:p>
+            <a:r>
+              <a:rPr lang="es-ES" sz="800" dirty="0"/>
+              <a:t>*…1</a:t>
+            </a:r>
+          </a:p>
+        </p:txBody>
+      </p:sp>
+      <p:graphicFrame>
+        <p:nvGraphicFramePr>
+          <p:cNvPr id="64" name="63 Tabla"/>
+          <p:cNvGraphicFramePr>
+            <a:graphicFrameLocks noGrp="1"/>
+          </p:cNvGraphicFramePr>
+          <p:nvPr>
+            <p:extLst>
+              <p:ext uri="{D42A27DB-BD31-4B8C-83A1-F6EECF244321}">
+                <p14:modId xmlns:p14="http://schemas.microsoft.com/office/powerpoint/2010/main" val="444659298"/>
+              </p:ext>
+            </p:extLst>
+          </p:nvPr>
+        </p:nvGraphicFramePr>
+        <p:xfrm>
+          <a:off x="8316416" y="4293097"/>
+          <a:ext cx="1317165" cy="889247"/>
+        </p:xfrm>
+        <a:graphic>
+          <a:graphicData uri="http://schemas.openxmlformats.org/drawingml/2006/table">
+            <a:tbl>
+              <a:tblPr firstRow="1" bandRow="1">
+                <a:tableStyleId>{5C22544A-7EE6-4342-B048-85BDC9FD1C3A}</a:tableStyleId>
+              </a:tblPr>
+              <a:tblGrid>
+                <a:gridCol w="1317165">
+                  <a:extLst>
+                    <a:ext uri="{9D8B030D-6E8A-4147-A177-3AD203B41FA5}">
+                      <a16:colId xmlns:a16="http://schemas.microsoft.com/office/drawing/2014/main" xmlns="" val="20000"/>
+                    </a:ext>
+                  </a:extLst>
+                </a:gridCol>
+              </a:tblGrid>
+              <a:tr h="175975">
+                <a:tc>
+                  <a:txBody>
+                    <a:bodyPr/>
+                    <a:lstStyle/>
+                    <a:p>
+                      <a:r>
+                        <a:rPr lang="es-ES" sz="800" i="1" dirty="0" smtClean="0"/>
+                        <a:t>LINEAS</a:t>
+                      </a:r>
+                      <a:r>
+                        <a:rPr lang="es-ES" sz="800" i="1" baseline="0" dirty="0" smtClean="0"/>
+                        <a:t>_</a:t>
+                      </a:r>
+                      <a:r>
+                        <a:rPr lang="es-ES" sz="800" i="1" dirty="0" smtClean="0"/>
+                        <a:t>FACTURA</a:t>
+                      </a:r>
+                      <a:endParaRPr lang="es-ES" sz="800" i="1" dirty="0"/>
+                    </a:p>
+                  </a:txBody>
+                  <a:tcPr/>
+                </a:tc>
+                <a:extLst>
+                  <a:ext uri="{0D108BD9-81ED-4DB2-BD59-A6C34878D82A}">
+                    <a16:rowId xmlns:a16="http://schemas.microsoft.com/office/drawing/2014/main" xmlns="" val="10000"/>
+                  </a:ext>
+                </a:extLst>
+              </a:tr>
+              <a:tr h="218687">
+                <a:tc>
+                  <a:txBody>
+                    <a:bodyPr/>
+                    <a:lstStyle/>
+                    <a:p>
+                      <a:r>
+                        <a:rPr lang="es-ES" sz="800" dirty="0" smtClean="0"/>
+                        <a:t>NUM_LINEA</a:t>
+                      </a:r>
+                      <a:endParaRPr lang="es-ES" sz="800" dirty="0"/>
+                    </a:p>
+                  </a:txBody>
+                  <a:tcPr/>
+                </a:tc>
+                <a:extLst>
+                  <a:ext uri="{0D108BD9-81ED-4DB2-BD59-A6C34878D82A}">
+                    <a16:rowId xmlns:a16="http://schemas.microsoft.com/office/drawing/2014/main" xmlns="" val="10001"/>
+                  </a:ext>
+                </a:extLst>
+              </a:tr>
+              <a:tr h="427769">
+                <a:tc>
+                  <a:txBody>
+                    <a:bodyPr/>
+                    <a:lstStyle/>
+                    <a:p>
+                      <a:r>
+                        <a:rPr lang="es-ES" sz="800" dirty="0" smtClean="0"/>
+                        <a:t>NUM_FACTURA</a:t>
+                      </a:r>
+                    </a:p>
+                    <a:p>
+                      <a:r>
+                        <a:rPr lang="es-ES" sz="800" dirty="0" smtClean="0"/>
+                        <a:t>CONCEPTO</a:t>
+                      </a:r>
+                    </a:p>
+                    <a:p>
+                      <a:r>
+                        <a:rPr lang="es-ES" sz="800" dirty="0" smtClean="0"/>
+                        <a:t>IMPORTE</a:t>
+                      </a:r>
+                      <a:endParaRPr lang="es-ES" sz="800" dirty="0"/>
+                    </a:p>
+                  </a:txBody>
+                  <a:tcPr/>
+                </a:tc>
+                <a:extLst>
+                  <a:ext uri="{0D108BD9-81ED-4DB2-BD59-A6C34878D82A}">
+                    <a16:rowId xmlns:a16="http://schemas.microsoft.com/office/drawing/2014/main" xmlns="" val="10002"/>
+                  </a:ext>
+                </a:extLst>
+              </a:tr>
+            </a:tbl>
+          </a:graphicData>
+        </a:graphic>
+      </p:graphicFrame>
+      <p:cxnSp>
+        <p:nvCxnSpPr>
+          <p:cNvPr id="65" name="64 Conector angular"/>
+          <p:cNvCxnSpPr>
+            <a:cxnSpLocks/>
+            <a:stCxn id="9" idx="3"/>
+            <a:endCxn id="64" idx="2"/>
+          </p:cNvCxnSpPr>
+          <p:nvPr/>
+        </p:nvCxnSpPr>
+        <p:spPr>
+          <a:xfrm flipV="1">
+            <a:off x="8121413" y="5182344"/>
+            <a:ext cx="853585" cy="289304"/>
+          </a:xfrm>
+          <a:prstGeom prst="bentConnector2">
+            <a:avLst/>
+          </a:prstGeom>
+          <a:ln>
+            <a:headEnd type="arrow"/>
+            <a:tailEnd type="arrow"/>
+          </a:ln>
+        </p:spPr>
+        <p:style>
+          <a:lnRef idx="1">
+            <a:schemeClr val="accent1"/>
+          </a:lnRef>
+          <a:fillRef idx="0">
+            <a:schemeClr val="accent1"/>
+          </a:fillRef>
+          <a:effectRef idx="0">
+            <a:schemeClr val="accent1"/>
+          </a:effectRef>
+          <a:fontRef idx="minor">
+            <a:schemeClr val="tx1"/>
+          </a:fontRef>
+        </p:style>
+      </p:cxnSp>
+      <p:sp>
+        <p:nvSpPr>
+          <p:cNvPr id="72" name="CuadroTexto 67">
+            <a:extLst>
+              <a:ext uri="{FF2B5EF4-FFF2-40B4-BE49-F238E27FC236}">
+                <a16:creationId xmlns:a16="http://schemas.microsoft.com/office/drawing/2014/main" xmlns="" id="{A558D5E9-768D-44B0-A51D-DF01F25E9C04}"/>
+              </a:ext>
+            </a:extLst>
+          </p:cNvPr>
+          <p:cNvSpPr txBox="1"/>
+          <p:nvPr/>
+        </p:nvSpPr>
+        <p:spPr>
+          <a:xfrm>
+            <a:off x="8331927" y="5465651"/>
+            <a:ext cx="432556" cy="215444"/>
+          </a:xfrm>
+          <a:prstGeom prst="rect">
+            <a:avLst/>
+          </a:prstGeom>
+          <a:noFill/>
+        </p:spPr>
+        <p:txBody>
+          <a:bodyPr wrap="square" rtlCol="0">
+            <a:spAutoFit/>
+          </a:bodyPr>
+          <a:lstStyle/>
+          <a:p>
+            <a:r>
+              <a:rPr lang="es-ES" sz="800" dirty="0"/>
+              <a:t>1…*</a:t>
+            </a:r>
+          </a:p>
+        </p:txBody>
+      </p:sp>
+      <p:graphicFrame>
+        <p:nvGraphicFramePr>
+          <p:cNvPr id="73" name="72 Tabla"/>
+          <p:cNvGraphicFramePr>
+            <a:graphicFrameLocks noGrp="1"/>
+          </p:cNvGraphicFramePr>
+          <p:nvPr>
+            <p:extLst>
+              <p:ext uri="{D42A27DB-BD31-4B8C-83A1-F6EECF244321}">
+                <p14:modId xmlns:p14="http://schemas.microsoft.com/office/powerpoint/2010/main" val="3888312338"/>
+              </p:ext>
+            </p:extLst>
+          </p:nvPr>
+        </p:nvGraphicFramePr>
+        <p:xfrm>
+          <a:off x="8532694" y="5710918"/>
+          <a:ext cx="1688172" cy="1371600"/>
+        </p:xfrm>
+        <a:graphic>
+          <a:graphicData uri="http://schemas.openxmlformats.org/drawingml/2006/table">
+            <a:tbl>
+              <a:tblPr firstRow="1" bandRow="1">
+                <a:tableStyleId>{5C22544A-7EE6-4342-B048-85BDC9FD1C3A}</a:tableStyleId>
+              </a:tblPr>
+              <a:tblGrid>
+                <a:gridCol w="1688172">
+                  <a:extLst>
+                    <a:ext uri="{9D8B030D-6E8A-4147-A177-3AD203B41FA5}">
+                      <a16:colId xmlns:a16="http://schemas.microsoft.com/office/drawing/2014/main" xmlns="" val="20000"/>
+                    </a:ext>
+                  </a:extLst>
+                </a:gridCol>
+              </a:tblGrid>
+              <a:tr h="125272">
+                <a:tc>
+                  <a:txBody>
+                    <a:bodyPr/>
+                    <a:lstStyle/>
+                    <a:p>
+                      <a:r>
+                        <a:rPr lang="es-ES" sz="800" i="1" dirty="0" smtClean="0"/>
+                        <a:t>EVENTOS</a:t>
+                      </a:r>
+                      <a:endParaRPr lang="es-ES" sz="800" i="1" dirty="0"/>
+                    </a:p>
+                  </a:txBody>
+                  <a:tcPr/>
+                </a:tc>
+                <a:extLst>
+                  <a:ext uri="{0D108BD9-81ED-4DB2-BD59-A6C34878D82A}">
+                    <a16:rowId xmlns:a16="http://schemas.microsoft.com/office/drawing/2014/main" xmlns="" val="10000"/>
+                  </a:ext>
+                </a:extLst>
+              </a:tr>
+              <a:tr h="125272">
+                <a:tc>
+                  <a:txBody>
+                    <a:bodyPr/>
+                    <a:lstStyle/>
+                    <a:p>
+                      <a:r>
+                        <a:rPr lang="es-ES" sz="800" dirty="0" smtClean="0"/>
+                        <a:t>EVENTO</a:t>
+                      </a:r>
+                      <a:endParaRPr lang="es-ES" sz="800" dirty="0"/>
+                    </a:p>
+                  </a:txBody>
+                  <a:tcPr/>
+                </a:tc>
+                <a:extLst>
+                  <a:ext uri="{0D108BD9-81ED-4DB2-BD59-A6C34878D82A}">
+                    <a16:rowId xmlns:a16="http://schemas.microsoft.com/office/drawing/2014/main" xmlns="" val="10001"/>
+                  </a:ext>
+                </a:extLst>
+              </a:tr>
+              <a:tr h="125272">
+                <a:tc>
+                  <a:txBody>
+                    <a:bodyPr/>
+                    <a:lstStyle/>
+                    <a:p>
+                      <a:r>
+                        <a:rPr lang="es-ES" sz="800" dirty="0" smtClean="0"/>
+                        <a:t>NUM_FACTURA</a:t>
+                      </a:r>
+                      <a:endParaRPr lang="es-ES" sz="800" dirty="0" smtClean="0"/>
+                    </a:p>
+                    <a:p>
+                      <a:pPr marL="0" marR="0" indent="0" algn="l" defTabSz="914400" rtl="0" eaLnBrk="1" fontAlgn="auto" latinLnBrk="0" hangingPunct="1">
+                        <a:lnSpc>
+                          <a:spcPct val="100000"/>
+                        </a:lnSpc>
+                        <a:spcBef>
+                          <a:spcPts val="0"/>
+                        </a:spcBef>
+                        <a:spcAft>
+                          <a:spcPts val="0"/>
+                        </a:spcAft>
+                        <a:buClrTx/>
+                        <a:buSzTx/>
+                        <a:buFontTx/>
+                        <a:buNone/>
+                        <a:tabLst/>
+                        <a:defRPr/>
+                      </a:pPr>
+                      <a:r>
+                        <a:rPr lang="es-ES" sz="800" dirty="0" smtClean="0"/>
+                        <a:t>TIPO_EVENTO_FACTURACION</a:t>
+                      </a:r>
+                    </a:p>
+                    <a:p>
+                      <a:pPr marL="0" marR="0" indent="0" algn="l" defTabSz="914400" rtl="0" eaLnBrk="1" fontAlgn="auto" latinLnBrk="0" hangingPunct="1">
+                        <a:lnSpc>
+                          <a:spcPct val="100000"/>
+                        </a:lnSpc>
+                        <a:spcBef>
+                          <a:spcPts val="0"/>
+                        </a:spcBef>
+                        <a:spcAft>
+                          <a:spcPts val="0"/>
+                        </a:spcAft>
+                        <a:buClrTx/>
+                        <a:buSzTx/>
+                        <a:buFontTx/>
+                        <a:buNone/>
+                        <a:tabLst/>
+                        <a:defRPr/>
+                      </a:pPr>
+                      <a:r>
+                        <a:rPr lang="es-ES" sz="800" dirty="0" smtClean="0"/>
+                        <a:t>FECHA</a:t>
+                      </a:r>
+                      <a:r>
+                        <a:rPr lang="es-ES" sz="800" baseline="0" dirty="0" smtClean="0"/>
+                        <a:t>_INICIO</a:t>
+                      </a:r>
+                    </a:p>
+                    <a:p>
+                      <a:pPr marL="0" marR="0" indent="0" algn="l" defTabSz="914400" rtl="0" eaLnBrk="1" fontAlgn="auto" latinLnBrk="0" hangingPunct="1">
+                        <a:lnSpc>
+                          <a:spcPct val="100000"/>
+                        </a:lnSpc>
+                        <a:spcBef>
+                          <a:spcPts val="0"/>
+                        </a:spcBef>
+                        <a:spcAft>
+                          <a:spcPts val="0"/>
+                        </a:spcAft>
+                        <a:buClrTx/>
+                        <a:buSzTx/>
+                        <a:buFontTx/>
+                        <a:buNone/>
+                        <a:tabLst/>
+                        <a:defRPr/>
+                      </a:pPr>
+                      <a:r>
+                        <a:rPr lang="es-ES" sz="800" baseline="0" dirty="0" smtClean="0"/>
+                        <a:t>FECHA_ESPERADA_FIN</a:t>
+                      </a:r>
+                    </a:p>
+                    <a:p>
+                      <a:pPr marL="0" marR="0" indent="0" algn="l" defTabSz="914400" rtl="0" eaLnBrk="1" fontAlgn="auto" latinLnBrk="0" hangingPunct="1">
+                        <a:lnSpc>
+                          <a:spcPct val="100000"/>
+                        </a:lnSpc>
+                        <a:spcBef>
+                          <a:spcPts val="0"/>
+                        </a:spcBef>
+                        <a:spcAft>
+                          <a:spcPts val="0"/>
+                        </a:spcAft>
+                        <a:buClrTx/>
+                        <a:buSzTx/>
+                        <a:buFontTx/>
+                        <a:buNone/>
+                        <a:tabLst/>
+                        <a:defRPr/>
+                      </a:pPr>
+                      <a:r>
+                        <a:rPr lang="es-ES" sz="800" baseline="0" dirty="0" smtClean="0"/>
+                        <a:t>ID_TRAMITADOR</a:t>
+                      </a:r>
+                      <a:endParaRPr lang="es-ES" sz="800" dirty="0" smtClean="0"/>
+                    </a:p>
+                    <a:p>
+                      <a:r>
+                        <a:rPr lang="es-ES" sz="800" dirty="0" smtClean="0"/>
+                        <a:t>FECHA_FIN</a:t>
+                      </a:r>
+                    </a:p>
+                    <a:p>
+                      <a:r>
+                        <a:rPr lang="es-ES" sz="800" dirty="0" smtClean="0"/>
+                        <a:t>COMENTARIOS</a:t>
+                      </a:r>
+                    </a:p>
+                  </a:txBody>
+                  <a:tcPr/>
+                </a:tc>
+                <a:extLst>
+                  <a:ext uri="{0D108BD9-81ED-4DB2-BD59-A6C34878D82A}">
+                    <a16:rowId xmlns:a16="http://schemas.microsoft.com/office/drawing/2014/main" xmlns="" val="10002"/>
+                  </a:ext>
+                </a:extLst>
+              </a:tr>
+            </a:tbl>
+          </a:graphicData>
+        </a:graphic>
+      </p:graphicFrame>
+      <p:cxnSp>
+        <p:nvCxnSpPr>
+          <p:cNvPr id="74" name="73 Conector angular"/>
+          <p:cNvCxnSpPr>
+            <a:cxnSpLocks/>
+            <a:stCxn id="9" idx="3"/>
+            <a:endCxn id="73" idx="1"/>
+          </p:cNvCxnSpPr>
+          <p:nvPr/>
+        </p:nvCxnSpPr>
+        <p:spPr>
+          <a:xfrm>
+            <a:off x="8121413" y="5471648"/>
+            <a:ext cx="411281" cy="925070"/>
+          </a:xfrm>
+          <a:prstGeom prst="bentConnector3">
+            <a:avLst>
+              <a:gd name="adj1" fmla="val 50000"/>
+            </a:avLst>
+          </a:prstGeom>
+          <a:ln>
+            <a:headEnd type="arrow"/>
+            <a:tailEnd type="arrow"/>
+          </a:ln>
+        </p:spPr>
+        <p:style>
+          <a:lnRef idx="1">
+            <a:schemeClr val="accent1"/>
+          </a:lnRef>
+          <a:fillRef idx="0">
+            <a:schemeClr val="accent1"/>
+          </a:fillRef>
+          <a:effectRef idx="0">
+            <a:schemeClr val="accent1"/>
+          </a:effectRef>
+          <a:fontRef idx="minor">
+            <a:schemeClr val="tx1"/>
+          </a:fontRef>
+        </p:style>
+      </p:cxnSp>
+      <p:sp>
+        <p:nvSpPr>
+          <p:cNvPr id="75" name="CuadroTexto 67">
+            <a:extLst>
+              <a:ext uri="{FF2B5EF4-FFF2-40B4-BE49-F238E27FC236}">
+                <a16:creationId xmlns:a16="http://schemas.microsoft.com/office/drawing/2014/main" xmlns="" id="{A558D5E9-768D-44B0-A51D-DF01F25E9C04}"/>
+              </a:ext>
+            </a:extLst>
+          </p:cNvPr>
+          <p:cNvSpPr txBox="1"/>
+          <p:nvPr/>
+        </p:nvSpPr>
+        <p:spPr>
+          <a:xfrm>
+            <a:off x="8133170" y="6503248"/>
+            <a:ext cx="432556" cy="215444"/>
+          </a:xfrm>
+          <a:prstGeom prst="rect">
+            <a:avLst/>
+          </a:prstGeom>
+          <a:noFill/>
+        </p:spPr>
+        <p:txBody>
+          <a:bodyPr wrap="square" rtlCol="0">
+            <a:spAutoFit/>
+          </a:bodyPr>
+          <a:lstStyle/>
+          <a:p>
+            <a:r>
+              <a:rPr lang="es-ES" sz="800" dirty="0"/>
+              <a:t>1…*</a:t>
+            </a:r>
+          </a:p>
+        </p:txBody>
+      </p:sp>
+      <p:graphicFrame>
+        <p:nvGraphicFramePr>
+          <p:cNvPr id="76" name="75 Tabla"/>
+          <p:cNvGraphicFramePr>
+            <a:graphicFrameLocks noGrp="1"/>
+          </p:cNvGraphicFramePr>
+          <p:nvPr>
+            <p:extLst>
+              <p:ext uri="{D42A27DB-BD31-4B8C-83A1-F6EECF244321}">
+                <p14:modId xmlns:p14="http://schemas.microsoft.com/office/powerpoint/2010/main" val="3086599979"/>
+              </p:ext>
+            </p:extLst>
+          </p:nvPr>
+        </p:nvGraphicFramePr>
+        <p:xfrm>
+          <a:off x="98591" y="3796212"/>
+          <a:ext cx="1512168" cy="1371600"/>
+        </p:xfrm>
+        <a:graphic>
+          <a:graphicData uri="http://schemas.openxmlformats.org/drawingml/2006/table">
+            <a:tbl>
+              <a:tblPr firstRow="1" bandRow="1">
+                <a:tableStyleId>{5C22544A-7EE6-4342-B048-85BDC9FD1C3A}</a:tableStyleId>
+              </a:tblPr>
+              <a:tblGrid>
+                <a:gridCol w="1512168">
+                  <a:extLst>
+                    <a:ext uri="{9D8B030D-6E8A-4147-A177-3AD203B41FA5}">
+                      <a16:colId xmlns:a16="http://schemas.microsoft.com/office/drawing/2014/main" xmlns="" val="20000"/>
+                    </a:ext>
+                  </a:extLst>
+                </a:gridCol>
+              </a:tblGrid>
+              <a:tr h="125272">
+                <a:tc>
+                  <a:txBody>
+                    <a:bodyPr/>
+                    <a:lstStyle/>
+                    <a:p>
+                      <a:r>
+                        <a:rPr lang="es-ES" sz="800" i="1" dirty="0" smtClean="0"/>
+                        <a:t>EVENTOS_PLANIFICACION</a:t>
+                      </a:r>
+                      <a:endParaRPr lang="es-ES" sz="800" i="1" dirty="0"/>
+                    </a:p>
+                  </a:txBody>
+                  <a:tcPr/>
+                </a:tc>
+                <a:extLst>
+                  <a:ext uri="{0D108BD9-81ED-4DB2-BD59-A6C34878D82A}">
+                    <a16:rowId xmlns:a16="http://schemas.microsoft.com/office/drawing/2014/main" xmlns="" val="10000"/>
+                  </a:ext>
+                </a:extLst>
+              </a:tr>
+              <a:tr h="125272">
+                <a:tc>
+                  <a:txBody>
+                    <a:bodyPr/>
+                    <a:lstStyle/>
+                    <a:p>
+                      <a:r>
+                        <a:rPr lang="es-ES" sz="800" dirty="0" smtClean="0"/>
+                        <a:t>EVENTO</a:t>
+                      </a:r>
+                      <a:endParaRPr lang="es-ES" sz="800" dirty="0"/>
+                    </a:p>
+                  </a:txBody>
+                  <a:tcPr/>
+                </a:tc>
+                <a:extLst>
+                  <a:ext uri="{0D108BD9-81ED-4DB2-BD59-A6C34878D82A}">
+                    <a16:rowId xmlns:a16="http://schemas.microsoft.com/office/drawing/2014/main" xmlns="" val="10001"/>
+                  </a:ext>
+                </a:extLst>
+              </a:tr>
+              <a:tr h="125272">
+                <a:tc>
+                  <a:txBody>
+                    <a:bodyPr/>
+                    <a:lstStyle/>
+                    <a:p>
+                      <a:r>
+                        <a:rPr lang="es-ES" sz="800" dirty="0" smtClean="0"/>
+                        <a:t>SP</a:t>
+                      </a:r>
+                      <a:endParaRPr lang="es-ES" sz="800" dirty="0" smtClean="0"/>
+                    </a:p>
+                    <a:p>
+                      <a:pPr marL="0" marR="0" indent="0" algn="l" defTabSz="914400" rtl="0" eaLnBrk="1" fontAlgn="auto" latinLnBrk="0" hangingPunct="1">
+                        <a:lnSpc>
+                          <a:spcPct val="100000"/>
+                        </a:lnSpc>
+                        <a:spcBef>
+                          <a:spcPts val="0"/>
+                        </a:spcBef>
+                        <a:spcAft>
+                          <a:spcPts val="0"/>
+                        </a:spcAft>
+                        <a:buClrTx/>
+                        <a:buSzTx/>
+                        <a:buFontTx/>
+                        <a:buNone/>
+                        <a:tabLst/>
+                        <a:defRPr/>
+                      </a:pPr>
+                      <a:r>
+                        <a:rPr lang="es-ES" sz="800" dirty="0" smtClean="0"/>
+                        <a:t>TIPO_EVENTO_PLANIFICACION</a:t>
+                      </a:r>
+                      <a:endParaRPr lang="es-ES" sz="800" dirty="0" smtClean="0"/>
+                    </a:p>
+                    <a:p>
+                      <a:pPr marL="0" marR="0" indent="0" algn="l" defTabSz="914400" rtl="0" eaLnBrk="1" fontAlgn="auto" latinLnBrk="0" hangingPunct="1">
+                        <a:lnSpc>
+                          <a:spcPct val="100000"/>
+                        </a:lnSpc>
+                        <a:spcBef>
+                          <a:spcPts val="0"/>
+                        </a:spcBef>
+                        <a:spcAft>
+                          <a:spcPts val="0"/>
+                        </a:spcAft>
+                        <a:buClrTx/>
+                        <a:buSzTx/>
+                        <a:buFontTx/>
+                        <a:buNone/>
+                        <a:tabLst/>
+                        <a:defRPr/>
+                      </a:pPr>
+                      <a:r>
+                        <a:rPr lang="es-ES" sz="800" dirty="0" smtClean="0"/>
+                        <a:t>FECHA</a:t>
+                      </a:r>
+                      <a:r>
+                        <a:rPr lang="es-ES" sz="800" baseline="0" dirty="0" smtClean="0"/>
+                        <a:t>_INICIO</a:t>
+                      </a:r>
+                    </a:p>
+                    <a:p>
+                      <a:pPr marL="0" marR="0" indent="0" algn="l" defTabSz="914400" rtl="0" eaLnBrk="1" fontAlgn="auto" latinLnBrk="0" hangingPunct="1">
+                        <a:lnSpc>
+                          <a:spcPct val="100000"/>
+                        </a:lnSpc>
+                        <a:spcBef>
+                          <a:spcPts val="0"/>
+                        </a:spcBef>
+                        <a:spcAft>
+                          <a:spcPts val="0"/>
+                        </a:spcAft>
+                        <a:buClrTx/>
+                        <a:buSzTx/>
+                        <a:buFontTx/>
+                        <a:buNone/>
+                        <a:tabLst/>
+                        <a:defRPr/>
+                      </a:pPr>
+                      <a:r>
+                        <a:rPr lang="es-ES" sz="800" baseline="0" dirty="0" smtClean="0"/>
+                        <a:t>FECHA_ESPERADA_FIN</a:t>
+                      </a:r>
+                    </a:p>
+                    <a:p>
+                      <a:pPr marL="0" marR="0" indent="0" algn="l" defTabSz="914400" rtl="0" eaLnBrk="1" fontAlgn="auto" latinLnBrk="0" hangingPunct="1">
+                        <a:lnSpc>
+                          <a:spcPct val="100000"/>
+                        </a:lnSpc>
+                        <a:spcBef>
+                          <a:spcPts val="0"/>
+                        </a:spcBef>
+                        <a:spcAft>
+                          <a:spcPts val="0"/>
+                        </a:spcAft>
+                        <a:buClrTx/>
+                        <a:buSzTx/>
+                        <a:buFontTx/>
+                        <a:buNone/>
+                        <a:tabLst/>
+                        <a:defRPr/>
+                      </a:pPr>
+                      <a:r>
+                        <a:rPr lang="es-ES" sz="800" baseline="0" dirty="0" smtClean="0"/>
+                        <a:t>ID_TRAMITADOR</a:t>
+                      </a:r>
+                      <a:endParaRPr lang="es-ES" sz="800" dirty="0" smtClean="0"/>
+                    </a:p>
+                    <a:p>
+                      <a:r>
+                        <a:rPr lang="es-ES" sz="800" dirty="0" smtClean="0"/>
+                        <a:t>FECHA_FIN</a:t>
+                      </a:r>
+                    </a:p>
+                    <a:p>
+                      <a:r>
+                        <a:rPr lang="es-ES" sz="800" dirty="0" smtClean="0"/>
+                        <a:t>COMENTARIOS</a:t>
+                      </a:r>
+                      <a:endParaRPr lang="es-ES" sz="800" dirty="0"/>
+                    </a:p>
+                  </a:txBody>
+                  <a:tcPr/>
+                </a:tc>
+                <a:extLst>
+                  <a:ext uri="{0D108BD9-81ED-4DB2-BD59-A6C34878D82A}">
+                    <a16:rowId xmlns:a16="http://schemas.microsoft.com/office/drawing/2014/main" xmlns="" val="10002"/>
+                  </a:ext>
+                </a:extLst>
+              </a:tr>
+            </a:tbl>
+          </a:graphicData>
+        </a:graphic>
+      </p:graphicFrame>
+      <p:cxnSp>
+        <p:nvCxnSpPr>
+          <p:cNvPr id="77" name="76 Conector angular"/>
+          <p:cNvCxnSpPr>
+            <a:stCxn id="76" idx="3"/>
+            <a:endCxn id="3" idx="2"/>
+          </p:cNvCxnSpPr>
+          <p:nvPr/>
+        </p:nvCxnSpPr>
+        <p:spPr>
+          <a:xfrm flipV="1">
+            <a:off x="1610759" y="3497198"/>
+            <a:ext cx="1304803" cy="984814"/>
+          </a:xfrm>
+          <a:prstGeom prst="bentConnector2">
+            <a:avLst/>
+          </a:prstGeom>
+          <a:ln>
+            <a:headEnd type="arrow"/>
+            <a:tailEnd type="arrow"/>
+          </a:ln>
+        </p:spPr>
+        <p:style>
+          <a:lnRef idx="1">
+            <a:schemeClr val="accent1"/>
+          </a:lnRef>
+          <a:fillRef idx="0">
+            <a:schemeClr val="accent1"/>
+          </a:fillRef>
+          <a:effectRef idx="0">
+            <a:schemeClr val="accent1"/>
+          </a:effectRef>
+          <a:fontRef idx="minor">
+            <a:schemeClr val="tx1"/>
+          </a:fontRef>
+        </p:style>
+      </p:cxnSp>
+      <p:sp>
+        <p:nvSpPr>
+          <p:cNvPr id="78" name="CuadroTexto 38">
+            <a:extLst>
+              <a:ext uri="{FF2B5EF4-FFF2-40B4-BE49-F238E27FC236}">
+                <a16:creationId xmlns:a16="http://schemas.microsoft.com/office/drawing/2014/main" xmlns="" id="{6B08FE2C-B795-482D-8B2D-91CAB6048C42}"/>
+              </a:ext>
+            </a:extLst>
+          </p:cNvPr>
+          <p:cNvSpPr txBox="1"/>
+          <p:nvPr/>
+        </p:nvSpPr>
+        <p:spPr>
+          <a:xfrm>
+            <a:off x="1751788" y="3538722"/>
+            <a:ext cx="432556" cy="215444"/>
+          </a:xfrm>
+          <a:prstGeom prst="rect">
+            <a:avLst/>
+          </a:prstGeom>
+          <a:noFill/>
+        </p:spPr>
+        <p:txBody>
+          <a:bodyPr wrap="square" rtlCol="0">
+            <a:spAutoFit/>
+          </a:bodyPr>
+          <a:lstStyle/>
+          <a:p>
+            <a:r>
+              <a:rPr lang="es-ES" sz="800" dirty="0"/>
+              <a:t>*…1</a:t>
             </a:r>
           </a:p>
         </p:txBody>
@@ -6501,7 +7398,7 @@
                 <a:gridCol w="1446076">
                   <a:extLst>
                     <a:ext uri="{9D8B030D-6E8A-4147-A177-3AD203B41FA5}">
-                      <a16:colId xmlns="" xmlns:a16="http://schemas.microsoft.com/office/drawing/2014/main" val="20000"/>
+                      <a16:colId xmlns:a16="http://schemas.microsoft.com/office/drawing/2014/main" xmlns="" val="20000"/>
                     </a:ext>
                   </a:extLst>
                 </a:gridCol>
@@ -6527,7 +7424,7 @@
                 </a:tc>
                 <a:extLst>
                   <a:ext uri="{0D108BD9-81ED-4DB2-BD59-A6C34878D82A}">
-                    <a16:rowId xmlns="" xmlns:a16="http://schemas.microsoft.com/office/drawing/2014/main" val="10000"/>
+                    <a16:rowId xmlns:a16="http://schemas.microsoft.com/office/drawing/2014/main" xmlns="" val="10000"/>
                   </a:ext>
                 </a:extLst>
               </a:tr>
@@ -6548,7 +7445,7 @@
                 </a:tc>
                 <a:extLst>
                   <a:ext uri="{0D108BD9-81ED-4DB2-BD59-A6C34878D82A}">
-                    <a16:rowId xmlns="" xmlns:a16="http://schemas.microsoft.com/office/drawing/2014/main" val="10001"/>
+                    <a16:rowId xmlns:a16="http://schemas.microsoft.com/office/drawing/2014/main" xmlns="" val="10001"/>
                   </a:ext>
                 </a:extLst>
               </a:tr>
@@ -6629,7 +7526,7 @@
                 </a:tc>
                 <a:extLst>
                   <a:ext uri="{0D108BD9-81ED-4DB2-BD59-A6C34878D82A}">
-                    <a16:rowId xmlns="" xmlns:a16="http://schemas.microsoft.com/office/drawing/2014/main" val="10002"/>
+                    <a16:rowId xmlns:a16="http://schemas.microsoft.com/office/drawing/2014/main" xmlns="" val="10002"/>
                   </a:ext>
                 </a:extLst>
               </a:tr>
@@ -6646,14 +7543,14 @@
           <p:nvPr>
             <p:extLst>
               <p:ext uri="{D42A27DB-BD31-4B8C-83A1-F6EECF244321}">
-                <p14:modId xmlns:p14="http://schemas.microsoft.com/office/powerpoint/2010/main" val="643620436"/>
+                <p14:modId xmlns:p14="http://schemas.microsoft.com/office/powerpoint/2010/main" val="679517209"/>
               </p:ext>
             </p:extLst>
           </p:nvPr>
         </p:nvGraphicFramePr>
         <p:xfrm>
           <a:off x="3743308" y="2852936"/>
-          <a:ext cx="1620780" cy="1981200"/>
+          <a:ext cx="1620780" cy="2103120"/>
         </p:xfrm>
         <a:graphic>
           <a:graphicData uri="http://schemas.openxmlformats.org/drawingml/2006/table">
@@ -6665,7 +7562,7 @@
                 <a:gridCol w="1620780">
                   <a:extLst>
                     <a:ext uri="{9D8B030D-6E8A-4147-A177-3AD203B41FA5}">
-                      <a16:colId xmlns="" xmlns:a16="http://schemas.microsoft.com/office/drawing/2014/main" val="20000"/>
+                      <a16:colId xmlns:a16="http://schemas.microsoft.com/office/drawing/2014/main" xmlns="" val="20000"/>
                     </a:ext>
                   </a:extLst>
                 </a:gridCol>
@@ -6686,7 +7583,7 @@
                 </a:tc>
                 <a:extLst>
                   <a:ext uri="{0D108BD9-81ED-4DB2-BD59-A6C34878D82A}">
-                    <a16:rowId xmlns="" xmlns:a16="http://schemas.microsoft.com/office/drawing/2014/main" val="10000"/>
+                    <a16:rowId xmlns:a16="http://schemas.microsoft.com/office/drawing/2014/main" xmlns="" val="10000"/>
                   </a:ext>
                 </a:extLst>
               </a:tr>
@@ -6707,7 +7604,7 @@
                 </a:tc>
                 <a:extLst>
                   <a:ext uri="{0D108BD9-81ED-4DB2-BD59-A6C34878D82A}">
-                    <a16:rowId xmlns="" xmlns:a16="http://schemas.microsoft.com/office/drawing/2014/main" val="10001"/>
+                    <a16:rowId xmlns:a16="http://schemas.microsoft.com/office/drawing/2014/main" xmlns="" val="10001"/>
                   </a:ext>
                 </a:extLst>
               </a:tr>
@@ -6822,6 +7719,30 @@
                       </a:r>
                     </a:p>
                     <a:p>
+                      <a:pPr marL="0" marR="0" indent="0" algn="l" defTabSz="914400" rtl="0" eaLnBrk="1" fontAlgn="auto" latinLnBrk="0" hangingPunct="1">
+                        <a:lnSpc>
+                          <a:spcPct val="100000"/>
+                        </a:lnSpc>
+                        <a:spcBef>
+                          <a:spcPts val="0"/>
+                        </a:spcBef>
+                        <a:spcAft>
+                          <a:spcPts val="0"/>
+                        </a:spcAft>
+                        <a:buClrTx/>
+                        <a:buSzTx/>
+                        <a:buFontTx/>
+                        <a:buNone/>
+                        <a:tabLst/>
+                        <a:defRPr/>
+                      </a:pPr>
+                      <a:r>
+                        <a:rPr lang="es-ES" sz="800" dirty="0" smtClean="0"/>
+                        <a:t>PROYECTO_INVERSION</a:t>
+                      </a:r>
+                      <a:endParaRPr lang="es-ES" sz="800" dirty="0" smtClean="0"/>
+                    </a:p>
+                    <a:p>
                       <a:r>
                         <a:rPr lang="es-ES" sz="800" dirty="0" smtClean="0"/>
                         <a:t>COMENTARIOS</a:t>
@@ -6833,7 +7754,7 @@
                 </a:tc>
                 <a:extLst>
                   <a:ext uri="{0D108BD9-81ED-4DB2-BD59-A6C34878D82A}">
-                    <a16:rowId xmlns="" xmlns:a16="http://schemas.microsoft.com/office/drawing/2014/main" val="10002"/>
+                    <a16:rowId xmlns:a16="http://schemas.microsoft.com/office/drawing/2014/main" xmlns="" val="10002"/>
                   </a:ext>
                 </a:extLst>
               </a:tr>
@@ -6869,7 +7790,7 @@
                 <a:gridCol w="1528262">
                   <a:extLst>
                     <a:ext uri="{9D8B030D-6E8A-4147-A177-3AD203B41FA5}">
-                      <a16:colId xmlns="" xmlns:a16="http://schemas.microsoft.com/office/drawing/2014/main" val="20000"/>
+                      <a16:colId xmlns:a16="http://schemas.microsoft.com/office/drawing/2014/main" xmlns="" val="20000"/>
                     </a:ext>
                   </a:extLst>
                 </a:gridCol>
@@ -6891,7 +7812,7 @@
                 </a:tc>
                 <a:extLst>
                   <a:ext uri="{0D108BD9-81ED-4DB2-BD59-A6C34878D82A}">
-                    <a16:rowId xmlns="" xmlns:a16="http://schemas.microsoft.com/office/drawing/2014/main" val="10000"/>
+                    <a16:rowId xmlns:a16="http://schemas.microsoft.com/office/drawing/2014/main" xmlns="" val="10000"/>
                   </a:ext>
                 </a:extLst>
               </a:tr>
@@ -6912,7 +7833,7 @@
                 </a:tc>
                 <a:extLst>
                   <a:ext uri="{0D108BD9-81ED-4DB2-BD59-A6C34878D82A}">
-                    <a16:rowId xmlns="" xmlns:a16="http://schemas.microsoft.com/office/drawing/2014/main" val="10001"/>
+                    <a16:rowId xmlns:a16="http://schemas.microsoft.com/office/drawing/2014/main" xmlns="" val="10001"/>
                   </a:ext>
                 </a:extLst>
               </a:tr>
@@ -7005,7 +7926,7 @@
                 </a:tc>
                 <a:extLst>
                   <a:ext uri="{0D108BD9-81ED-4DB2-BD59-A6C34878D82A}">
-                    <a16:rowId xmlns="" xmlns:a16="http://schemas.microsoft.com/office/drawing/2014/main" val="10002"/>
+                    <a16:rowId xmlns:a16="http://schemas.microsoft.com/office/drawing/2014/main" xmlns="" val="10002"/>
                   </a:ext>
                 </a:extLst>
               </a:tr>
@@ -7064,8 +7985,8 @@
         </p:nvCxnSpPr>
         <p:spPr>
           <a:xfrm rot="10800000">
-            <a:off x="5364088" y="3843536"/>
-            <a:ext cx="536052" cy="409952"/>
+            <a:off x="5364088" y="3904496"/>
+            <a:ext cx="536052" cy="348992"/>
           </a:xfrm>
           <a:prstGeom prst="bentConnector3">
             <a:avLst>
@@ -7104,12 +8025,12 @@
         </p:nvCxnSpPr>
         <p:spPr>
           <a:xfrm rot="16200000" flipH="1">
-            <a:off x="6201546" y="3186288"/>
-            <a:ext cx="464065" cy="3759760"/>
+            <a:off x="6262506" y="3247248"/>
+            <a:ext cx="342145" cy="3759760"/>
           </a:xfrm>
           <a:prstGeom prst="bentConnector3">
             <a:avLst>
-              <a:gd name="adj1" fmla="val 149260"/>
+              <a:gd name="adj1" fmla="val 166814"/>
             </a:avLst>
           </a:prstGeom>
           <a:ln>
@@ -7137,7 +8058,7 @@
           <p:cNvPr id="59" name="CuadroTexto 59">
             <a:extLst>
               <a:ext uri="{FF2B5EF4-FFF2-40B4-BE49-F238E27FC236}">
-                <a16:creationId xmlns="" xmlns:a16="http://schemas.microsoft.com/office/drawing/2014/main" id="{E3E4B657-CF4C-4A80-9E44-4A0317C54F9E}"/>
+                <a16:creationId xmlns:a16="http://schemas.microsoft.com/office/drawing/2014/main" xmlns="" id="{E3E4B657-CF4C-4A80-9E44-4A0317C54F9E}"/>
               </a:ext>
             </a:extLst>
           </p:cNvPr>
@@ -7173,7 +8094,7 @@
           <p:cNvPr id="61" name="CuadroTexto 59">
             <a:extLst>
               <a:ext uri="{FF2B5EF4-FFF2-40B4-BE49-F238E27FC236}">
-                <a16:creationId xmlns="" xmlns:a16="http://schemas.microsoft.com/office/drawing/2014/main" id="{E3E4B657-CF4C-4A80-9E44-4A0317C54F9E}"/>
+                <a16:creationId xmlns:a16="http://schemas.microsoft.com/office/drawing/2014/main" xmlns="" id="{E3E4B657-CF4C-4A80-9E44-4A0317C54F9E}"/>
               </a:ext>
             </a:extLst>
           </p:cNvPr>
@@ -7208,7 +8129,7 @@
           <p:cNvPr id="62" name="CuadroTexto 59">
             <a:extLst>
               <a:ext uri="{FF2B5EF4-FFF2-40B4-BE49-F238E27FC236}">
-                <a16:creationId xmlns="" xmlns:a16="http://schemas.microsoft.com/office/drawing/2014/main" id="{E3E4B657-CF4C-4A80-9E44-4A0317C54F9E}"/>
+                <a16:creationId xmlns:a16="http://schemas.microsoft.com/office/drawing/2014/main" xmlns="" id="{E3E4B657-CF4C-4A80-9E44-4A0317C54F9E}"/>
               </a:ext>
             </a:extLst>
           </p:cNvPr>
@@ -7266,7 +8187,7 @@
                 <a:gridCol w="1512168">
                   <a:extLst>
                     <a:ext uri="{9D8B030D-6E8A-4147-A177-3AD203B41FA5}">
-                      <a16:colId xmlns="" xmlns:a16="http://schemas.microsoft.com/office/drawing/2014/main" val="20000"/>
+                      <a16:colId xmlns:a16="http://schemas.microsoft.com/office/drawing/2014/main" xmlns="" val="20000"/>
                     </a:ext>
                   </a:extLst>
                 </a:gridCol>
@@ -7288,7 +8209,7 @@
                 </a:tc>
                 <a:extLst>
                   <a:ext uri="{0D108BD9-81ED-4DB2-BD59-A6C34878D82A}">
-                    <a16:rowId xmlns="" xmlns:a16="http://schemas.microsoft.com/office/drawing/2014/main" val="10000"/>
+                    <a16:rowId xmlns:a16="http://schemas.microsoft.com/office/drawing/2014/main" xmlns="" val="10000"/>
                   </a:ext>
                 </a:extLst>
               </a:tr>
@@ -7315,7 +8236,7 @@
                 </a:tc>
                 <a:extLst>
                   <a:ext uri="{0D108BD9-81ED-4DB2-BD59-A6C34878D82A}">
-                    <a16:rowId xmlns="" xmlns:a16="http://schemas.microsoft.com/office/drawing/2014/main" val="10001"/>
+                    <a16:rowId xmlns:a16="http://schemas.microsoft.com/office/drawing/2014/main" xmlns="" val="10001"/>
                   </a:ext>
                 </a:extLst>
               </a:tr>
@@ -7348,7 +8269,7 @@
                 </a:tc>
                 <a:extLst>
                   <a:ext uri="{0D108BD9-81ED-4DB2-BD59-A6C34878D82A}">
-                    <a16:rowId xmlns="" xmlns:a16="http://schemas.microsoft.com/office/drawing/2014/main" val="10002"/>
+                    <a16:rowId xmlns:a16="http://schemas.microsoft.com/office/drawing/2014/main" xmlns="" val="10002"/>
                   </a:ext>
                 </a:extLst>
               </a:tr>
@@ -7400,7 +8321,7 @@
           <p:cNvPr id="65" name="CuadroTexto 59">
             <a:extLst>
               <a:ext uri="{FF2B5EF4-FFF2-40B4-BE49-F238E27FC236}">
-                <a16:creationId xmlns="" xmlns:a16="http://schemas.microsoft.com/office/drawing/2014/main" id="{E3E4B657-CF4C-4A80-9E44-4A0317C54F9E}"/>
+                <a16:creationId xmlns:a16="http://schemas.microsoft.com/office/drawing/2014/main" xmlns="" id="{E3E4B657-CF4C-4A80-9E44-4A0317C54F9E}"/>
               </a:ext>
             </a:extLst>
           </p:cNvPr>
@@ -7458,7 +8379,7 @@
                 <a:gridCol w="1404155">
                   <a:extLst>
                     <a:ext uri="{9D8B030D-6E8A-4147-A177-3AD203B41FA5}">
-                      <a16:colId xmlns="" xmlns:a16="http://schemas.microsoft.com/office/drawing/2014/main" val="20000"/>
+                      <a16:colId xmlns:a16="http://schemas.microsoft.com/office/drawing/2014/main" xmlns="" val="20000"/>
                     </a:ext>
                   </a:extLst>
                 </a:gridCol>
@@ -7484,7 +8405,7 @@
                 </a:tc>
                 <a:extLst>
                   <a:ext uri="{0D108BD9-81ED-4DB2-BD59-A6C34878D82A}">
-                    <a16:rowId xmlns="" xmlns:a16="http://schemas.microsoft.com/office/drawing/2014/main" val="10000"/>
+                    <a16:rowId xmlns:a16="http://schemas.microsoft.com/office/drawing/2014/main" xmlns="" val="10000"/>
                   </a:ext>
                 </a:extLst>
               </a:tr>
@@ -7505,7 +8426,7 @@
                 </a:tc>
                 <a:extLst>
                   <a:ext uri="{0D108BD9-81ED-4DB2-BD59-A6C34878D82A}">
-                    <a16:rowId xmlns="" xmlns:a16="http://schemas.microsoft.com/office/drawing/2014/main" val="10001"/>
+                    <a16:rowId xmlns:a16="http://schemas.microsoft.com/office/drawing/2014/main" xmlns="" val="10001"/>
                   </a:ext>
                 </a:extLst>
               </a:tr>
@@ -7586,7 +8507,7 @@
                 </a:tc>
                 <a:extLst>
                   <a:ext uri="{0D108BD9-81ED-4DB2-BD59-A6C34878D82A}">
-                    <a16:rowId xmlns="" xmlns:a16="http://schemas.microsoft.com/office/drawing/2014/main" val="10002"/>
+                    <a16:rowId xmlns:a16="http://schemas.microsoft.com/office/drawing/2014/main" xmlns="" val="10002"/>
                   </a:ext>
                 </a:extLst>
               </a:tr>
@@ -7622,7 +8543,7 @@
                 <a:gridCol w="1547919">
                   <a:extLst>
                     <a:ext uri="{9D8B030D-6E8A-4147-A177-3AD203B41FA5}">
-                      <a16:colId xmlns="" xmlns:a16="http://schemas.microsoft.com/office/drawing/2014/main" val="20000"/>
+                      <a16:colId xmlns:a16="http://schemas.microsoft.com/office/drawing/2014/main" xmlns="" val="20000"/>
                     </a:ext>
                   </a:extLst>
                 </a:gridCol>
@@ -7644,7 +8565,7 @@
                 </a:tc>
                 <a:extLst>
                   <a:ext uri="{0D108BD9-81ED-4DB2-BD59-A6C34878D82A}">
-                    <a16:rowId xmlns="" xmlns:a16="http://schemas.microsoft.com/office/drawing/2014/main" val="10000"/>
+                    <a16:rowId xmlns:a16="http://schemas.microsoft.com/office/drawing/2014/main" xmlns="" val="10000"/>
                   </a:ext>
                 </a:extLst>
               </a:tr>
@@ -7665,7 +8586,7 @@
                 </a:tc>
                 <a:extLst>
                   <a:ext uri="{0D108BD9-81ED-4DB2-BD59-A6C34878D82A}">
-                    <a16:rowId xmlns="" xmlns:a16="http://schemas.microsoft.com/office/drawing/2014/main" val="10001"/>
+                    <a16:rowId xmlns:a16="http://schemas.microsoft.com/office/drawing/2014/main" xmlns="" val="10001"/>
                   </a:ext>
                 </a:extLst>
               </a:tr>
@@ -7722,7 +8643,7 @@
                 </a:tc>
                 <a:extLst>
                   <a:ext uri="{0D108BD9-81ED-4DB2-BD59-A6C34878D82A}">
-                    <a16:rowId xmlns="" xmlns:a16="http://schemas.microsoft.com/office/drawing/2014/main" val="10002"/>
+                    <a16:rowId xmlns:a16="http://schemas.microsoft.com/office/drawing/2014/main" xmlns="" val="10002"/>
                   </a:ext>
                 </a:extLst>
               </a:tr>
@@ -7743,7 +8664,7 @@
         <p:spPr>
           <a:xfrm>
             <a:off x="3419872" y="3826768"/>
-            <a:ext cx="323436" cy="16768"/>
+            <a:ext cx="323436" cy="77728"/>
           </a:xfrm>
           <a:prstGeom prst="bentConnector3">
             <a:avLst>
@@ -7775,7 +8696,7 @@
           <p:cNvPr id="71" name="CuadroTexto 59">
             <a:extLst>
               <a:ext uri="{FF2B5EF4-FFF2-40B4-BE49-F238E27FC236}">
-                <a16:creationId xmlns="" xmlns:a16="http://schemas.microsoft.com/office/drawing/2014/main" id="{E3E4B657-CF4C-4A80-9E44-4A0317C54F9E}"/>
+                <a16:creationId xmlns:a16="http://schemas.microsoft.com/office/drawing/2014/main" xmlns="" id="{E3E4B657-CF4C-4A80-9E44-4A0317C54F9E}"/>
               </a:ext>
             </a:extLst>
           </p:cNvPr>
@@ -7849,7 +8770,7 @@
           <p:cNvPr id="73" name="CuadroTexto 59">
             <a:extLst>
               <a:ext uri="{FF2B5EF4-FFF2-40B4-BE49-F238E27FC236}">
-                <a16:creationId xmlns="" xmlns:a16="http://schemas.microsoft.com/office/drawing/2014/main" id="{E3E4B657-CF4C-4A80-9E44-4A0317C54F9E}"/>
+                <a16:creationId xmlns:a16="http://schemas.microsoft.com/office/drawing/2014/main" xmlns="" id="{E3E4B657-CF4C-4A80-9E44-4A0317C54F9E}"/>
               </a:ext>
             </a:extLst>
           </p:cNvPr>
@@ -7972,7 +8893,7 @@
                 <a:gridCol w="1080120">
                   <a:extLst>
                     <a:ext uri="{9D8B030D-6E8A-4147-A177-3AD203B41FA5}">
-                      <a16:colId xmlns="" xmlns:a16="http://schemas.microsoft.com/office/drawing/2014/main" val="20000"/>
+                      <a16:colId xmlns:a16="http://schemas.microsoft.com/office/drawing/2014/main" xmlns="" val="20000"/>
                     </a:ext>
                   </a:extLst>
                 </a:gridCol>
@@ -7994,7 +8915,7 @@
                 </a:tc>
                 <a:extLst>
                   <a:ext uri="{0D108BD9-81ED-4DB2-BD59-A6C34878D82A}">
-                    <a16:rowId xmlns="" xmlns:a16="http://schemas.microsoft.com/office/drawing/2014/main" val="10000"/>
+                    <a16:rowId xmlns:a16="http://schemas.microsoft.com/office/drawing/2014/main" xmlns="" val="10000"/>
                   </a:ext>
                 </a:extLst>
               </a:tr>
@@ -8056,7 +8977,7 @@
                 </a:tc>
                 <a:extLst>
                   <a:ext uri="{0D108BD9-81ED-4DB2-BD59-A6C34878D82A}">
-                    <a16:rowId xmlns="" xmlns:a16="http://schemas.microsoft.com/office/drawing/2014/main" val="10001"/>
+                    <a16:rowId xmlns:a16="http://schemas.microsoft.com/office/drawing/2014/main" xmlns="" val="10001"/>
                   </a:ext>
                 </a:extLst>
               </a:tr>
@@ -8089,7 +9010,7 @@
                 </a:tc>
                 <a:extLst>
                   <a:ext uri="{0D108BD9-81ED-4DB2-BD59-A6C34878D82A}">
-                    <a16:rowId xmlns="" xmlns:a16="http://schemas.microsoft.com/office/drawing/2014/main" val="10002"/>
+                    <a16:rowId xmlns:a16="http://schemas.microsoft.com/office/drawing/2014/main" xmlns="" val="10002"/>
                   </a:ext>
                 </a:extLst>
               </a:tr>
@@ -8156,7 +9077,7 @@
                 <a:gridCol w="1463824">
                   <a:extLst>
                     <a:ext uri="{9D8B030D-6E8A-4147-A177-3AD203B41FA5}">
-                      <a16:colId xmlns="" xmlns:a16="http://schemas.microsoft.com/office/drawing/2014/main" val="20000"/>
+                      <a16:colId xmlns:a16="http://schemas.microsoft.com/office/drawing/2014/main" xmlns="" val="20000"/>
                     </a:ext>
                   </a:extLst>
                 </a:gridCol>
@@ -8178,7 +9099,7 @@
                 </a:tc>
                 <a:extLst>
                   <a:ext uri="{0D108BD9-81ED-4DB2-BD59-A6C34878D82A}">
-                    <a16:rowId xmlns="" xmlns:a16="http://schemas.microsoft.com/office/drawing/2014/main" val="10000"/>
+                    <a16:rowId xmlns:a16="http://schemas.microsoft.com/office/drawing/2014/main" xmlns="" val="10000"/>
                   </a:ext>
                 </a:extLst>
               </a:tr>
@@ -8199,7 +9120,7 @@
                 </a:tc>
                 <a:extLst>
                   <a:ext uri="{0D108BD9-81ED-4DB2-BD59-A6C34878D82A}">
-                    <a16:rowId xmlns="" xmlns:a16="http://schemas.microsoft.com/office/drawing/2014/main" val="10001"/>
+                    <a16:rowId xmlns:a16="http://schemas.microsoft.com/office/drawing/2014/main" xmlns="" val="10001"/>
                   </a:ext>
                 </a:extLst>
               </a:tr>
@@ -8256,7 +9177,7 @@
                 </a:tc>
                 <a:extLst>
                   <a:ext uri="{0D108BD9-81ED-4DB2-BD59-A6C34878D82A}">
-                    <a16:rowId xmlns="" xmlns:a16="http://schemas.microsoft.com/office/drawing/2014/main" val="10002"/>
+                    <a16:rowId xmlns:a16="http://schemas.microsoft.com/office/drawing/2014/main" xmlns="" val="10002"/>
                   </a:ext>
                 </a:extLst>
               </a:tr>
@@ -8292,7 +9213,7 @@
                 <a:gridCol w="1440160">
                   <a:extLst>
                     <a:ext uri="{9D8B030D-6E8A-4147-A177-3AD203B41FA5}">
-                      <a16:colId xmlns="" xmlns:a16="http://schemas.microsoft.com/office/drawing/2014/main" val="20000"/>
+                      <a16:colId xmlns:a16="http://schemas.microsoft.com/office/drawing/2014/main" xmlns="" val="20000"/>
                     </a:ext>
                   </a:extLst>
                 </a:gridCol>
@@ -8314,7 +9235,7 @@
                 </a:tc>
                 <a:extLst>
                   <a:ext uri="{0D108BD9-81ED-4DB2-BD59-A6C34878D82A}">
-                    <a16:rowId xmlns="" xmlns:a16="http://schemas.microsoft.com/office/drawing/2014/main" val="10000"/>
+                    <a16:rowId xmlns:a16="http://schemas.microsoft.com/office/drawing/2014/main" xmlns="" val="10000"/>
                   </a:ext>
                 </a:extLst>
               </a:tr>
@@ -8341,7 +9262,7 @@
                 </a:tc>
                 <a:extLst>
                   <a:ext uri="{0D108BD9-81ED-4DB2-BD59-A6C34878D82A}">
-                    <a16:rowId xmlns="" xmlns:a16="http://schemas.microsoft.com/office/drawing/2014/main" val="10001"/>
+                    <a16:rowId xmlns:a16="http://schemas.microsoft.com/office/drawing/2014/main" xmlns="" val="10001"/>
                   </a:ext>
                 </a:extLst>
               </a:tr>
@@ -8374,7 +9295,7 @@
                 </a:tc>
                 <a:extLst>
                   <a:ext uri="{0D108BD9-81ED-4DB2-BD59-A6C34878D82A}">
-                    <a16:rowId xmlns="" xmlns:a16="http://schemas.microsoft.com/office/drawing/2014/main" val="10002"/>
+                    <a16:rowId xmlns:a16="http://schemas.microsoft.com/office/drawing/2014/main" xmlns="" val="10002"/>
                   </a:ext>
                 </a:extLst>
               </a:tr>
@@ -8426,7 +9347,7 @@
           <p:cNvPr id="72" name="CuadroTexto 44">
             <a:extLst>
               <a:ext uri="{FF2B5EF4-FFF2-40B4-BE49-F238E27FC236}">
-                <a16:creationId xmlns="" xmlns:a16="http://schemas.microsoft.com/office/drawing/2014/main" id="{58DDF0F6-557A-42E3-87C5-C25B3173C4ED}"/>
+                <a16:creationId xmlns:a16="http://schemas.microsoft.com/office/drawing/2014/main" xmlns="" id="{58DDF0F6-557A-42E3-87C5-C25B3173C4ED}"/>
               </a:ext>
             </a:extLst>
           </p:cNvPr>
@@ -8499,7 +9420,7 @@
           <p:cNvPr id="74" name="CuadroTexto 44">
             <a:extLst>
               <a:ext uri="{FF2B5EF4-FFF2-40B4-BE49-F238E27FC236}">
-                <a16:creationId xmlns="" xmlns:a16="http://schemas.microsoft.com/office/drawing/2014/main" id="{58DDF0F6-557A-42E3-87C5-C25B3173C4ED}"/>
+                <a16:creationId xmlns:a16="http://schemas.microsoft.com/office/drawing/2014/main" xmlns="" id="{58DDF0F6-557A-42E3-87C5-C25B3173C4ED}"/>
               </a:ext>
             </a:extLst>
           </p:cNvPr>
@@ -8554,11 +9475,7 @@
             <a:pPr algn="ctr"/>
             <a:r>
               <a:rPr lang="es-ES" dirty="0" smtClean="0"/>
-              <a:t>Pendiente de revisar </a:t>
-            </a:r>
-            <a:r>
-              <a:rPr lang="es-ES" dirty="0" smtClean="0"/>
-              <a:t>los datos caja fija</a:t>
+              <a:t>Pendiente de revisar los datos caja fija</a:t>
             </a:r>
             <a:endParaRPr lang="es-ES" dirty="0"/>
           </a:p>
@@ -8623,7 +9540,7 @@
                 <a:gridCol w="1440160">
                   <a:extLst>
                     <a:ext uri="{9D8B030D-6E8A-4147-A177-3AD203B41FA5}">
-                      <a16:colId xmlns="" xmlns:a16="http://schemas.microsoft.com/office/drawing/2014/main" val="20000"/>
+                      <a16:colId xmlns:a16="http://schemas.microsoft.com/office/drawing/2014/main" xmlns="" val="20000"/>
                     </a:ext>
                   </a:extLst>
                 </a:gridCol>
@@ -8645,7 +9562,7 @@
                 </a:tc>
                 <a:extLst>
                   <a:ext uri="{0D108BD9-81ED-4DB2-BD59-A6C34878D82A}">
-                    <a16:rowId xmlns="" xmlns:a16="http://schemas.microsoft.com/office/drawing/2014/main" val="10000"/>
+                    <a16:rowId xmlns:a16="http://schemas.microsoft.com/office/drawing/2014/main" xmlns="" val="10000"/>
                   </a:ext>
                 </a:extLst>
               </a:tr>
@@ -8689,7 +9606,7 @@
                 </a:tc>
                 <a:extLst>
                   <a:ext uri="{0D108BD9-81ED-4DB2-BD59-A6C34878D82A}">
-                    <a16:rowId xmlns="" xmlns:a16="http://schemas.microsoft.com/office/drawing/2014/main" val="10001"/>
+                    <a16:rowId xmlns:a16="http://schemas.microsoft.com/office/drawing/2014/main" xmlns="" val="10001"/>
                   </a:ext>
                 </a:extLst>
               </a:tr>
@@ -8716,7 +9633,7 @@
                 </a:tc>
                 <a:extLst>
                   <a:ext uri="{0D108BD9-81ED-4DB2-BD59-A6C34878D82A}">
-                    <a16:rowId xmlns="" xmlns:a16="http://schemas.microsoft.com/office/drawing/2014/main" val="10002"/>
+                    <a16:rowId xmlns:a16="http://schemas.microsoft.com/office/drawing/2014/main" xmlns="" val="10002"/>
                   </a:ext>
                 </a:extLst>
               </a:tr>
@@ -8752,7 +9669,7 @@
                 <a:gridCol w="1463824">
                   <a:extLst>
                     <a:ext uri="{9D8B030D-6E8A-4147-A177-3AD203B41FA5}">
-                      <a16:colId xmlns="" xmlns:a16="http://schemas.microsoft.com/office/drawing/2014/main" val="20000"/>
+                      <a16:colId xmlns:a16="http://schemas.microsoft.com/office/drawing/2014/main" xmlns="" val="20000"/>
                     </a:ext>
                   </a:extLst>
                 </a:gridCol>
@@ -8774,7 +9691,7 @@
                 </a:tc>
                 <a:extLst>
                   <a:ext uri="{0D108BD9-81ED-4DB2-BD59-A6C34878D82A}">
-                    <a16:rowId xmlns="" xmlns:a16="http://schemas.microsoft.com/office/drawing/2014/main" val="10000"/>
+                    <a16:rowId xmlns:a16="http://schemas.microsoft.com/office/drawing/2014/main" xmlns="" val="10000"/>
                   </a:ext>
                 </a:extLst>
               </a:tr>
@@ -8795,7 +9712,7 @@
                 </a:tc>
                 <a:extLst>
                   <a:ext uri="{0D108BD9-81ED-4DB2-BD59-A6C34878D82A}">
-                    <a16:rowId xmlns="" xmlns:a16="http://schemas.microsoft.com/office/drawing/2014/main" val="10001"/>
+                    <a16:rowId xmlns:a16="http://schemas.microsoft.com/office/drawing/2014/main" xmlns="" val="10001"/>
                   </a:ext>
                 </a:extLst>
               </a:tr>
@@ -8822,7 +9739,7 @@
                 </a:tc>
                 <a:extLst>
                   <a:ext uri="{0D108BD9-81ED-4DB2-BD59-A6C34878D82A}">
-                    <a16:rowId xmlns="" xmlns:a16="http://schemas.microsoft.com/office/drawing/2014/main" val="10002"/>
+                    <a16:rowId xmlns:a16="http://schemas.microsoft.com/office/drawing/2014/main" xmlns="" val="10002"/>
                   </a:ext>
                 </a:extLst>
               </a:tr>
@@ -8854,11 +9771,7 @@
           <a:p>
             <a:r>
               <a:rPr lang="es-ES" dirty="0" smtClean="0"/>
-              <a:t>Pendiente de revisar </a:t>
-            </a:r>
-            <a:r>
-              <a:rPr lang="es-ES" dirty="0" smtClean="0"/>
-              <a:t>los datos modelos</a:t>
+              <a:t>Pendiente de revisar los datos modelos</a:t>
             </a:r>
             <a:endParaRPr lang="es-ES" dirty="0"/>
           </a:p>
@@ -8922,7 +9835,7 @@
                 <a:gridCol w="1463824">
                   <a:extLst>
                     <a:ext uri="{9D8B030D-6E8A-4147-A177-3AD203B41FA5}">
-                      <a16:colId xmlns="" xmlns:a16="http://schemas.microsoft.com/office/drawing/2014/main" val="20000"/>
+                      <a16:colId xmlns:a16="http://schemas.microsoft.com/office/drawing/2014/main" xmlns="" val="20000"/>
                     </a:ext>
                   </a:extLst>
                 </a:gridCol>
@@ -8943,7 +9856,7 @@
                 </a:tc>
                 <a:extLst>
                   <a:ext uri="{0D108BD9-81ED-4DB2-BD59-A6C34878D82A}">
-                    <a16:rowId xmlns="" xmlns:a16="http://schemas.microsoft.com/office/drawing/2014/main" val="10000"/>
+                    <a16:rowId xmlns:a16="http://schemas.microsoft.com/office/drawing/2014/main" xmlns="" val="10000"/>
                   </a:ext>
                 </a:extLst>
               </a:tr>
@@ -8964,7 +9877,7 @@
                 </a:tc>
                 <a:extLst>
                   <a:ext uri="{0D108BD9-81ED-4DB2-BD59-A6C34878D82A}">
-                    <a16:rowId xmlns="" xmlns:a16="http://schemas.microsoft.com/office/drawing/2014/main" val="10001"/>
+                    <a16:rowId xmlns:a16="http://schemas.microsoft.com/office/drawing/2014/main" xmlns="" val="10001"/>
                   </a:ext>
                 </a:extLst>
               </a:tr>
@@ -9072,7 +9985,7 @@
                 </a:tc>
                 <a:extLst>
                   <a:ext uri="{0D108BD9-81ED-4DB2-BD59-A6C34878D82A}">
-                    <a16:rowId xmlns="" xmlns:a16="http://schemas.microsoft.com/office/drawing/2014/main" val="10002"/>
+                    <a16:rowId xmlns:a16="http://schemas.microsoft.com/office/drawing/2014/main" xmlns="" val="10002"/>
                   </a:ext>
                 </a:extLst>
               </a:tr>
@@ -9108,7 +10021,7 @@
                 <a:gridCol w="1463824">
                   <a:extLst>
                     <a:ext uri="{9D8B030D-6E8A-4147-A177-3AD203B41FA5}">
-                      <a16:colId xmlns="" xmlns:a16="http://schemas.microsoft.com/office/drawing/2014/main" val="20000"/>
+                      <a16:colId xmlns:a16="http://schemas.microsoft.com/office/drawing/2014/main" xmlns="" val="20000"/>
                     </a:ext>
                   </a:extLst>
                 </a:gridCol>
@@ -9130,7 +10043,7 @@
                 </a:tc>
                 <a:extLst>
                   <a:ext uri="{0D108BD9-81ED-4DB2-BD59-A6C34878D82A}">
-                    <a16:rowId xmlns="" xmlns:a16="http://schemas.microsoft.com/office/drawing/2014/main" val="10000"/>
+                    <a16:rowId xmlns:a16="http://schemas.microsoft.com/office/drawing/2014/main" xmlns="" val="10000"/>
                   </a:ext>
                 </a:extLst>
               </a:tr>
@@ -9151,7 +10064,7 @@
                 </a:tc>
                 <a:extLst>
                   <a:ext uri="{0D108BD9-81ED-4DB2-BD59-A6C34878D82A}">
-                    <a16:rowId xmlns="" xmlns:a16="http://schemas.microsoft.com/office/drawing/2014/main" val="10001"/>
+                    <a16:rowId xmlns:a16="http://schemas.microsoft.com/office/drawing/2014/main" xmlns="" val="10001"/>
                   </a:ext>
                 </a:extLst>
               </a:tr>
@@ -9190,7 +10103,7 @@
                 </a:tc>
                 <a:extLst>
                   <a:ext uri="{0D108BD9-81ED-4DB2-BD59-A6C34878D82A}">
-                    <a16:rowId xmlns="" xmlns:a16="http://schemas.microsoft.com/office/drawing/2014/main" val="10002"/>
+                    <a16:rowId xmlns:a16="http://schemas.microsoft.com/office/drawing/2014/main" xmlns="" val="10002"/>
                   </a:ext>
                 </a:extLst>
               </a:tr>
@@ -9226,7 +10139,7 @@
                 <a:gridCol w="720080">
                   <a:extLst>
                     <a:ext uri="{9D8B030D-6E8A-4147-A177-3AD203B41FA5}">
-                      <a16:colId xmlns="" xmlns:a16="http://schemas.microsoft.com/office/drawing/2014/main" val="20000"/>
+                      <a16:colId xmlns:a16="http://schemas.microsoft.com/office/drawing/2014/main" xmlns="" val="20000"/>
                     </a:ext>
                   </a:extLst>
                 </a:gridCol>
@@ -9247,7 +10160,7 @@
                 </a:tc>
                 <a:extLst>
                   <a:ext uri="{0D108BD9-81ED-4DB2-BD59-A6C34878D82A}">
-                    <a16:rowId xmlns="" xmlns:a16="http://schemas.microsoft.com/office/drawing/2014/main" val="10000"/>
+                    <a16:rowId xmlns:a16="http://schemas.microsoft.com/office/drawing/2014/main" xmlns="" val="10000"/>
                   </a:ext>
                 </a:extLst>
               </a:tr>
@@ -9268,7 +10181,7 @@
                 </a:tc>
                 <a:extLst>
                   <a:ext uri="{0D108BD9-81ED-4DB2-BD59-A6C34878D82A}">
-                    <a16:rowId xmlns="" xmlns:a16="http://schemas.microsoft.com/office/drawing/2014/main" val="10001"/>
+                    <a16:rowId xmlns:a16="http://schemas.microsoft.com/office/drawing/2014/main" xmlns="" val="10001"/>
                   </a:ext>
                 </a:extLst>
               </a:tr>
@@ -9288,7 +10201,7 @@
                 </a:tc>
                 <a:extLst>
                   <a:ext uri="{0D108BD9-81ED-4DB2-BD59-A6C34878D82A}">
-                    <a16:rowId xmlns="" xmlns:a16="http://schemas.microsoft.com/office/drawing/2014/main" val="10002"/>
+                    <a16:rowId xmlns:a16="http://schemas.microsoft.com/office/drawing/2014/main" xmlns="" val="10002"/>
                   </a:ext>
                 </a:extLst>
               </a:tr>
@@ -9324,7 +10237,7 @@
                 <a:gridCol w="1368152">
                   <a:extLst>
                     <a:ext uri="{9D8B030D-6E8A-4147-A177-3AD203B41FA5}">
-                      <a16:colId xmlns="" xmlns:a16="http://schemas.microsoft.com/office/drawing/2014/main" val="20000"/>
+                      <a16:colId xmlns:a16="http://schemas.microsoft.com/office/drawing/2014/main" xmlns="" val="20000"/>
                     </a:ext>
                   </a:extLst>
                 </a:gridCol>
@@ -9345,7 +10258,7 @@
                 </a:tc>
                 <a:extLst>
                   <a:ext uri="{0D108BD9-81ED-4DB2-BD59-A6C34878D82A}">
-                    <a16:rowId xmlns="" xmlns:a16="http://schemas.microsoft.com/office/drawing/2014/main" val="10000"/>
+                    <a16:rowId xmlns:a16="http://schemas.microsoft.com/office/drawing/2014/main" xmlns="" val="10000"/>
                   </a:ext>
                 </a:extLst>
               </a:tr>
@@ -9372,7 +10285,7 @@
                 </a:tc>
                 <a:extLst>
                   <a:ext uri="{0D108BD9-81ED-4DB2-BD59-A6C34878D82A}">
-                    <a16:rowId xmlns="" xmlns:a16="http://schemas.microsoft.com/office/drawing/2014/main" val="10001"/>
+                    <a16:rowId xmlns:a16="http://schemas.microsoft.com/office/drawing/2014/main" xmlns="" val="10001"/>
                   </a:ext>
                 </a:extLst>
               </a:tr>
@@ -9392,7 +10305,7 @@
                 </a:tc>
                 <a:extLst>
                   <a:ext uri="{0D108BD9-81ED-4DB2-BD59-A6C34878D82A}">
-                    <a16:rowId xmlns="" xmlns:a16="http://schemas.microsoft.com/office/drawing/2014/main" val="10002"/>
+                    <a16:rowId xmlns:a16="http://schemas.microsoft.com/office/drawing/2014/main" xmlns="" val="10002"/>
                   </a:ext>
                 </a:extLst>
               </a:tr>
@@ -9428,7 +10341,7 @@
                 <a:gridCol w="1368152">
                   <a:extLst>
                     <a:ext uri="{9D8B030D-6E8A-4147-A177-3AD203B41FA5}">
-                      <a16:colId xmlns="" xmlns:a16="http://schemas.microsoft.com/office/drawing/2014/main" val="20000"/>
+                      <a16:colId xmlns:a16="http://schemas.microsoft.com/office/drawing/2014/main" xmlns="" val="20000"/>
                     </a:ext>
                   </a:extLst>
                 </a:gridCol>
@@ -9449,7 +10362,7 @@
                 </a:tc>
                 <a:extLst>
                   <a:ext uri="{0D108BD9-81ED-4DB2-BD59-A6C34878D82A}">
-                    <a16:rowId xmlns="" xmlns:a16="http://schemas.microsoft.com/office/drawing/2014/main" val="10000"/>
+                    <a16:rowId xmlns:a16="http://schemas.microsoft.com/office/drawing/2014/main" xmlns="" val="10000"/>
                   </a:ext>
                 </a:extLst>
               </a:tr>
@@ -9469,7 +10382,7 @@
                 </a:tc>
                 <a:extLst>
                   <a:ext uri="{0D108BD9-81ED-4DB2-BD59-A6C34878D82A}">
-                    <a16:rowId xmlns="" xmlns:a16="http://schemas.microsoft.com/office/drawing/2014/main" val="10001"/>
+                    <a16:rowId xmlns:a16="http://schemas.microsoft.com/office/drawing/2014/main" xmlns="" val="10001"/>
                   </a:ext>
                 </a:extLst>
               </a:tr>
@@ -9497,7 +10410,7 @@
                 </a:tc>
                 <a:extLst>
                   <a:ext uri="{0D108BD9-81ED-4DB2-BD59-A6C34878D82A}">
-                    <a16:rowId xmlns="" xmlns:a16="http://schemas.microsoft.com/office/drawing/2014/main" val="10002"/>
+                    <a16:rowId xmlns:a16="http://schemas.microsoft.com/office/drawing/2014/main" xmlns="" val="10002"/>
                   </a:ext>
                 </a:extLst>
               </a:tr>
@@ -9533,7 +10446,7 @@
                 <a:gridCol w="1463824">
                   <a:extLst>
                     <a:ext uri="{9D8B030D-6E8A-4147-A177-3AD203B41FA5}">
-                      <a16:colId xmlns="" xmlns:a16="http://schemas.microsoft.com/office/drawing/2014/main" val="20000"/>
+                      <a16:colId xmlns:a16="http://schemas.microsoft.com/office/drawing/2014/main" xmlns="" val="20000"/>
                     </a:ext>
                   </a:extLst>
                 </a:gridCol>
@@ -9554,7 +10467,7 @@
                 </a:tc>
                 <a:extLst>
                   <a:ext uri="{0D108BD9-81ED-4DB2-BD59-A6C34878D82A}">
-                    <a16:rowId xmlns="" xmlns:a16="http://schemas.microsoft.com/office/drawing/2014/main" val="10000"/>
+                    <a16:rowId xmlns:a16="http://schemas.microsoft.com/office/drawing/2014/main" xmlns="" val="10000"/>
                   </a:ext>
                 </a:extLst>
               </a:tr>
@@ -9574,7 +10487,7 @@
                 </a:tc>
                 <a:extLst>
                   <a:ext uri="{0D108BD9-81ED-4DB2-BD59-A6C34878D82A}">
-                    <a16:rowId xmlns="" xmlns:a16="http://schemas.microsoft.com/office/drawing/2014/main" val="10001"/>
+                    <a16:rowId xmlns:a16="http://schemas.microsoft.com/office/drawing/2014/main" xmlns="" val="10001"/>
                   </a:ext>
                 </a:extLst>
               </a:tr>
@@ -9601,7 +10514,7 @@
                 </a:tc>
                 <a:extLst>
                   <a:ext uri="{0D108BD9-81ED-4DB2-BD59-A6C34878D82A}">
-                    <a16:rowId xmlns="" xmlns:a16="http://schemas.microsoft.com/office/drawing/2014/main" val="10002"/>
+                    <a16:rowId xmlns:a16="http://schemas.microsoft.com/office/drawing/2014/main" xmlns="" val="10002"/>
                   </a:ext>
                 </a:extLst>
               </a:tr>
@@ -9637,7 +10550,7 @@
                 <a:gridCol w="1463824">
                   <a:extLst>
                     <a:ext uri="{9D8B030D-6E8A-4147-A177-3AD203B41FA5}">
-                      <a16:colId xmlns="" xmlns:a16="http://schemas.microsoft.com/office/drawing/2014/main" val="20000"/>
+                      <a16:colId xmlns:a16="http://schemas.microsoft.com/office/drawing/2014/main" xmlns="" val="20000"/>
                     </a:ext>
                   </a:extLst>
                 </a:gridCol>
@@ -9659,7 +10572,7 @@
                 </a:tc>
                 <a:extLst>
                   <a:ext uri="{0D108BD9-81ED-4DB2-BD59-A6C34878D82A}">
-                    <a16:rowId xmlns="" xmlns:a16="http://schemas.microsoft.com/office/drawing/2014/main" val="10000"/>
+                    <a16:rowId xmlns:a16="http://schemas.microsoft.com/office/drawing/2014/main" xmlns="" val="10000"/>
                   </a:ext>
                 </a:extLst>
               </a:tr>
@@ -9680,7 +10593,7 @@
                 </a:tc>
                 <a:extLst>
                   <a:ext uri="{0D108BD9-81ED-4DB2-BD59-A6C34878D82A}">
-                    <a16:rowId xmlns="" xmlns:a16="http://schemas.microsoft.com/office/drawing/2014/main" val="10001"/>
+                    <a16:rowId xmlns:a16="http://schemas.microsoft.com/office/drawing/2014/main" xmlns="" val="10001"/>
                   </a:ext>
                 </a:extLst>
               </a:tr>
@@ -9729,7 +10642,7 @@
                 </a:tc>
                 <a:extLst>
                   <a:ext uri="{0D108BD9-81ED-4DB2-BD59-A6C34878D82A}">
-                    <a16:rowId xmlns="" xmlns:a16="http://schemas.microsoft.com/office/drawing/2014/main" val="10002"/>
+                    <a16:rowId xmlns:a16="http://schemas.microsoft.com/office/drawing/2014/main" xmlns="" val="10002"/>
                   </a:ext>
                 </a:extLst>
               </a:tr>
@@ -9765,7 +10678,7 @@
                 <a:gridCol w="1463824">
                   <a:extLst>
                     <a:ext uri="{9D8B030D-6E8A-4147-A177-3AD203B41FA5}">
-                      <a16:colId xmlns="" xmlns:a16="http://schemas.microsoft.com/office/drawing/2014/main" val="20000"/>
+                      <a16:colId xmlns:a16="http://schemas.microsoft.com/office/drawing/2014/main" xmlns="" val="20000"/>
                     </a:ext>
                   </a:extLst>
                 </a:gridCol>
@@ -9786,7 +10699,7 @@
                 </a:tc>
                 <a:extLst>
                   <a:ext uri="{0D108BD9-81ED-4DB2-BD59-A6C34878D82A}">
-                    <a16:rowId xmlns="" xmlns:a16="http://schemas.microsoft.com/office/drawing/2014/main" val="10000"/>
+                    <a16:rowId xmlns:a16="http://schemas.microsoft.com/office/drawing/2014/main" xmlns="" val="10000"/>
                   </a:ext>
                 </a:extLst>
               </a:tr>
@@ -9807,7 +10720,7 @@
                 </a:tc>
                 <a:extLst>
                   <a:ext uri="{0D108BD9-81ED-4DB2-BD59-A6C34878D82A}">
-                    <a16:rowId xmlns="" xmlns:a16="http://schemas.microsoft.com/office/drawing/2014/main" val="10001"/>
+                    <a16:rowId xmlns:a16="http://schemas.microsoft.com/office/drawing/2014/main" xmlns="" val="10001"/>
                   </a:ext>
                 </a:extLst>
               </a:tr>
@@ -9828,7 +10741,7 @@
                 </a:tc>
                 <a:extLst>
                   <a:ext uri="{0D108BD9-81ED-4DB2-BD59-A6C34878D82A}">
-                    <a16:rowId xmlns="" xmlns:a16="http://schemas.microsoft.com/office/drawing/2014/main" val="10002"/>
+                    <a16:rowId xmlns:a16="http://schemas.microsoft.com/office/drawing/2014/main" xmlns="" val="10002"/>
                   </a:ext>
                 </a:extLst>
               </a:tr>
@@ -9864,7 +10777,7 @@
                 <a:gridCol w="1728192">
                   <a:extLst>
                     <a:ext uri="{9D8B030D-6E8A-4147-A177-3AD203B41FA5}">
-                      <a16:colId xmlns="" xmlns:a16="http://schemas.microsoft.com/office/drawing/2014/main" val="20000"/>
+                      <a16:colId xmlns:a16="http://schemas.microsoft.com/office/drawing/2014/main" xmlns="" val="20000"/>
                     </a:ext>
                   </a:extLst>
                 </a:gridCol>
@@ -9886,7 +10799,7 @@
                 </a:tc>
                 <a:extLst>
                   <a:ext uri="{0D108BD9-81ED-4DB2-BD59-A6C34878D82A}">
-                    <a16:rowId xmlns="" xmlns:a16="http://schemas.microsoft.com/office/drawing/2014/main" val="10000"/>
+                    <a16:rowId xmlns:a16="http://schemas.microsoft.com/office/drawing/2014/main" xmlns="" val="10000"/>
                   </a:ext>
                 </a:extLst>
               </a:tr>
@@ -9907,7 +10820,7 @@
                 </a:tc>
                 <a:extLst>
                   <a:ext uri="{0D108BD9-81ED-4DB2-BD59-A6C34878D82A}">
-                    <a16:rowId xmlns="" xmlns:a16="http://schemas.microsoft.com/office/drawing/2014/main" val="10001"/>
+                    <a16:rowId xmlns:a16="http://schemas.microsoft.com/office/drawing/2014/main" xmlns="" val="10001"/>
                   </a:ext>
                 </a:extLst>
               </a:tr>
@@ -9928,7 +10841,7 @@
                 </a:tc>
                 <a:extLst>
                   <a:ext uri="{0D108BD9-81ED-4DB2-BD59-A6C34878D82A}">
-                    <a16:rowId xmlns="" xmlns:a16="http://schemas.microsoft.com/office/drawing/2014/main" val="10002"/>
+                    <a16:rowId xmlns:a16="http://schemas.microsoft.com/office/drawing/2014/main" xmlns="" val="10002"/>
                   </a:ext>
                 </a:extLst>
               </a:tr>
@@ -9964,7 +10877,7 @@
                 <a:gridCol w="1728192">
                   <a:extLst>
                     <a:ext uri="{9D8B030D-6E8A-4147-A177-3AD203B41FA5}">
-                      <a16:colId xmlns="" xmlns:a16="http://schemas.microsoft.com/office/drawing/2014/main" val="20000"/>
+                      <a16:colId xmlns:a16="http://schemas.microsoft.com/office/drawing/2014/main" xmlns="" val="20000"/>
                     </a:ext>
                   </a:extLst>
                 </a:gridCol>
@@ -9986,7 +10899,7 @@
                 </a:tc>
                 <a:extLst>
                   <a:ext uri="{0D108BD9-81ED-4DB2-BD59-A6C34878D82A}">
-                    <a16:rowId xmlns="" xmlns:a16="http://schemas.microsoft.com/office/drawing/2014/main" val="10000"/>
+                    <a16:rowId xmlns:a16="http://schemas.microsoft.com/office/drawing/2014/main" xmlns="" val="10000"/>
                   </a:ext>
                 </a:extLst>
               </a:tr>
@@ -10007,7 +10920,7 @@
                 </a:tc>
                 <a:extLst>
                   <a:ext uri="{0D108BD9-81ED-4DB2-BD59-A6C34878D82A}">
-                    <a16:rowId xmlns="" xmlns:a16="http://schemas.microsoft.com/office/drawing/2014/main" val="10001"/>
+                    <a16:rowId xmlns:a16="http://schemas.microsoft.com/office/drawing/2014/main" xmlns="" val="10001"/>
                   </a:ext>
                 </a:extLst>
               </a:tr>
@@ -10028,7 +10941,7 @@
                 </a:tc>
                 <a:extLst>
                   <a:ext uri="{0D108BD9-81ED-4DB2-BD59-A6C34878D82A}">
-                    <a16:rowId xmlns="" xmlns:a16="http://schemas.microsoft.com/office/drawing/2014/main" val="10002"/>
+                    <a16:rowId xmlns:a16="http://schemas.microsoft.com/office/drawing/2014/main" xmlns="" val="10002"/>
                   </a:ext>
                 </a:extLst>
               </a:tr>
@@ -10064,7 +10977,7 @@
                 <a:gridCol w="1463824">
                   <a:extLst>
                     <a:ext uri="{9D8B030D-6E8A-4147-A177-3AD203B41FA5}">
-                      <a16:colId xmlns="" xmlns:a16="http://schemas.microsoft.com/office/drawing/2014/main" val="20000"/>
+                      <a16:colId xmlns:a16="http://schemas.microsoft.com/office/drawing/2014/main" xmlns="" val="20000"/>
                     </a:ext>
                   </a:extLst>
                 </a:gridCol>
@@ -10086,7 +10999,7 @@
                 </a:tc>
                 <a:extLst>
                   <a:ext uri="{0D108BD9-81ED-4DB2-BD59-A6C34878D82A}">
-                    <a16:rowId xmlns="" xmlns:a16="http://schemas.microsoft.com/office/drawing/2014/main" val="10000"/>
+                    <a16:rowId xmlns:a16="http://schemas.microsoft.com/office/drawing/2014/main" xmlns="" val="10000"/>
                   </a:ext>
                 </a:extLst>
               </a:tr>
@@ -10107,7 +11020,7 @@
                 </a:tc>
                 <a:extLst>
                   <a:ext uri="{0D108BD9-81ED-4DB2-BD59-A6C34878D82A}">
-                    <a16:rowId xmlns="" xmlns:a16="http://schemas.microsoft.com/office/drawing/2014/main" val="10001"/>
+                    <a16:rowId xmlns:a16="http://schemas.microsoft.com/office/drawing/2014/main" xmlns="" val="10001"/>
                   </a:ext>
                 </a:extLst>
               </a:tr>
@@ -10128,7 +11041,7 @@
                 </a:tc>
                 <a:extLst>
                   <a:ext uri="{0D108BD9-81ED-4DB2-BD59-A6C34878D82A}">
-                    <a16:rowId xmlns="" xmlns:a16="http://schemas.microsoft.com/office/drawing/2014/main" val="10002"/>
+                    <a16:rowId xmlns:a16="http://schemas.microsoft.com/office/drawing/2014/main" xmlns="" val="10002"/>
                   </a:ext>
                 </a:extLst>
               </a:tr>
@@ -10164,7 +11077,7 @@
                 <a:gridCol w="1463824">
                   <a:extLst>
                     <a:ext uri="{9D8B030D-6E8A-4147-A177-3AD203B41FA5}">
-                      <a16:colId xmlns="" xmlns:a16="http://schemas.microsoft.com/office/drawing/2014/main" val="20000"/>
+                      <a16:colId xmlns:a16="http://schemas.microsoft.com/office/drawing/2014/main" xmlns="" val="20000"/>
                     </a:ext>
                   </a:extLst>
                 </a:gridCol>
@@ -10185,7 +11098,7 @@
                 </a:tc>
                 <a:extLst>
                   <a:ext uri="{0D108BD9-81ED-4DB2-BD59-A6C34878D82A}">
-                    <a16:rowId xmlns="" xmlns:a16="http://schemas.microsoft.com/office/drawing/2014/main" val="10000"/>
+                    <a16:rowId xmlns:a16="http://schemas.microsoft.com/office/drawing/2014/main" xmlns="" val="10000"/>
                   </a:ext>
                 </a:extLst>
               </a:tr>
@@ -10206,7 +11119,7 @@
                 </a:tc>
                 <a:extLst>
                   <a:ext uri="{0D108BD9-81ED-4DB2-BD59-A6C34878D82A}">
-                    <a16:rowId xmlns="" xmlns:a16="http://schemas.microsoft.com/office/drawing/2014/main" val="10001"/>
+                    <a16:rowId xmlns:a16="http://schemas.microsoft.com/office/drawing/2014/main" xmlns="" val="10001"/>
                   </a:ext>
                 </a:extLst>
               </a:tr>
@@ -10240,7 +11153,7 @@
                 </a:tc>
                 <a:extLst>
                   <a:ext uri="{0D108BD9-81ED-4DB2-BD59-A6C34878D82A}">
-                    <a16:rowId xmlns="" xmlns:a16="http://schemas.microsoft.com/office/drawing/2014/main" val="10002"/>
+                    <a16:rowId xmlns:a16="http://schemas.microsoft.com/office/drawing/2014/main" xmlns="" val="10002"/>
                   </a:ext>
                 </a:extLst>
               </a:tr>
@@ -10257,7 +11170,7 @@
           <p:nvPr>
             <p:extLst>
               <p:ext uri="{D42A27DB-BD31-4B8C-83A1-F6EECF244321}">
-                <p14:modId xmlns:p14="http://schemas.microsoft.com/office/powerpoint/2010/main" val="855227259"/>
+                <p14:modId xmlns:p14="http://schemas.microsoft.com/office/powerpoint/2010/main" val="2499127794"/>
               </p:ext>
             </p:extLst>
           </p:nvPr>
@@ -10276,7 +11189,7 @@
                 <a:gridCol w="1463824">
                   <a:extLst>
                     <a:ext uri="{9D8B030D-6E8A-4147-A177-3AD203B41FA5}">
-                      <a16:colId xmlns="" xmlns:a16="http://schemas.microsoft.com/office/drawing/2014/main" val="20000"/>
+                      <a16:colId xmlns:a16="http://schemas.microsoft.com/office/drawing/2014/main" xmlns="" val="20000"/>
                     </a:ext>
                   </a:extLst>
                 </a:gridCol>
@@ -10298,7 +11211,7 @@
                 </a:tc>
                 <a:extLst>
                   <a:ext uri="{0D108BD9-81ED-4DB2-BD59-A6C34878D82A}">
-                    <a16:rowId xmlns="" xmlns:a16="http://schemas.microsoft.com/office/drawing/2014/main" val="10000"/>
+                    <a16:rowId xmlns:a16="http://schemas.microsoft.com/office/drawing/2014/main" xmlns="" val="10000"/>
                   </a:ext>
                 </a:extLst>
               </a:tr>
@@ -10319,7 +11232,7 @@
                 </a:tc>
                 <a:extLst>
                   <a:ext uri="{0D108BD9-81ED-4DB2-BD59-A6C34878D82A}">
-                    <a16:rowId xmlns="" xmlns:a16="http://schemas.microsoft.com/office/drawing/2014/main" val="10001"/>
+                    <a16:rowId xmlns:a16="http://schemas.microsoft.com/office/drawing/2014/main" xmlns="" val="10001"/>
                   </a:ext>
                 </a:extLst>
               </a:tr>
@@ -10339,7 +11252,7 @@
                 </a:tc>
                 <a:extLst>
                   <a:ext uri="{0D108BD9-81ED-4DB2-BD59-A6C34878D82A}">
-                    <a16:rowId xmlns="" xmlns:a16="http://schemas.microsoft.com/office/drawing/2014/main" val="10002"/>
+                    <a16:rowId xmlns:a16="http://schemas.microsoft.com/office/drawing/2014/main" xmlns="" val="10002"/>
                   </a:ext>
                 </a:extLst>
               </a:tr>
@@ -10375,7 +11288,7 @@
                 <a:gridCol w="1463824">
                   <a:extLst>
                     <a:ext uri="{9D8B030D-6E8A-4147-A177-3AD203B41FA5}">
-                      <a16:colId xmlns="" xmlns:a16="http://schemas.microsoft.com/office/drawing/2014/main" val="20000"/>
+                      <a16:colId xmlns:a16="http://schemas.microsoft.com/office/drawing/2014/main" xmlns="" val="20000"/>
                     </a:ext>
                   </a:extLst>
                 </a:gridCol>
@@ -10397,7 +11310,7 @@
                 </a:tc>
                 <a:extLst>
                   <a:ext uri="{0D108BD9-81ED-4DB2-BD59-A6C34878D82A}">
-                    <a16:rowId xmlns="" xmlns:a16="http://schemas.microsoft.com/office/drawing/2014/main" val="10000"/>
+                    <a16:rowId xmlns:a16="http://schemas.microsoft.com/office/drawing/2014/main" xmlns="" val="10000"/>
                   </a:ext>
                 </a:extLst>
               </a:tr>
@@ -10417,7 +11330,7 @@
                 </a:tc>
                 <a:extLst>
                   <a:ext uri="{0D108BD9-81ED-4DB2-BD59-A6C34878D82A}">
-                    <a16:rowId xmlns="" xmlns:a16="http://schemas.microsoft.com/office/drawing/2014/main" val="10001"/>
+                    <a16:rowId xmlns:a16="http://schemas.microsoft.com/office/drawing/2014/main" xmlns="" val="10001"/>
                   </a:ext>
                 </a:extLst>
               </a:tr>
@@ -10438,7 +11351,7 @@
                 </a:tc>
                 <a:extLst>
                   <a:ext uri="{0D108BD9-81ED-4DB2-BD59-A6C34878D82A}">
-                    <a16:rowId xmlns="" xmlns:a16="http://schemas.microsoft.com/office/drawing/2014/main" val="10002"/>
+                    <a16:rowId xmlns:a16="http://schemas.microsoft.com/office/drawing/2014/main" xmlns="" val="10002"/>
                   </a:ext>
                 </a:extLst>
               </a:tr>
@@ -10485,14 +11398,14 @@
           <p:nvPr>
             <p:extLst>
               <p:ext uri="{D42A27DB-BD31-4B8C-83A1-F6EECF244321}">
-                <p14:modId xmlns:p14="http://schemas.microsoft.com/office/powerpoint/2010/main" val="3425163260"/>
+                <p14:modId xmlns:p14="http://schemas.microsoft.com/office/powerpoint/2010/main" val="4136342988"/>
               </p:ext>
             </p:extLst>
           </p:nvPr>
         </p:nvGraphicFramePr>
         <p:xfrm>
           <a:off x="155848" y="4399220"/>
-          <a:ext cx="1463824" cy="640080"/>
+          <a:ext cx="1463824" cy="762000"/>
         </p:xfrm>
         <a:graphic>
           <a:graphicData uri="http://schemas.openxmlformats.org/drawingml/2006/table">
@@ -10504,7 +11417,7 @@
                 <a:gridCol w="1463824">
                   <a:extLst>
                     <a:ext uri="{9D8B030D-6E8A-4147-A177-3AD203B41FA5}">
-                      <a16:colId xmlns="" xmlns:a16="http://schemas.microsoft.com/office/drawing/2014/main" val="20000"/>
+                      <a16:colId xmlns:a16="http://schemas.microsoft.com/office/drawing/2014/main" xmlns="" val="20000"/>
                     </a:ext>
                   </a:extLst>
                 </a:gridCol>
@@ -10516,16 +11429,17 @@
                     <a:lstStyle/>
                     <a:p>
                       <a:r>
-                        <a:rPr lang="es-ES" sz="800" i="1"/>
-                        <a:t>TIPOS_EVENTO</a:t>
-                      </a:r>
-                    </a:p>
-                  </a:txBody>
-                  <a:tcPr/>
-                </a:tc>
-                <a:extLst>
-                  <a:ext uri="{0D108BD9-81ED-4DB2-BD59-A6C34878D82A}">
-                    <a16:rowId xmlns="" xmlns:a16="http://schemas.microsoft.com/office/drawing/2014/main" val="10000"/>
+                        <a:rPr lang="es-ES" sz="800" i="1" dirty="0" smtClean="0"/>
+                        <a:t>TIPOS_EVENTO_CONTRATACION</a:t>
+                      </a:r>
+                      <a:endParaRPr lang="es-ES" sz="800" i="1" dirty="0"/>
+                    </a:p>
+                  </a:txBody>
+                  <a:tcPr/>
+                </a:tc>
+                <a:extLst>
+                  <a:ext uri="{0D108BD9-81ED-4DB2-BD59-A6C34878D82A}">
+                    <a16:rowId xmlns:a16="http://schemas.microsoft.com/office/drawing/2014/main" xmlns="" val="10000"/>
                   </a:ext>
                 </a:extLst>
               </a:tr>
@@ -10546,7 +11460,7 @@
                 </a:tc>
                 <a:extLst>
                   <a:ext uri="{0D108BD9-81ED-4DB2-BD59-A6C34878D82A}">
-                    <a16:rowId xmlns="" xmlns:a16="http://schemas.microsoft.com/office/drawing/2014/main" val="10001"/>
+                    <a16:rowId xmlns:a16="http://schemas.microsoft.com/office/drawing/2014/main" xmlns="" val="10001"/>
                   </a:ext>
                 </a:extLst>
               </a:tr>
@@ -10567,7 +11481,7 @@
                 </a:tc>
                 <a:extLst>
                   <a:ext uri="{0D108BD9-81ED-4DB2-BD59-A6C34878D82A}">
-                    <a16:rowId xmlns="" xmlns:a16="http://schemas.microsoft.com/office/drawing/2014/main" val="10002"/>
+                    <a16:rowId xmlns:a16="http://schemas.microsoft.com/office/drawing/2014/main" xmlns="" val="10002"/>
                   </a:ext>
                 </a:extLst>
               </a:tr>
@@ -10603,7 +11517,7 @@
                 <a:gridCol w="1800200">
                   <a:extLst>
                     <a:ext uri="{9D8B030D-6E8A-4147-A177-3AD203B41FA5}">
-                      <a16:colId xmlns="" xmlns:a16="http://schemas.microsoft.com/office/drawing/2014/main" val="20000"/>
+                      <a16:colId xmlns:a16="http://schemas.microsoft.com/office/drawing/2014/main" xmlns="" val="20000"/>
                     </a:ext>
                   </a:extLst>
                 </a:gridCol>
@@ -10625,7 +11539,7 @@
                 </a:tc>
                 <a:extLst>
                   <a:ext uri="{0D108BD9-81ED-4DB2-BD59-A6C34878D82A}">
-                    <a16:rowId xmlns="" xmlns:a16="http://schemas.microsoft.com/office/drawing/2014/main" val="10000"/>
+                    <a16:rowId xmlns:a16="http://schemas.microsoft.com/office/drawing/2014/main" xmlns="" val="10000"/>
                   </a:ext>
                 </a:extLst>
               </a:tr>
@@ -10646,7 +11560,7 @@
                 </a:tc>
                 <a:extLst>
                   <a:ext uri="{0D108BD9-81ED-4DB2-BD59-A6C34878D82A}">
-                    <a16:rowId xmlns="" xmlns:a16="http://schemas.microsoft.com/office/drawing/2014/main" val="10001"/>
+                    <a16:rowId xmlns:a16="http://schemas.microsoft.com/office/drawing/2014/main" xmlns="" val="10001"/>
                   </a:ext>
                 </a:extLst>
               </a:tr>
@@ -10667,7 +11581,7 @@
                 </a:tc>
                 <a:extLst>
                   <a:ext uri="{0D108BD9-81ED-4DB2-BD59-A6C34878D82A}">
-                    <a16:rowId xmlns="" xmlns:a16="http://schemas.microsoft.com/office/drawing/2014/main" val="10002"/>
+                    <a16:rowId xmlns:a16="http://schemas.microsoft.com/office/drawing/2014/main" xmlns="" val="10002"/>
                   </a:ext>
                 </a:extLst>
               </a:tr>
@@ -10703,7 +11617,7 @@
                 <a:gridCol w="1463824">
                   <a:extLst>
                     <a:ext uri="{9D8B030D-6E8A-4147-A177-3AD203B41FA5}">
-                      <a16:colId xmlns="" xmlns:a16="http://schemas.microsoft.com/office/drawing/2014/main" val="20000"/>
+                      <a16:colId xmlns:a16="http://schemas.microsoft.com/office/drawing/2014/main" xmlns="" val="20000"/>
                     </a:ext>
                   </a:extLst>
                 </a:gridCol>
@@ -10724,7 +11638,7 @@
                 </a:tc>
                 <a:extLst>
                   <a:ext uri="{0D108BD9-81ED-4DB2-BD59-A6C34878D82A}">
-                    <a16:rowId xmlns="" xmlns:a16="http://schemas.microsoft.com/office/drawing/2014/main" val="10000"/>
+                    <a16:rowId xmlns:a16="http://schemas.microsoft.com/office/drawing/2014/main" xmlns="" val="10000"/>
                   </a:ext>
                 </a:extLst>
               </a:tr>
@@ -10749,7 +11663,7 @@
                 </a:tc>
                 <a:extLst>
                   <a:ext uri="{0D108BD9-81ED-4DB2-BD59-A6C34878D82A}">
-                    <a16:rowId xmlns="" xmlns:a16="http://schemas.microsoft.com/office/drawing/2014/main" val="10001"/>
+                    <a16:rowId xmlns:a16="http://schemas.microsoft.com/office/drawing/2014/main" xmlns="" val="10001"/>
                   </a:ext>
                 </a:extLst>
               </a:tr>
@@ -10770,7 +11684,7 @@
                 </a:tc>
                 <a:extLst>
                   <a:ext uri="{0D108BD9-81ED-4DB2-BD59-A6C34878D82A}">
-                    <a16:rowId xmlns="" xmlns:a16="http://schemas.microsoft.com/office/drawing/2014/main" val="10002"/>
+                    <a16:rowId xmlns:a16="http://schemas.microsoft.com/office/drawing/2014/main" xmlns="" val="10002"/>
                   </a:ext>
                 </a:extLst>
               </a:tr>
@@ -10806,7 +11720,7 @@
                 <a:gridCol w="1463824">
                   <a:extLst>
                     <a:ext uri="{9D8B030D-6E8A-4147-A177-3AD203B41FA5}">
-                      <a16:colId xmlns="" xmlns:a16="http://schemas.microsoft.com/office/drawing/2014/main" val="20000"/>
+                      <a16:colId xmlns:a16="http://schemas.microsoft.com/office/drawing/2014/main" xmlns="" val="20000"/>
                     </a:ext>
                   </a:extLst>
                 </a:gridCol>
@@ -10827,7 +11741,7 @@
                 </a:tc>
                 <a:extLst>
                   <a:ext uri="{0D108BD9-81ED-4DB2-BD59-A6C34878D82A}">
-                    <a16:rowId xmlns="" xmlns:a16="http://schemas.microsoft.com/office/drawing/2014/main" val="10000"/>
+                    <a16:rowId xmlns:a16="http://schemas.microsoft.com/office/drawing/2014/main" xmlns="" val="10000"/>
                   </a:ext>
                 </a:extLst>
               </a:tr>
@@ -10848,7 +11762,7 @@
                 </a:tc>
                 <a:extLst>
                   <a:ext uri="{0D108BD9-81ED-4DB2-BD59-A6C34878D82A}">
-                    <a16:rowId xmlns="" xmlns:a16="http://schemas.microsoft.com/office/drawing/2014/main" val="10001"/>
+                    <a16:rowId xmlns:a16="http://schemas.microsoft.com/office/drawing/2014/main" xmlns="" val="10001"/>
                   </a:ext>
                 </a:extLst>
               </a:tr>
@@ -10875,7 +11789,7 @@
                 </a:tc>
                 <a:extLst>
                   <a:ext uri="{0D108BD9-81ED-4DB2-BD59-A6C34878D82A}">
-                    <a16:rowId xmlns="" xmlns:a16="http://schemas.microsoft.com/office/drawing/2014/main" val="10002"/>
+                    <a16:rowId xmlns:a16="http://schemas.microsoft.com/office/drawing/2014/main" xmlns="" val="10002"/>
                   </a:ext>
                 </a:extLst>
               </a:tr>
@@ -10911,7 +11825,7 @@
                 <a:gridCol w="1800200">
                   <a:extLst>
                     <a:ext uri="{9D8B030D-6E8A-4147-A177-3AD203B41FA5}">
-                      <a16:colId xmlns="" xmlns:a16="http://schemas.microsoft.com/office/drawing/2014/main" val="20000"/>
+                      <a16:colId xmlns:a16="http://schemas.microsoft.com/office/drawing/2014/main" xmlns="" val="20000"/>
                     </a:ext>
                   </a:extLst>
                 </a:gridCol>
@@ -10932,7 +11846,7 @@
                 </a:tc>
                 <a:extLst>
                   <a:ext uri="{0D108BD9-81ED-4DB2-BD59-A6C34878D82A}">
-                    <a16:rowId xmlns="" xmlns:a16="http://schemas.microsoft.com/office/drawing/2014/main" val="10000"/>
+                    <a16:rowId xmlns:a16="http://schemas.microsoft.com/office/drawing/2014/main" xmlns="" val="10000"/>
                   </a:ext>
                 </a:extLst>
               </a:tr>
@@ -10952,7 +11866,7 @@
                 </a:tc>
                 <a:extLst>
                   <a:ext uri="{0D108BD9-81ED-4DB2-BD59-A6C34878D82A}">
-                    <a16:rowId xmlns="" xmlns:a16="http://schemas.microsoft.com/office/drawing/2014/main" val="10001"/>
+                    <a16:rowId xmlns:a16="http://schemas.microsoft.com/office/drawing/2014/main" xmlns="" val="10001"/>
                   </a:ext>
                 </a:extLst>
               </a:tr>
@@ -10972,7 +11886,7 @@
                 </a:tc>
                 <a:extLst>
                   <a:ext uri="{0D108BD9-81ED-4DB2-BD59-A6C34878D82A}">
-                    <a16:rowId xmlns="" xmlns:a16="http://schemas.microsoft.com/office/drawing/2014/main" val="10002"/>
+                    <a16:rowId xmlns:a16="http://schemas.microsoft.com/office/drawing/2014/main" xmlns="" val="10002"/>
                   </a:ext>
                 </a:extLst>
               </a:tr>
@@ -11008,7 +11922,7 @@
                 <a:gridCol w="1463824">
                   <a:extLst>
                     <a:ext uri="{9D8B030D-6E8A-4147-A177-3AD203B41FA5}">
-                      <a16:colId xmlns="" xmlns:a16="http://schemas.microsoft.com/office/drawing/2014/main" val="20000"/>
+                      <a16:colId xmlns:a16="http://schemas.microsoft.com/office/drawing/2014/main" xmlns="" val="20000"/>
                     </a:ext>
                   </a:extLst>
                 </a:gridCol>
@@ -11029,7 +11943,7 @@
                 </a:tc>
                 <a:extLst>
                   <a:ext uri="{0D108BD9-81ED-4DB2-BD59-A6C34878D82A}">
-                    <a16:rowId xmlns="" xmlns:a16="http://schemas.microsoft.com/office/drawing/2014/main" val="10000"/>
+                    <a16:rowId xmlns:a16="http://schemas.microsoft.com/office/drawing/2014/main" xmlns="" val="10000"/>
                   </a:ext>
                 </a:extLst>
               </a:tr>
@@ -11049,7 +11963,7 @@
                 </a:tc>
                 <a:extLst>
                   <a:ext uri="{0D108BD9-81ED-4DB2-BD59-A6C34878D82A}">
-                    <a16:rowId xmlns="" xmlns:a16="http://schemas.microsoft.com/office/drawing/2014/main" val="10001"/>
+                    <a16:rowId xmlns:a16="http://schemas.microsoft.com/office/drawing/2014/main" xmlns="" val="10001"/>
                   </a:ext>
                 </a:extLst>
               </a:tr>
@@ -11069,7 +11983,7 @@
                 </a:tc>
                 <a:extLst>
                   <a:ext uri="{0D108BD9-81ED-4DB2-BD59-A6C34878D82A}">
-                    <a16:rowId xmlns="" xmlns:a16="http://schemas.microsoft.com/office/drawing/2014/main" val="10002"/>
+                    <a16:rowId xmlns:a16="http://schemas.microsoft.com/office/drawing/2014/main" xmlns="" val="10002"/>
                   </a:ext>
                 </a:extLst>
               </a:tr>
@@ -11105,7 +12019,7 @@
                 <a:gridCol w="1463824">
                   <a:extLst>
                     <a:ext uri="{9D8B030D-6E8A-4147-A177-3AD203B41FA5}">
-                      <a16:colId xmlns="" xmlns:a16="http://schemas.microsoft.com/office/drawing/2014/main" val="20000"/>
+                      <a16:colId xmlns:a16="http://schemas.microsoft.com/office/drawing/2014/main" xmlns="" val="20000"/>
                     </a:ext>
                   </a:extLst>
                 </a:gridCol>
@@ -11127,7 +12041,7 @@
                 </a:tc>
                 <a:extLst>
                   <a:ext uri="{0D108BD9-81ED-4DB2-BD59-A6C34878D82A}">
-                    <a16:rowId xmlns="" xmlns:a16="http://schemas.microsoft.com/office/drawing/2014/main" val="10000"/>
+                    <a16:rowId xmlns:a16="http://schemas.microsoft.com/office/drawing/2014/main" xmlns="" val="10000"/>
                   </a:ext>
                 </a:extLst>
               </a:tr>
@@ -11165,7 +12079,7 @@
                 </a:tc>
                 <a:extLst>
                   <a:ext uri="{0D108BD9-81ED-4DB2-BD59-A6C34878D82A}">
-                    <a16:rowId xmlns="" xmlns:a16="http://schemas.microsoft.com/office/drawing/2014/main" val="10001"/>
+                    <a16:rowId xmlns:a16="http://schemas.microsoft.com/office/drawing/2014/main" xmlns="" val="10001"/>
                   </a:ext>
                 </a:extLst>
               </a:tr>
@@ -11186,7 +12100,7 @@
                 </a:tc>
                 <a:extLst>
                   <a:ext uri="{0D108BD9-81ED-4DB2-BD59-A6C34878D82A}">
-                    <a16:rowId xmlns="" xmlns:a16="http://schemas.microsoft.com/office/drawing/2014/main" val="10002"/>
+                    <a16:rowId xmlns:a16="http://schemas.microsoft.com/office/drawing/2014/main" xmlns="" val="10002"/>
                   </a:ext>
                 </a:extLst>
               </a:tr>
@@ -11222,7 +12136,7 @@
                 <a:gridCol w="1463824">
                   <a:extLst>
                     <a:ext uri="{9D8B030D-6E8A-4147-A177-3AD203B41FA5}">
-                      <a16:colId xmlns="" xmlns:a16="http://schemas.microsoft.com/office/drawing/2014/main" val="20000"/>
+                      <a16:colId xmlns:a16="http://schemas.microsoft.com/office/drawing/2014/main" xmlns="" val="20000"/>
                     </a:ext>
                   </a:extLst>
                 </a:gridCol>
@@ -11244,7 +12158,7 @@
                 </a:tc>
                 <a:extLst>
                   <a:ext uri="{0D108BD9-81ED-4DB2-BD59-A6C34878D82A}">
-                    <a16:rowId xmlns="" xmlns:a16="http://schemas.microsoft.com/office/drawing/2014/main" val="10000"/>
+                    <a16:rowId xmlns:a16="http://schemas.microsoft.com/office/drawing/2014/main" xmlns="" val="10000"/>
                   </a:ext>
                 </a:extLst>
               </a:tr>
@@ -11281,7 +12195,7 @@
                 </a:tc>
                 <a:extLst>
                   <a:ext uri="{0D108BD9-81ED-4DB2-BD59-A6C34878D82A}">
-                    <a16:rowId xmlns="" xmlns:a16="http://schemas.microsoft.com/office/drawing/2014/main" val="10001"/>
+                    <a16:rowId xmlns:a16="http://schemas.microsoft.com/office/drawing/2014/main" xmlns="" val="10001"/>
                   </a:ext>
                 </a:extLst>
               </a:tr>
@@ -11302,7 +12216,7 @@
                 </a:tc>
                 <a:extLst>
                   <a:ext uri="{0D108BD9-81ED-4DB2-BD59-A6C34878D82A}">
-                    <a16:rowId xmlns="" xmlns:a16="http://schemas.microsoft.com/office/drawing/2014/main" val="10002"/>
+                    <a16:rowId xmlns:a16="http://schemas.microsoft.com/office/drawing/2014/main" xmlns="" val="10002"/>
                   </a:ext>
                 </a:extLst>
               </a:tr>
@@ -11338,7 +12252,7 @@
                 <a:gridCol w="1463824">
                   <a:extLst>
                     <a:ext uri="{9D8B030D-6E8A-4147-A177-3AD203B41FA5}">
-                      <a16:colId xmlns="" xmlns:a16="http://schemas.microsoft.com/office/drawing/2014/main" val="20000"/>
+                      <a16:colId xmlns:a16="http://schemas.microsoft.com/office/drawing/2014/main" xmlns="" val="20000"/>
                     </a:ext>
                   </a:extLst>
                 </a:gridCol>
@@ -11359,7 +12273,7 @@
                 </a:tc>
                 <a:extLst>
                   <a:ext uri="{0D108BD9-81ED-4DB2-BD59-A6C34878D82A}">
-                    <a16:rowId xmlns="" xmlns:a16="http://schemas.microsoft.com/office/drawing/2014/main" val="10000"/>
+                    <a16:rowId xmlns:a16="http://schemas.microsoft.com/office/drawing/2014/main" xmlns="" val="10000"/>
                   </a:ext>
                 </a:extLst>
               </a:tr>
@@ -11396,7 +12310,7 @@
                 </a:tc>
                 <a:extLst>
                   <a:ext uri="{0D108BD9-81ED-4DB2-BD59-A6C34878D82A}">
-                    <a16:rowId xmlns="" xmlns:a16="http://schemas.microsoft.com/office/drawing/2014/main" val="10001"/>
+                    <a16:rowId xmlns:a16="http://schemas.microsoft.com/office/drawing/2014/main" xmlns="" val="10001"/>
                   </a:ext>
                 </a:extLst>
               </a:tr>
@@ -11417,7 +12331,7 @@
                 </a:tc>
                 <a:extLst>
                   <a:ext uri="{0D108BD9-81ED-4DB2-BD59-A6C34878D82A}">
-                    <a16:rowId xmlns="" xmlns:a16="http://schemas.microsoft.com/office/drawing/2014/main" val="10002"/>
+                    <a16:rowId xmlns:a16="http://schemas.microsoft.com/office/drawing/2014/main" xmlns="" val="10002"/>
                   </a:ext>
                 </a:extLst>
               </a:tr>
@@ -11688,7 +12602,7 @@
           <p:cNvPr id="51" name="28 Tabla">
             <a:extLst>
               <a:ext uri="{FF2B5EF4-FFF2-40B4-BE49-F238E27FC236}">
-                <a16:creationId xmlns="" xmlns:a16="http://schemas.microsoft.com/office/drawing/2014/main" id="{7BC80704-58FD-41C9-9A09-CA32EBE0B254}"/>
+                <a16:creationId xmlns:a16="http://schemas.microsoft.com/office/drawing/2014/main" xmlns="" id="{7BC80704-58FD-41C9-9A09-CA32EBE0B254}"/>
               </a:ext>
             </a:extLst>
           </p:cNvPr>
@@ -11717,7 +12631,7 @@
                 <a:gridCol w="1463824">
                   <a:extLst>
                     <a:ext uri="{9D8B030D-6E8A-4147-A177-3AD203B41FA5}">
-                      <a16:colId xmlns="" xmlns:a16="http://schemas.microsoft.com/office/drawing/2014/main" val="20000"/>
+                      <a16:colId xmlns:a16="http://schemas.microsoft.com/office/drawing/2014/main" xmlns="" val="20000"/>
                     </a:ext>
                   </a:extLst>
                 </a:gridCol>
@@ -11739,7 +12653,7 @@
                 </a:tc>
                 <a:extLst>
                   <a:ext uri="{0D108BD9-81ED-4DB2-BD59-A6C34878D82A}">
-                    <a16:rowId xmlns="" xmlns:a16="http://schemas.microsoft.com/office/drawing/2014/main" val="10000"/>
+                    <a16:rowId xmlns:a16="http://schemas.microsoft.com/office/drawing/2014/main" xmlns="" val="10000"/>
                   </a:ext>
                 </a:extLst>
               </a:tr>
@@ -11777,7 +12691,7 @@
                 </a:tc>
                 <a:extLst>
                   <a:ext uri="{0D108BD9-81ED-4DB2-BD59-A6C34878D82A}">
-                    <a16:rowId xmlns="" xmlns:a16="http://schemas.microsoft.com/office/drawing/2014/main" val="10001"/>
+                    <a16:rowId xmlns:a16="http://schemas.microsoft.com/office/drawing/2014/main" xmlns="" val="10001"/>
                   </a:ext>
                 </a:extLst>
               </a:tr>
@@ -11798,7 +12712,7 @@
                 </a:tc>
                 <a:extLst>
                   <a:ext uri="{0D108BD9-81ED-4DB2-BD59-A6C34878D82A}">
-                    <a16:rowId xmlns="" xmlns:a16="http://schemas.microsoft.com/office/drawing/2014/main" val="10002"/>
+                    <a16:rowId xmlns:a16="http://schemas.microsoft.com/office/drawing/2014/main" xmlns="" val="10002"/>
                   </a:ext>
                 </a:extLst>
               </a:tr>
@@ -11837,6 +12751,131 @@
           </a:p>
         </p:txBody>
       </p:sp>
+      <p:graphicFrame>
+        <p:nvGraphicFramePr>
+          <p:cNvPr id="36" name="35 Tabla"/>
+          <p:cNvGraphicFramePr>
+            <a:graphicFrameLocks noGrp="1"/>
+          </p:cNvGraphicFramePr>
+          <p:nvPr>
+            <p:extLst>
+              <p:ext uri="{D42A27DB-BD31-4B8C-83A1-F6EECF244321}">
+                <p14:modId xmlns:p14="http://schemas.microsoft.com/office/powerpoint/2010/main" val="469599260"/>
+              </p:ext>
+            </p:extLst>
+          </p:nvPr>
+        </p:nvGraphicFramePr>
+        <p:xfrm>
+          <a:off x="5580112" y="4124389"/>
+          <a:ext cx="1103784" cy="1127760"/>
+        </p:xfrm>
+        <a:graphic>
+          <a:graphicData uri="http://schemas.openxmlformats.org/drawingml/2006/table">
+            <a:tbl>
+              <a:tblPr firstRow="1" bandRow="1">
+                <a:tableStyleId>{5C22544A-7EE6-4342-B048-85BDC9FD1C3A}</a:tableStyleId>
+              </a:tblPr>
+              <a:tblGrid>
+                <a:gridCol w="1103784">
+                  <a:extLst>
+                    <a:ext uri="{9D8B030D-6E8A-4147-A177-3AD203B41FA5}">
+                      <a16:colId xmlns:a16="http://schemas.microsoft.com/office/drawing/2014/main" xmlns="" val="20000"/>
+                    </a:ext>
+                  </a:extLst>
+                </a:gridCol>
+              </a:tblGrid>
+              <a:tr h="125272">
+                <a:tc>
+                  <a:txBody>
+                    <a:bodyPr/>
+                    <a:lstStyle/>
+                    <a:p>
+                      <a:r>
+                        <a:rPr lang="es-ES" sz="800" i="1" dirty="0" smtClean="0"/>
+                        <a:t>TIPOS_ATRIBUTO_PREVISION</a:t>
+                      </a:r>
+                      <a:endParaRPr lang="es-ES" sz="800" i="1" dirty="0"/>
+                    </a:p>
+                  </a:txBody>
+                  <a:tcPr/>
+                </a:tc>
+                <a:extLst>
+                  <a:ext uri="{0D108BD9-81ED-4DB2-BD59-A6C34878D82A}">
+                    <a16:rowId xmlns:a16="http://schemas.microsoft.com/office/drawing/2014/main" xmlns="" val="10000"/>
+                  </a:ext>
+                </a:extLst>
+              </a:tr>
+              <a:tr h="125272">
+                <a:tc>
+                  <a:txBody>
+                    <a:bodyPr/>
+                    <a:lstStyle/>
+                    <a:p>
+                      <a:r>
+                        <a:rPr lang="es-ES" sz="800" dirty="0" err="1" smtClean="0"/>
+                        <a:t>tipo</a:t>
+                      </a:r>
+                      <a:r>
+                        <a:rPr lang="es-ES" sz="800" baseline="0" dirty="0" err="1" smtClean="0"/>
+                        <a:t>_atributo_prevision</a:t>
+                      </a:r>
+                      <a:endParaRPr lang="es-ES" sz="800" dirty="0"/>
+                    </a:p>
+                  </a:txBody>
+                  <a:tcPr/>
+                </a:tc>
+                <a:extLst>
+                  <a:ext uri="{0D108BD9-81ED-4DB2-BD59-A6C34878D82A}">
+                    <a16:rowId xmlns:a16="http://schemas.microsoft.com/office/drawing/2014/main" xmlns="" val="10001"/>
+                  </a:ext>
+                </a:extLst>
+              </a:tr>
+              <a:tr h="125272">
+                <a:tc>
+                  <a:txBody>
+                    <a:bodyPr/>
+                    <a:lstStyle/>
+                    <a:p>
+                      <a:r>
+                        <a:rPr lang="es-ES" sz="800" baseline="0" dirty="0" smtClean="0"/>
+                        <a:t>nombre</a:t>
+                      </a:r>
+                    </a:p>
+                    <a:p>
+                      <a:r>
+                        <a:rPr lang="es-ES" sz="800" baseline="0" dirty="0" err="1" smtClean="0"/>
+                        <a:t>Descripcion</a:t>
+                      </a:r>
+                      <a:endParaRPr lang="es-ES" sz="800" baseline="0" dirty="0" smtClean="0"/>
+                    </a:p>
+                    <a:p>
+                      <a:r>
+                        <a:rPr lang="es-ES" sz="800" baseline="0" dirty="0" smtClean="0"/>
+                        <a:t>Activo (</a:t>
+                      </a:r>
+                      <a:r>
+                        <a:rPr lang="es-ES" sz="800" baseline="0" dirty="0" err="1" smtClean="0"/>
+                        <a:t>bin</a:t>
+                      </a:r>
+                      <a:r>
+                        <a:rPr lang="es-ES" sz="800" baseline="0" dirty="0" smtClean="0"/>
+                        <a:t>)</a:t>
+                      </a:r>
+                      <a:endParaRPr lang="es-ES" sz="800" baseline="0" dirty="0"/>
+                    </a:p>
+                  </a:txBody>
+                  <a:tcPr/>
+                </a:tc>
+                <a:extLst>
+                  <a:ext uri="{0D108BD9-81ED-4DB2-BD59-A6C34878D82A}">
+                    <a16:rowId xmlns:a16="http://schemas.microsoft.com/office/drawing/2014/main" xmlns="" val="10002"/>
+                  </a:ext>
+                </a:extLst>
+              </a:tr>
+            </a:tbl>
+          </a:graphicData>
+        </a:graphic>
+      </p:graphicFrame>
     </p:spTree>
     <p:extLst>
       <p:ext uri="{BB962C8B-B14F-4D97-AF65-F5344CB8AC3E}">
@@ -11872,7 +12911,7 @@
           <p:cNvPr id="2" name="24 Tabla">
             <a:extLst>
               <a:ext uri="{FF2B5EF4-FFF2-40B4-BE49-F238E27FC236}">
-                <a16:creationId xmlns="" xmlns:a16="http://schemas.microsoft.com/office/drawing/2014/main" id="{F6A8AF39-2787-44F7-B4F6-72ABA8FD81D3}"/>
+                <a16:creationId xmlns:a16="http://schemas.microsoft.com/office/drawing/2014/main" xmlns="" id="{F6A8AF39-2787-44F7-B4F6-72ABA8FD81D3}"/>
               </a:ext>
             </a:extLst>
           </p:cNvPr>
@@ -11901,7 +12940,7 @@
                 <a:gridCol w="1463824">
                   <a:extLst>
                     <a:ext uri="{9D8B030D-6E8A-4147-A177-3AD203B41FA5}">
-                      <a16:colId xmlns="" xmlns:a16="http://schemas.microsoft.com/office/drawing/2014/main" val="20000"/>
+                      <a16:colId xmlns:a16="http://schemas.microsoft.com/office/drawing/2014/main" xmlns="" val="20000"/>
                     </a:ext>
                   </a:extLst>
                 </a:gridCol>
@@ -11923,7 +12962,7 @@
                 </a:tc>
                 <a:extLst>
                   <a:ext uri="{0D108BD9-81ED-4DB2-BD59-A6C34878D82A}">
-                    <a16:rowId xmlns="" xmlns:a16="http://schemas.microsoft.com/office/drawing/2014/main" val="10000"/>
+                    <a16:rowId xmlns:a16="http://schemas.microsoft.com/office/drawing/2014/main" xmlns="" val="10000"/>
                   </a:ext>
                 </a:extLst>
               </a:tr>
@@ -11944,7 +12983,7 @@
                 </a:tc>
                 <a:extLst>
                   <a:ext uri="{0D108BD9-81ED-4DB2-BD59-A6C34878D82A}">
-                    <a16:rowId xmlns="" xmlns:a16="http://schemas.microsoft.com/office/drawing/2014/main" val="10001"/>
+                    <a16:rowId xmlns:a16="http://schemas.microsoft.com/office/drawing/2014/main" xmlns="" val="10001"/>
                   </a:ext>
                 </a:extLst>
               </a:tr>
@@ -12031,7 +13070,7 @@
                 </a:tc>
                 <a:extLst>
                   <a:ext uri="{0D108BD9-81ED-4DB2-BD59-A6C34878D82A}">
-                    <a16:rowId xmlns="" xmlns:a16="http://schemas.microsoft.com/office/drawing/2014/main" val="10002"/>
+                    <a16:rowId xmlns:a16="http://schemas.microsoft.com/office/drawing/2014/main" xmlns="" val="10002"/>
                   </a:ext>
                 </a:extLst>
               </a:tr>
@@ -12044,7 +13083,7 @@
           <p:cNvPr id="3" name="24 Tabla">
             <a:extLst>
               <a:ext uri="{FF2B5EF4-FFF2-40B4-BE49-F238E27FC236}">
-                <a16:creationId xmlns="" xmlns:a16="http://schemas.microsoft.com/office/drawing/2014/main" id="{F6A8AF39-2787-44F7-B4F6-72ABA8FD81D3}"/>
+                <a16:creationId xmlns:a16="http://schemas.microsoft.com/office/drawing/2014/main" xmlns="" id="{F6A8AF39-2787-44F7-B4F6-72ABA8FD81D3}"/>
               </a:ext>
             </a:extLst>
           </p:cNvPr>
@@ -12073,7 +13112,7 @@
                 <a:gridCol w="1463824">
                   <a:extLst>
                     <a:ext uri="{9D8B030D-6E8A-4147-A177-3AD203B41FA5}">
-                      <a16:colId xmlns="" xmlns:a16="http://schemas.microsoft.com/office/drawing/2014/main" val="20000"/>
+                      <a16:colId xmlns:a16="http://schemas.microsoft.com/office/drawing/2014/main" xmlns="" val="20000"/>
                     </a:ext>
                   </a:extLst>
                 </a:gridCol>
@@ -12095,7 +13134,7 @@
                 </a:tc>
                 <a:extLst>
                   <a:ext uri="{0D108BD9-81ED-4DB2-BD59-A6C34878D82A}">
-                    <a16:rowId xmlns="" xmlns:a16="http://schemas.microsoft.com/office/drawing/2014/main" val="10000"/>
+                    <a16:rowId xmlns:a16="http://schemas.microsoft.com/office/drawing/2014/main" xmlns="" val="10000"/>
                   </a:ext>
                 </a:extLst>
               </a:tr>
@@ -12115,7 +13154,7 @@
                 </a:tc>
                 <a:extLst>
                   <a:ext uri="{0D108BD9-81ED-4DB2-BD59-A6C34878D82A}">
-                    <a16:rowId xmlns="" xmlns:a16="http://schemas.microsoft.com/office/drawing/2014/main" val="10001"/>
+                    <a16:rowId xmlns:a16="http://schemas.microsoft.com/office/drawing/2014/main" xmlns="" val="10001"/>
                   </a:ext>
                 </a:extLst>
               </a:tr>
@@ -12136,7 +13175,7 @@
                 </a:tc>
                 <a:extLst>
                   <a:ext uri="{0D108BD9-81ED-4DB2-BD59-A6C34878D82A}">
-                    <a16:rowId xmlns="" xmlns:a16="http://schemas.microsoft.com/office/drawing/2014/main" val="10002"/>
+                    <a16:rowId xmlns:a16="http://schemas.microsoft.com/office/drawing/2014/main" xmlns="" val="10002"/>
                   </a:ext>
                 </a:extLst>
               </a:tr>
@@ -12149,7 +13188,7 @@
           <p:cNvPr id="4" name="24 Tabla">
             <a:extLst>
               <a:ext uri="{FF2B5EF4-FFF2-40B4-BE49-F238E27FC236}">
-                <a16:creationId xmlns="" xmlns:a16="http://schemas.microsoft.com/office/drawing/2014/main" id="{F6A8AF39-2787-44F7-B4F6-72ABA8FD81D3}"/>
+                <a16:creationId xmlns:a16="http://schemas.microsoft.com/office/drawing/2014/main" xmlns="" id="{F6A8AF39-2787-44F7-B4F6-72ABA8FD81D3}"/>
               </a:ext>
             </a:extLst>
           </p:cNvPr>
@@ -12178,7 +13217,7 @@
                 <a:gridCol w="1463824">
                   <a:extLst>
                     <a:ext uri="{9D8B030D-6E8A-4147-A177-3AD203B41FA5}">
-                      <a16:colId xmlns="" xmlns:a16="http://schemas.microsoft.com/office/drawing/2014/main" val="20000"/>
+                      <a16:colId xmlns:a16="http://schemas.microsoft.com/office/drawing/2014/main" xmlns="" val="20000"/>
                     </a:ext>
                   </a:extLst>
                 </a:gridCol>
@@ -12200,7 +13239,7 @@
                 </a:tc>
                 <a:extLst>
                   <a:ext uri="{0D108BD9-81ED-4DB2-BD59-A6C34878D82A}">
-                    <a16:rowId xmlns="" xmlns:a16="http://schemas.microsoft.com/office/drawing/2014/main" val="10000"/>
+                    <a16:rowId xmlns:a16="http://schemas.microsoft.com/office/drawing/2014/main" xmlns="" val="10000"/>
                   </a:ext>
                 </a:extLst>
               </a:tr>
@@ -12221,7 +13260,7 @@
                 </a:tc>
                 <a:extLst>
                   <a:ext uri="{0D108BD9-81ED-4DB2-BD59-A6C34878D82A}">
-                    <a16:rowId xmlns="" xmlns:a16="http://schemas.microsoft.com/office/drawing/2014/main" val="10001"/>
+                    <a16:rowId xmlns:a16="http://schemas.microsoft.com/office/drawing/2014/main" xmlns="" val="10001"/>
                   </a:ext>
                 </a:extLst>
               </a:tr>
@@ -12242,7 +13281,7 @@
                 </a:tc>
                 <a:extLst>
                   <a:ext uri="{0D108BD9-81ED-4DB2-BD59-A6C34878D82A}">
-                    <a16:rowId xmlns="" xmlns:a16="http://schemas.microsoft.com/office/drawing/2014/main" val="10002"/>
+                    <a16:rowId xmlns:a16="http://schemas.microsoft.com/office/drawing/2014/main" xmlns="" val="10002"/>
                   </a:ext>
                 </a:extLst>
               </a:tr>
@@ -12313,7 +13352,7 @@
           <p:cNvPr id="9" name="36 Tabla">
             <a:extLst>
               <a:ext uri="{FF2B5EF4-FFF2-40B4-BE49-F238E27FC236}">
-                <a16:creationId xmlns="" xmlns:a16="http://schemas.microsoft.com/office/drawing/2014/main" id="{74E71F2C-CF67-4AFF-8B3F-B7DD43BBFA8A}"/>
+                <a16:creationId xmlns:a16="http://schemas.microsoft.com/office/drawing/2014/main" xmlns="" id="{74E71F2C-CF67-4AFF-8B3F-B7DD43BBFA8A}"/>
               </a:ext>
             </a:extLst>
           </p:cNvPr>
@@ -12342,7 +13381,7 @@
                 <a:gridCol w="1463824">
                   <a:extLst>
                     <a:ext uri="{9D8B030D-6E8A-4147-A177-3AD203B41FA5}">
-                      <a16:colId xmlns="" xmlns:a16="http://schemas.microsoft.com/office/drawing/2014/main" val="20000"/>
+                      <a16:colId xmlns:a16="http://schemas.microsoft.com/office/drawing/2014/main" xmlns="" val="20000"/>
                     </a:ext>
                   </a:extLst>
                 </a:gridCol>
@@ -12363,7 +13402,7 @@
                 </a:tc>
                 <a:extLst>
                   <a:ext uri="{0D108BD9-81ED-4DB2-BD59-A6C34878D82A}">
-                    <a16:rowId xmlns="" xmlns:a16="http://schemas.microsoft.com/office/drawing/2014/main" val="10000"/>
+                    <a16:rowId xmlns:a16="http://schemas.microsoft.com/office/drawing/2014/main" xmlns="" val="10000"/>
                   </a:ext>
                 </a:extLst>
               </a:tr>
@@ -12384,7 +13423,7 @@
                 </a:tc>
                 <a:extLst>
                   <a:ext uri="{0D108BD9-81ED-4DB2-BD59-A6C34878D82A}">
-                    <a16:rowId xmlns="" xmlns:a16="http://schemas.microsoft.com/office/drawing/2014/main" val="10001"/>
+                    <a16:rowId xmlns:a16="http://schemas.microsoft.com/office/drawing/2014/main" xmlns="" val="10001"/>
                   </a:ext>
                 </a:extLst>
               </a:tr>
@@ -12412,105 +13451,7 @@
                 </a:tc>
                 <a:extLst>
                   <a:ext uri="{0D108BD9-81ED-4DB2-BD59-A6C34878D82A}">
-                    <a16:rowId xmlns="" xmlns:a16="http://schemas.microsoft.com/office/drawing/2014/main" val="10002"/>
-                  </a:ext>
-                </a:extLst>
-              </a:tr>
-            </a:tbl>
-          </a:graphicData>
-        </a:graphic>
-      </p:graphicFrame>
-      <p:graphicFrame>
-        <p:nvGraphicFramePr>
-          <p:cNvPr id="10" name="36 Tabla">
-            <a:extLst>
-              <a:ext uri="{FF2B5EF4-FFF2-40B4-BE49-F238E27FC236}">
-                <a16:creationId xmlns="" xmlns:a16="http://schemas.microsoft.com/office/drawing/2014/main" id="{896312A6-9931-4DEE-B46B-E4744971BE7C}"/>
-              </a:ext>
-            </a:extLst>
-          </p:cNvPr>
-          <p:cNvGraphicFramePr>
-            <a:graphicFrameLocks noGrp="1"/>
-          </p:cNvGraphicFramePr>
-          <p:nvPr>
-            <p:extLst>
-              <p:ext uri="{D42A27DB-BD31-4B8C-83A1-F6EECF244321}">
-                <p14:modId xmlns:p14="http://schemas.microsoft.com/office/powerpoint/2010/main" val="1643441033"/>
-              </p:ext>
-            </p:extLst>
-          </p:nvPr>
-        </p:nvGraphicFramePr>
-        <p:xfrm>
-          <a:off x="7060592" y="2412565"/>
-          <a:ext cx="1463824" cy="640080"/>
-        </p:xfrm>
-        <a:graphic>
-          <a:graphicData uri="http://schemas.openxmlformats.org/drawingml/2006/table">
-            <a:tbl>
-              <a:tblPr firstRow="1" bandRow="1">
-                <a:tableStyleId>{5C22544A-7EE6-4342-B048-85BDC9FD1C3A}</a:tableStyleId>
-              </a:tblPr>
-              <a:tblGrid>
-                <a:gridCol w="1463824">
-                  <a:extLst>
-                    <a:ext uri="{9D8B030D-6E8A-4147-A177-3AD203B41FA5}">
-                      <a16:colId xmlns="" xmlns:a16="http://schemas.microsoft.com/office/drawing/2014/main" val="20000"/>
-                    </a:ext>
-                  </a:extLst>
-                </a:gridCol>
-              </a:tblGrid>
-              <a:tr h="125272">
-                <a:tc>
-                  <a:txBody>
-                    <a:bodyPr/>
-                    <a:lstStyle/>
-                    <a:p>
-                      <a:r>
-                        <a:rPr lang="es-ES" sz="800" i="1" dirty="0" err="1"/>
-                        <a:t>DATOS_CINCONET</a:t>
-                      </a:r>
-                      <a:endParaRPr lang="es-ES" sz="800" i="1" dirty="0"/>
-                    </a:p>
-                  </a:txBody>
-                  <a:tcPr/>
-                </a:tc>
-                <a:extLst>
-                  <a:ext uri="{0D108BD9-81ED-4DB2-BD59-A6C34878D82A}">
-                    <a16:rowId xmlns="" xmlns:a16="http://schemas.microsoft.com/office/drawing/2014/main" val="10000"/>
-                  </a:ext>
-                </a:extLst>
-              </a:tr>
-              <a:tr h="125272">
-                <a:tc>
-                  <a:txBody>
-                    <a:bodyPr/>
-                    <a:lstStyle/>
-                    <a:p>
-                      <a:endParaRPr lang="es-ES" sz="800" baseline="0" dirty="0"/>
-                    </a:p>
-                  </a:txBody>
-                  <a:tcPr/>
-                </a:tc>
-                <a:extLst>
-                  <a:ext uri="{0D108BD9-81ED-4DB2-BD59-A6C34878D82A}">
-                    <a16:rowId xmlns="" xmlns:a16="http://schemas.microsoft.com/office/drawing/2014/main" val="10001"/>
-                  </a:ext>
-                </a:extLst>
-              </a:tr>
-              <a:tr h="125272">
-                <a:tc>
-                  <a:txBody>
-                    <a:bodyPr/>
-                    <a:lstStyle/>
-                    <a:p>
-                      <a:endParaRPr lang="es-ES" sz="800" dirty="0"/>
-                    </a:p>
-                  </a:txBody>
-                  <a:tcPr/>
-                </a:tc>
-                <a:extLst>
-                  <a:ext uri="{0D108BD9-81ED-4DB2-BD59-A6C34878D82A}">
-                    <a16:rowId xmlns="" xmlns:a16="http://schemas.microsoft.com/office/drawing/2014/main" val="10002"/>
+                    <a16:rowId xmlns:a16="http://schemas.microsoft.com/office/drawing/2014/main" xmlns="" val="10002"/>
                   </a:ext>
                 </a:extLst>
               </a:tr>
@@ -12546,7 +13487,7 @@
                 <a:gridCol w="1463824">
                   <a:extLst>
                     <a:ext uri="{9D8B030D-6E8A-4147-A177-3AD203B41FA5}">
-                      <a16:colId xmlns="" xmlns:a16="http://schemas.microsoft.com/office/drawing/2014/main" val="20000"/>
+                      <a16:colId xmlns:a16="http://schemas.microsoft.com/office/drawing/2014/main" xmlns="" val="20000"/>
                     </a:ext>
                   </a:extLst>
                 </a:gridCol>
@@ -12567,7 +13508,7 @@
                 </a:tc>
                 <a:extLst>
                   <a:ext uri="{0D108BD9-81ED-4DB2-BD59-A6C34878D82A}">
-                    <a16:rowId xmlns="" xmlns:a16="http://schemas.microsoft.com/office/drawing/2014/main" val="10000"/>
+                    <a16:rowId xmlns:a16="http://schemas.microsoft.com/office/drawing/2014/main" xmlns="" val="10000"/>
                   </a:ext>
                 </a:extLst>
               </a:tr>
@@ -12588,7 +13529,7 @@
                 </a:tc>
                 <a:extLst>
                   <a:ext uri="{0D108BD9-81ED-4DB2-BD59-A6C34878D82A}">
-                    <a16:rowId xmlns="" xmlns:a16="http://schemas.microsoft.com/office/drawing/2014/main" val="10001"/>
+                    <a16:rowId xmlns:a16="http://schemas.microsoft.com/office/drawing/2014/main" xmlns="" val="10001"/>
                   </a:ext>
                 </a:extLst>
               </a:tr>
@@ -12609,7 +13550,7 @@
                 </a:tc>
                 <a:extLst>
                   <a:ext uri="{0D108BD9-81ED-4DB2-BD59-A6C34878D82A}">
-                    <a16:rowId xmlns="" xmlns:a16="http://schemas.microsoft.com/office/drawing/2014/main" val="10002"/>
+                    <a16:rowId xmlns:a16="http://schemas.microsoft.com/office/drawing/2014/main" xmlns="" val="10002"/>
                   </a:ext>
                 </a:extLst>
               </a:tr>
@@ -12674,7 +13615,7 @@
                 <a:gridCol w="1463824">
                   <a:extLst>
                     <a:ext uri="{9D8B030D-6E8A-4147-A177-3AD203B41FA5}">
-                      <a16:colId xmlns="" xmlns:a16="http://schemas.microsoft.com/office/drawing/2014/main" val="20000"/>
+                      <a16:colId xmlns:a16="http://schemas.microsoft.com/office/drawing/2014/main" xmlns="" val="20000"/>
                     </a:ext>
                   </a:extLst>
                 </a:gridCol>
@@ -12695,7 +13636,7 @@
                 </a:tc>
                 <a:extLst>
                   <a:ext uri="{0D108BD9-81ED-4DB2-BD59-A6C34878D82A}">
-                    <a16:rowId xmlns="" xmlns:a16="http://schemas.microsoft.com/office/drawing/2014/main" val="10000"/>
+                    <a16:rowId xmlns:a16="http://schemas.microsoft.com/office/drawing/2014/main" xmlns="" val="10000"/>
                   </a:ext>
                 </a:extLst>
               </a:tr>
@@ -12716,7 +13657,7 @@
                 </a:tc>
                 <a:extLst>
                   <a:ext uri="{0D108BD9-81ED-4DB2-BD59-A6C34878D82A}">
-                    <a16:rowId xmlns="" xmlns:a16="http://schemas.microsoft.com/office/drawing/2014/main" val="10001"/>
+                    <a16:rowId xmlns:a16="http://schemas.microsoft.com/office/drawing/2014/main" xmlns="" val="10001"/>
                   </a:ext>
                 </a:extLst>
               </a:tr>
@@ -12737,7 +13678,7 @@
                 </a:tc>
                 <a:extLst>
                   <a:ext uri="{0D108BD9-81ED-4DB2-BD59-A6C34878D82A}">
-                    <a16:rowId xmlns="" xmlns:a16="http://schemas.microsoft.com/office/drawing/2014/main" val="10002"/>
+                    <a16:rowId xmlns:a16="http://schemas.microsoft.com/office/drawing/2014/main" xmlns="" val="10002"/>
                   </a:ext>
                 </a:extLst>
               </a:tr>
@@ -12773,7 +13714,7 @@
                 <a:gridCol w="1463824">
                   <a:extLst>
                     <a:ext uri="{9D8B030D-6E8A-4147-A177-3AD203B41FA5}">
-                      <a16:colId xmlns="" xmlns:a16="http://schemas.microsoft.com/office/drawing/2014/main" val="20000"/>
+                      <a16:colId xmlns:a16="http://schemas.microsoft.com/office/drawing/2014/main" xmlns="" val="20000"/>
                     </a:ext>
                   </a:extLst>
                 </a:gridCol>
@@ -12794,7 +13735,7 @@
                 </a:tc>
                 <a:extLst>
                   <a:ext uri="{0D108BD9-81ED-4DB2-BD59-A6C34878D82A}">
-                    <a16:rowId xmlns="" xmlns:a16="http://schemas.microsoft.com/office/drawing/2014/main" val="10000"/>
+                    <a16:rowId xmlns:a16="http://schemas.microsoft.com/office/drawing/2014/main" xmlns="" val="10000"/>
                   </a:ext>
                 </a:extLst>
               </a:tr>
@@ -12815,7 +13756,7 @@
                 </a:tc>
                 <a:extLst>
                   <a:ext uri="{0D108BD9-81ED-4DB2-BD59-A6C34878D82A}">
-                    <a16:rowId xmlns="" xmlns:a16="http://schemas.microsoft.com/office/drawing/2014/main" val="10001"/>
+                    <a16:rowId xmlns:a16="http://schemas.microsoft.com/office/drawing/2014/main" xmlns="" val="10001"/>
                   </a:ext>
                 </a:extLst>
               </a:tr>
@@ -12836,7 +13777,7 @@
                 </a:tc>
                 <a:extLst>
                   <a:ext uri="{0D108BD9-81ED-4DB2-BD59-A6C34878D82A}">
-                    <a16:rowId xmlns="" xmlns:a16="http://schemas.microsoft.com/office/drawing/2014/main" val="10002"/>
+                    <a16:rowId xmlns:a16="http://schemas.microsoft.com/office/drawing/2014/main" xmlns="" val="10002"/>
                   </a:ext>
                 </a:extLst>
               </a:tr>
@@ -12872,7 +13813,7 @@
                 <a:gridCol w="1463824">
                   <a:extLst>
                     <a:ext uri="{9D8B030D-6E8A-4147-A177-3AD203B41FA5}">
-                      <a16:colId xmlns="" xmlns:a16="http://schemas.microsoft.com/office/drawing/2014/main" val="20000"/>
+                      <a16:colId xmlns:a16="http://schemas.microsoft.com/office/drawing/2014/main" xmlns="" val="20000"/>
                     </a:ext>
                   </a:extLst>
                 </a:gridCol>
@@ -12893,7 +13834,7 @@
                 </a:tc>
                 <a:extLst>
                   <a:ext uri="{0D108BD9-81ED-4DB2-BD59-A6C34878D82A}">
-                    <a16:rowId xmlns="" xmlns:a16="http://schemas.microsoft.com/office/drawing/2014/main" val="10000"/>
+                    <a16:rowId xmlns:a16="http://schemas.microsoft.com/office/drawing/2014/main" xmlns="" val="10000"/>
                   </a:ext>
                 </a:extLst>
               </a:tr>
@@ -12914,7 +13855,7 @@
                 </a:tc>
                 <a:extLst>
                   <a:ext uri="{0D108BD9-81ED-4DB2-BD59-A6C34878D82A}">
-                    <a16:rowId xmlns="" xmlns:a16="http://schemas.microsoft.com/office/drawing/2014/main" val="10001"/>
+                    <a16:rowId xmlns:a16="http://schemas.microsoft.com/office/drawing/2014/main" xmlns="" val="10001"/>
                   </a:ext>
                 </a:extLst>
               </a:tr>
@@ -12935,7 +13876,7 @@
                 </a:tc>
                 <a:extLst>
                   <a:ext uri="{0D108BD9-81ED-4DB2-BD59-A6C34878D82A}">
-                    <a16:rowId xmlns="" xmlns:a16="http://schemas.microsoft.com/office/drawing/2014/main" val="10002"/>
+                    <a16:rowId xmlns:a16="http://schemas.microsoft.com/office/drawing/2014/main" xmlns="" val="10002"/>
                   </a:ext>
                 </a:extLst>
               </a:tr>
@@ -12971,7 +13912,7 @@
                 <a:gridCol w="1463824">
                   <a:extLst>
                     <a:ext uri="{9D8B030D-6E8A-4147-A177-3AD203B41FA5}">
-                      <a16:colId xmlns="" xmlns:a16="http://schemas.microsoft.com/office/drawing/2014/main" val="20000"/>
+                      <a16:colId xmlns:a16="http://schemas.microsoft.com/office/drawing/2014/main" xmlns="" val="20000"/>
                     </a:ext>
                   </a:extLst>
                 </a:gridCol>
@@ -12992,7 +13933,7 @@
                 </a:tc>
                 <a:extLst>
                   <a:ext uri="{0D108BD9-81ED-4DB2-BD59-A6C34878D82A}">
-                    <a16:rowId xmlns="" xmlns:a16="http://schemas.microsoft.com/office/drawing/2014/main" val="10000"/>
+                    <a16:rowId xmlns:a16="http://schemas.microsoft.com/office/drawing/2014/main" xmlns="" val="10000"/>
                   </a:ext>
                 </a:extLst>
               </a:tr>
@@ -13013,7 +13954,7 @@
                 </a:tc>
                 <a:extLst>
                   <a:ext uri="{0D108BD9-81ED-4DB2-BD59-A6C34878D82A}">
-                    <a16:rowId xmlns="" xmlns:a16="http://schemas.microsoft.com/office/drawing/2014/main" val="10001"/>
+                    <a16:rowId xmlns:a16="http://schemas.microsoft.com/office/drawing/2014/main" xmlns="" val="10001"/>
                   </a:ext>
                 </a:extLst>
               </a:tr>
@@ -13034,7 +13975,7 @@
                 </a:tc>
                 <a:extLst>
                   <a:ext uri="{0D108BD9-81ED-4DB2-BD59-A6C34878D82A}">
-                    <a16:rowId xmlns="" xmlns:a16="http://schemas.microsoft.com/office/drawing/2014/main" val="10002"/>
+                    <a16:rowId xmlns:a16="http://schemas.microsoft.com/office/drawing/2014/main" xmlns="" val="10002"/>
                   </a:ext>
                 </a:extLst>
               </a:tr>
@@ -13160,330 +14101,210 @@
           </a:p>
         </p:txBody>
       </p:sp>
+      <p:graphicFrame>
+        <p:nvGraphicFramePr>
+          <p:cNvPr id="21" name="20 Tabla"/>
+          <p:cNvGraphicFramePr>
+            <a:graphicFrameLocks noGrp="1"/>
+          </p:cNvGraphicFramePr>
+          <p:nvPr>
+            <p:extLst>
+              <p:ext uri="{D42A27DB-BD31-4B8C-83A1-F6EECF244321}">
+                <p14:modId xmlns:p14="http://schemas.microsoft.com/office/powerpoint/2010/main" val="1247975447"/>
+              </p:ext>
+            </p:extLst>
+          </p:nvPr>
+        </p:nvGraphicFramePr>
+        <p:xfrm>
+          <a:off x="155848" y="4399220"/>
+          <a:ext cx="1463824" cy="762000"/>
+        </p:xfrm>
+        <a:graphic>
+          <a:graphicData uri="http://schemas.openxmlformats.org/drawingml/2006/table">
+            <a:tbl>
+              <a:tblPr firstRow="1" bandRow="1">
+                <a:tableStyleId>{5C22544A-7EE6-4342-B048-85BDC9FD1C3A}</a:tableStyleId>
+              </a:tblPr>
+              <a:tblGrid>
+                <a:gridCol w="1463824">
+                  <a:extLst>
+                    <a:ext uri="{9D8B030D-6E8A-4147-A177-3AD203B41FA5}">
+                      <a16:colId xmlns:a16="http://schemas.microsoft.com/office/drawing/2014/main" xmlns="" val="20000"/>
+                    </a:ext>
+                  </a:extLst>
+                </a:gridCol>
+              </a:tblGrid>
+              <a:tr h="125272">
+                <a:tc>
+                  <a:txBody>
+                    <a:bodyPr/>
+                    <a:lstStyle/>
+                    <a:p>
+                      <a:r>
+                        <a:rPr lang="es-ES" sz="800" i="1" dirty="0" smtClean="0"/>
+                        <a:t>TIPOS_EVENTO_FACTURACION</a:t>
+                      </a:r>
+                      <a:endParaRPr lang="es-ES" sz="800" i="1" dirty="0"/>
+                    </a:p>
+                  </a:txBody>
+                  <a:tcPr/>
+                </a:tc>
+                <a:extLst>
+                  <a:ext uri="{0D108BD9-81ED-4DB2-BD59-A6C34878D82A}">
+                    <a16:rowId xmlns:a16="http://schemas.microsoft.com/office/drawing/2014/main" xmlns="" val="10000"/>
+                  </a:ext>
+                </a:extLst>
+              </a:tr>
+              <a:tr h="125272">
+                <a:tc>
+                  <a:txBody>
+                    <a:bodyPr/>
+                    <a:lstStyle/>
+                    <a:p>
+                      <a:r>
+                        <a:rPr lang="es-ES" sz="800" dirty="0" err="1"/>
+                        <a:t>tipo_evento</a:t>
+                      </a:r>
+                      <a:endParaRPr lang="es-ES" sz="800" dirty="0"/>
+                    </a:p>
+                  </a:txBody>
+                  <a:tcPr/>
+                </a:tc>
+                <a:extLst>
+                  <a:ext uri="{0D108BD9-81ED-4DB2-BD59-A6C34878D82A}">
+                    <a16:rowId xmlns:a16="http://schemas.microsoft.com/office/drawing/2014/main" xmlns="" val="10001"/>
+                  </a:ext>
+                </a:extLst>
+              </a:tr>
+              <a:tr h="125272">
+                <a:tc>
+                  <a:txBody>
+                    <a:bodyPr/>
+                    <a:lstStyle/>
+                    <a:p>
+                      <a:r>
+                        <a:rPr lang="es-ES" sz="800" baseline="0" dirty="0" err="1"/>
+                        <a:t>descripcion</a:t>
+                      </a:r>
+                      <a:endParaRPr lang="es-ES" sz="800" baseline="0" dirty="0"/>
+                    </a:p>
+                  </a:txBody>
+                  <a:tcPr/>
+                </a:tc>
+                <a:extLst>
+                  <a:ext uri="{0D108BD9-81ED-4DB2-BD59-A6C34878D82A}">
+                    <a16:rowId xmlns:a16="http://schemas.microsoft.com/office/drawing/2014/main" xmlns="" val="10002"/>
+                  </a:ext>
+                </a:extLst>
+              </a:tr>
+            </a:tbl>
+          </a:graphicData>
+        </a:graphic>
+      </p:graphicFrame>
+      <p:graphicFrame>
+        <p:nvGraphicFramePr>
+          <p:cNvPr id="22" name="21 Tabla"/>
+          <p:cNvGraphicFramePr>
+            <a:graphicFrameLocks noGrp="1"/>
+          </p:cNvGraphicFramePr>
+          <p:nvPr>
+            <p:extLst>
+              <p:ext uri="{D42A27DB-BD31-4B8C-83A1-F6EECF244321}">
+                <p14:modId xmlns:p14="http://schemas.microsoft.com/office/powerpoint/2010/main" val="1167973327"/>
+              </p:ext>
+            </p:extLst>
+          </p:nvPr>
+        </p:nvGraphicFramePr>
+        <p:xfrm>
+          <a:off x="1908845" y="4399220"/>
+          <a:ext cx="1463824" cy="762000"/>
+        </p:xfrm>
+        <a:graphic>
+          <a:graphicData uri="http://schemas.openxmlformats.org/drawingml/2006/table">
+            <a:tbl>
+              <a:tblPr firstRow="1" bandRow="1">
+                <a:tableStyleId>{5C22544A-7EE6-4342-B048-85BDC9FD1C3A}</a:tableStyleId>
+              </a:tblPr>
+              <a:tblGrid>
+                <a:gridCol w="1463824">
+                  <a:extLst>
+                    <a:ext uri="{9D8B030D-6E8A-4147-A177-3AD203B41FA5}">
+                      <a16:colId xmlns:a16="http://schemas.microsoft.com/office/drawing/2014/main" xmlns="" val="20000"/>
+                    </a:ext>
+                  </a:extLst>
+                </a:gridCol>
+              </a:tblGrid>
+              <a:tr h="125272">
+                <a:tc>
+                  <a:txBody>
+                    <a:bodyPr/>
+                    <a:lstStyle/>
+                    <a:p>
+                      <a:r>
+                        <a:rPr lang="es-ES" sz="800" i="1" dirty="0" smtClean="0"/>
+                        <a:t>TIPOS_EVENTO_PLANIFICACION</a:t>
+                      </a:r>
+                      <a:endParaRPr lang="es-ES" sz="800" i="1" dirty="0"/>
+                    </a:p>
+                  </a:txBody>
+                  <a:tcPr/>
+                </a:tc>
+                <a:extLst>
+                  <a:ext uri="{0D108BD9-81ED-4DB2-BD59-A6C34878D82A}">
+                    <a16:rowId xmlns:a16="http://schemas.microsoft.com/office/drawing/2014/main" xmlns="" val="10000"/>
+                  </a:ext>
+                </a:extLst>
+              </a:tr>
+              <a:tr h="125272">
+                <a:tc>
+                  <a:txBody>
+                    <a:bodyPr/>
+                    <a:lstStyle/>
+                    <a:p>
+                      <a:r>
+                        <a:rPr lang="es-ES" sz="800" dirty="0" err="1"/>
+                        <a:t>tipo_evento</a:t>
+                      </a:r>
+                      <a:endParaRPr lang="es-ES" sz="800" dirty="0"/>
+                    </a:p>
+                  </a:txBody>
+                  <a:tcPr/>
+                </a:tc>
+                <a:extLst>
+                  <a:ext uri="{0D108BD9-81ED-4DB2-BD59-A6C34878D82A}">
+                    <a16:rowId xmlns:a16="http://schemas.microsoft.com/office/drawing/2014/main" xmlns="" val="10001"/>
+                  </a:ext>
+                </a:extLst>
+              </a:tr>
+              <a:tr h="125272">
+                <a:tc>
+                  <a:txBody>
+                    <a:bodyPr/>
+                    <a:lstStyle/>
+                    <a:p>
+                      <a:r>
+                        <a:rPr lang="es-ES" sz="800" baseline="0" dirty="0" err="1"/>
+                        <a:t>descripcion</a:t>
+                      </a:r>
+                      <a:endParaRPr lang="es-ES" sz="800" baseline="0" dirty="0"/>
+                    </a:p>
+                  </a:txBody>
+                  <a:tcPr/>
+                </a:tc>
+                <a:extLst>
+                  <a:ext uri="{0D108BD9-81ED-4DB2-BD59-A6C34878D82A}">
+                    <a16:rowId xmlns:a16="http://schemas.microsoft.com/office/drawing/2014/main" xmlns="" val="10002"/>
+                  </a:ext>
+                </a:extLst>
+              </a:tr>
+            </a:tbl>
+          </a:graphicData>
+        </a:graphic>
+      </p:graphicFrame>
     </p:spTree>
     <p:extLst>
       <p:ext uri="{BB962C8B-B14F-4D97-AF65-F5344CB8AC3E}">
         <p14:creationId xmlns:p14="http://schemas.microsoft.com/office/powerpoint/2010/main" val="289031861"/>
-      </p:ext>
-    </p:extLst>
-  </p:cSld>
-  <p:clrMapOvr>
-    <a:masterClrMapping/>
-  </p:clrMapOvr>
-</p:sld>
-</file>
-
-<file path=ppt/slides/slide6.xml><?xml version="1.0" encoding="utf-8"?>
-<p:sld xmlns:a="http://schemas.openxmlformats.org/drawingml/2006/main" xmlns:r="http://schemas.openxmlformats.org/officeDocument/2006/relationships" xmlns:p="http://schemas.openxmlformats.org/presentationml/2006/main">
-  <p:cSld>
-    <p:spTree>
-      <p:nvGrpSpPr>
-        <p:cNvPr id="1" name=""/>
-        <p:cNvGrpSpPr/>
-        <p:nvPr/>
-      </p:nvGrpSpPr>
-      <p:grpSpPr>
-        <a:xfrm>
-          <a:off x="0" y="0"/>
-          <a:ext cx="0" cy="0"/>
-          <a:chOff x="0" y="0"/>
-          <a:chExt cx="0" cy="0"/>
-        </a:xfrm>
-      </p:grpSpPr>
-      <p:sp>
-        <p:nvSpPr>
-          <p:cNvPr id="2" name="1 CuadroTexto"/>
-          <p:cNvSpPr txBox="1"/>
-          <p:nvPr/>
-        </p:nvSpPr>
-        <p:spPr>
-          <a:xfrm>
-            <a:off x="683568" y="476672"/>
-            <a:ext cx="8136904" cy="5355312"/>
-          </a:xfrm>
-          <a:prstGeom prst="rect">
-            <a:avLst/>
-          </a:prstGeom>
-          <a:noFill/>
-        </p:spPr>
-        <p:txBody>
-          <a:bodyPr wrap="square" rtlCol="0">
-            <a:spAutoFit/>
-          </a:bodyPr>
-          <a:lstStyle/>
-          <a:p>
-            <a:r>
-              <a:rPr lang="es-ES" dirty="0"/>
-              <a:t>Comentarios</a:t>
-            </a:r>
-            <a:r>
-              <a:rPr lang="es-ES" dirty="0" smtClean="0"/>
-              <a:t>:</a:t>
-            </a:r>
-          </a:p>
-          <a:p>
-            <a:endParaRPr lang="es-ES" dirty="0"/>
-          </a:p>
-          <a:p>
-            <a:pPr marL="285750" indent="-285750">
-              <a:buFontTx/>
-              <a:buChar char="-"/>
-            </a:pPr>
-            <a:r>
-              <a:rPr lang="es-ES" dirty="0"/>
-              <a:t>Inicialmente relación 1-1 Previsión-Expediente (posteriormente se podría desdoblar) </a:t>
-            </a:r>
-          </a:p>
-          <a:p>
-            <a:pPr marL="285750" indent="-285750">
-              <a:buFontTx/>
-              <a:buChar char="-"/>
-            </a:pPr>
-            <a:r>
-              <a:rPr lang="es-ES" dirty="0" smtClean="0"/>
-              <a:t>Propuesta</a:t>
-            </a:r>
-            <a:r>
-              <a:rPr lang="es-ES" dirty="0"/>
-              <a:t>: creación de UA automática a la recepción de la documentación por parte del JP (tiene que tener SP y estar aprobado)-&gt; Para que toda la documentación del expediente sea dependiente de la entidad de expedientes</a:t>
-            </a:r>
-          </a:p>
-          <a:p>
-            <a:pPr marL="285750" indent="-285750">
-              <a:buFontTx/>
-              <a:buChar char="-"/>
-            </a:pPr>
-            <a:r>
-              <a:rPr lang="es-ES" dirty="0" smtClean="0"/>
-              <a:t>Tabla </a:t>
-            </a:r>
-            <a:r>
-              <a:rPr lang="es-ES" dirty="0"/>
-              <a:t>de lotes. Todo expediente tendría un lote (al menos) para evitar tratamientos diferenciados y duplicidad de datos.</a:t>
-            </a:r>
-          </a:p>
-          <a:p>
-            <a:pPr marL="285750" indent="-285750">
-              <a:buFontTx/>
-              <a:buChar char="-"/>
-            </a:pPr>
-            <a:r>
-              <a:rPr lang="es-ES" dirty="0"/>
-              <a:t>¿Se va a alimentar un estado desde contratación? Hipótesis (no)</a:t>
-            </a:r>
-          </a:p>
-          <a:p>
-            <a:pPr marL="285750" indent="-285750">
-              <a:buFontTx/>
-              <a:buChar char="-"/>
-            </a:pPr>
-            <a:r>
-              <a:rPr lang="es-ES" dirty="0"/>
-              <a:t>Tabla eventos dependiente del expediente para establecer todos los eventos asociados a dicho expediente. ¿Merece la pena hacer una tabla eventos asociada a lote? Propuesta es que no se haga.</a:t>
-            </a:r>
-          </a:p>
-          <a:p>
-            <a:pPr marL="285750" indent="-285750">
-              <a:buFontTx/>
-              <a:buChar char="-"/>
-            </a:pPr>
-            <a:r>
-              <a:rPr lang="es-ES" dirty="0"/>
-              <a:t>Importancia del mantenimiento de la tabla relación </a:t>
-            </a:r>
-            <a:r>
-              <a:rPr lang="es-ES" dirty="0" err="1"/>
-              <a:t>tipo_evento</a:t>
-            </a:r>
-            <a:r>
-              <a:rPr lang="es-ES" dirty="0"/>
-              <a:t> vs. procedimiento</a:t>
-            </a:r>
-          </a:p>
-          <a:p>
-            <a:pPr marL="285750" indent="-285750">
-              <a:buFontTx/>
-              <a:buChar char="-"/>
-            </a:pPr>
-            <a:r>
-              <a:rPr lang="es-ES" dirty="0"/>
-              <a:t>E</a:t>
-            </a:r>
-            <a:r>
-              <a:rPr lang="es-ES" dirty="0" smtClean="0"/>
-              <a:t>ntidades </a:t>
-            </a:r>
-            <a:r>
-              <a:rPr lang="es-ES" dirty="0"/>
-              <a:t>eliminadas:</a:t>
-            </a:r>
-          </a:p>
-          <a:p>
-            <a:pPr marL="742950" lvl="1" indent="-285750">
-              <a:buFontTx/>
-              <a:buChar char="-"/>
-            </a:pPr>
-            <a:r>
-              <a:rPr lang="es-ES" dirty="0" smtClean="0"/>
-              <a:t>Financiación</a:t>
-            </a:r>
-            <a:endParaRPr lang="es-ES" dirty="0"/>
-          </a:p>
-          <a:p>
-            <a:pPr marL="742950" lvl="1" indent="-285750">
-              <a:buFontTx/>
-              <a:buChar char="-"/>
-            </a:pPr>
-            <a:r>
-              <a:rPr lang="es-ES" dirty="0" err="1"/>
-              <a:t>Cuota_Proy</a:t>
-            </a:r>
-            <a:endParaRPr lang="es-ES" dirty="0"/>
-          </a:p>
-          <a:p>
-            <a:pPr marL="742950" lvl="1" indent="-285750">
-              <a:buFontTx/>
-              <a:buChar char="-"/>
-            </a:pPr>
-            <a:r>
-              <a:rPr lang="es-ES" dirty="0" err="1"/>
-              <a:t>Cuota_Feder</a:t>
-            </a:r>
-            <a:endParaRPr lang="es-ES" dirty="0"/>
-          </a:p>
-          <a:p>
-            <a:pPr marL="742950" lvl="1" indent="-285750">
-              <a:buFontTx/>
-              <a:buChar char="-"/>
-            </a:pPr>
-            <a:r>
-              <a:rPr lang="es-ES" dirty="0" err="1"/>
-              <a:t>Cuota_Dist</a:t>
-            </a:r>
-            <a:endParaRPr lang="es-ES" dirty="0"/>
-          </a:p>
-        </p:txBody>
-      </p:sp>
-    </p:spTree>
-    <p:extLst>
-      <p:ext uri="{BB962C8B-B14F-4D97-AF65-F5344CB8AC3E}">
-        <p14:creationId xmlns:p14="http://schemas.microsoft.com/office/powerpoint/2010/main" val="4051578622"/>
-      </p:ext>
-    </p:extLst>
-  </p:cSld>
-  <p:clrMapOvr>
-    <a:masterClrMapping/>
-  </p:clrMapOvr>
-</p:sld>
-</file>
-
-<file path=ppt/slides/slide7.xml><?xml version="1.0" encoding="utf-8"?>
-<p:sld xmlns:a="http://schemas.openxmlformats.org/drawingml/2006/main" xmlns:r="http://schemas.openxmlformats.org/officeDocument/2006/relationships" xmlns:p="http://schemas.openxmlformats.org/presentationml/2006/main">
-  <p:cSld>
-    <p:spTree>
-      <p:nvGrpSpPr>
-        <p:cNvPr id="1" name=""/>
-        <p:cNvGrpSpPr/>
-        <p:nvPr/>
-      </p:nvGrpSpPr>
-      <p:grpSpPr>
-        <a:xfrm>
-          <a:off x="0" y="0"/>
-          <a:ext cx="0" cy="0"/>
-          <a:chOff x="0" y="0"/>
-          <a:chExt cx="0" cy="0"/>
-        </a:xfrm>
-      </p:grpSpPr>
-      <p:sp>
-        <p:nvSpPr>
-          <p:cNvPr id="2" name="1 CuadroTexto"/>
-          <p:cNvSpPr txBox="1"/>
-          <p:nvPr/>
-        </p:nvSpPr>
-        <p:spPr>
-          <a:xfrm>
-            <a:off x="683568" y="476672"/>
-            <a:ext cx="8136904" cy="2862322"/>
-          </a:xfrm>
-          <a:prstGeom prst="rect">
-            <a:avLst/>
-          </a:prstGeom>
-          <a:noFill/>
-        </p:spPr>
-        <p:txBody>
-          <a:bodyPr wrap="square" rtlCol="0">
-            <a:spAutoFit/>
-          </a:bodyPr>
-          <a:lstStyle/>
-          <a:p>
-            <a:r>
-              <a:rPr lang="es-ES" dirty="0"/>
-              <a:t>Comentarios:</a:t>
-            </a:r>
-          </a:p>
-          <a:p>
-            <a:pPr marL="285750" indent="-285750">
-              <a:buFontTx/>
-              <a:buChar char="-"/>
-            </a:pPr>
-            <a:endParaRPr lang="es-ES" dirty="0" smtClean="0"/>
-          </a:p>
-          <a:p>
-            <a:pPr marL="285750" indent="-285750">
-              <a:buFontTx/>
-              <a:buChar char="-"/>
-            </a:pPr>
-            <a:r>
-              <a:rPr lang="es-ES" dirty="0" smtClean="0"/>
-              <a:t>Se </a:t>
-            </a:r>
-            <a:r>
-              <a:rPr lang="es-ES" dirty="0"/>
-              <a:t>minimizan los id y los alias (eliminar necesidad de hacer </a:t>
-            </a:r>
-            <a:r>
-              <a:rPr lang="es-ES" dirty="0" err="1"/>
-              <a:t>joins</a:t>
-            </a:r>
-            <a:r>
-              <a:rPr lang="es-ES" dirty="0"/>
-              <a:t> en muchas </a:t>
-            </a:r>
-            <a:r>
-              <a:rPr lang="es-ES" dirty="0" err="1"/>
-              <a:t>select</a:t>
-            </a:r>
-            <a:r>
-              <a:rPr lang="es-ES" dirty="0"/>
-              <a:t> que añadiría complejidad adicional y carga de proceso).</a:t>
-            </a:r>
-          </a:p>
-          <a:p>
-            <a:pPr marL="285750" indent="-285750">
-              <a:buFontTx/>
-              <a:buChar char="-"/>
-            </a:pPr>
-            <a:r>
-              <a:rPr lang="es-ES" dirty="0"/>
-              <a:t>Documentación. Se propone asociar la documentación de tramitación básicamente al expediente (incorpora la documentación ligada a un lote específico).</a:t>
-            </a:r>
-          </a:p>
-          <a:p>
-            <a:pPr marL="285750" indent="-285750">
-              <a:buFontTx/>
-              <a:buChar char="-"/>
-            </a:pPr>
-            <a:r>
-              <a:rPr lang="es-ES" dirty="0"/>
-              <a:t>Consolidación de todos los ficheros de facturación existentes. Se ha reducido básicamente a una entidad factura que incorpora cada una de las facturas como registros.</a:t>
-            </a:r>
-          </a:p>
-        </p:txBody>
-      </p:sp>
-    </p:spTree>
-    <p:extLst>
-      <p:ext uri="{BB962C8B-B14F-4D97-AF65-F5344CB8AC3E}">
-        <p14:creationId xmlns:p14="http://schemas.microsoft.com/office/powerpoint/2010/main" val="2531076320"/>
       </p:ext>
     </p:extLst>
   </p:cSld>

--- a/Documentación Soporte/Documento Tablas - Relaciones Borrador.pptx
+++ b/Documentación Soporte/Documento Tablas - Relaciones Borrador.pptx
@@ -110,7 +110,7 @@
   </p:defaultTextStyle>
   <p:extLst>
     <p:ext uri="{EFAFB233-063F-42B5-8137-9DF3F51BA10A}">
-      <p15:sldGuideLst xmlns:p15="http://schemas.microsoft.com/office/powerpoint/2012/main" xmlns="">
+      <p15:sldGuideLst xmlns="" xmlns:p15="http://schemas.microsoft.com/office/powerpoint/2012/main">
         <p15:guide id="1" orient="horz" pos="2160">
           <p15:clr>
             <a:srgbClr val="A4A3A4"/>
@@ -3122,7 +3122,7 @@
                 <a:gridCol w="1463824">
                   <a:extLst>
                     <a:ext uri="{9D8B030D-6E8A-4147-A177-3AD203B41FA5}">
-                      <a16:colId xmlns:a16="http://schemas.microsoft.com/office/drawing/2014/main" xmlns="" val="20000"/>
+                      <a16:colId xmlns="" xmlns:a16="http://schemas.microsoft.com/office/drawing/2014/main" val="20000"/>
                     </a:ext>
                   </a:extLst>
                 </a:gridCol>
@@ -3144,7 +3144,7 @@
                 </a:tc>
                 <a:extLst>
                   <a:ext uri="{0D108BD9-81ED-4DB2-BD59-A6C34878D82A}">
-                    <a16:rowId xmlns:a16="http://schemas.microsoft.com/office/drawing/2014/main" xmlns="" val="10000"/>
+                    <a16:rowId xmlns="" xmlns:a16="http://schemas.microsoft.com/office/drawing/2014/main" val="10000"/>
                   </a:ext>
                 </a:extLst>
               </a:tr>
@@ -3212,7 +3212,7 @@
                 </a:tc>
                 <a:extLst>
                   <a:ext uri="{0D108BD9-81ED-4DB2-BD59-A6C34878D82A}">
-                    <a16:rowId xmlns:a16="http://schemas.microsoft.com/office/drawing/2014/main" xmlns="" val="10001"/>
+                    <a16:rowId xmlns="" xmlns:a16="http://schemas.microsoft.com/office/drawing/2014/main" val="10001"/>
                   </a:ext>
                 </a:extLst>
               </a:tr>
@@ -3245,7 +3245,7 @@
                 </a:tc>
                 <a:extLst>
                   <a:ext uri="{0D108BD9-81ED-4DB2-BD59-A6C34878D82A}">
-                    <a16:rowId xmlns:a16="http://schemas.microsoft.com/office/drawing/2014/main" xmlns="" val="10002"/>
+                    <a16:rowId xmlns="" xmlns:a16="http://schemas.microsoft.com/office/drawing/2014/main" val="10002"/>
                   </a:ext>
                 </a:extLst>
               </a:tr>
@@ -3281,7 +3281,7 @@
                 <a:gridCol w="1463824">
                   <a:extLst>
                     <a:ext uri="{9D8B030D-6E8A-4147-A177-3AD203B41FA5}">
-                      <a16:colId xmlns:a16="http://schemas.microsoft.com/office/drawing/2014/main" xmlns="" val="20000"/>
+                      <a16:colId xmlns="" xmlns:a16="http://schemas.microsoft.com/office/drawing/2014/main" val="20000"/>
                     </a:ext>
                   </a:extLst>
                 </a:gridCol>
@@ -3303,7 +3303,7 @@
                 </a:tc>
                 <a:extLst>
                   <a:ext uri="{0D108BD9-81ED-4DB2-BD59-A6C34878D82A}">
-                    <a16:rowId xmlns:a16="http://schemas.microsoft.com/office/drawing/2014/main" xmlns="" val="10000"/>
+                    <a16:rowId xmlns="" xmlns:a16="http://schemas.microsoft.com/office/drawing/2014/main" val="10000"/>
                   </a:ext>
                 </a:extLst>
               </a:tr>
@@ -3324,7 +3324,7 @@
                 </a:tc>
                 <a:extLst>
                   <a:ext uri="{0D108BD9-81ED-4DB2-BD59-A6C34878D82A}">
-                    <a16:rowId xmlns:a16="http://schemas.microsoft.com/office/drawing/2014/main" xmlns="" val="10001"/>
+                    <a16:rowId xmlns="" xmlns:a16="http://schemas.microsoft.com/office/drawing/2014/main" val="10001"/>
                   </a:ext>
                 </a:extLst>
               </a:tr>
@@ -3354,13 +3354,8 @@
                     <a:p>
                       <a:r>
                         <a:rPr lang="es-ES" sz="800" dirty="0" smtClean="0"/>
-                        <a:t>APROBADO  (BIN</a:t>
-                      </a:r>
-                      <a:r>
-                        <a:rPr lang="es-ES" sz="800" dirty="0" smtClean="0"/>
-                        <a:t>)</a:t>
-                      </a:r>
-                      <a:endParaRPr lang="es-ES" sz="800" dirty="0" smtClean="0"/>
+                        <a:t>APROBADO  (BIN)</a:t>
+                      </a:r>
                     </a:p>
                     <a:p>
                       <a:r>
@@ -3396,7 +3391,6 @@
                         <a:rPr lang="es-ES" sz="800" dirty="0" smtClean="0"/>
                         <a:t>ID_JP</a:t>
                       </a:r>
-                      <a:endParaRPr lang="es-ES" sz="800" dirty="0" smtClean="0"/>
                     </a:p>
                     <a:p>
                       <a:r>
@@ -3543,7 +3537,7 @@
                 </a:tc>
                 <a:extLst>
                   <a:ext uri="{0D108BD9-81ED-4DB2-BD59-A6C34878D82A}">
-                    <a16:rowId xmlns:a16="http://schemas.microsoft.com/office/drawing/2014/main" xmlns="" val="10002"/>
+                    <a16:rowId xmlns="" xmlns:a16="http://schemas.microsoft.com/office/drawing/2014/main" val="10002"/>
                   </a:ext>
                 </a:extLst>
               </a:tr>
@@ -3579,7 +3573,7 @@
                 <a:gridCol w="1463824">
                   <a:extLst>
                     <a:ext uri="{9D8B030D-6E8A-4147-A177-3AD203B41FA5}">
-                      <a16:colId xmlns:a16="http://schemas.microsoft.com/office/drawing/2014/main" xmlns="" val="20000"/>
+                      <a16:colId xmlns="" xmlns:a16="http://schemas.microsoft.com/office/drawing/2014/main" val="20000"/>
                     </a:ext>
                   </a:extLst>
                 </a:gridCol>
@@ -3601,7 +3595,7 @@
                 </a:tc>
                 <a:extLst>
                   <a:ext uri="{0D108BD9-81ED-4DB2-BD59-A6C34878D82A}">
-                    <a16:rowId xmlns:a16="http://schemas.microsoft.com/office/drawing/2014/main" xmlns="" val="10000"/>
+                    <a16:rowId xmlns="" xmlns:a16="http://schemas.microsoft.com/office/drawing/2014/main" val="10000"/>
                   </a:ext>
                 </a:extLst>
               </a:tr>
@@ -3622,7 +3616,7 @@
                 </a:tc>
                 <a:extLst>
                   <a:ext uri="{0D108BD9-81ED-4DB2-BD59-A6C34878D82A}">
-                    <a16:rowId xmlns:a16="http://schemas.microsoft.com/office/drawing/2014/main" xmlns="" val="10001"/>
+                    <a16:rowId xmlns="" xmlns:a16="http://schemas.microsoft.com/office/drawing/2014/main" val="10001"/>
                   </a:ext>
                 </a:extLst>
               </a:tr>
@@ -3701,14 +3695,12 @@
                         <a:rPr lang="es-ES" sz="800" dirty="0" smtClean="0"/>
                         <a:t>INICIO_TRAMITACION</a:t>
                       </a:r>
-                      <a:endParaRPr lang="es-ES" sz="800" dirty="0" smtClean="0"/>
                     </a:p>
                     <a:p>
                       <a:r>
                         <a:rPr lang="es-ES" sz="800" dirty="0" smtClean="0"/>
                         <a:t>TIPO_CONTRATACION</a:t>
                       </a:r>
-                      <a:endParaRPr lang="es-ES" sz="800" dirty="0" smtClean="0"/>
                     </a:p>
                     <a:p>
                       <a:r>
@@ -3763,7 +3755,6 @@
                         <a:rPr lang="es-ES" sz="800" dirty="0" smtClean="0"/>
                         <a:t>TRAM_ANTICIPADA</a:t>
                       </a:r>
-                      <a:endParaRPr lang="es-ES" sz="800" dirty="0" smtClean="0"/>
                     </a:p>
                     <a:p>
                       <a:r>
@@ -3789,7 +3780,7 @@
                 </a:tc>
                 <a:extLst>
                   <a:ext uri="{0D108BD9-81ED-4DB2-BD59-A6C34878D82A}">
-                    <a16:rowId xmlns:a16="http://schemas.microsoft.com/office/drawing/2014/main" xmlns="" val="10002"/>
+                    <a16:rowId xmlns="" xmlns:a16="http://schemas.microsoft.com/office/drawing/2014/main" val="10002"/>
                   </a:ext>
                 </a:extLst>
               </a:tr>
@@ -3825,7 +3816,7 @@
                 <a:gridCol w="1332402">
                   <a:extLst>
                     <a:ext uri="{9D8B030D-6E8A-4147-A177-3AD203B41FA5}">
-                      <a16:colId xmlns:a16="http://schemas.microsoft.com/office/drawing/2014/main" xmlns="" val="20000"/>
+                      <a16:colId xmlns="" xmlns:a16="http://schemas.microsoft.com/office/drawing/2014/main" val="20000"/>
                     </a:ext>
                   </a:extLst>
                 </a:gridCol>
@@ -3846,7 +3837,7 @@
                 </a:tc>
                 <a:extLst>
                   <a:ext uri="{0D108BD9-81ED-4DB2-BD59-A6C34878D82A}">
-                    <a16:rowId xmlns:a16="http://schemas.microsoft.com/office/drawing/2014/main" xmlns="" val="10000"/>
+                    <a16:rowId xmlns="" xmlns:a16="http://schemas.microsoft.com/office/drawing/2014/main" val="10000"/>
                   </a:ext>
                 </a:extLst>
               </a:tr>
@@ -3873,7 +3864,7 @@
                 </a:tc>
                 <a:extLst>
                   <a:ext uri="{0D108BD9-81ED-4DB2-BD59-A6C34878D82A}">
-                    <a16:rowId xmlns:a16="http://schemas.microsoft.com/office/drawing/2014/main" xmlns="" val="10001"/>
+                    <a16:rowId xmlns="" xmlns:a16="http://schemas.microsoft.com/office/drawing/2014/main" val="10001"/>
                   </a:ext>
                 </a:extLst>
               </a:tr>
@@ -3893,7 +3884,6 @@
                         <a:rPr lang="es-ES" sz="800" dirty="0" smtClean="0"/>
                         <a:t>ID_JP</a:t>
                       </a:r>
-                      <a:endParaRPr lang="es-ES" sz="800" dirty="0" smtClean="0"/>
                     </a:p>
                     <a:p>
                       <a:r>
@@ -3961,7 +3951,7 @@
                 </a:tc>
                 <a:extLst>
                   <a:ext uri="{0D108BD9-81ED-4DB2-BD59-A6C34878D82A}">
-                    <a16:rowId xmlns:a16="http://schemas.microsoft.com/office/drawing/2014/main" xmlns="" val="10002"/>
+                    <a16:rowId xmlns="" xmlns:a16="http://schemas.microsoft.com/office/drawing/2014/main" val="10002"/>
                   </a:ext>
                 </a:extLst>
               </a:tr>
@@ -3997,7 +3987,7 @@
                 <a:gridCol w="1296144">
                   <a:extLst>
                     <a:ext uri="{9D8B030D-6E8A-4147-A177-3AD203B41FA5}">
-                      <a16:colId xmlns:a16="http://schemas.microsoft.com/office/drawing/2014/main" xmlns="" val="20000"/>
+                      <a16:colId xmlns="" xmlns:a16="http://schemas.microsoft.com/office/drawing/2014/main" val="20000"/>
                     </a:ext>
                   </a:extLst>
                 </a:gridCol>
@@ -4023,7 +4013,7 @@
                 </a:tc>
                 <a:extLst>
                   <a:ext uri="{0D108BD9-81ED-4DB2-BD59-A6C34878D82A}">
-                    <a16:rowId xmlns:a16="http://schemas.microsoft.com/office/drawing/2014/main" xmlns="" val="10000"/>
+                    <a16:rowId xmlns="" xmlns:a16="http://schemas.microsoft.com/office/drawing/2014/main" val="10000"/>
                   </a:ext>
                 </a:extLst>
               </a:tr>
@@ -4049,7 +4039,7 @@
                 </a:tc>
                 <a:extLst>
                   <a:ext uri="{0D108BD9-81ED-4DB2-BD59-A6C34878D82A}">
-                    <a16:rowId xmlns:a16="http://schemas.microsoft.com/office/drawing/2014/main" xmlns="" val="10001"/>
+                    <a16:rowId xmlns="" xmlns:a16="http://schemas.microsoft.com/office/drawing/2014/main" val="10001"/>
                   </a:ext>
                 </a:extLst>
               </a:tr>
@@ -4076,7 +4066,7 @@
                 </a:tc>
                 <a:extLst>
                   <a:ext uri="{0D108BD9-81ED-4DB2-BD59-A6C34878D82A}">
-                    <a16:rowId xmlns:a16="http://schemas.microsoft.com/office/drawing/2014/main" xmlns="" val="10002"/>
+                    <a16:rowId xmlns="" xmlns:a16="http://schemas.microsoft.com/office/drawing/2014/main" val="10002"/>
                   </a:ext>
                 </a:extLst>
               </a:tr>
@@ -4112,7 +4102,7 @@
                 <a:gridCol w="1317165">
                   <a:extLst>
                     <a:ext uri="{9D8B030D-6E8A-4147-A177-3AD203B41FA5}">
-                      <a16:colId xmlns:a16="http://schemas.microsoft.com/office/drawing/2014/main" xmlns="" val="20000"/>
+                      <a16:colId xmlns="" xmlns:a16="http://schemas.microsoft.com/office/drawing/2014/main" val="20000"/>
                     </a:ext>
                   </a:extLst>
                 </a:gridCol>
@@ -4134,7 +4124,7 @@
                 </a:tc>
                 <a:extLst>
                   <a:ext uri="{0D108BD9-81ED-4DB2-BD59-A6C34878D82A}">
-                    <a16:rowId xmlns:a16="http://schemas.microsoft.com/office/drawing/2014/main" xmlns="" val="10000"/>
+                    <a16:rowId xmlns="" xmlns:a16="http://schemas.microsoft.com/office/drawing/2014/main" val="10000"/>
                   </a:ext>
                 </a:extLst>
               </a:tr>
@@ -4155,7 +4145,7 @@
                 </a:tc>
                 <a:extLst>
                   <a:ext uri="{0D108BD9-81ED-4DB2-BD59-A6C34878D82A}">
-                    <a16:rowId xmlns:a16="http://schemas.microsoft.com/office/drawing/2014/main" xmlns="" val="10001"/>
+                    <a16:rowId xmlns="" xmlns:a16="http://schemas.microsoft.com/office/drawing/2014/main" val="10001"/>
                   </a:ext>
                 </a:extLst>
               </a:tr>
@@ -4205,7 +4195,6 @@
                         <a:rPr lang="es-ES" sz="800" dirty="0" smtClean="0"/>
                         <a:t>PERIODO</a:t>
                       </a:r>
-                      <a:endParaRPr lang="es-ES" sz="800" dirty="0" smtClean="0"/>
                     </a:p>
                     <a:p>
                       <a:r>
@@ -4262,7 +4251,7 @@
                 </a:tc>
                 <a:extLst>
                   <a:ext uri="{0D108BD9-81ED-4DB2-BD59-A6C34878D82A}">
-                    <a16:rowId xmlns:a16="http://schemas.microsoft.com/office/drawing/2014/main" xmlns="" val="10002"/>
+                    <a16:rowId xmlns="" xmlns:a16="http://schemas.microsoft.com/office/drawing/2014/main" val="10002"/>
                   </a:ext>
                 </a:extLst>
               </a:tr>
@@ -4298,7 +4287,7 @@
                 <a:gridCol w="1080120">
                   <a:extLst>
                     <a:ext uri="{9D8B030D-6E8A-4147-A177-3AD203B41FA5}">
-                      <a16:colId xmlns:a16="http://schemas.microsoft.com/office/drawing/2014/main" xmlns="" val="20000"/>
+                      <a16:colId xmlns="" xmlns:a16="http://schemas.microsoft.com/office/drawing/2014/main" val="20000"/>
                     </a:ext>
                   </a:extLst>
                 </a:gridCol>
@@ -4320,7 +4309,7 @@
                 </a:tc>
                 <a:extLst>
                   <a:ext uri="{0D108BD9-81ED-4DB2-BD59-A6C34878D82A}">
-                    <a16:rowId xmlns:a16="http://schemas.microsoft.com/office/drawing/2014/main" xmlns="" val="10000"/>
+                    <a16:rowId xmlns="" xmlns:a16="http://schemas.microsoft.com/office/drawing/2014/main" val="10000"/>
                   </a:ext>
                 </a:extLst>
               </a:tr>
@@ -4353,7 +4342,7 @@
                 </a:tc>
                 <a:extLst>
                   <a:ext uri="{0D108BD9-81ED-4DB2-BD59-A6C34878D82A}">
-                    <a16:rowId xmlns:a16="http://schemas.microsoft.com/office/drawing/2014/main" xmlns="" val="10001"/>
+                    <a16:rowId xmlns="" xmlns:a16="http://schemas.microsoft.com/office/drawing/2014/main" val="10001"/>
                   </a:ext>
                 </a:extLst>
               </a:tr>
@@ -4386,7 +4375,7 @@
                 </a:tc>
                 <a:extLst>
                   <a:ext uri="{0D108BD9-81ED-4DB2-BD59-A6C34878D82A}">
-                    <a16:rowId xmlns:a16="http://schemas.microsoft.com/office/drawing/2014/main" xmlns="" val="10002"/>
+                    <a16:rowId xmlns="" xmlns:a16="http://schemas.microsoft.com/office/drawing/2014/main" val="10002"/>
                   </a:ext>
                 </a:extLst>
               </a:tr>
@@ -4422,7 +4411,7 @@
                 <a:gridCol w="1512168">
                   <a:extLst>
                     <a:ext uri="{9D8B030D-6E8A-4147-A177-3AD203B41FA5}">
-                      <a16:colId xmlns:a16="http://schemas.microsoft.com/office/drawing/2014/main" xmlns="" val="20000"/>
+                      <a16:colId xmlns="" xmlns:a16="http://schemas.microsoft.com/office/drawing/2014/main" val="20000"/>
                     </a:ext>
                   </a:extLst>
                 </a:gridCol>
@@ -4444,7 +4433,7 @@
                 </a:tc>
                 <a:extLst>
                   <a:ext uri="{0D108BD9-81ED-4DB2-BD59-A6C34878D82A}">
-                    <a16:rowId xmlns:a16="http://schemas.microsoft.com/office/drawing/2014/main" xmlns="" val="10000"/>
+                    <a16:rowId xmlns="" xmlns:a16="http://schemas.microsoft.com/office/drawing/2014/main" val="10000"/>
                   </a:ext>
                 </a:extLst>
               </a:tr>
@@ -4465,7 +4454,7 @@
                 </a:tc>
                 <a:extLst>
                   <a:ext uri="{0D108BD9-81ED-4DB2-BD59-A6C34878D82A}">
-                    <a16:rowId xmlns:a16="http://schemas.microsoft.com/office/drawing/2014/main" xmlns="" val="10001"/>
+                    <a16:rowId xmlns="" xmlns:a16="http://schemas.microsoft.com/office/drawing/2014/main" val="10001"/>
                   </a:ext>
                 </a:extLst>
               </a:tr>
@@ -4502,7 +4491,6 @@
                         <a:rPr lang="es-ES" sz="800" dirty="0" smtClean="0"/>
                         <a:t>TIPO_EVENTO_CONTRATACION</a:t>
                       </a:r>
-                      <a:endParaRPr lang="es-ES" sz="800" dirty="0" smtClean="0"/>
                     </a:p>
                     <a:p>
                       <a:pPr marL="0" marR="0" indent="0" algn="l" defTabSz="914400" rtl="0" eaLnBrk="1" fontAlgn="auto" latinLnBrk="0" hangingPunct="1">
@@ -4596,7 +4584,7 @@
                 </a:tc>
                 <a:extLst>
                   <a:ext uri="{0D108BD9-81ED-4DB2-BD59-A6C34878D82A}">
-                    <a16:rowId xmlns:a16="http://schemas.microsoft.com/office/drawing/2014/main" xmlns="" val="10002"/>
+                    <a16:rowId xmlns="" xmlns:a16="http://schemas.microsoft.com/office/drawing/2014/main" val="10002"/>
                   </a:ext>
                 </a:extLst>
               </a:tr>
@@ -4632,7 +4620,7 @@
                 <a:gridCol w="1463824">
                   <a:extLst>
                     <a:ext uri="{9D8B030D-6E8A-4147-A177-3AD203B41FA5}">
-                      <a16:colId xmlns:a16="http://schemas.microsoft.com/office/drawing/2014/main" xmlns="" val="20000"/>
+                      <a16:colId xmlns="" xmlns:a16="http://schemas.microsoft.com/office/drawing/2014/main" val="20000"/>
                     </a:ext>
                   </a:extLst>
                 </a:gridCol>
@@ -4654,7 +4642,7 @@
                 </a:tc>
                 <a:extLst>
                   <a:ext uri="{0D108BD9-81ED-4DB2-BD59-A6C34878D82A}">
-                    <a16:rowId xmlns:a16="http://schemas.microsoft.com/office/drawing/2014/main" xmlns="" val="10000"/>
+                    <a16:rowId xmlns="" xmlns:a16="http://schemas.microsoft.com/office/drawing/2014/main" val="10000"/>
                   </a:ext>
                 </a:extLst>
               </a:tr>
@@ -4681,7 +4669,7 @@
                 </a:tc>
                 <a:extLst>
                   <a:ext uri="{0D108BD9-81ED-4DB2-BD59-A6C34878D82A}">
-                    <a16:rowId xmlns:a16="http://schemas.microsoft.com/office/drawing/2014/main" xmlns="" val="10001"/>
+                    <a16:rowId xmlns="" xmlns:a16="http://schemas.microsoft.com/office/drawing/2014/main" val="10001"/>
                   </a:ext>
                 </a:extLst>
               </a:tr>
@@ -4702,7 +4690,7 @@
                 </a:tc>
                 <a:extLst>
                   <a:ext uri="{0D108BD9-81ED-4DB2-BD59-A6C34878D82A}">
-                    <a16:rowId xmlns:a16="http://schemas.microsoft.com/office/drawing/2014/main" xmlns="" val="10002"/>
+                    <a16:rowId xmlns="" xmlns:a16="http://schemas.microsoft.com/office/drawing/2014/main" val="10002"/>
                   </a:ext>
                 </a:extLst>
               </a:tr>
@@ -5045,7 +5033,7 @@
                 <a:gridCol w="1080120">
                   <a:extLst>
                     <a:ext uri="{9D8B030D-6E8A-4147-A177-3AD203B41FA5}">
-                      <a16:colId xmlns:a16="http://schemas.microsoft.com/office/drawing/2014/main" xmlns="" val="20000"/>
+                      <a16:colId xmlns="" xmlns:a16="http://schemas.microsoft.com/office/drawing/2014/main" val="20000"/>
                     </a:ext>
                   </a:extLst>
                 </a:gridCol>
@@ -5067,7 +5055,7 @@
                 </a:tc>
                 <a:extLst>
                   <a:ext uri="{0D108BD9-81ED-4DB2-BD59-A6C34878D82A}">
-                    <a16:rowId xmlns:a16="http://schemas.microsoft.com/office/drawing/2014/main" xmlns="" val="10000"/>
+                    <a16:rowId xmlns="" xmlns:a16="http://schemas.microsoft.com/office/drawing/2014/main" val="10000"/>
                   </a:ext>
                 </a:extLst>
               </a:tr>
@@ -5094,7 +5082,7 @@
                 </a:tc>
                 <a:extLst>
                   <a:ext uri="{0D108BD9-81ED-4DB2-BD59-A6C34878D82A}">
-                    <a16:rowId xmlns:a16="http://schemas.microsoft.com/office/drawing/2014/main" xmlns="" val="10001"/>
+                    <a16:rowId xmlns="" xmlns:a16="http://schemas.microsoft.com/office/drawing/2014/main" val="10001"/>
                   </a:ext>
                 </a:extLst>
               </a:tr>
@@ -5127,7 +5115,7 @@
                 </a:tc>
                 <a:extLst>
                   <a:ext uri="{0D108BD9-81ED-4DB2-BD59-A6C34878D82A}">
-                    <a16:rowId xmlns:a16="http://schemas.microsoft.com/office/drawing/2014/main" xmlns="" val="10002"/>
+                    <a16:rowId xmlns="" xmlns:a16="http://schemas.microsoft.com/office/drawing/2014/main" val="10002"/>
                   </a:ext>
                 </a:extLst>
               </a:tr>
@@ -5203,7 +5191,7 @@
                 <a:gridCol w="1368152">
                   <a:extLst>
                     <a:ext uri="{9D8B030D-6E8A-4147-A177-3AD203B41FA5}">
-                      <a16:colId xmlns:a16="http://schemas.microsoft.com/office/drawing/2014/main" xmlns="" val="20000"/>
+                      <a16:colId xmlns="" xmlns:a16="http://schemas.microsoft.com/office/drawing/2014/main" val="20000"/>
                     </a:ext>
                   </a:extLst>
                 </a:gridCol>
@@ -5225,7 +5213,7 @@
                 </a:tc>
                 <a:extLst>
                   <a:ext uri="{0D108BD9-81ED-4DB2-BD59-A6C34878D82A}">
-                    <a16:rowId xmlns:a16="http://schemas.microsoft.com/office/drawing/2014/main" xmlns="" val="10000"/>
+                    <a16:rowId xmlns="" xmlns:a16="http://schemas.microsoft.com/office/drawing/2014/main" val="10000"/>
                   </a:ext>
                 </a:extLst>
               </a:tr>
@@ -5294,7 +5282,7 @@
                 </a:tc>
                 <a:extLst>
                   <a:ext uri="{0D108BD9-81ED-4DB2-BD59-A6C34878D82A}">
-                    <a16:rowId xmlns:a16="http://schemas.microsoft.com/office/drawing/2014/main" xmlns="" val="10001"/>
+                    <a16:rowId xmlns="" xmlns:a16="http://schemas.microsoft.com/office/drawing/2014/main" val="10001"/>
                   </a:ext>
                 </a:extLst>
               </a:tr>
@@ -5327,7 +5315,7 @@
                 </a:tc>
                 <a:extLst>
                   <a:ext uri="{0D108BD9-81ED-4DB2-BD59-A6C34878D82A}">
-                    <a16:rowId xmlns:a16="http://schemas.microsoft.com/office/drawing/2014/main" xmlns="" val="10002"/>
+                    <a16:rowId xmlns="" xmlns:a16="http://schemas.microsoft.com/office/drawing/2014/main" val="10002"/>
                   </a:ext>
                 </a:extLst>
               </a:tr>
@@ -5380,7 +5368,7 @@
           <p:cNvPr id="20" name="CuadroTexto 19">
             <a:extLst>
               <a:ext uri="{FF2B5EF4-FFF2-40B4-BE49-F238E27FC236}">
-                <a16:creationId xmlns:a16="http://schemas.microsoft.com/office/drawing/2014/main" xmlns="" id="{58ABF96F-D80D-4391-85D2-883FE28F91A0}"/>
+                <a16:creationId xmlns="" xmlns:a16="http://schemas.microsoft.com/office/drawing/2014/main" id="{58ABF96F-D80D-4391-85D2-883FE28F91A0}"/>
               </a:ext>
             </a:extLst>
           </p:cNvPr>
@@ -5415,7 +5403,7 @@
           <p:cNvPr id="39" name="CuadroTexto 38">
             <a:extLst>
               <a:ext uri="{FF2B5EF4-FFF2-40B4-BE49-F238E27FC236}">
-                <a16:creationId xmlns:a16="http://schemas.microsoft.com/office/drawing/2014/main" xmlns="" id="{6B08FE2C-B795-482D-8B2D-91CAB6048C42}"/>
+                <a16:creationId xmlns="" xmlns:a16="http://schemas.microsoft.com/office/drawing/2014/main" id="{6B08FE2C-B795-482D-8B2D-91CAB6048C42}"/>
               </a:ext>
             </a:extLst>
           </p:cNvPr>
@@ -5450,7 +5438,7 @@
           <p:cNvPr id="42" name="CuadroTexto 41">
             <a:extLst>
               <a:ext uri="{FF2B5EF4-FFF2-40B4-BE49-F238E27FC236}">
-                <a16:creationId xmlns:a16="http://schemas.microsoft.com/office/drawing/2014/main" xmlns="" id="{D4BD3DB6-0773-492F-8371-E4DBF04AB502}"/>
+                <a16:creationId xmlns="" xmlns:a16="http://schemas.microsoft.com/office/drawing/2014/main" id="{D4BD3DB6-0773-492F-8371-E4DBF04AB502}"/>
               </a:ext>
             </a:extLst>
           </p:cNvPr>
@@ -5486,7 +5474,7 @@
           <p:cNvPr id="43" name="CuadroTexto 42">
             <a:extLst>
               <a:ext uri="{FF2B5EF4-FFF2-40B4-BE49-F238E27FC236}">
-                <a16:creationId xmlns:a16="http://schemas.microsoft.com/office/drawing/2014/main" xmlns="" id="{319322CE-E44B-4D1D-8E0E-B3B87AE651CB}"/>
+                <a16:creationId xmlns="" xmlns:a16="http://schemas.microsoft.com/office/drawing/2014/main" id="{319322CE-E44B-4D1D-8E0E-B3B87AE651CB}"/>
               </a:ext>
             </a:extLst>
           </p:cNvPr>
@@ -5521,7 +5509,7 @@
           <p:cNvPr id="45" name="CuadroTexto 44">
             <a:extLst>
               <a:ext uri="{FF2B5EF4-FFF2-40B4-BE49-F238E27FC236}">
-                <a16:creationId xmlns:a16="http://schemas.microsoft.com/office/drawing/2014/main" xmlns="" id="{58DDF0F6-557A-42E3-87C5-C25B3173C4ED}"/>
+                <a16:creationId xmlns="" xmlns:a16="http://schemas.microsoft.com/office/drawing/2014/main" id="{58DDF0F6-557A-42E3-87C5-C25B3173C4ED}"/>
               </a:ext>
             </a:extLst>
           </p:cNvPr>
@@ -5556,7 +5544,7 @@
           <p:cNvPr id="46" name="CuadroTexto 45">
             <a:extLst>
               <a:ext uri="{FF2B5EF4-FFF2-40B4-BE49-F238E27FC236}">
-                <a16:creationId xmlns:a16="http://schemas.microsoft.com/office/drawing/2014/main" xmlns="" id="{55F53D7F-2119-4913-AA53-D870B574148E}"/>
+                <a16:creationId xmlns="" xmlns:a16="http://schemas.microsoft.com/office/drawing/2014/main" id="{55F53D7F-2119-4913-AA53-D870B574148E}"/>
               </a:ext>
             </a:extLst>
           </p:cNvPr>
@@ -5591,7 +5579,7 @@
           <p:cNvPr id="52" name="CuadroTexto 51">
             <a:extLst>
               <a:ext uri="{FF2B5EF4-FFF2-40B4-BE49-F238E27FC236}">
-                <a16:creationId xmlns:a16="http://schemas.microsoft.com/office/drawing/2014/main" xmlns="" id="{B6D70908-F77F-48B9-9026-68A9D9B4D50E}"/>
+                <a16:creationId xmlns="" xmlns:a16="http://schemas.microsoft.com/office/drawing/2014/main" id="{B6D70908-F77F-48B9-9026-68A9D9B4D50E}"/>
               </a:ext>
             </a:extLst>
           </p:cNvPr>
@@ -5626,7 +5614,7 @@
           <p:cNvPr id="53" name="CuadroTexto 52">
             <a:extLst>
               <a:ext uri="{FF2B5EF4-FFF2-40B4-BE49-F238E27FC236}">
-                <a16:creationId xmlns:a16="http://schemas.microsoft.com/office/drawing/2014/main" xmlns="" id="{753AD79F-CA2B-4809-8F9C-D46F075A8F66}"/>
+                <a16:creationId xmlns="" xmlns:a16="http://schemas.microsoft.com/office/drawing/2014/main" id="{753AD79F-CA2B-4809-8F9C-D46F075A8F66}"/>
               </a:ext>
             </a:extLst>
           </p:cNvPr>
@@ -5661,7 +5649,7 @@
           <p:cNvPr id="57" name="CuadroTexto 56">
             <a:extLst>
               <a:ext uri="{FF2B5EF4-FFF2-40B4-BE49-F238E27FC236}">
-                <a16:creationId xmlns:a16="http://schemas.microsoft.com/office/drawing/2014/main" xmlns="" id="{D5180711-4B86-4B2F-956C-8DDD8710CE54}"/>
+                <a16:creationId xmlns="" xmlns:a16="http://schemas.microsoft.com/office/drawing/2014/main" id="{D5180711-4B86-4B2F-956C-8DDD8710CE54}"/>
               </a:ext>
             </a:extLst>
           </p:cNvPr>
@@ -5696,7 +5684,7 @@
           <p:cNvPr id="58" name="CuadroTexto 57">
             <a:extLst>
               <a:ext uri="{FF2B5EF4-FFF2-40B4-BE49-F238E27FC236}">
-                <a16:creationId xmlns:a16="http://schemas.microsoft.com/office/drawing/2014/main" xmlns="" id="{D7B2DB04-F793-460A-B7CB-1510DCB68D1D}"/>
+                <a16:creationId xmlns="" xmlns:a16="http://schemas.microsoft.com/office/drawing/2014/main" id="{D7B2DB04-F793-460A-B7CB-1510DCB68D1D}"/>
               </a:ext>
             </a:extLst>
           </p:cNvPr>
@@ -5731,7 +5719,7 @@
           <p:cNvPr id="66" name="18 Tabla">
             <a:extLst>
               <a:ext uri="{FF2B5EF4-FFF2-40B4-BE49-F238E27FC236}">
-                <a16:creationId xmlns:a16="http://schemas.microsoft.com/office/drawing/2014/main" xmlns="" id="{05566C85-30C2-4CE1-8CE7-EDB88250823F}"/>
+                <a16:creationId xmlns="" xmlns:a16="http://schemas.microsoft.com/office/drawing/2014/main" id="{05566C85-30C2-4CE1-8CE7-EDB88250823F}"/>
               </a:ext>
             </a:extLst>
           </p:cNvPr>
@@ -5760,7 +5748,7 @@
                 <a:gridCol w="1920581">
                   <a:extLst>
                     <a:ext uri="{9D8B030D-6E8A-4147-A177-3AD203B41FA5}">
-                      <a16:colId xmlns:a16="http://schemas.microsoft.com/office/drawing/2014/main" xmlns="" val="20000"/>
+                      <a16:colId xmlns="" xmlns:a16="http://schemas.microsoft.com/office/drawing/2014/main" val="20000"/>
                     </a:ext>
                   </a:extLst>
                 </a:gridCol>
@@ -5782,7 +5770,7 @@
                 </a:tc>
                 <a:extLst>
                   <a:ext uri="{0D108BD9-81ED-4DB2-BD59-A6C34878D82A}">
-                    <a16:rowId xmlns:a16="http://schemas.microsoft.com/office/drawing/2014/main" xmlns="" val="10000"/>
+                    <a16:rowId xmlns="" xmlns:a16="http://schemas.microsoft.com/office/drawing/2014/main" val="10000"/>
                   </a:ext>
                 </a:extLst>
               </a:tr>
@@ -5815,7 +5803,7 @@
                 </a:tc>
                 <a:extLst>
                   <a:ext uri="{0D108BD9-81ED-4DB2-BD59-A6C34878D82A}">
-                    <a16:rowId xmlns:a16="http://schemas.microsoft.com/office/drawing/2014/main" xmlns="" val="10001"/>
+                    <a16:rowId xmlns="" xmlns:a16="http://schemas.microsoft.com/office/drawing/2014/main" val="10001"/>
                   </a:ext>
                 </a:extLst>
               </a:tr>
@@ -5836,7 +5824,7 @@
                 </a:tc>
                 <a:extLst>
                   <a:ext uri="{0D108BD9-81ED-4DB2-BD59-A6C34878D82A}">
-                    <a16:rowId xmlns:a16="http://schemas.microsoft.com/office/drawing/2014/main" xmlns="" val="10002"/>
+                    <a16:rowId xmlns="" xmlns:a16="http://schemas.microsoft.com/office/drawing/2014/main" val="10002"/>
                   </a:ext>
                 </a:extLst>
               </a:tr>
@@ -5849,7 +5837,7 @@
           <p:cNvPr id="67" name="23 Conector angular">
             <a:extLst>
               <a:ext uri="{FF2B5EF4-FFF2-40B4-BE49-F238E27FC236}">
-                <a16:creationId xmlns:a16="http://schemas.microsoft.com/office/drawing/2014/main" xmlns="" id="{651FD637-AEF2-4614-B81D-AA28E6099CB3}"/>
+                <a16:creationId xmlns="" xmlns:a16="http://schemas.microsoft.com/office/drawing/2014/main" id="{651FD637-AEF2-4614-B81D-AA28E6099CB3}"/>
               </a:ext>
             </a:extLst>
           </p:cNvPr>
@@ -5892,7 +5880,7 @@
           <p:cNvPr id="68" name="CuadroTexto 67">
             <a:extLst>
               <a:ext uri="{FF2B5EF4-FFF2-40B4-BE49-F238E27FC236}">
-                <a16:creationId xmlns:a16="http://schemas.microsoft.com/office/drawing/2014/main" xmlns="" id="{A558D5E9-768D-44B0-A51D-DF01F25E9C04}"/>
+                <a16:creationId xmlns="" xmlns:a16="http://schemas.microsoft.com/office/drawing/2014/main" id="{A558D5E9-768D-44B0-A51D-DF01F25E9C04}"/>
               </a:ext>
             </a:extLst>
           </p:cNvPr>
@@ -5950,7 +5938,7 @@
                 <a:gridCol w="756085">
                   <a:extLst>
                     <a:ext uri="{9D8B030D-6E8A-4147-A177-3AD203B41FA5}">
-                      <a16:colId xmlns:a16="http://schemas.microsoft.com/office/drawing/2014/main" xmlns="" val="20000"/>
+                      <a16:colId xmlns="" xmlns:a16="http://schemas.microsoft.com/office/drawing/2014/main" val="20000"/>
                     </a:ext>
                   </a:extLst>
                 </a:gridCol>
@@ -5972,7 +5960,7 @@
                 </a:tc>
                 <a:extLst>
                   <a:ext uri="{0D108BD9-81ED-4DB2-BD59-A6C34878D82A}">
-                    <a16:rowId xmlns:a16="http://schemas.microsoft.com/office/drawing/2014/main" xmlns="" val="10000"/>
+                    <a16:rowId xmlns="" xmlns:a16="http://schemas.microsoft.com/office/drawing/2014/main" val="10000"/>
                   </a:ext>
                 </a:extLst>
               </a:tr>
@@ -5993,7 +5981,7 @@
                 </a:tc>
                 <a:extLst>
                   <a:ext uri="{0D108BD9-81ED-4DB2-BD59-A6C34878D82A}">
-                    <a16:rowId xmlns:a16="http://schemas.microsoft.com/office/drawing/2014/main" xmlns="" val="10001"/>
+                    <a16:rowId xmlns="" xmlns:a16="http://schemas.microsoft.com/office/drawing/2014/main" val="10001"/>
                   </a:ext>
                 </a:extLst>
               </a:tr>
@@ -6020,7 +6008,7 @@
                 </a:tc>
                 <a:extLst>
                   <a:ext uri="{0D108BD9-81ED-4DB2-BD59-A6C34878D82A}">
-                    <a16:rowId xmlns:a16="http://schemas.microsoft.com/office/drawing/2014/main" xmlns="" val="10002"/>
+                    <a16:rowId xmlns="" xmlns:a16="http://schemas.microsoft.com/office/drawing/2014/main" val="10002"/>
                   </a:ext>
                 </a:extLst>
               </a:tr>
@@ -6072,7 +6060,7 @@
           <p:cNvPr id="70" name="CuadroTexto 38">
             <a:extLst>
               <a:ext uri="{FF2B5EF4-FFF2-40B4-BE49-F238E27FC236}">
-                <a16:creationId xmlns:a16="http://schemas.microsoft.com/office/drawing/2014/main" xmlns="" id="{6B08FE2C-B795-482D-8B2D-91CAB6048C42}"/>
+                <a16:creationId xmlns="" xmlns:a16="http://schemas.microsoft.com/office/drawing/2014/main" id="{6B08FE2C-B795-482D-8B2D-91CAB6048C42}"/>
               </a:ext>
             </a:extLst>
           </p:cNvPr>
@@ -6160,7 +6148,7 @@
                 <a:gridCol w="1296144">
                   <a:extLst>
                     <a:ext uri="{9D8B030D-6E8A-4147-A177-3AD203B41FA5}">
-                      <a16:colId xmlns:a16="http://schemas.microsoft.com/office/drawing/2014/main" xmlns="" val="20000"/>
+                      <a16:colId xmlns="" xmlns:a16="http://schemas.microsoft.com/office/drawing/2014/main" val="20000"/>
                     </a:ext>
                   </a:extLst>
                 </a:gridCol>
@@ -6182,7 +6170,7 @@
                 </a:tc>
                 <a:extLst>
                   <a:ext uri="{0D108BD9-81ED-4DB2-BD59-A6C34878D82A}">
-                    <a16:rowId xmlns:a16="http://schemas.microsoft.com/office/drawing/2014/main" xmlns="" val="10000"/>
+                    <a16:rowId xmlns="" xmlns:a16="http://schemas.microsoft.com/office/drawing/2014/main" val="10000"/>
                   </a:ext>
                 </a:extLst>
               </a:tr>
@@ -6245,7 +6233,7 @@
                 </a:tc>
                 <a:extLst>
                   <a:ext uri="{0D108BD9-81ED-4DB2-BD59-A6C34878D82A}">
-                    <a16:rowId xmlns:a16="http://schemas.microsoft.com/office/drawing/2014/main" xmlns="" val="10001"/>
+                    <a16:rowId xmlns="" xmlns:a16="http://schemas.microsoft.com/office/drawing/2014/main" val="10001"/>
                   </a:ext>
                 </a:extLst>
               </a:tr>
@@ -6282,7 +6270,7 @@
                 </a:tc>
                 <a:extLst>
                   <a:ext uri="{0D108BD9-81ED-4DB2-BD59-A6C34878D82A}">
-                    <a16:rowId xmlns:a16="http://schemas.microsoft.com/office/drawing/2014/main" xmlns="" val="10002"/>
+                    <a16:rowId xmlns="" xmlns:a16="http://schemas.microsoft.com/office/drawing/2014/main" val="10002"/>
                   </a:ext>
                 </a:extLst>
               </a:tr>
@@ -6334,7 +6322,7 @@
           <p:cNvPr id="61" name="CuadroTexto 67">
             <a:extLst>
               <a:ext uri="{FF2B5EF4-FFF2-40B4-BE49-F238E27FC236}">
-                <a16:creationId xmlns:a16="http://schemas.microsoft.com/office/drawing/2014/main" xmlns="" id="{A558D5E9-768D-44B0-A51D-DF01F25E9C04}"/>
+                <a16:creationId xmlns="" xmlns:a16="http://schemas.microsoft.com/office/drawing/2014/main" id="{A558D5E9-768D-44B0-A51D-DF01F25E9C04}"/>
               </a:ext>
             </a:extLst>
           </p:cNvPr>
@@ -6369,7 +6357,7 @@
           <p:cNvPr id="62" name="CuadroTexto 67">
             <a:extLst>
               <a:ext uri="{FF2B5EF4-FFF2-40B4-BE49-F238E27FC236}">
-                <a16:creationId xmlns:a16="http://schemas.microsoft.com/office/drawing/2014/main" xmlns="" id="{A558D5E9-768D-44B0-A51D-DF01F25E9C04}"/>
+                <a16:creationId xmlns="" xmlns:a16="http://schemas.microsoft.com/office/drawing/2014/main" id="{A558D5E9-768D-44B0-A51D-DF01F25E9C04}"/>
               </a:ext>
             </a:extLst>
           </p:cNvPr>
@@ -6427,7 +6415,7 @@
                 <a:gridCol w="756085">
                   <a:extLst>
                     <a:ext uri="{9D8B030D-6E8A-4147-A177-3AD203B41FA5}">
-                      <a16:colId xmlns:a16="http://schemas.microsoft.com/office/drawing/2014/main" xmlns="" val="20000"/>
+                      <a16:colId xmlns="" xmlns:a16="http://schemas.microsoft.com/office/drawing/2014/main" val="20000"/>
                     </a:ext>
                   </a:extLst>
                 </a:gridCol>
@@ -6449,7 +6437,7 @@
                 </a:tc>
                 <a:extLst>
                   <a:ext uri="{0D108BD9-81ED-4DB2-BD59-A6C34878D82A}">
-                    <a16:rowId xmlns:a16="http://schemas.microsoft.com/office/drawing/2014/main" xmlns="" val="10000"/>
+                    <a16:rowId xmlns="" xmlns:a16="http://schemas.microsoft.com/office/drawing/2014/main" val="10000"/>
                   </a:ext>
                 </a:extLst>
               </a:tr>
@@ -6470,7 +6458,7 @@
                 </a:tc>
                 <a:extLst>
                   <a:ext uri="{0D108BD9-81ED-4DB2-BD59-A6C34878D82A}">
-                    <a16:rowId xmlns:a16="http://schemas.microsoft.com/office/drawing/2014/main" xmlns="" val="10001"/>
+                    <a16:rowId xmlns="" xmlns:a16="http://schemas.microsoft.com/office/drawing/2014/main" val="10001"/>
                   </a:ext>
                 </a:extLst>
               </a:tr>
@@ -6484,7 +6472,6 @@
                         <a:rPr lang="es-ES" sz="800" dirty="0" smtClean="0"/>
                         <a:t>TIPO_ATRIBUTO</a:t>
                       </a:r>
-                      <a:endParaRPr lang="es-ES" sz="800" dirty="0" smtClean="0"/>
                     </a:p>
                     <a:p>
                       <a:r>
@@ -6498,7 +6485,7 @@
                 </a:tc>
                 <a:extLst>
                   <a:ext uri="{0D108BD9-81ED-4DB2-BD59-A6C34878D82A}">
-                    <a16:rowId xmlns:a16="http://schemas.microsoft.com/office/drawing/2014/main" xmlns="" val="10002"/>
+                    <a16:rowId xmlns="" xmlns:a16="http://schemas.microsoft.com/office/drawing/2014/main" val="10002"/>
                   </a:ext>
                 </a:extLst>
               </a:tr>
@@ -6550,7 +6537,7 @@
           <p:cNvPr id="63" name="CuadroTexto 38">
             <a:extLst>
               <a:ext uri="{FF2B5EF4-FFF2-40B4-BE49-F238E27FC236}">
-                <a16:creationId xmlns:a16="http://schemas.microsoft.com/office/drawing/2014/main" xmlns="" id="{6B08FE2C-B795-482D-8B2D-91CAB6048C42}"/>
+                <a16:creationId xmlns="" xmlns:a16="http://schemas.microsoft.com/office/drawing/2014/main" id="{6B08FE2C-B795-482D-8B2D-91CAB6048C42}"/>
               </a:ext>
             </a:extLst>
           </p:cNvPr>
@@ -6608,7 +6595,7 @@
                 <a:gridCol w="1317165">
                   <a:extLst>
                     <a:ext uri="{9D8B030D-6E8A-4147-A177-3AD203B41FA5}">
-                      <a16:colId xmlns:a16="http://schemas.microsoft.com/office/drawing/2014/main" xmlns="" val="20000"/>
+                      <a16:colId xmlns="" xmlns:a16="http://schemas.microsoft.com/office/drawing/2014/main" val="20000"/>
                     </a:ext>
                   </a:extLst>
                 </a:gridCol>
@@ -6638,7 +6625,7 @@
                 </a:tc>
                 <a:extLst>
                   <a:ext uri="{0D108BD9-81ED-4DB2-BD59-A6C34878D82A}">
-                    <a16:rowId xmlns:a16="http://schemas.microsoft.com/office/drawing/2014/main" xmlns="" val="10000"/>
+                    <a16:rowId xmlns="" xmlns:a16="http://schemas.microsoft.com/office/drawing/2014/main" val="10000"/>
                   </a:ext>
                 </a:extLst>
               </a:tr>
@@ -6659,7 +6646,7 @@
                 </a:tc>
                 <a:extLst>
                   <a:ext uri="{0D108BD9-81ED-4DB2-BD59-A6C34878D82A}">
-                    <a16:rowId xmlns:a16="http://schemas.microsoft.com/office/drawing/2014/main" xmlns="" val="10001"/>
+                    <a16:rowId xmlns="" xmlns:a16="http://schemas.microsoft.com/office/drawing/2014/main" val="10001"/>
                   </a:ext>
                 </a:extLst>
               </a:tr>
@@ -6692,7 +6679,7 @@
                 </a:tc>
                 <a:extLst>
                   <a:ext uri="{0D108BD9-81ED-4DB2-BD59-A6C34878D82A}">
-                    <a16:rowId xmlns:a16="http://schemas.microsoft.com/office/drawing/2014/main" xmlns="" val="10002"/>
+                    <a16:rowId xmlns="" xmlns:a16="http://schemas.microsoft.com/office/drawing/2014/main" val="10002"/>
                   </a:ext>
                 </a:extLst>
               </a:tr>
@@ -6743,7 +6730,7 @@
           <p:cNvPr id="72" name="CuadroTexto 67">
             <a:extLst>
               <a:ext uri="{FF2B5EF4-FFF2-40B4-BE49-F238E27FC236}">
-                <a16:creationId xmlns:a16="http://schemas.microsoft.com/office/drawing/2014/main" xmlns="" id="{A558D5E9-768D-44B0-A51D-DF01F25E9C04}"/>
+                <a16:creationId xmlns="" xmlns:a16="http://schemas.microsoft.com/office/drawing/2014/main" id="{A558D5E9-768D-44B0-A51D-DF01F25E9C04}"/>
               </a:ext>
             </a:extLst>
           </p:cNvPr>
@@ -6801,7 +6788,7 @@
                 <a:gridCol w="1688172">
                   <a:extLst>
                     <a:ext uri="{9D8B030D-6E8A-4147-A177-3AD203B41FA5}">
-                      <a16:colId xmlns:a16="http://schemas.microsoft.com/office/drawing/2014/main" xmlns="" val="20000"/>
+                      <a16:colId xmlns="" xmlns:a16="http://schemas.microsoft.com/office/drawing/2014/main" val="20000"/>
                     </a:ext>
                   </a:extLst>
                 </a:gridCol>
@@ -6823,7 +6810,7 @@
                 </a:tc>
                 <a:extLst>
                   <a:ext uri="{0D108BD9-81ED-4DB2-BD59-A6C34878D82A}">
-                    <a16:rowId xmlns:a16="http://schemas.microsoft.com/office/drawing/2014/main" xmlns="" val="10000"/>
+                    <a16:rowId xmlns="" xmlns:a16="http://schemas.microsoft.com/office/drawing/2014/main" val="10000"/>
                   </a:ext>
                 </a:extLst>
               </a:tr>
@@ -6844,7 +6831,7 @@
                 </a:tc>
                 <a:extLst>
                   <a:ext uri="{0D108BD9-81ED-4DB2-BD59-A6C34878D82A}">
-                    <a16:rowId xmlns:a16="http://schemas.microsoft.com/office/drawing/2014/main" xmlns="" val="10001"/>
+                    <a16:rowId xmlns="" xmlns:a16="http://schemas.microsoft.com/office/drawing/2014/main" val="10001"/>
                   </a:ext>
                 </a:extLst>
               </a:tr>
@@ -6858,7 +6845,6 @@
                         <a:rPr lang="es-ES" sz="800" dirty="0" smtClean="0"/>
                         <a:t>NUM_FACTURA</a:t>
                       </a:r>
-                      <a:endParaRPr lang="es-ES" sz="800" dirty="0" smtClean="0"/>
                     </a:p>
                     <a:p>
                       <a:pPr marL="0" marR="0" indent="0" algn="l" defTabSz="914400" rtl="0" eaLnBrk="1" fontAlgn="auto" latinLnBrk="0" hangingPunct="1">
@@ -6974,7 +6960,7 @@
                 </a:tc>
                 <a:extLst>
                   <a:ext uri="{0D108BD9-81ED-4DB2-BD59-A6C34878D82A}">
-                    <a16:rowId xmlns:a16="http://schemas.microsoft.com/office/drawing/2014/main" xmlns="" val="10002"/>
+                    <a16:rowId xmlns="" xmlns:a16="http://schemas.microsoft.com/office/drawing/2014/main" val="10002"/>
                   </a:ext>
                 </a:extLst>
               </a:tr>
@@ -7027,7 +7013,7 @@
           <p:cNvPr id="75" name="CuadroTexto 67">
             <a:extLst>
               <a:ext uri="{FF2B5EF4-FFF2-40B4-BE49-F238E27FC236}">
-                <a16:creationId xmlns:a16="http://schemas.microsoft.com/office/drawing/2014/main" xmlns="" id="{A558D5E9-768D-44B0-A51D-DF01F25E9C04}"/>
+                <a16:creationId xmlns="" xmlns:a16="http://schemas.microsoft.com/office/drawing/2014/main" id="{A558D5E9-768D-44B0-A51D-DF01F25E9C04}"/>
               </a:ext>
             </a:extLst>
           </p:cNvPr>
@@ -7085,7 +7071,7 @@
                 <a:gridCol w="1512168">
                   <a:extLst>
                     <a:ext uri="{9D8B030D-6E8A-4147-A177-3AD203B41FA5}">
-                      <a16:colId xmlns:a16="http://schemas.microsoft.com/office/drawing/2014/main" xmlns="" val="20000"/>
+                      <a16:colId xmlns="" xmlns:a16="http://schemas.microsoft.com/office/drawing/2014/main" val="20000"/>
                     </a:ext>
                   </a:extLst>
                 </a:gridCol>
@@ -7107,7 +7093,7 @@
                 </a:tc>
                 <a:extLst>
                   <a:ext uri="{0D108BD9-81ED-4DB2-BD59-A6C34878D82A}">
-                    <a16:rowId xmlns:a16="http://schemas.microsoft.com/office/drawing/2014/main" xmlns="" val="10000"/>
+                    <a16:rowId xmlns="" xmlns:a16="http://schemas.microsoft.com/office/drawing/2014/main" val="10000"/>
                   </a:ext>
                 </a:extLst>
               </a:tr>
@@ -7128,7 +7114,7 @@
                 </a:tc>
                 <a:extLst>
                   <a:ext uri="{0D108BD9-81ED-4DB2-BD59-A6C34878D82A}">
-                    <a16:rowId xmlns:a16="http://schemas.microsoft.com/office/drawing/2014/main" xmlns="" val="10001"/>
+                    <a16:rowId xmlns="" xmlns:a16="http://schemas.microsoft.com/office/drawing/2014/main" val="10001"/>
                   </a:ext>
                 </a:extLst>
               </a:tr>
@@ -7142,7 +7128,6 @@
                         <a:rPr lang="es-ES" sz="800" dirty="0" smtClean="0"/>
                         <a:t>SP</a:t>
                       </a:r>
-                      <a:endParaRPr lang="es-ES" sz="800" dirty="0" smtClean="0"/>
                     </a:p>
                     <a:p>
                       <a:pPr marL="0" marR="0" indent="0" algn="l" defTabSz="914400" rtl="0" eaLnBrk="1" fontAlgn="auto" latinLnBrk="0" hangingPunct="1">
@@ -7166,7 +7151,6 @@
                         <a:rPr lang="es-ES" sz="800" dirty="0" smtClean="0"/>
                         <a:t>TIPO_EVENTO_PLANIFICACION</a:t>
                       </a:r>
-                      <a:endParaRPr lang="es-ES" sz="800" dirty="0" smtClean="0"/>
                     </a:p>
                     <a:p>
                       <a:pPr marL="0" marR="0" indent="0" algn="l" defTabSz="914400" rtl="0" eaLnBrk="1" fontAlgn="auto" latinLnBrk="0" hangingPunct="1">
@@ -7260,7 +7244,7 @@
                 </a:tc>
                 <a:extLst>
                   <a:ext uri="{0D108BD9-81ED-4DB2-BD59-A6C34878D82A}">
-                    <a16:rowId xmlns:a16="http://schemas.microsoft.com/office/drawing/2014/main" xmlns="" val="10002"/>
+                    <a16:rowId xmlns="" xmlns:a16="http://schemas.microsoft.com/office/drawing/2014/main" val="10002"/>
                   </a:ext>
                 </a:extLst>
               </a:tr>
@@ -7310,7 +7294,7 @@
           <p:cNvPr id="78" name="CuadroTexto 38">
             <a:extLst>
               <a:ext uri="{FF2B5EF4-FFF2-40B4-BE49-F238E27FC236}">
-                <a16:creationId xmlns:a16="http://schemas.microsoft.com/office/drawing/2014/main" xmlns="" id="{6B08FE2C-B795-482D-8B2D-91CAB6048C42}"/>
+                <a16:creationId xmlns="" xmlns:a16="http://schemas.microsoft.com/office/drawing/2014/main" id="{6B08FE2C-B795-482D-8B2D-91CAB6048C42}"/>
               </a:ext>
             </a:extLst>
           </p:cNvPr>
@@ -7398,7 +7382,7 @@
                 <a:gridCol w="1446076">
                   <a:extLst>
                     <a:ext uri="{9D8B030D-6E8A-4147-A177-3AD203B41FA5}">
-                      <a16:colId xmlns:a16="http://schemas.microsoft.com/office/drawing/2014/main" xmlns="" val="20000"/>
+                      <a16:colId xmlns="" xmlns:a16="http://schemas.microsoft.com/office/drawing/2014/main" val="20000"/>
                     </a:ext>
                   </a:extLst>
                 </a:gridCol>
@@ -7424,7 +7408,7 @@
                 </a:tc>
                 <a:extLst>
                   <a:ext uri="{0D108BD9-81ED-4DB2-BD59-A6C34878D82A}">
-                    <a16:rowId xmlns:a16="http://schemas.microsoft.com/office/drawing/2014/main" xmlns="" val="10000"/>
+                    <a16:rowId xmlns="" xmlns:a16="http://schemas.microsoft.com/office/drawing/2014/main" val="10000"/>
                   </a:ext>
                 </a:extLst>
               </a:tr>
@@ -7445,7 +7429,7 @@
                 </a:tc>
                 <a:extLst>
                   <a:ext uri="{0D108BD9-81ED-4DB2-BD59-A6C34878D82A}">
-                    <a16:rowId xmlns:a16="http://schemas.microsoft.com/office/drawing/2014/main" xmlns="" val="10001"/>
+                    <a16:rowId xmlns="" xmlns:a16="http://schemas.microsoft.com/office/drawing/2014/main" val="10001"/>
                   </a:ext>
                 </a:extLst>
               </a:tr>
@@ -7526,7 +7510,7 @@
                 </a:tc>
                 <a:extLst>
                   <a:ext uri="{0D108BD9-81ED-4DB2-BD59-A6C34878D82A}">
-                    <a16:rowId xmlns:a16="http://schemas.microsoft.com/office/drawing/2014/main" xmlns="" val="10002"/>
+                    <a16:rowId xmlns="" xmlns:a16="http://schemas.microsoft.com/office/drawing/2014/main" val="10002"/>
                   </a:ext>
                 </a:extLst>
               </a:tr>
@@ -7562,7 +7546,7 @@
                 <a:gridCol w="1620780">
                   <a:extLst>
                     <a:ext uri="{9D8B030D-6E8A-4147-A177-3AD203B41FA5}">
-                      <a16:colId xmlns:a16="http://schemas.microsoft.com/office/drawing/2014/main" xmlns="" val="20000"/>
+                      <a16:colId xmlns="" xmlns:a16="http://schemas.microsoft.com/office/drawing/2014/main" val="20000"/>
                     </a:ext>
                   </a:extLst>
                 </a:gridCol>
@@ -7583,7 +7567,7 @@
                 </a:tc>
                 <a:extLst>
                   <a:ext uri="{0D108BD9-81ED-4DB2-BD59-A6C34878D82A}">
-                    <a16:rowId xmlns:a16="http://schemas.microsoft.com/office/drawing/2014/main" xmlns="" val="10000"/>
+                    <a16:rowId xmlns="" xmlns:a16="http://schemas.microsoft.com/office/drawing/2014/main" val="10000"/>
                   </a:ext>
                 </a:extLst>
               </a:tr>
@@ -7604,7 +7588,7 @@
                 </a:tc>
                 <a:extLst>
                   <a:ext uri="{0D108BD9-81ED-4DB2-BD59-A6C34878D82A}">
-                    <a16:rowId xmlns:a16="http://schemas.microsoft.com/office/drawing/2014/main" xmlns="" val="10001"/>
+                    <a16:rowId xmlns="" xmlns:a16="http://schemas.microsoft.com/office/drawing/2014/main" val="10001"/>
                   </a:ext>
                 </a:extLst>
               </a:tr>
@@ -7740,7 +7724,6 @@
                         <a:rPr lang="es-ES" sz="800" dirty="0" smtClean="0"/>
                         <a:t>PROYECTO_INVERSION</a:t>
                       </a:r>
-                      <a:endParaRPr lang="es-ES" sz="800" dirty="0" smtClean="0"/>
                     </a:p>
                     <a:p>
                       <a:r>
@@ -7754,7 +7737,7 @@
                 </a:tc>
                 <a:extLst>
                   <a:ext uri="{0D108BD9-81ED-4DB2-BD59-A6C34878D82A}">
-                    <a16:rowId xmlns:a16="http://schemas.microsoft.com/office/drawing/2014/main" xmlns="" val="10002"/>
+                    <a16:rowId xmlns="" xmlns:a16="http://schemas.microsoft.com/office/drawing/2014/main" val="10002"/>
                   </a:ext>
                 </a:extLst>
               </a:tr>
@@ -7790,7 +7773,7 @@
                 <a:gridCol w="1528262">
                   <a:extLst>
                     <a:ext uri="{9D8B030D-6E8A-4147-A177-3AD203B41FA5}">
-                      <a16:colId xmlns:a16="http://schemas.microsoft.com/office/drawing/2014/main" xmlns="" val="20000"/>
+                      <a16:colId xmlns="" xmlns:a16="http://schemas.microsoft.com/office/drawing/2014/main" val="20000"/>
                     </a:ext>
                   </a:extLst>
                 </a:gridCol>
@@ -7812,7 +7795,7 @@
                 </a:tc>
                 <a:extLst>
                   <a:ext uri="{0D108BD9-81ED-4DB2-BD59-A6C34878D82A}">
-                    <a16:rowId xmlns:a16="http://schemas.microsoft.com/office/drawing/2014/main" xmlns="" val="10000"/>
+                    <a16:rowId xmlns="" xmlns:a16="http://schemas.microsoft.com/office/drawing/2014/main" val="10000"/>
                   </a:ext>
                 </a:extLst>
               </a:tr>
@@ -7833,7 +7816,7 @@
                 </a:tc>
                 <a:extLst>
                   <a:ext uri="{0D108BD9-81ED-4DB2-BD59-A6C34878D82A}">
-                    <a16:rowId xmlns:a16="http://schemas.microsoft.com/office/drawing/2014/main" xmlns="" val="10001"/>
+                    <a16:rowId xmlns="" xmlns:a16="http://schemas.microsoft.com/office/drawing/2014/main" val="10001"/>
                   </a:ext>
                 </a:extLst>
               </a:tr>
@@ -7926,7 +7909,7 @@
                 </a:tc>
                 <a:extLst>
                   <a:ext uri="{0D108BD9-81ED-4DB2-BD59-A6C34878D82A}">
-                    <a16:rowId xmlns:a16="http://schemas.microsoft.com/office/drawing/2014/main" xmlns="" val="10002"/>
+                    <a16:rowId xmlns="" xmlns:a16="http://schemas.microsoft.com/office/drawing/2014/main" val="10002"/>
                   </a:ext>
                 </a:extLst>
               </a:tr>
@@ -8058,7 +8041,7 @@
           <p:cNvPr id="59" name="CuadroTexto 59">
             <a:extLst>
               <a:ext uri="{FF2B5EF4-FFF2-40B4-BE49-F238E27FC236}">
-                <a16:creationId xmlns:a16="http://schemas.microsoft.com/office/drawing/2014/main" xmlns="" id="{E3E4B657-CF4C-4A80-9E44-4A0317C54F9E}"/>
+                <a16:creationId xmlns="" xmlns:a16="http://schemas.microsoft.com/office/drawing/2014/main" id="{E3E4B657-CF4C-4A80-9E44-4A0317C54F9E}"/>
               </a:ext>
             </a:extLst>
           </p:cNvPr>
@@ -8094,7 +8077,7 @@
           <p:cNvPr id="61" name="CuadroTexto 59">
             <a:extLst>
               <a:ext uri="{FF2B5EF4-FFF2-40B4-BE49-F238E27FC236}">
-                <a16:creationId xmlns:a16="http://schemas.microsoft.com/office/drawing/2014/main" xmlns="" id="{E3E4B657-CF4C-4A80-9E44-4A0317C54F9E}"/>
+                <a16:creationId xmlns="" xmlns:a16="http://schemas.microsoft.com/office/drawing/2014/main" id="{E3E4B657-CF4C-4A80-9E44-4A0317C54F9E}"/>
               </a:ext>
             </a:extLst>
           </p:cNvPr>
@@ -8129,7 +8112,7 @@
           <p:cNvPr id="62" name="CuadroTexto 59">
             <a:extLst>
               <a:ext uri="{FF2B5EF4-FFF2-40B4-BE49-F238E27FC236}">
-                <a16:creationId xmlns:a16="http://schemas.microsoft.com/office/drawing/2014/main" xmlns="" id="{E3E4B657-CF4C-4A80-9E44-4A0317C54F9E}"/>
+                <a16:creationId xmlns="" xmlns:a16="http://schemas.microsoft.com/office/drawing/2014/main" id="{E3E4B657-CF4C-4A80-9E44-4A0317C54F9E}"/>
               </a:ext>
             </a:extLst>
           </p:cNvPr>
@@ -8187,7 +8170,7 @@
                 <a:gridCol w="1512168">
                   <a:extLst>
                     <a:ext uri="{9D8B030D-6E8A-4147-A177-3AD203B41FA5}">
-                      <a16:colId xmlns:a16="http://schemas.microsoft.com/office/drawing/2014/main" xmlns="" val="20000"/>
+                      <a16:colId xmlns="" xmlns:a16="http://schemas.microsoft.com/office/drawing/2014/main" val="20000"/>
                     </a:ext>
                   </a:extLst>
                 </a:gridCol>
@@ -8209,7 +8192,7 @@
                 </a:tc>
                 <a:extLst>
                   <a:ext uri="{0D108BD9-81ED-4DB2-BD59-A6C34878D82A}">
-                    <a16:rowId xmlns:a16="http://schemas.microsoft.com/office/drawing/2014/main" xmlns="" val="10000"/>
+                    <a16:rowId xmlns="" xmlns:a16="http://schemas.microsoft.com/office/drawing/2014/main" val="10000"/>
                   </a:ext>
                 </a:extLst>
               </a:tr>
@@ -8236,7 +8219,7 @@
                 </a:tc>
                 <a:extLst>
                   <a:ext uri="{0D108BD9-81ED-4DB2-BD59-A6C34878D82A}">
-                    <a16:rowId xmlns:a16="http://schemas.microsoft.com/office/drawing/2014/main" xmlns="" val="10001"/>
+                    <a16:rowId xmlns="" xmlns:a16="http://schemas.microsoft.com/office/drawing/2014/main" val="10001"/>
                   </a:ext>
                 </a:extLst>
               </a:tr>
@@ -8269,7 +8252,7 @@
                 </a:tc>
                 <a:extLst>
                   <a:ext uri="{0D108BD9-81ED-4DB2-BD59-A6C34878D82A}">
-                    <a16:rowId xmlns:a16="http://schemas.microsoft.com/office/drawing/2014/main" xmlns="" val="10002"/>
+                    <a16:rowId xmlns="" xmlns:a16="http://schemas.microsoft.com/office/drawing/2014/main" val="10002"/>
                   </a:ext>
                 </a:extLst>
               </a:tr>
@@ -8321,7 +8304,7 @@
           <p:cNvPr id="65" name="CuadroTexto 59">
             <a:extLst>
               <a:ext uri="{FF2B5EF4-FFF2-40B4-BE49-F238E27FC236}">
-                <a16:creationId xmlns:a16="http://schemas.microsoft.com/office/drawing/2014/main" xmlns="" id="{E3E4B657-CF4C-4A80-9E44-4A0317C54F9E}"/>
+                <a16:creationId xmlns="" xmlns:a16="http://schemas.microsoft.com/office/drawing/2014/main" id="{E3E4B657-CF4C-4A80-9E44-4A0317C54F9E}"/>
               </a:ext>
             </a:extLst>
           </p:cNvPr>
@@ -8379,7 +8362,7 @@
                 <a:gridCol w="1404155">
                   <a:extLst>
                     <a:ext uri="{9D8B030D-6E8A-4147-A177-3AD203B41FA5}">
-                      <a16:colId xmlns:a16="http://schemas.microsoft.com/office/drawing/2014/main" xmlns="" val="20000"/>
+                      <a16:colId xmlns="" xmlns:a16="http://schemas.microsoft.com/office/drawing/2014/main" val="20000"/>
                     </a:ext>
                   </a:extLst>
                 </a:gridCol>
@@ -8405,7 +8388,7 @@
                 </a:tc>
                 <a:extLst>
                   <a:ext uri="{0D108BD9-81ED-4DB2-BD59-A6C34878D82A}">
-                    <a16:rowId xmlns:a16="http://schemas.microsoft.com/office/drawing/2014/main" xmlns="" val="10000"/>
+                    <a16:rowId xmlns="" xmlns:a16="http://schemas.microsoft.com/office/drawing/2014/main" val="10000"/>
                   </a:ext>
                 </a:extLst>
               </a:tr>
@@ -8426,7 +8409,7 @@
                 </a:tc>
                 <a:extLst>
                   <a:ext uri="{0D108BD9-81ED-4DB2-BD59-A6C34878D82A}">
-                    <a16:rowId xmlns:a16="http://schemas.microsoft.com/office/drawing/2014/main" xmlns="" val="10001"/>
+                    <a16:rowId xmlns="" xmlns:a16="http://schemas.microsoft.com/office/drawing/2014/main" val="10001"/>
                   </a:ext>
                 </a:extLst>
               </a:tr>
@@ -8507,7 +8490,7 @@
                 </a:tc>
                 <a:extLst>
                   <a:ext uri="{0D108BD9-81ED-4DB2-BD59-A6C34878D82A}">
-                    <a16:rowId xmlns:a16="http://schemas.microsoft.com/office/drawing/2014/main" xmlns="" val="10002"/>
+                    <a16:rowId xmlns="" xmlns:a16="http://schemas.microsoft.com/office/drawing/2014/main" val="10002"/>
                   </a:ext>
                 </a:extLst>
               </a:tr>
@@ -8543,7 +8526,7 @@
                 <a:gridCol w="1547919">
                   <a:extLst>
                     <a:ext uri="{9D8B030D-6E8A-4147-A177-3AD203B41FA5}">
-                      <a16:colId xmlns:a16="http://schemas.microsoft.com/office/drawing/2014/main" xmlns="" val="20000"/>
+                      <a16:colId xmlns="" xmlns:a16="http://schemas.microsoft.com/office/drawing/2014/main" val="20000"/>
                     </a:ext>
                   </a:extLst>
                 </a:gridCol>
@@ -8565,7 +8548,7 @@
                 </a:tc>
                 <a:extLst>
                   <a:ext uri="{0D108BD9-81ED-4DB2-BD59-A6C34878D82A}">
-                    <a16:rowId xmlns:a16="http://schemas.microsoft.com/office/drawing/2014/main" xmlns="" val="10000"/>
+                    <a16:rowId xmlns="" xmlns:a16="http://schemas.microsoft.com/office/drawing/2014/main" val="10000"/>
                   </a:ext>
                 </a:extLst>
               </a:tr>
@@ -8586,7 +8569,7 @@
                 </a:tc>
                 <a:extLst>
                   <a:ext uri="{0D108BD9-81ED-4DB2-BD59-A6C34878D82A}">
-                    <a16:rowId xmlns:a16="http://schemas.microsoft.com/office/drawing/2014/main" xmlns="" val="10001"/>
+                    <a16:rowId xmlns="" xmlns:a16="http://schemas.microsoft.com/office/drawing/2014/main" val="10001"/>
                   </a:ext>
                 </a:extLst>
               </a:tr>
@@ -8643,7 +8626,7 @@
                 </a:tc>
                 <a:extLst>
                   <a:ext uri="{0D108BD9-81ED-4DB2-BD59-A6C34878D82A}">
-                    <a16:rowId xmlns:a16="http://schemas.microsoft.com/office/drawing/2014/main" xmlns="" val="10002"/>
+                    <a16:rowId xmlns="" xmlns:a16="http://schemas.microsoft.com/office/drawing/2014/main" val="10002"/>
                   </a:ext>
                 </a:extLst>
               </a:tr>
@@ -8696,7 +8679,7 @@
           <p:cNvPr id="71" name="CuadroTexto 59">
             <a:extLst>
               <a:ext uri="{FF2B5EF4-FFF2-40B4-BE49-F238E27FC236}">
-                <a16:creationId xmlns:a16="http://schemas.microsoft.com/office/drawing/2014/main" xmlns="" id="{E3E4B657-CF4C-4A80-9E44-4A0317C54F9E}"/>
+                <a16:creationId xmlns="" xmlns:a16="http://schemas.microsoft.com/office/drawing/2014/main" id="{E3E4B657-CF4C-4A80-9E44-4A0317C54F9E}"/>
               </a:ext>
             </a:extLst>
           </p:cNvPr>
@@ -8770,7 +8753,7 @@
           <p:cNvPr id="73" name="CuadroTexto 59">
             <a:extLst>
               <a:ext uri="{FF2B5EF4-FFF2-40B4-BE49-F238E27FC236}">
-                <a16:creationId xmlns:a16="http://schemas.microsoft.com/office/drawing/2014/main" xmlns="" id="{E3E4B657-CF4C-4A80-9E44-4A0317C54F9E}"/>
+                <a16:creationId xmlns="" xmlns:a16="http://schemas.microsoft.com/office/drawing/2014/main" id="{E3E4B657-CF4C-4A80-9E44-4A0317C54F9E}"/>
               </a:ext>
             </a:extLst>
           </p:cNvPr>
@@ -8893,7 +8876,7 @@
                 <a:gridCol w="1080120">
                   <a:extLst>
                     <a:ext uri="{9D8B030D-6E8A-4147-A177-3AD203B41FA5}">
-                      <a16:colId xmlns:a16="http://schemas.microsoft.com/office/drawing/2014/main" xmlns="" val="20000"/>
+                      <a16:colId xmlns="" xmlns:a16="http://schemas.microsoft.com/office/drawing/2014/main" val="20000"/>
                     </a:ext>
                   </a:extLst>
                 </a:gridCol>
@@ -8915,7 +8898,7 @@
                 </a:tc>
                 <a:extLst>
                   <a:ext uri="{0D108BD9-81ED-4DB2-BD59-A6C34878D82A}">
-                    <a16:rowId xmlns:a16="http://schemas.microsoft.com/office/drawing/2014/main" xmlns="" val="10000"/>
+                    <a16:rowId xmlns="" xmlns:a16="http://schemas.microsoft.com/office/drawing/2014/main" val="10000"/>
                   </a:ext>
                 </a:extLst>
               </a:tr>
@@ -8977,7 +8960,7 @@
                 </a:tc>
                 <a:extLst>
                   <a:ext uri="{0D108BD9-81ED-4DB2-BD59-A6C34878D82A}">
-                    <a16:rowId xmlns:a16="http://schemas.microsoft.com/office/drawing/2014/main" xmlns="" val="10001"/>
+                    <a16:rowId xmlns="" xmlns:a16="http://schemas.microsoft.com/office/drawing/2014/main" val="10001"/>
                   </a:ext>
                 </a:extLst>
               </a:tr>
@@ -9010,7 +8993,7 @@
                 </a:tc>
                 <a:extLst>
                   <a:ext uri="{0D108BD9-81ED-4DB2-BD59-A6C34878D82A}">
-                    <a16:rowId xmlns:a16="http://schemas.microsoft.com/office/drawing/2014/main" xmlns="" val="10002"/>
+                    <a16:rowId xmlns="" xmlns:a16="http://schemas.microsoft.com/office/drawing/2014/main" val="10002"/>
                   </a:ext>
                 </a:extLst>
               </a:tr>
@@ -9077,7 +9060,7 @@
                 <a:gridCol w="1463824">
                   <a:extLst>
                     <a:ext uri="{9D8B030D-6E8A-4147-A177-3AD203B41FA5}">
-                      <a16:colId xmlns:a16="http://schemas.microsoft.com/office/drawing/2014/main" xmlns="" val="20000"/>
+                      <a16:colId xmlns="" xmlns:a16="http://schemas.microsoft.com/office/drawing/2014/main" val="20000"/>
                     </a:ext>
                   </a:extLst>
                 </a:gridCol>
@@ -9099,7 +9082,7 @@
                 </a:tc>
                 <a:extLst>
                   <a:ext uri="{0D108BD9-81ED-4DB2-BD59-A6C34878D82A}">
-                    <a16:rowId xmlns:a16="http://schemas.microsoft.com/office/drawing/2014/main" xmlns="" val="10000"/>
+                    <a16:rowId xmlns="" xmlns:a16="http://schemas.microsoft.com/office/drawing/2014/main" val="10000"/>
                   </a:ext>
                 </a:extLst>
               </a:tr>
@@ -9120,7 +9103,7 @@
                 </a:tc>
                 <a:extLst>
                   <a:ext uri="{0D108BD9-81ED-4DB2-BD59-A6C34878D82A}">
-                    <a16:rowId xmlns:a16="http://schemas.microsoft.com/office/drawing/2014/main" xmlns="" val="10001"/>
+                    <a16:rowId xmlns="" xmlns:a16="http://schemas.microsoft.com/office/drawing/2014/main" val="10001"/>
                   </a:ext>
                 </a:extLst>
               </a:tr>
@@ -9177,7 +9160,7 @@
                 </a:tc>
                 <a:extLst>
                   <a:ext uri="{0D108BD9-81ED-4DB2-BD59-A6C34878D82A}">
-                    <a16:rowId xmlns:a16="http://schemas.microsoft.com/office/drawing/2014/main" xmlns="" val="10002"/>
+                    <a16:rowId xmlns="" xmlns:a16="http://schemas.microsoft.com/office/drawing/2014/main" val="10002"/>
                   </a:ext>
                 </a:extLst>
               </a:tr>
@@ -9213,7 +9196,7 @@
                 <a:gridCol w="1440160">
                   <a:extLst>
                     <a:ext uri="{9D8B030D-6E8A-4147-A177-3AD203B41FA5}">
-                      <a16:colId xmlns:a16="http://schemas.microsoft.com/office/drawing/2014/main" xmlns="" val="20000"/>
+                      <a16:colId xmlns="" xmlns:a16="http://schemas.microsoft.com/office/drawing/2014/main" val="20000"/>
                     </a:ext>
                   </a:extLst>
                 </a:gridCol>
@@ -9235,7 +9218,7 @@
                 </a:tc>
                 <a:extLst>
                   <a:ext uri="{0D108BD9-81ED-4DB2-BD59-A6C34878D82A}">
-                    <a16:rowId xmlns:a16="http://schemas.microsoft.com/office/drawing/2014/main" xmlns="" val="10000"/>
+                    <a16:rowId xmlns="" xmlns:a16="http://schemas.microsoft.com/office/drawing/2014/main" val="10000"/>
                   </a:ext>
                 </a:extLst>
               </a:tr>
@@ -9262,7 +9245,7 @@
                 </a:tc>
                 <a:extLst>
                   <a:ext uri="{0D108BD9-81ED-4DB2-BD59-A6C34878D82A}">
-                    <a16:rowId xmlns:a16="http://schemas.microsoft.com/office/drawing/2014/main" xmlns="" val="10001"/>
+                    <a16:rowId xmlns="" xmlns:a16="http://schemas.microsoft.com/office/drawing/2014/main" val="10001"/>
                   </a:ext>
                 </a:extLst>
               </a:tr>
@@ -9295,7 +9278,7 @@
                 </a:tc>
                 <a:extLst>
                   <a:ext uri="{0D108BD9-81ED-4DB2-BD59-A6C34878D82A}">
-                    <a16:rowId xmlns:a16="http://schemas.microsoft.com/office/drawing/2014/main" xmlns="" val="10002"/>
+                    <a16:rowId xmlns="" xmlns:a16="http://schemas.microsoft.com/office/drawing/2014/main" val="10002"/>
                   </a:ext>
                 </a:extLst>
               </a:tr>
@@ -9347,7 +9330,7 @@
           <p:cNvPr id="72" name="CuadroTexto 44">
             <a:extLst>
               <a:ext uri="{FF2B5EF4-FFF2-40B4-BE49-F238E27FC236}">
-                <a16:creationId xmlns:a16="http://schemas.microsoft.com/office/drawing/2014/main" xmlns="" id="{58DDF0F6-557A-42E3-87C5-C25B3173C4ED}"/>
+                <a16:creationId xmlns="" xmlns:a16="http://schemas.microsoft.com/office/drawing/2014/main" id="{58DDF0F6-557A-42E3-87C5-C25B3173C4ED}"/>
               </a:ext>
             </a:extLst>
           </p:cNvPr>
@@ -9420,7 +9403,7 @@
           <p:cNvPr id="74" name="CuadroTexto 44">
             <a:extLst>
               <a:ext uri="{FF2B5EF4-FFF2-40B4-BE49-F238E27FC236}">
-                <a16:creationId xmlns:a16="http://schemas.microsoft.com/office/drawing/2014/main" xmlns="" id="{58DDF0F6-557A-42E3-87C5-C25B3173C4ED}"/>
+                <a16:creationId xmlns="" xmlns:a16="http://schemas.microsoft.com/office/drawing/2014/main" id="{58DDF0F6-557A-42E3-87C5-C25B3173C4ED}"/>
               </a:ext>
             </a:extLst>
           </p:cNvPr>
@@ -9540,7 +9523,7 @@
                 <a:gridCol w="1440160">
                   <a:extLst>
                     <a:ext uri="{9D8B030D-6E8A-4147-A177-3AD203B41FA5}">
-                      <a16:colId xmlns:a16="http://schemas.microsoft.com/office/drawing/2014/main" xmlns="" val="20000"/>
+                      <a16:colId xmlns="" xmlns:a16="http://schemas.microsoft.com/office/drawing/2014/main" val="20000"/>
                     </a:ext>
                   </a:extLst>
                 </a:gridCol>
@@ -9562,7 +9545,7 @@
                 </a:tc>
                 <a:extLst>
                   <a:ext uri="{0D108BD9-81ED-4DB2-BD59-A6C34878D82A}">
-                    <a16:rowId xmlns:a16="http://schemas.microsoft.com/office/drawing/2014/main" xmlns="" val="10000"/>
+                    <a16:rowId xmlns="" xmlns:a16="http://schemas.microsoft.com/office/drawing/2014/main" val="10000"/>
                   </a:ext>
                 </a:extLst>
               </a:tr>
@@ -9606,7 +9589,7 @@
                 </a:tc>
                 <a:extLst>
                   <a:ext uri="{0D108BD9-81ED-4DB2-BD59-A6C34878D82A}">
-                    <a16:rowId xmlns:a16="http://schemas.microsoft.com/office/drawing/2014/main" xmlns="" val="10001"/>
+                    <a16:rowId xmlns="" xmlns:a16="http://schemas.microsoft.com/office/drawing/2014/main" val="10001"/>
                   </a:ext>
                 </a:extLst>
               </a:tr>
@@ -9633,7 +9616,7 @@
                 </a:tc>
                 <a:extLst>
                   <a:ext uri="{0D108BD9-81ED-4DB2-BD59-A6C34878D82A}">
-                    <a16:rowId xmlns:a16="http://schemas.microsoft.com/office/drawing/2014/main" xmlns="" val="10002"/>
+                    <a16:rowId xmlns="" xmlns:a16="http://schemas.microsoft.com/office/drawing/2014/main" val="10002"/>
                   </a:ext>
                 </a:extLst>
               </a:tr>
@@ -9669,7 +9652,7 @@
                 <a:gridCol w="1463824">
                   <a:extLst>
                     <a:ext uri="{9D8B030D-6E8A-4147-A177-3AD203B41FA5}">
-                      <a16:colId xmlns:a16="http://schemas.microsoft.com/office/drawing/2014/main" xmlns="" val="20000"/>
+                      <a16:colId xmlns="" xmlns:a16="http://schemas.microsoft.com/office/drawing/2014/main" val="20000"/>
                     </a:ext>
                   </a:extLst>
                 </a:gridCol>
@@ -9691,7 +9674,7 @@
                 </a:tc>
                 <a:extLst>
                   <a:ext uri="{0D108BD9-81ED-4DB2-BD59-A6C34878D82A}">
-                    <a16:rowId xmlns:a16="http://schemas.microsoft.com/office/drawing/2014/main" xmlns="" val="10000"/>
+                    <a16:rowId xmlns="" xmlns:a16="http://schemas.microsoft.com/office/drawing/2014/main" val="10000"/>
                   </a:ext>
                 </a:extLst>
               </a:tr>
@@ -9712,7 +9695,7 @@
                 </a:tc>
                 <a:extLst>
                   <a:ext uri="{0D108BD9-81ED-4DB2-BD59-A6C34878D82A}">
-                    <a16:rowId xmlns:a16="http://schemas.microsoft.com/office/drawing/2014/main" xmlns="" val="10001"/>
+                    <a16:rowId xmlns="" xmlns:a16="http://schemas.microsoft.com/office/drawing/2014/main" val="10001"/>
                   </a:ext>
                 </a:extLst>
               </a:tr>
@@ -9739,7 +9722,7 @@
                 </a:tc>
                 <a:extLst>
                   <a:ext uri="{0D108BD9-81ED-4DB2-BD59-A6C34878D82A}">
-                    <a16:rowId xmlns:a16="http://schemas.microsoft.com/office/drawing/2014/main" xmlns="" val="10002"/>
+                    <a16:rowId xmlns="" xmlns:a16="http://schemas.microsoft.com/office/drawing/2014/main" val="10002"/>
                   </a:ext>
                 </a:extLst>
               </a:tr>
@@ -9835,7 +9818,7 @@
                 <a:gridCol w="1463824">
                   <a:extLst>
                     <a:ext uri="{9D8B030D-6E8A-4147-A177-3AD203B41FA5}">
-                      <a16:colId xmlns:a16="http://schemas.microsoft.com/office/drawing/2014/main" xmlns="" val="20000"/>
+                      <a16:colId xmlns="" xmlns:a16="http://schemas.microsoft.com/office/drawing/2014/main" val="20000"/>
                     </a:ext>
                   </a:extLst>
                 </a:gridCol>
@@ -9856,7 +9839,7 @@
                 </a:tc>
                 <a:extLst>
                   <a:ext uri="{0D108BD9-81ED-4DB2-BD59-A6C34878D82A}">
-                    <a16:rowId xmlns:a16="http://schemas.microsoft.com/office/drawing/2014/main" xmlns="" val="10000"/>
+                    <a16:rowId xmlns="" xmlns:a16="http://schemas.microsoft.com/office/drawing/2014/main" val="10000"/>
                   </a:ext>
                 </a:extLst>
               </a:tr>
@@ -9877,7 +9860,7 @@
                 </a:tc>
                 <a:extLst>
                   <a:ext uri="{0D108BD9-81ED-4DB2-BD59-A6C34878D82A}">
-                    <a16:rowId xmlns:a16="http://schemas.microsoft.com/office/drawing/2014/main" xmlns="" val="10001"/>
+                    <a16:rowId xmlns="" xmlns:a16="http://schemas.microsoft.com/office/drawing/2014/main" val="10001"/>
                   </a:ext>
                 </a:extLst>
               </a:tr>
@@ -9985,7 +9968,7 @@
                 </a:tc>
                 <a:extLst>
                   <a:ext uri="{0D108BD9-81ED-4DB2-BD59-A6C34878D82A}">
-                    <a16:rowId xmlns:a16="http://schemas.microsoft.com/office/drawing/2014/main" xmlns="" val="10002"/>
+                    <a16:rowId xmlns="" xmlns:a16="http://schemas.microsoft.com/office/drawing/2014/main" val="10002"/>
                   </a:ext>
                 </a:extLst>
               </a:tr>
@@ -10021,7 +10004,7 @@
                 <a:gridCol w="1463824">
                   <a:extLst>
                     <a:ext uri="{9D8B030D-6E8A-4147-A177-3AD203B41FA5}">
-                      <a16:colId xmlns:a16="http://schemas.microsoft.com/office/drawing/2014/main" xmlns="" val="20000"/>
+                      <a16:colId xmlns="" xmlns:a16="http://schemas.microsoft.com/office/drawing/2014/main" val="20000"/>
                     </a:ext>
                   </a:extLst>
                 </a:gridCol>
@@ -10043,7 +10026,7 @@
                 </a:tc>
                 <a:extLst>
                   <a:ext uri="{0D108BD9-81ED-4DB2-BD59-A6C34878D82A}">
-                    <a16:rowId xmlns:a16="http://schemas.microsoft.com/office/drawing/2014/main" xmlns="" val="10000"/>
+                    <a16:rowId xmlns="" xmlns:a16="http://schemas.microsoft.com/office/drawing/2014/main" val="10000"/>
                   </a:ext>
                 </a:extLst>
               </a:tr>
@@ -10064,7 +10047,7 @@
                 </a:tc>
                 <a:extLst>
                   <a:ext uri="{0D108BD9-81ED-4DB2-BD59-A6C34878D82A}">
-                    <a16:rowId xmlns:a16="http://schemas.microsoft.com/office/drawing/2014/main" xmlns="" val="10001"/>
+                    <a16:rowId xmlns="" xmlns:a16="http://schemas.microsoft.com/office/drawing/2014/main" val="10001"/>
                   </a:ext>
                 </a:extLst>
               </a:tr>
@@ -10103,7 +10086,7 @@
                 </a:tc>
                 <a:extLst>
                   <a:ext uri="{0D108BD9-81ED-4DB2-BD59-A6C34878D82A}">
-                    <a16:rowId xmlns:a16="http://schemas.microsoft.com/office/drawing/2014/main" xmlns="" val="10002"/>
+                    <a16:rowId xmlns="" xmlns:a16="http://schemas.microsoft.com/office/drawing/2014/main" val="10002"/>
                   </a:ext>
                 </a:extLst>
               </a:tr>
@@ -10139,7 +10122,7 @@
                 <a:gridCol w="720080">
                   <a:extLst>
                     <a:ext uri="{9D8B030D-6E8A-4147-A177-3AD203B41FA5}">
-                      <a16:colId xmlns:a16="http://schemas.microsoft.com/office/drawing/2014/main" xmlns="" val="20000"/>
+                      <a16:colId xmlns="" xmlns:a16="http://schemas.microsoft.com/office/drawing/2014/main" val="20000"/>
                     </a:ext>
                   </a:extLst>
                 </a:gridCol>
@@ -10160,7 +10143,7 @@
                 </a:tc>
                 <a:extLst>
                   <a:ext uri="{0D108BD9-81ED-4DB2-BD59-A6C34878D82A}">
-                    <a16:rowId xmlns:a16="http://schemas.microsoft.com/office/drawing/2014/main" xmlns="" val="10000"/>
+                    <a16:rowId xmlns="" xmlns:a16="http://schemas.microsoft.com/office/drawing/2014/main" val="10000"/>
                   </a:ext>
                 </a:extLst>
               </a:tr>
@@ -10181,7 +10164,7 @@
                 </a:tc>
                 <a:extLst>
                   <a:ext uri="{0D108BD9-81ED-4DB2-BD59-A6C34878D82A}">
-                    <a16:rowId xmlns:a16="http://schemas.microsoft.com/office/drawing/2014/main" xmlns="" val="10001"/>
+                    <a16:rowId xmlns="" xmlns:a16="http://schemas.microsoft.com/office/drawing/2014/main" val="10001"/>
                   </a:ext>
                 </a:extLst>
               </a:tr>
@@ -10201,7 +10184,7 @@
                 </a:tc>
                 <a:extLst>
                   <a:ext uri="{0D108BD9-81ED-4DB2-BD59-A6C34878D82A}">
-                    <a16:rowId xmlns:a16="http://schemas.microsoft.com/office/drawing/2014/main" xmlns="" val="10002"/>
+                    <a16:rowId xmlns="" xmlns:a16="http://schemas.microsoft.com/office/drawing/2014/main" val="10002"/>
                   </a:ext>
                 </a:extLst>
               </a:tr>
@@ -10237,7 +10220,7 @@
                 <a:gridCol w="1368152">
                   <a:extLst>
                     <a:ext uri="{9D8B030D-6E8A-4147-A177-3AD203B41FA5}">
-                      <a16:colId xmlns:a16="http://schemas.microsoft.com/office/drawing/2014/main" xmlns="" val="20000"/>
+                      <a16:colId xmlns="" xmlns:a16="http://schemas.microsoft.com/office/drawing/2014/main" val="20000"/>
                     </a:ext>
                   </a:extLst>
                 </a:gridCol>
@@ -10258,7 +10241,7 @@
                 </a:tc>
                 <a:extLst>
                   <a:ext uri="{0D108BD9-81ED-4DB2-BD59-A6C34878D82A}">
-                    <a16:rowId xmlns:a16="http://schemas.microsoft.com/office/drawing/2014/main" xmlns="" val="10000"/>
+                    <a16:rowId xmlns="" xmlns:a16="http://schemas.microsoft.com/office/drawing/2014/main" val="10000"/>
                   </a:ext>
                 </a:extLst>
               </a:tr>
@@ -10285,7 +10268,7 @@
                 </a:tc>
                 <a:extLst>
                   <a:ext uri="{0D108BD9-81ED-4DB2-BD59-A6C34878D82A}">
-                    <a16:rowId xmlns:a16="http://schemas.microsoft.com/office/drawing/2014/main" xmlns="" val="10001"/>
+                    <a16:rowId xmlns="" xmlns:a16="http://schemas.microsoft.com/office/drawing/2014/main" val="10001"/>
                   </a:ext>
                 </a:extLst>
               </a:tr>
@@ -10305,7 +10288,7 @@
                 </a:tc>
                 <a:extLst>
                   <a:ext uri="{0D108BD9-81ED-4DB2-BD59-A6C34878D82A}">
-                    <a16:rowId xmlns:a16="http://schemas.microsoft.com/office/drawing/2014/main" xmlns="" val="10002"/>
+                    <a16:rowId xmlns="" xmlns:a16="http://schemas.microsoft.com/office/drawing/2014/main" val="10002"/>
                   </a:ext>
                 </a:extLst>
               </a:tr>
@@ -10341,7 +10324,7 @@
                 <a:gridCol w="1368152">
                   <a:extLst>
                     <a:ext uri="{9D8B030D-6E8A-4147-A177-3AD203B41FA5}">
-                      <a16:colId xmlns:a16="http://schemas.microsoft.com/office/drawing/2014/main" xmlns="" val="20000"/>
+                      <a16:colId xmlns="" xmlns:a16="http://schemas.microsoft.com/office/drawing/2014/main" val="20000"/>
                     </a:ext>
                   </a:extLst>
                 </a:gridCol>
@@ -10362,7 +10345,7 @@
                 </a:tc>
                 <a:extLst>
                   <a:ext uri="{0D108BD9-81ED-4DB2-BD59-A6C34878D82A}">
-                    <a16:rowId xmlns:a16="http://schemas.microsoft.com/office/drawing/2014/main" xmlns="" val="10000"/>
+                    <a16:rowId xmlns="" xmlns:a16="http://schemas.microsoft.com/office/drawing/2014/main" val="10000"/>
                   </a:ext>
                 </a:extLst>
               </a:tr>
@@ -10382,7 +10365,7 @@
                 </a:tc>
                 <a:extLst>
                   <a:ext uri="{0D108BD9-81ED-4DB2-BD59-A6C34878D82A}">
-                    <a16:rowId xmlns:a16="http://schemas.microsoft.com/office/drawing/2014/main" xmlns="" val="10001"/>
+                    <a16:rowId xmlns="" xmlns:a16="http://schemas.microsoft.com/office/drawing/2014/main" val="10001"/>
                   </a:ext>
                 </a:extLst>
               </a:tr>
@@ -10410,7 +10393,7 @@
                 </a:tc>
                 <a:extLst>
                   <a:ext uri="{0D108BD9-81ED-4DB2-BD59-A6C34878D82A}">
-                    <a16:rowId xmlns:a16="http://schemas.microsoft.com/office/drawing/2014/main" xmlns="" val="10002"/>
+                    <a16:rowId xmlns="" xmlns:a16="http://schemas.microsoft.com/office/drawing/2014/main" val="10002"/>
                   </a:ext>
                 </a:extLst>
               </a:tr>
@@ -10446,7 +10429,7 @@
                 <a:gridCol w="1463824">
                   <a:extLst>
                     <a:ext uri="{9D8B030D-6E8A-4147-A177-3AD203B41FA5}">
-                      <a16:colId xmlns:a16="http://schemas.microsoft.com/office/drawing/2014/main" xmlns="" val="20000"/>
+                      <a16:colId xmlns="" xmlns:a16="http://schemas.microsoft.com/office/drawing/2014/main" val="20000"/>
                     </a:ext>
                   </a:extLst>
                 </a:gridCol>
@@ -10467,7 +10450,7 @@
                 </a:tc>
                 <a:extLst>
                   <a:ext uri="{0D108BD9-81ED-4DB2-BD59-A6C34878D82A}">
-                    <a16:rowId xmlns:a16="http://schemas.microsoft.com/office/drawing/2014/main" xmlns="" val="10000"/>
+                    <a16:rowId xmlns="" xmlns:a16="http://schemas.microsoft.com/office/drawing/2014/main" val="10000"/>
                   </a:ext>
                 </a:extLst>
               </a:tr>
@@ -10487,7 +10470,7 @@
                 </a:tc>
                 <a:extLst>
                   <a:ext uri="{0D108BD9-81ED-4DB2-BD59-A6C34878D82A}">
-                    <a16:rowId xmlns:a16="http://schemas.microsoft.com/office/drawing/2014/main" xmlns="" val="10001"/>
+                    <a16:rowId xmlns="" xmlns:a16="http://schemas.microsoft.com/office/drawing/2014/main" val="10001"/>
                   </a:ext>
                 </a:extLst>
               </a:tr>
@@ -10514,7 +10497,7 @@
                 </a:tc>
                 <a:extLst>
                   <a:ext uri="{0D108BD9-81ED-4DB2-BD59-A6C34878D82A}">
-                    <a16:rowId xmlns:a16="http://schemas.microsoft.com/office/drawing/2014/main" xmlns="" val="10002"/>
+                    <a16:rowId xmlns="" xmlns:a16="http://schemas.microsoft.com/office/drawing/2014/main" val="10002"/>
                   </a:ext>
                 </a:extLst>
               </a:tr>
@@ -10550,7 +10533,7 @@
                 <a:gridCol w="1463824">
                   <a:extLst>
                     <a:ext uri="{9D8B030D-6E8A-4147-A177-3AD203B41FA5}">
-                      <a16:colId xmlns:a16="http://schemas.microsoft.com/office/drawing/2014/main" xmlns="" val="20000"/>
+                      <a16:colId xmlns="" xmlns:a16="http://schemas.microsoft.com/office/drawing/2014/main" val="20000"/>
                     </a:ext>
                   </a:extLst>
                 </a:gridCol>
@@ -10572,7 +10555,7 @@
                 </a:tc>
                 <a:extLst>
                   <a:ext uri="{0D108BD9-81ED-4DB2-BD59-A6C34878D82A}">
-                    <a16:rowId xmlns:a16="http://schemas.microsoft.com/office/drawing/2014/main" xmlns="" val="10000"/>
+                    <a16:rowId xmlns="" xmlns:a16="http://schemas.microsoft.com/office/drawing/2014/main" val="10000"/>
                   </a:ext>
                 </a:extLst>
               </a:tr>
@@ -10593,7 +10576,7 @@
                 </a:tc>
                 <a:extLst>
                   <a:ext uri="{0D108BD9-81ED-4DB2-BD59-A6C34878D82A}">
-                    <a16:rowId xmlns:a16="http://schemas.microsoft.com/office/drawing/2014/main" xmlns="" val="10001"/>
+                    <a16:rowId xmlns="" xmlns:a16="http://schemas.microsoft.com/office/drawing/2014/main" val="10001"/>
                   </a:ext>
                 </a:extLst>
               </a:tr>
@@ -10642,7 +10625,7 @@
                 </a:tc>
                 <a:extLst>
                   <a:ext uri="{0D108BD9-81ED-4DB2-BD59-A6C34878D82A}">
-                    <a16:rowId xmlns:a16="http://schemas.microsoft.com/office/drawing/2014/main" xmlns="" val="10002"/>
+                    <a16:rowId xmlns="" xmlns:a16="http://schemas.microsoft.com/office/drawing/2014/main" val="10002"/>
                   </a:ext>
                 </a:extLst>
               </a:tr>
@@ -10678,7 +10661,7 @@
                 <a:gridCol w="1463824">
                   <a:extLst>
                     <a:ext uri="{9D8B030D-6E8A-4147-A177-3AD203B41FA5}">
-                      <a16:colId xmlns:a16="http://schemas.microsoft.com/office/drawing/2014/main" xmlns="" val="20000"/>
+                      <a16:colId xmlns="" xmlns:a16="http://schemas.microsoft.com/office/drawing/2014/main" val="20000"/>
                     </a:ext>
                   </a:extLst>
                 </a:gridCol>
@@ -10699,7 +10682,7 @@
                 </a:tc>
                 <a:extLst>
                   <a:ext uri="{0D108BD9-81ED-4DB2-BD59-A6C34878D82A}">
-                    <a16:rowId xmlns:a16="http://schemas.microsoft.com/office/drawing/2014/main" xmlns="" val="10000"/>
+                    <a16:rowId xmlns="" xmlns:a16="http://schemas.microsoft.com/office/drawing/2014/main" val="10000"/>
                   </a:ext>
                 </a:extLst>
               </a:tr>
@@ -10720,7 +10703,7 @@
                 </a:tc>
                 <a:extLst>
                   <a:ext uri="{0D108BD9-81ED-4DB2-BD59-A6C34878D82A}">
-                    <a16:rowId xmlns:a16="http://schemas.microsoft.com/office/drawing/2014/main" xmlns="" val="10001"/>
+                    <a16:rowId xmlns="" xmlns:a16="http://schemas.microsoft.com/office/drawing/2014/main" val="10001"/>
                   </a:ext>
                 </a:extLst>
               </a:tr>
@@ -10741,7 +10724,7 @@
                 </a:tc>
                 <a:extLst>
                   <a:ext uri="{0D108BD9-81ED-4DB2-BD59-A6C34878D82A}">
-                    <a16:rowId xmlns:a16="http://schemas.microsoft.com/office/drawing/2014/main" xmlns="" val="10002"/>
+                    <a16:rowId xmlns="" xmlns:a16="http://schemas.microsoft.com/office/drawing/2014/main" val="10002"/>
                   </a:ext>
                 </a:extLst>
               </a:tr>
@@ -10777,7 +10760,7 @@
                 <a:gridCol w="1728192">
                   <a:extLst>
                     <a:ext uri="{9D8B030D-6E8A-4147-A177-3AD203B41FA5}">
-                      <a16:colId xmlns:a16="http://schemas.microsoft.com/office/drawing/2014/main" xmlns="" val="20000"/>
+                      <a16:colId xmlns="" xmlns:a16="http://schemas.microsoft.com/office/drawing/2014/main" val="20000"/>
                     </a:ext>
                   </a:extLst>
                 </a:gridCol>
@@ -10799,7 +10782,7 @@
                 </a:tc>
                 <a:extLst>
                   <a:ext uri="{0D108BD9-81ED-4DB2-BD59-A6C34878D82A}">
-                    <a16:rowId xmlns:a16="http://schemas.microsoft.com/office/drawing/2014/main" xmlns="" val="10000"/>
+                    <a16:rowId xmlns="" xmlns:a16="http://schemas.microsoft.com/office/drawing/2014/main" val="10000"/>
                   </a:ext>
                 </a:extLst>
               </a:tr>
@@ -10820,7 +10803,7 @@
                 </a:tc>
                 <a:extLst>
                   <a:ext uri="{0D108BD9-81ED-4DB2-BD59-A6C34878D82A}">
-                    <a16:rowId xmlns:a16="http://schemas.microsoft.com/office/drawing/2014/main" xmlns="" val="10001"/>
+                    <a16:rowId xmlns="" xmlns:a16="http://schemas.microsoft.com/office/drawing/2014/main" val="10001"/>
                   </a:ext>
                 </a:extLst>
               </a:tr>
@@ -10841,7 +10824,7 @@
                 </a:tc>
                 <a:extLst>
                   <a:ext uri="{0D108BD9-81ED-4DB2-BD59-A6C34878D82A}">
-                    <a16:rowId xmlns:a16="http://schemas.microsoft.com/office/drawing/2014/main" xmlns="" val="10002"/>
+                    <a16:rowId xmlns="" xmlns:a16="http://schemas.microsoft.com/office/drawing/2014/main" val="10002"/>
                   </a:ext>
                 </a:extLst>
               </a:tr>
@@ -10877,7 +10860,7 @@
                 <a:gridCol w="1728192">
                   <a:extLst>
                     <a:ext uri="{9D8B030D-6E8A-4147-A177-3AD203B41FA5}">
-                      <a16:colId xmlns:a16="http://schemas.microsoft.com/office/drawing/2014/main" xmlns="" val="20000"/>
+                      <a16:colId xmlns="" xmlns:a16="http://schemas.microsoft.com/office/drawing/2014/main" val="20000"/>
                     </a:ext>
                   </a:extLst>
                 </a:gridCol>
@@ -10899,7 +10882,7 @@
                 </a:tc>
                 <a:extLst>
                   <a:ext uri="{0D108BD9-81ED-4DB2-BD59-A6C34878D82A}">
-                    <a16:rowId xmlns:a16="http://schemas.microsoft.com/office/drawing/2014/main" xmlns="" val="10000"/>
+                    <a16:rowId xmlns="" xmlns:a16="http://schemas.microsoft.com/office/drawing/2014/main" val="10000"/>
                   </a:ext>
                 </a:extLst>
               </a:tr>
@@ -10920,7 +10903,7 @@
                 </a:tc>
                 <a:extLst>
                   <a:ext uri="{0D108BD9-81ED-4DB2-BD59-A6C34878D82A}">
-                    <a16:rowId xmlns:a16="http://schemas.microsoft.com/office/drawing/2014/main" xmlns="" val="10001"/>
+                    <a16:rowId xmlns="" xmlns:a16="http://schemas.microsoft.com/office/drawing/2014/main" val="10001"/>
                   </a:ext>
                 </a:extLst>
               </a:tr>
@@ -10941,7 +10924,7 @@
                 </a:tc>
                 <a:extLst>
                   <a:ext uri="{0D108BD9-81ED-4DB2-BD59-A6C34878D82A}">
-                    <a16:rowId xmlns:a16="http://schemas.microsoft.com/office/drawing/2014/main" xmlns="" val="10002"/>
+                    <a16:rowId xmlns="" xmlns:a16="http://schemas.microsoft.com/office/drawing/2014/main" val="10002"/>
                   </a:ext>
                 </a:extLst>
               </a:tr>
@@ -10977,7 +10960,7 @@
                 <a:gridCol w="1463824">
                   <a:extLst>
                     <a:ext uri="{9D8B030D-6E8A-4147-A177-3AD203B41FA5}">
-                      <a16:colId xmlns:a16="http://schemas.microsoft.com/office/drawing/2014/main" xmlns="" val="20000"/>
+                      <a16:colId xmlns="" xmlns:a16="http://schemas.microsoft.com/office/drawing/2014/main" val="20000"/>
                     </a:ext>
                   </a:extLst>
                 </a:gridCol>
@@ -10999,7 +10982,7 @@
                 </a:tc>
                 <a:extLst>
                   <a:ext uri="{0D108BD9-81ED-4DB2-BD59-A6C34878D82A}">
-                    <a16:rowId xmlns:a16="http://schemas.microsoft.com/office/drawing/2014/main" xmlns="" val="10000"/>
+                    <a16:rowId xmlns="" xmlns:a16="http://schemas.microsoft.com/office/drawing/2014/main" val="10000"/>
                   </a:ext>
                 </a:extLst>
               </a:tr>
@@ -11020,7 +11003,7 @@
                 </a:tc>
                 <a:extLst>
                   <a:ext uri="{0D108BD9-81ED-4DB2-BD59-A6C34878D82A}">
-                    <a16:rowId xmlns:a16="http://schemas.microsoft.com/office/drawing/2014/main" xmlns="" val="10001"/>
+                    <a16:rowId xmlns="" xmlns:a16="http://schemas.microsoft.com/office/drawing/2014/main" val="10001"/>
                   </a:ext>
                 </a:extLst>
               </a:tr>
@@ -11041,7 +11024,7 @@
                 </a:tc>
                 <a:extLst>
                   <a:ext uri="{0D108BD9-81ED-4DB2-BD59-A6C34878D82A}">
-                    <a16:rowId xmlns:a16="http://schemas.microsoft.com/office/drawing/2014/main" xmlns="" val="10002"/>
+                    <a16:rowId xmlns="" xmlns:a16="http://schemas.microsoft.com/office/drawing/2014/main" val="10002"/>
                   </a:ext>
                 </a:extLst>
               </a:tr>
@@ -11077,7 +11060,7 @@
                 <a:gridCol w="1463824">
                   <a:extLst>
                     <a:ext uri="{9D8B030D-6E8A-4147-A177-3AD203B41FA5}">
-                      <a16:colId xmlns:a16="http://schemas.microsoft.com/office/drawing/2014/main" xmlns="" val="20000"/>
+                      <a16:colId xmlns="" xmlns:a16="http://schemas.microsoft.com/office/drawing/2014/main" val="20000"/>
                     </a:ext>
                   </a:extLst>
                 </a:gridCol>
@@ -11098,7 +11081,7 @@
                 </a:tc>
                 <a:extLst>
                   <a:ext uri="{0D108BD9-81ED-4DB2-BD59-A6C34878D82A}">
-                    <a16:rowId xmlns:a16="http://schemas.microsoft.com/office/drawing/2014/main" xmlns="" val="10000"/>
+                    <a16:rowId xmlns="" xmlns:a16="http://schemas.microsoft.com/office/drawing/2014/main" val="10000"/>
                   </a:ext>
                 </a:extLst>
               </a:tr>
@@ -11119,7 +11102,7 @@
                 </a:tc>
                 <a:extLst>
                   <a:ext uri="{0D108BD9-81ED-4DB2-BD59-A6C34878D82A}">
-                    <a16:rowId xmlns:a16="http://schemas.microsoft.com/office/drawing/2014/main" xmlns="" val="10001"/>
+                    <a16:rowId xmlns="" xmlns:a16="http://schemas.microsoft.com/office/drawing/2014/main" val="10001"/>
                   </a:ext>
                 </a:extLst>
               </a:tr>
@@ -11153,7 +11136,7 @@
                 </a:tc>
                 <a:extLst>
                   <a:ext uri="{0D108BD9-81ED-4DB2-BD59-A6C34878D82A}">
-                    <a16:rowId xmlns:a16="http://schemas.microsoft.com/office/drawing/2014/main" xmlns="" val="10002"/>
+                    <a16:rowId xmlns="" xmlns:a16="http://schemas.microsoft.com/office/drawing/2014/main" val="10002"/>
                   </a:ext>
                 </a:extLst>
               </a:tr>
@@ -11189,7 +11172,7 @@
                 <a:gridCol w="1463824">
                   <a:extLst>
                     <a:ext uri="{9D8B030D-6E8A-4147-A177-3AD203B41FA5}">
-                      <a16:colId xmlns:a16="http://schemas.microsoft.com/office/drawing/2014/main" xmlns="" val="20000"/>
+                      <a16:colId xmlns="" xmlns:a16="http://schemas.microsoft.com/office/drawing/2014/main" val="20000"/>
                     </a:ext>
                   </a:extLst>
                 </a:gridCol>
@@ -11211,7 +11194,7 @@
                 </a:tc>
                 <a:extLst>
                   <a:ext uri="{0D108BD9-81ED-4DB2-BD59-A6C34878D82A}">
-                    <a16:rowId xmlns:a16="http://schemas.microsoft.com/office/drawing/2014/main" xmlns="" val="10000"/>
+                    <a16:rowId xmlns="" xmlns:a16="http://schemas.microsoft.com/office/drawing/2014/main" val="10000"/>
                   </a:ext>
                 </a:extLst>
               </a:tr>
@@ -11232,7 +11215,7 @@
                 </a:tc>
                 <a:extLst>
                   <a:ext uri="{0D108BD9-81ED-4DB2-BD59-A6C34878D82A}">
-                    <a16:rowId xmlns:a16="http://schemas.microsoft.com/office/drawing/2014/main" xmlns="" val="10001"/>
+                    <a16:rowId xmlns="" xmlns:a16="http://schemas.microsoft.com/office/drawing/2014/main" val="10001"/>
                   </a:ext>
                 </a:extLst>
               </a:tr>
@@ -11252,7 +11235,7 @@
                 </a:tc>
                 <a:extLst>
                   <a:ext uri="{0D108BD9-81ED-4DB2-BD59-A6C34878D82A}">
-                    <a16:rowId xmlns:a16="http://schemas.microsoft.com/office/drawing/2014/main" xmlns="" val="10002"/>
+                    <a16:rowId xmlns="" xmlns:a16="http://schemas.microsoft.com/office/drawing/2014/main" val="10002"/>
                   </a:ext>
                 </a:extLst>
               </a:tr>
@@ -11288,7 +11271,7 @@
                 <a:gridCol w="1463824">
                   <a:extLst>
                     <a:ext uri="{9D8B030D-6E8A-4147-A177-3AD203B41FA5}">
-                      <a16:colId xmlns:a16="http://schemas.microsoft.com/office/drawing/2014/main" xmlns="" val="20000"/>
+                      <a16:colId xmlns="" xmlns:a16="http://schemas.microsoft.com/office/drawing/2014/main" val="20000"/>
                     </a:ext>
                   </a:extLst>
                 </a:gridCol>
@@ -11310,7 +11293,7 @@
                 </a:tc>
                 <a:extLst>
                   <a:ext uri="{0D108BD9-81ED-4DB2-BD59-A6C34878D82A}">
-                    <a16:rowId xmlns:a16="http://schemas.microsoft.com/office/drawing/2014/main" xmlns="" val="10000"/>
+                    <a16:rowId xmlns="" xmlns:a16="http://schemas.microsoft.com/office/drawing/2014/main" val="10000"/>
                   </a:ext>
                 </a:extLst>
               </a:tr>
@@ -11330,7 +11313,7 @@
                 </a:tc>
                 <a:extLst>
                   <a:ext uri="{0D108BD9-81ED-4DB2-BD59-A6C34878D82A}">
-                    <a16:rowId xmlns:a16="http://schemas.microsoft.com/office/drawing/2014/main" xmlns="" val="10001"/>
+                    <a16:rowId xmlns="" xmlns:a16="http://schemas.microsoft.com/office/drawing/2014/main" val="10001"/>
                   </a:ext>
                 </a:extLst>
               </a:tr>
@@ -11351,7 +11334,7 @@
                 </a:tc>
                 <a:extLst>
                   <a:ext uri="{0D108BD9-81ED-4DB2-BD59-A6C34878D82A}">
-                    <a16:rowId xmlns:a16="http://schemas.microsoft.com/office/drawing/2014/main" xmlns="" val="10002"/>
+                    <a16:rowId xmlns="" xmlns:a16="http://schemas.microsoft.com/office/drawing/2014/main" val="10002"/>
                   </a:ext>
                 </a:extLst>
               </a:tr>
@@ -11417,7 +11400,7 @@
                 <a:gridCol w="1463824">
                   <a:extLst>
                     <a:ext uri="{9D8B030D-6E8A-4147-A177-3AD203B41FA5}">
-                      <a16:colId xmlns:a16="http://schemas.microsoft.com/office/drawing/2014/main" xmlns="" val="20000"/>
+                      <a16:colId xmlns="" xmlns:a16="http://schemas.microsoft.com/office/drawing/2014/main" val="20000"/>
                     </a:ext>
                   </a:extLst>
                 </a:gridCol>
@@ -11439,7 +11422,7 @@
                 </a:tc>
                 <a:extLst>
                   <a:ext uri="{0D108BD9-81ED-4DB2-BD59-A6C34878D82A}">
-                    <a16:rowId xmlns:a16="http://schemas.microsoft.com/office/drawing/2014/main" xmlns="" val="10000"/>
+                    <a16:rowId xmlns="" xmlns:a16="http://schemas.microsoft.com/office/drawing/2014/main" val="10000"/>
                   </a:ext>
                 </a:extLst>
               </a:tr>
@@ -11460,7 +11443,7 @@
                 </a:tc>
                 <a:extLst>
                   <a:ext uri="{0D108BD9-81ED-4DB2-BD59-A6C34878D82A}">
-                    <a16:rowId xmlns:a16="http://schemas.microsoft.com/office/drawing/2014/main" xmlns="" val="10001"/>
+                    <a16:rowId xmlns="" xmlns:a16="http://schemas.microsoft.com/office/drawing/2014/main" val="10001"/>
                   </a:ext>
                 </a:extLst>
               </a:tr>
@@ -11481,7 +11464,7 @@
                 </a:tc>
                 <a:extLst>
                   <a:ext uri="{0D108BD9-81ED-4DB2-BD59-A6C34878D82A}">
-                    <a16:rowId xmlns:a16="http://schemas.microsoft.com/office/drawing/2014/main" xmlns="" val="10002"/>
+                    <a16:rowId xmlns="" xmlns:a16="http://schemas.microsoft.com/office/drawing/2014/main" val="10002"/>
                   </a:ext>
                 </a:extLst>
               </a:tr>
@@ -11517,7 +11500,7 @@
                 <a:gridCol w="1800200">
                   <a:extLst>
                     <a:ext uri="{9D8B030D-6E8A-4147-A177-3AD203B41FA5}">
-                      <a16:colId xmlns:a16="http://schemas.microsoft.com/office/drawing/2014/main" xmlns="" val="20000"/>
+                      <a16:colId xmlns="" xmlns:a16="http://schemas.microsoft.com/office/drawing/2014/main" val="20000"/>
                     </a:ext>
                   </a:extLst>
                 </a:gridCol>
@@ -11539,7 +11522,7 @@
                 </a:tc>
                 <a:extLst>
                   <a:ext uri="{0D108BD9-81ED-4DB2-BD59-A6C34878D82A}">
-                    <a16:rowId xmlns:a16="http://schemas.microsoft.com/office/drawing/2014/main" xmlns="" val="10000"/>
+                    <a16:rowId xmlns="" xmlns:a16="http://schemas.microsoft.com/office/drawing/2014/main" val="10000"/>
                   </a:ext>
                 </a:extLst>
               </a:tr>
@@ -11560,7 +11543,7 @@
                 </a:tc>
                 <a:extLst>
                   <a:ext uri="{0D108BD9-81ED-4DB2-BD59-A6C34878D82A}">
-                    <a16:rowId xmlns:a16="http://schemas.microsoft.com/office/drawing/2014/main" xmlns="" val="10001"/>
+                    <a16:rowId xmlns="" xmlns:a16="http://schemas.microsoft.com/office/drawing/2014/main" val="10001"/>
                   </a:ext>
                 </a:extLst>
               </a:tr>
@@ -11581,7 +11564,7 @@
                 </a:tc>
                 <a:extLst>
                   <a:ext uri="{0D108BD9-81ED-4DB2-BD59-A6C34878D82A}">
-                    <a16:rowId xmlns:a16="http://schemas.microsoft.com/office/drawing/2014/main" xmlns="" val="10002"/>
+                    <a16:rowId xmlns="" xmlns:a16="http://schemas.microsoft.com/office/drawing/2014/main" val="10002"/>
                   </a:ext>
                 </a:extLst>
               </a:tr>
@@ -11617,7 +11600,7 @@
                 <a:gridCol w="1463824">
                   <a:extLst>
                     <a:ext uri="{9D8B030D-6E8A-4147-A177-3AD203B41FA5}">
-                      <a16:colId xmlns:a16="http://schemas.microsoft.com/office/drawing/2014/main" xmlns="" val="20000"/>
+                      <a16:colId xmlns="" xmlns:a16="http://schemas.microsoft.com/office/drawing/2014/main" val="20000"/>
                     </a:ext>
                   </a:extLst>
                 </a:gridCol>
@@ -11638,7 +11621,7 @@
                 </a:tc>
                 <a:extLst>
                   <a:ext uri="{0D108BD9-81ED-4DB2-BD59-A6C34878D82A}">
-                    <a16:rowId xmlns:a16="http://schemas.microsoft.com/office/drawing/2014/main" xmlns="" val="10000"/>
+                    <a16:rowId xmlns="" xmlns:a16="http://schemas.microsoft.com/office/drawing/2014/main" val="10000"/>
                   </a:ext>
                 </a:extLst>
               </a:tr>
@@ -11663,7 +11646,7 @@
                 </a:tc>
                 <a:extLst>
                   <a:ext uri="{0D108BD9-81ED-4DB2-BD59-A6C34878D82A}">
-                    <a16:rowId xmlns:a16="http://schemas.microsoft.com/office/drawing/2014/main" xmlns="" val="10001"/>
+                    <a16:rowId xmlns="" xmlns:a16="http://schemas.microsoft.com/office/drawing/2014/main" val="10001"/>
                   </a:ext>
                 </a:extLst>
               </a:tr>
@@ -11684,7 +11667,7 @@
                 </a:tc>
                 <a:extLst>
                   <a:ext uri="{0D108BD9-81ED-4DB2-BD59-A6C34878D82A}">
-                    <a16:rowId xmlns:a16="http://schemas.microsoft.com/office/drawing/2014/main" xmlns="" val="10002"/>
+                    <a16:rowId xmlns="" xmlns:a16="http://schemas.microsoft.com/office/drawing/2014/main" val="10002"/>
                   </a:ext>
                 </a:extLst>
               </a:tr>
@@ -11720,7 +11703,7 @@
                 <a:gridCol w="1463824">
                   <a:extLst>
                     <a:ext uri="{9D8B030D-6E8A-4147-A177-3AD203B41FA5}">
-                      <a16:colId xmlns:a16="http://schemas.microsoft.com/office/drawing/2014/main" xmlns="" val="20000"/>
+                      <a16:colId xmlns="" xmlns:a16="http://schemas.microsoft.com/office/drawing/2014/main" val="20000"/>
                     </a:ext>
                   </a:extLst>
                 </a:gridCol>
@@ -11741,7 +11724,7 @@
                 </a:tc>
                 <a:extLst>
                   <a:ext uri="{0D108BD9-81ED-4DB2-BD59-A6C34878D82A}">
-                    <a16:rowId xmlns:a16="http://schemas.microsoft.com/office/drawing/2014/main" xmlns="" val="10000"/>
+                    <a16:rowId xmlns="" xmlns:a16="http://schemas.microsoft.com/office/drawing/2014/main" val="10000"/>
                   </a:ext>
                 </a:extLst>
               </a:tr>
@@ -11762,7 +11745,7 @@
                 </a:tc>
                 <a:extLst>
                   <a:ext uri="{0D108BD9-81ED-4DB2-BD59-A6C34878D82A}">
-                    <a16:rowId xmlns:a16="http://schemas.microsoft.com/office/drawing/2014/main" xmlns="" val="10001"/>
+                    <a16:rowId xmlns="" xmlns:a16="http://schemas.microsoft.com/office/drawing/2014/main" val="10001"/>
                   </a:ext>
                 </a:extLst>
               </a:tr>
@@ -11789,7 +11772,7 @@
                 </a:tc>
                 <a:extLst>
                   <a:ext uri="{0D108BD9-81ED-4DB2-BD59-A6C34878D82A}">
-                    <a16:rowId xmlns:a16="http://schemas.microsoft.com/office/drawing/2014/main" xmlns="" val="10002"/>
+                    <a16:rowId xmlns="" xmlns:a16="http://schemas.microsoft.com/office/drawing/2014/main" val="10002"/>
                   </a:ext>
                 </a:extLst>
               </a:tr>
@@ -11825,7 +11808,7 @@
                 <a:gridCol w="1800200">
                   <a:extLst>
                     <a:ext uri="{9D8B030D-6E8A-4147-A177-3AD203B41FA5}">
-                      <a16:colId xmlns:a16="http://schemas.microsoft.com/office/drawing/2014/main" xmlns="" val="20000"/>
+                      <a16:colId xmlns="" xmlns:a16="http://schemas.microsoft.com/office/drawing/2014/main" val="20000"/>
                     </a:ext>
                   </a:extLst>
                 </a:gridCol>
@@ -11846,7 +11829,7 @@
                 </a:tc>
                 <a:extLst>
                   <a:ext uri="{0D108BD9-81ED-4DB2-BD59-A6C34878D82A}">
-                    <a16:rowId xmlns:a16="http://schemas.microsoft.com/office/drawing/2014/main" xmlns="" val="10000"/>
+                    <a16:rowId xmlns="" xmlns:a16="http://schemas.microsoft.com/office/drawing/2014/main" val="10000"/>
                   </a:ext>
                 </a:extLst>
               </a:tr>
@@ -11866,7 +11849,7 @@
                 </a:tc>
                 <a:extLst>
                   <a:ext uri="{0D108BD9-81ED-4DB2-BD59-A6C34878D82A}">
-                    <a16:rowId xmlns:a16="http://schemas.microsoft.com/office/drawing/2014/main" xmlns="" val="10001"/>
+                    <a16:rowId xmlns="" xmlns:a16="http://schemas.microsoft.com/office/drawing/2014/main" val="10001"/>
                   </a:ext>
                 </a:extLst>
               </a:tr>
@@ -11886,7 +11869,7 @@
                 </a:tc>
                 <a:extLst>
                   <a:ext uri="{0D108BD9-81ED-4DB2-BD59-A6C34878D82A}">
-                    <a16:rowId xmlns:a16="http://schemas.microsoft.com/office/drawing/2014/main" xmlns="" val="10002"/>
+                    <a16:rowId xmlns="" xmlns:a16="http://schemas.microsoft.com/office/drawing/2014/main" val="10002"/>
                   </a:ext>
                 </a:extLst>
               </a:tr>
@@ -11922,7 +11905,7 @@
                 <a:gridCol w="1463824">
                   <a:extLst>
                     <a:ext uri="{9D8B030D-6E8A-4147-A177-3AD203B41FA5}">
-                      <a16:colId xmlns:a16="http://schemas.microsoft.com/office/drawing/2014/main" xmlns="" val="20000"/>
+                      <a16:colId xmlns="" xmlns:a16="http://schemas.microsoft.com/office/drawing/2014/main" val="20000"/>
                     </a:ext>
                   </a:extLst>
                 </a:gridCol>
@@ -11943,7 +11926,7 @@
                 </a:tc>
                 <a:extLst>
                   <a:ext uri="{0D108BD9-81ED-4DB2-BD59-A6C34878D82A}">
-                    <a16:rowId xmlns:a16="http://schemas.microsoft.com/office/drawing/2014/main" xmlns="" val="10000"/>
+                    <a16:rowId xmlns="" xmlns:a16="http://schemas.microsoft.com/office/drawing/2014/main" val="10000"/>
                   </a:ext>
                 </a:extLst>
               </a:tr>
@@ -11963,7 +11946,7 @@
                 </a:tc>
                 <a:extLst>
                   <a:ext uri="{0D108BD9-81ED-4DB2-BD59-A6C34878D82A}">
-                    <a16:rowId xmlns:a16="http://schemas.microsoft.com/office/drawing/2014/main" xmlns="" val="10001"/>
+                    <a16:rowId xmlns="" xmlns:a16="http://schemas.microsoft.com/office/drawing/2014/main" val="10001"/>
                   </a:ext>
                 </a:extLst>
               </a:tr>
@@ -11983,7 +11966,7 @@
                 </a:tc>
                 <a:extLst>
                   <a:ext uri="{0D108BD9-81ED-4DB2-BD59-A6C34878D82A}">
-                    <a16:rowId xmlns:a16="http://schemas.microsoft.com/office/drawing/2014/main" xmlns="" val="10002"/>
+                    <a16:rowId xmlns="" xmlns:a16="http://schemas.microsoft.com/office/drawing/2014/main" val="10002"/>
                   </a:ext>
                 </a:extLst>
               </a:tr>
@@ -12019,7 +12002,7 @@
                 <a:gridCol w="1463824">
                   <a:extLst>
                     <a:ext uri="{9D8B030D-6E8A-4147-A177-3AD203B41FA5}">
-                      <a16:colId xmlns:a16="http://schemas.microsoft.com/office/drawing/2014/main" xmlns="" val="20000"/>
+                      <a16:colId xmlns="" xmlns:a16="http://schemas.microsoft.com/office/drawing/2014/main" val="20000"/>
                     </a:ext>
                   </a:extLst>
                 </a:gridCol>
@@ -12041,7 +12024,7 @@
                 </a:tc>
                 <a:extLst>
                   <a:ext uri="{0D108BD9-81ED-4DB2-BD59-A6C34878D82A}">
-                    <a16:rowId xmlns:a16="http://schemas.microsoft.com/office/drawing/2014/main" xmlns="" val="10000"/>
+                    <a16:rowId xmlns="" xmlns:a16="http://schemas.microsoft.com/office/drawing/2014/main" val="10000"/>
                   </a:ext>
                 </a:extLst>
               </a:tr>
@@ -12079,7 +12062,7 @@
                 </a:tc>
                 <a:extLst>
                   <a:ext uri="{0D108BD9-81ED-4DB2-BD59-A6C34878D82A}">
-                    <a16:rowId xmlns:a16="http://schemas.microsoft.com/office/drawing/2014/main" xmlns="" val="10001"/>
+                    <a16:rowId xmlns="" xmlns:a16="http://schemas.microsoft.com/office/drawing/2014/main" val="10001"/>
                   </a:ext>
                 </a:extLst>
               </a:tr>
@@ -12100,7 +12083,7 @@
                 </a:tc>
                 <a:extLst>
                   <a:ext uri="{0D108BD9-81ED-4DB2-BD59-A6C34878D82A}">
-                    <a16:rowId xmlns:a16="http://schemas.microsoft.com/office/drawing/2014/main" xmlns="" val="10002"/>
+                    <a16:rowId xmlns="" xmlns:a16="http://schemas.microsoft.com/office/drawing/2014/main" val="10002"/>
                   </a:ext>
                 </a:extLst>
               </a:tr>
@@ -12136,7 +12119,7 @@
                 <a:gridCol w="1463824">
                   <a:extLst>
                     <a:ext uri="{9D8B030D-6E8A-4147-A177-3AD203B41FA5}">
-                      <a16:colId xmlns:a16="http://schemas.microsoft.com/office/drawing/2014/main" xmlns="" val="20000"/>
+                      <a16:colId xmlns="" xmlns:a16="http://schemas.microsoft.com/office/drawing/2014/main" val="20000"/>
                     </a:ext>
                   </a:extLst>
                 </a:gridCol>
@@ -12158,7 +12141,7 @@
                 </a:tc>
                 <a:extLst>
                   <a:ext uri="{0D108BD9-81ED-4DB2-BD59-A6C34878D82A}">
-                    <a16:rowId xmlns:a16="http://schemas.microsoft.com/office/drawing/2014/main" xmlns="" val="10000"/>
+                    <a16:rowId xmlns="" xmlns:a16="http://schemas.microsoft.com/office/drawing/2014/main" val="10000"/>
                   </a:ext>
                 </a:extLst>
               </a:tr>
@@ -12195,7 +12178,7 @@
                 </a:tc>
                 <a:extLst>
                   <a:ext uri="{0D108BD9-81ED-4DB2-BD59-A6C34878D82A}">
-                    <a16:rowId xmlns:a16="http://schemas.microsoft.com/office/drawing/2014/main" xmlns="" val="10001"/>
+                    <a16:rowId xmlns="" xmlns:a16="http://schemas.microsoft.com/office/drawing/2014/main" val="10001"/>
                   </a:ext>
                 </a:extLst>
               </a:tr>
@@ -12216,7 +12199,7 @@
                 </a:tc>
                 <a:extLst>
                   <a:ext uri="{0D108BD9-81ED-4DB2-BD59-A6C34878D82A}">
-                    <a16:rowId xmlns:a16="http://schemas.microsoft.com/office/drawing/2014/main" xmlns="" val="10002"/>
+                    <a16:rowId xmlns="" xmlns:a16="http://schemas.microsoft.com/office/drawing/2014/main" val="10002"/>
                   </a:ext>
                 </a:extLst>
               </a:tr>
@@ -12252,7 +12235,7 @@
                 <a:gridCol w="1463824">
                   <a:extLst>
                     <a:ext uri="{9D8B030D-6E8A-4147-A177-3AD203B41FA5}">
-                      <a16:colId xmlns:a16="http://schemas.microsoft.com/office/drawing/2014/main" xmlns="" val="20000"/>
+                      <a16:colId xmlns="" xmlns:a16="http://schemas.microsoft.com/office/drawing/2014/main" val="20000"/>
                     </a:ext>
                   </a:extLst>
                 </a:gridCol>
@@ -12273,7 +12256,7 @@
                 </a:tc>
                 <a:extLst>
                   <a:ext uri="{0D108BD9-81ED-4DB2-BD59-A6C34878D82A}">
-                    <a16:rowId xmlns:a16="http://schemas.microsoft.com/office/drawing/2014/main" xmlns="" val="10000"/>
+                    <a16:rowId xmlns="" xmlns:a16="http://schemas.microsoft.com/office/drawing/2014/main" val="10000"/>
                   </a:ext>
                 </a:extLst>
               </a:tr>
@@ -12310,7 +12293,7 @@
                 </a:tc>
                 <a:extLst>
                   <a:ext uri="{0D108BD9-81ED-4DB2-BD59-A6C34878D82A}">
-                    <a16:rowId xmlns:a16="http://schemas.microsoft.com/office/drawing/2014/main" xmlns="" val="10001"/>
+                    <a16:rowId xmlns="" xmlns:a16="http://schemas.microsoft.com/office/drawing/2014/main" val="10001"/>
                   </a:ext>
                 </a:extLst>
               </a:tr>
@@ -12331,7 +12314,7 @@
                 </a:tc>
                 <a:extLst>
                   <a:ext uri="{0D108BD9-81ED-4DB2-BD59-A6C34878D82A}">
-                    <a16:rowId xmlns:a16="http://schemas.microsoft.com/office/drawing/2014/main" xmlns="" val="10002"/>
+                    <a16:rowId xmlns="" xmlns:a16="http://schemas.microsoft.com/office/drawing/2014/main" val="10002"/>
                   </a:ext>
                 </a:extLst>
               </a:tr>
@@ -12602,7 +12585,7 @@
           <p:cNvPr id="51" name="28 Tabla">
             <a:extLst>
               <a:ext uri="{FF2B5EF4-FFF2-40B4-BE49-F238E27FC236}">
-                <a16:creationId xmlns:a16="http://schemas.microsoft.com/office/drawing/2014/main" xmlns="" id="{7BC80704-58FD-41C9-9A09-CA32EBE0B254}"/>
+                <a16:creationId xmlns="" xmlns:a16="http://schemas.microsoft.com/office/drawing/2014/main" id="{7BC80704-58FD-41C9-9A09-CA32EBE0B254}"/>
               </a:ext>
             </a:extLst>
           </p:cNvPr>
@@ -12631,7 +12614,7 @@
                 <a:gridCol w="1463824">
                   <a:extLst>
                     <a:ext uri="{9D8B030D-6E8A-4147-A177-3AD203B41FA5}">
-                      <a16:colId xmlns:a16="http://schemas.microsoft.com/office/drawing/2014/main" xmlns="" val="20000"/>
+                      <a16:colId xmlns="" xmlns:a16="http://schemas.microsoft.com/office/drawing/2014/main" val="20000"/>
                     </a:ext>
                   </a:extLst>
                 </a:gridCol>
@@ -12653,7 +12636,7 @@
                 </a:tc>
                 <a:extLst>
                   <a:ext uri="{0D108BD9-81ED-4DB2-BD59-A6C34878D82A}">
-                    <a16:rowId xmlns:a16="http://schemas.microsoft.com/office/drawing/2014/main" xmlns="" val="10000"/>
+                    <a16:rowId xmlns="" xmlns:a16="http://schemas.microsoft.com/office/drawing/2014/main" val="10000"/>
                   </a:ext>
                 </a:extLst>
               </a:tr>
@@ -12691,7 +12674,7 @@
                 </a:tc>
                 <a:extLst>
                   <a:ext uri="{0D108BD9-81ED-4DB2-BD59-A6C34878D82A}">
-                    <a16:rowId xmlns:a16="http://schemas.microsoft.com/office/drawing/2014/main" xmlns="" val="10001"/>
+                    <a16:rowId xmlns="" xmlns:a16="http://schemas.microsoft.com/office/drawing/2014/main" val="10001"/>
                   </a:ext>
                 </a:extLst>
               </a:tr>
@@ -12712,7 +12695,7 @@
                 </a:tc>
                 <a:extLst>
                   <a:ext uri="{0D108BD9-81ED-4DB2-BD59-A6C34878D82A}">
-                    <a16:rowId xmlns:a16="http://schemas.microsoft.com/office/drawing/2014/main" xmlns="" val="10002"/>
+                    <a16:rowId xmlns="" xmlns:a16="http://schemas.microsoft.com/office/drawing/2014/main" val="10002"/>
                   </a:ext>
                 </a:extLst>
               </a:tr>
@@ -12779,7 +12762,7 @@
                 <a:gridCol w="1103784">
                   <a:extLst>
                     <a:ext uri="{9D8B030D-6E8A-4147-A177-3AD203B41FA5}">
-                      <a16:colId xmlns:a16="http://schemas.microsoft.com/office/drawing/2014/main" xmlns="" val="20000"/>
+                      <a16:colId xmlns="" xmlns:a16="http://schemas.microsoft.com/office/drawing/2014/main" val="20000"/>
                     </a:ext>
                   </a:extLst>
                 </a:gridCol>
@@ -12801,7 +12784,7 @@
                 </a:tc>
                 <a:extLst>
                   <a:ext uri="{0D108BD9-81ED-4DB2-BD59-A6C34878D82A}">
-                    <a16:rowId xmlns:a16="http://schemas.microsoft.com/office/drawing/2014/main" xmlns="" val="10000"/>
+                    <a16:rowId xmlns="" xmlns:a16="http://schemas.microsoft.com/office/drawing/2014/main" val="10000"/>
                   </a:ext>
                 </a:extLst>
               </a:tr>
@@ -12826,7 +12809,7 @@
                 </a:tc>
                 <a:extLst>
                   <a:ext uri="{0D108BD9-81ED-4DB2-BD59-A6C34878D82A}">
-                    <a16:rowId xmlns:a16="http://schemas.microsoft.com/office/drawing/2014/main" xmlns="" val="10001"/>
+                    <a16:rowId xmlns="" xmlns:a16="http://schemas.microsoft.com/office/drawing/2014/main" val="10001"/>
                   </a:ext>
                 </a:extLst>
               </a:tr>
@@ -12868,7 +12851,7 @@
                 </a:tc>
                 <a:extLst>
                   <a:ext uri="{0D108BD9-81ED-4DB2-BD59-A6C34878D82A}">
-                    <a16:rowId xmlns:a16="http://schemas.microsoft.com/office/drawing/2014/main" xmlns="" val="10002"/>
+                    <a16:rowId xmlns="" xmlns:a16="http://schemas.microsoft.com/office/drawing/2014/main" val="10002"/>
                   </a:ext>
                 </a:extLst>
               </a:tr>
@@ -12911,7 +12894,7 @@
           <p:cNvPr id="2" name="24 Tabla">
             <a:extLst>
               <a:ext uri="{FF2B5EF4-FFF2-40B4-BE49-F238E27FC236}">
-                <a16:creationId xmlns:a16="http://schemas.microsoft.com/office/drawing/2014/main" xmlns="" id="{F6A8AF39-2787-44F7-B4F6-72ABA8FD81D3}"/>
+                <a16:creationId xmlns="" xmlns:a16="http://schemas.microsoft.com/office/drawing/2014/main" id="{F6A8AF39-2787-44F7-B4F6-72ABA8FD81D3}"/>
               </a:ext>
             </a:extLst>
           </p:cNvPr>
@@ -12940,7 +12923,7 @@
                 <a:gridCol w="1463824">
                   <a:extLst>
                     <a:ext uri="{9D8B030D-6E8A-4147-A177-3AD203B41FA5}">
-                      <a16:colId xmlns:a16="http://schemas.microsoft.com/office/drawing/2014/main" xmlns="" val="20000"/>
+                      <a16:colId xmlns="" xmlns:a16="http://schemas.microsoft.com/office/drawing/2014/main" val="20000"/>
                     </a:ext>
                   </a:extLst>
                 </a:gridCol>
@@ -12962,7 +12945,7 @@
                 </a:tc>
                 <a:extLst>
                   <a:ext uri="{0D108BD9-81ED-4DB2-BD59-A6C34878D82A}">
-                    <a16:rowId xmlns:a16="http://schemas.microsoft.com/office/drawing/2014/main" xmlns="" val="10000"/>
+                    <a16:rowId xmlns="" xmlns:a16="http://schemas.microsoft.com/office/drawing/2014/main" val="10000"/>
                   </a:ext>
                 </a:extLst>
               </a:tr>
@@ -12983,7 +12966,7 @@
                 </a:tc>
                 <a:extLst>
                   <a:ext uri="{0D108BD9-81ED-4DB2-BD59-A6C34878D82A}">
-                    <a16:rowId xmlns:a16="http://schemas.microsoft.com/office/drawing/2014/main" xmlns="" val="10001"/>
+                    <a16:rowId xmlns="" xmlns:a16="http://schemas.microsoft.com/office/drawing/2014/main" val="10001"/>
                   </a:ext>
                 </a:extLst>
               </a:tr>
@@ -13070,7 +13053,7 @@
                 </a:tc>
                 <a:extLst>
                   <a:ext uri="{0D108BD9-81ED-4DB2-BD59-A6C34878D82A}">
-                    <a16:rowId xmlns:a16="http://schemas.microsoft.com/office/drawing/2014/main" xmlns="" val="10002"/>
+                    <a16:rowId xmlns="" xmlns:a16="http://schemas.microsoft.com/office/drawing/2014/main" val="10002"/>
                   </a:ext>
                 </a:extLst>
               </a:tr>
@@ -13083,7 +13066,7 @@
           <p:cNvPr id="3" name="24 Tabla">
             <a:extLst>
               <a:ext uri="{FF2B5EF4-FFF2-40B4-BE49-F238E27FC236}">
-                <a16:creationId xmlns:a16="http://schemas.microsoft.com/office/drawing/2014/main" xmlns="" id="{F6A8AF39-2787-44F7-B4F6-72ABA8FD81D3}"/>
+                <a16:creationId xmlns="" xmlns:a16="http://schemas.microsoft.com/office/drawing/2014/main" id="{F6A8AF39-2787-44F7-B4F6-72ABA8FD81D3}"/>
               </a:ext>
             </a:extLst>
           </p:cNvPr>
@@ -13112,7 +13095,7 @@
                 <a:gridCol w="1463824">
                   <a:extLst>
                     <a:ext uri="{9D8B030D-6E8A-4147-A177-3AD203B41FA5}">
-                      <a16:colId xmlns:a16="http://schemas.microsoft.com/office/drawing/2014/main" xmlns="" val="20000"/>
+                      <a16:colId xmlns="" xmlns:a16="http://schemas.microsoft.com/office/drawing/2014/main" val="20000"/>
                     </a:ext>
                   </a:extLst>
                 </a:gridCol>
@@ -13134,7 +13117,7 @@
                 </a:tc>
                 <a:extLst>
                   <a:ext uri="{0D108BD9-81ED-4DB2-BD59-A6C34878D82A}">
-                    <a16:rowId xmlns:a16="http://schemas.microsoft.com/office/drawing/2014/main" xmlns="" val="10000"/>
+                    <a16:rowId xmlns="" xmlns:a16="http://schemas.microsoft.com/office/drawing/2014/main" val="10000"/>
                   </a:ext>
                 </a:extLst>
               </a:tr>
@@ -13154,7 +13137,7 @@
                 </a:tc>
                 <a:extLst>
                   <a:ext uri="{0D108BD9-81ED-4DB2-BD59-A6C34878D82A}">
-                    <a16:rowId xmlns:a16="http://schemas.microsoft.com/office/drawing/2014/main" xmlns="" val="10001"/>
+                    <a16:rowId xmlns="" xmlns:a16="http://schemas.microsoft.com/office/drawing/2014/main" val="10001"/>
                   </a:ext>
                 </a:extLst>
               </a:tr>
@@ -13175,7 +13158,7 @@
                 </a:tc>
                 <a:extLst>
                   <a:ext uri="{0D108BD9-81ED-4DB2-BD59-A6C34878D82A}">
-                    <a16:rowId xmlns:a16="http://schemas.microsoft.com/office/drawing/2014/main" xmlns="" val="10002"/>
+                    <a16:rowId xmlns="" xmlns:a16="http://schemas.microsoft.com/office/drawing/2014/main" val="10002"/>
                   </a:ext>
                 </a:extLst>
               </a:tr>
@@ -13188,7 +13171,7 @@
           <p:cNvPr id="4" name="24 Tabla">
             <a:extLst>
               <a:ext uri="{FF2B5EF4-FFF2-40B4-BE49-F238E27FC236}">
-                <a16:creationId xmlns:a16="http://schemas.microsoft.com/office/drawing/2014/main" xmlns="" id="{F6A8AF39-2787-44F7-B4F6-72ABA8FD81D3}"/>
+                <a16:creationId xmlns="" xmlns:a16="http://schemas.microsoft.com/office/drawing/2014/main" id="{F6A8AF39-2787-44F7-B4F6-72ABA8FD81D3}"/>
               </a:ext>
             </a:extLst>
           </p:cNvPr>
@@ -13217,7 +13200,7 @@
                 <a:gridCol w="1463824">
                   <a:extLst>
                     <a:ext uri="{9D8B030D-6E8A-4147-A177-3AD203B41FA5}">
-                      <a16:colId xmlns:a16="http://schemas.microsoft.com/office/drawing/2014/main" xmlns="" val="20000"/>
+                      <a16:colId xmlns="" xmlns:a16="http://schemas.microsoft.com/office/drawing/2014/main" val="20000"/>
                     </a:ext>
                   </a:extLst>
                 </a:gridCol>
@@ -13239,7 +13222,7 @@
                 </a:tc>
                 <a:extLst>
                   <a:ext uri="{0D108BD9-81ED-4DB2-BD59-A6C34878D82A}">
-                    <a16:rowId xmlns:a16="http://schemas.microsoft.com/office/drawing/2014/main" xmlns="" val="10000"/>
+                    <a16:rowId xmlns="" xmlns:a16="http://schemas.microsoft.com/office/drawing/2014/main" val="10000"/>
                   </a:ext>
                 </a:extLst>
               </a:tr>
@@ -13260,7 +13243,7 @@
                 </a:tc>
                 <a:extLst>
                   <a:ext uri="{0D108BD9-81ED-4DB2-BD59-A6C34878D82A}">
-                    <a16:rowId xmlns:a16="http://schemas.microsoft.com/office/drawing/2014/main" xmlns="" val="10001"/>
+                    <a16:rowId xmlns="" xmlns:a16="http://schemas.microsoft.com/office/drawing/2014/main" val="10001"/>
                   </a:ext>
                 </a:extLst>
               </a:tr>
@@ -13281,7 +13264,7 @@
                 </a:tc>
                 <a:extLst>
                   <a:ext uri="{0D108BD9-81ED-4DB2-BD59-A6C34878D82A}">
-                    <a16:rowId xmlns:a16="http://schemas.microsoft.com/office/drawing/2014/main" xmlns="" val="10002"/>
+                    <a16:rowId xmlns="" xmlns:a16="http://schemas.microsoft.com/office/drawing/2014/main" val="10002"/>
                   </a:ext>
                 </a:extLst>
               </a:tr>
@@ -13352,7 +13335,7 @@
           <p:cNvPr id="9" name="36 Tabla">
             <a:extLst>
               <a:ext uri="{FF2B5EF4-FFF2-40B4-BE49-F238E27FC236}">
-                <a16:creationId xmlns:a16="http://schemas.microsoft.com/office/drawing/2014/main" xmlns="" id="{74E71F2C-CF67-4AFF-8B3F-B7DD43BBFA8A}"/>
+                <a16:creationId xmlns="" xmlns:a16="http://schemas.microsoft.com/office/drawing/2014/main" id="{74E71F2C-CF67-4AFF-8B3F-B7DD43BBFA8A}"/>
               </a:ext>
             </a:extLst>
           </p:cNvPr>
@@ -13381,7 +13364,7 @@
                 <a:gridCol w="1463824">
                   <a:extLst>
                     <a:ext uri="{9D8B030D-6E8A-4147-A177-3AD203B41FA5}">
-                      <a16:colId xmlns:a16="http://schemas.microsoft.com/office/drawing/2014/main" xmlns="" val="20000"/>
+                      <a16:colId xmlns="" xmlns:a16="http://schemas.microsoft.com/office/drawing/2014/main" val="20000"/>
                     </a:ext>
                   </a:extLst>
                 </a:gridCol>
@@ -13402,7 +13385,7 @@
                 </a:tc>
                 <a:extLst>
                   <a:ext uri="{0D108BD9-81ED-4DB2-BD59-A6C34878D82A}">
-                    <a16:rowId xmlns:a16="http://schemas.microsoft.com/office/drawing/2014/main" xmlns="" val="10000"/>
+                    <a16:rowId xmlns="" xmlns:a16="http://schemas.microsoft.com/office/drawing/2014/main" val="10000"/>
                   </a:ext>
                 </a:extLst>
               </a:tr>
@@ -13423,7 +13406,7 @@
                 </a:tc>
                 <a:extLst>
                   <a:ext uri="{0D108BD9-81ED-4DB2-BD59-A6C34878D82A}">
-                    <a16:rowId xmlns:a16="http://schemas.microsoft.com/office/drawing/2014/main" xmlns="" val="10001"/>
+                    <a16:rowId xmlns="" xmlns:a16="http://schemas.microsoft.com/office/drawing/2014/main" val="10001"/>
                   </a:ext>
                 </a:extLst>
               </a:tr>
@@ -13451,7 +13434,7 @@
                 </a:tc>
                 <a:extLst>
                   <a:ext uri="{0D108BD9-81ED-4DB2-BD59-A6C34878D82A}">
-                    <a16:rowId xmlns:a16="http://schemas.microsoft.com/office/drawing/2014/main" xmlns="" val="10002"/>
+                    <a16:rowId xmlns="" xmlns:a16="http://schemas.microsoft.com/office/drawing/2014/main" val="10002"/>
                   </a:ext>
                 </a:extLst>
               </a:tr>
@@ -13487,7 +13470,7 @@
                 <a:gridCol w="1463824">
                   <a:extLst>
                     <a:ext uri="{9D8B030D-6E8A-4147-A177-3AD203B41FA5}">
-                      <a16:colId xmlns:a16="http://schemas.microsoft.com/office/drawing/2014/main" xmlns="" val="20000"/>
+                      <a16:colId xmlns="" xmlns:a16="http://schemas.microsoft.com/office/drawing/2014/main" val="20000"/>
                     </a:ext>
                   </a:extLst>
                 </a:gridCol>
@@ -13508,7 +13491,7 @@
                 </a:tc>
                 <a:extLst>
                   <a:ext uri="{0D108BD9-81ED-4DB2-BD59-A6C34878D82A}">
-                    <a16:rowId xmlns:a16="http://schemas.microsoft.com/office/drawing/2014/main" xmlns="" val="10000"/>
+                    <a16:rowId xmlns="" xmlns:a16="http://schemas.microsoft.com/office/drawing/2014/main" val="10000"/>
                   </a:ext>
                 </a:extLst>
               </a:tr>
@@ -13529,7 +13512,7 @@
                 </a:tc>
                 <a:extLst>
                   <a:ext uri="{0D108BD9-81ED-4DB2-BD59-A6C34878D82A}">
-                    <a16:rowId xmlns:a16="http://schemas.microsoft.com/office/drawing/2014/main" xmlns="" val="10001"/>
+                    <a16:rowId xmlns="" xmlns:a16="http://schemas.microsoft.com/office/drawing/2014/main" val="10001"/>
                   </a:ext>
                 </a:extLst>
               </a:tr>
@@ -13550,7 +13533,7 @@
                 </a:tc>
                 <a:extLst>
                   <a:ext uri="{0D108BD9-81ED-4DB2-BD59-A6C34878D82A}">
-                    <a16:rowId xmlns:a16="http://schemas.microsoft.com/office/drawing/2014/main" xmlns="" val="10002"/>
+                    <a16:rowId xmlns="" xmlns:a16="http://schemas.microsoft.com/office/drawing/2014/main" val="10002"/>
                   </a:ext>
                 </a:extLst>
               </a:tr>
@@ -13615,7 +13598,7 @@
                 <a:gridCol w="1463824">
                   <a:extLst>
                     <a:ext uri="{9D8B030D-6E8A-4147-A177-3AD203B41FA5}">
-                      <a16:colId xmlns:a16="http://schemas.microsoft.com/office/drawing/2014/main" xmlns="" val="20000"/>
+                      <a16:colId xmlns="" xmlns:a16="http://schemas.microsoft.com/office/drawing/2014/main" val="20000"/>
                     </a:ext>
                   </a:extLst>
                 </a:gridCol>
@@ -13636,7 +13619,7 @@
                 </a:tc>
                 <a:extLst>
                   <a:ext uri="{0D108BD9-81ED-4DB2-BD59-A6C34878D82A}">
-                    <a16:rowId xmlns:a16="http://schemas.microsoft.com/office/drawing/2014/main" xmlns="" val="10000"/>
+                    <a16:rowId xmlns="" xmlns:a16="http://schemas.microsoft.com/office/drawing/2014/main" val="10000"/>
                   </a:ext>
                 </a:extLst>
               </a:tr>
@@ -13657,7 +13640,7 @@
                 </a:tc>
                 <a:extLst>
                   <a:ext uri="{0D108BD9-81ED-4DB2-BD59-A6C34878D82A}">
-                    <a16:rowId xmlns:a16="http://schemas.microsoft.com/office/drawing/2014/main" xmlns="" val="10001"/>
+                    <a16:rowId xmlns="" xmlns:a16="http://schemas.microsoft.com/office/drawing/2014/main" val="10001"/>
                   </a:ext>
                 </a:extLst>
               </a:tr>
@@ -13678,7 +13661,7 @@
                 </a:tc>
                 <a:extLst>
                   <a:ext uri="{0D108BD9-81ED-4DB2-BD59-A6C34878D82A}">
-                    <a16:rowId xmlns:a16="http://schemas.microsoft.com/office/drawing/2014/main" xmlns="" val="10002"/>
+                    <a16:rowId xmlns="" xmlns:a16="http://schemas.microsoft.com/office/drawing/2014/main" val="10002"/>
                   </a:ext>
                 </a:extLst>
               </a:tr>
@@ -13714,7 +13697,7 @@
                 <a:gridCol w="1463824">
                   <a:extLst>
                     <a:ext uri="{9D8B030D-6E8A-4147-A177-3AD203B41FA5}">
-                      <a16:colId xmlns:a16="http://schemas.microsoft.com/office/drawing/2014/main" xmlns="" val="20000"/>
+                      <a16:colId xmlns="" xmlns:a16="http://schemas.microsoft.com/office/drawing/2014/main" val="20000"/>
                     </a:ext>
                   </a:extLst>
                 </a:gridCol>
@@ -13735,7 +13718,7 @@
                 </a:tc>
                 <a:extLst>
                   <a:ext uri="{0D108BD9-81ED-4DB2-BD59-A6C34878D82A}">
-                    <a16:rowId xmlns:a16="http://schemas.microsoft.com/office/drawing/2014/main" xmlns="" val="10000"/>
+                    <a16:rowId xmlns="" xmlns:a16="http://schemas.microsoft.com/office/drawing/2014/main" val="10000"/>
                   </a:ext>
                 </a:extLst>
               </a:tr>
@@ -13756,7 +13739,7 @@
                 </a:tc>
                 <a:extLst>
                   <a:ext uri="{0D108BD9-81ED-4DB2-BD59-A6C34878D82A}">
-                    <a16:rowId xmlns:a16="http://schemas.microsoft.com/office/drawing/2014/main" xmlns="" val="10001"/>
+                    <a16:rowId xmlns="" xmlns:a16="http://schemas.microsoft.com/office/drawing/2014/main" val="10001"/>
                   </a:ext>
                 </a:extLst>
               </a:tr>
@@ -13777,7 +13760,7 @@
                 </a:tc>
                 <a:extLst>
                   <a:ext uri="{0D108BD9-81ED-4DB2-BD59-A6C34878D82A}">
-                    <a16:rowId xmlns:a16="http://schemas.microsoft.com/office/drawing/2014/main" xmlns="" val="10002"/>
+                    <a16:rowId xmlns="" xmlns:a16="http://schemas.microsoft.com/office/drawing/2014/main" val="10002"/>
                   </a:ext>
                 </a:extLst>
               </a:tr>
@@ -13813,7 +13796,7 @@
                 <a:gridCol w="1463824">
                   <a:extLst>
                     <a:ext uri="{9D8B030D-6E8A-4147-A177-3AD203B41FA5}">
-                      <a16:colId xmlns:a16="http://schemas.microsoft.com/office/drawing/2014/main" xmlns="" val="20000"/>
+                      <a16:colId xmlns="" xmlns:a16="http://schemas.microsoft.com/office/drawing/2014/main" val="20000"/>
                     </a:ext>
                   </a:extLst>
                 </a:gridCol>
@@ -13834,7 +13817,7 @@
                 </a:tc>
                 <a:extLst>
                   <a:ext uri="{0D108BD9-81ED-4DB2-BD59-A6C34878D82A}">
-                    <a16:rowId xmlns:a16="http://schemas.microsoft.com/office/drawing/2014/main" xmlns="" val="10000"/>
+                    <a16:rowId xmlns="" xmlns:a16="http://schemas.microsoft.com/office/drawing/2014/main" val="10000"/>
                   </a:ext>
                 </a:extLst>
               </a:tr>
@@ -13855,7 +13838,7 @@
                 </a:tc>
                 <a:extLst>
                   <a:ext uri="{0D108BD9-81ED-4DB2-BD59-A6C34878D82A}">
-                    <a16:rowId xmlns:a16="http://schemas.microsoft.com/office/drawing/2014/main" xmlns="" val="10001"/>
+                    <a16:rowId xmlns="" xmlns:a16="http://schemas.microsoft.com/office/drawing/2014/main" val="10001"/>
                   </a:ext>
                 </a:extLst>
               </a:tr>
@@ -13876,7 +13859,7 @@
                 </a:tc>
                 <a:extLst>
                   <a:ext uri="{0D108BD9-81ED-4DB2-BD59-A6C34878D82A}">
-                    <a16:rowId xmlns:a16="http://schemas.microsoft.com/office/drawing/2014/main" xmlns="" val="10002"/>
+                    <a16:rowId xmlns="" xmlns:a16="http://schemas.microsoft.com/office/drawing/2014/main" val="10002"/>
                   </a:ext>
                 </a:extLst>
               </a:tr>
@@ -13912,7 +13895,7 @@
                 <a:gridCol w="1463824">
                   <a:extLst>
                     <a:ext uri="{9D8B030D-6E8A-4147-A177-3AD203B41FA5}">
-                      <a16:colId xmlns:a16="http://schemas.microsoft.com/office/drawing/2014/main" xmlns="" val="20000"/>
+                      <a16:colId xmlns="" xmlns:a16="http://schemas.microsoft.com/office/drawing/2014/main" val="20000"/>
                     </a:ext>
                   </a:extLst>
                 </a:gridCol>
@@ -13933,7 +13916,7 @@
                 </a:tc>
                 <a:extLst>
                   <a:ext uri="{0D108BD9-81ED-4DB2-BD59-A6C34878D82A}">
-                    <a16:rowId xmlns:a16="http://schemas.microsoft.com/office/drawing/2014/main" xmlns="" val="10000"/>
+                    <a16:rowId xmlns="" xmlns:a16="http://schemas.microsoft.com/office/drawing/2014/main" val="10000"/>
                   </a:ext>
                 </a:extLst>
               </a:tr>
@@ -13954,7 +13937,7 @@
                 </a:tc>
                 <a:extLst>
                   <a:ext uri="{0D108BD9-81ED-4DB2-BD59-A6C34878D82A}">
-                    <a16:rowId xmlns:a16="http://schemas.microsoft.com/office/drawing/2014/main" xmlns="" val="10001"/>
+                    <a16:rowId xmlns="" xmlns:a16="http://schemas.microsoft.com/office/drawing/2014/main" val="10001"/>
                   </a:ext>
                 </a:extLst>
               </a:tr>
@@ -13975,7 +13958,7 @@
                 </a:tc>
                 <a:extLst>
                   <a:ext uri="{0D108BD9-81ED-4DB2-BD59-A6C34878D82A}">
-                    <a16:rowId xmlns:a16="http://schemas.microsoft.com/office/drawing/2014/main" xmlns="" val="10002"/>
+                    <a16:rowId xmlns="" xmlns:a16="http://schemas.microsoft.com/office/drawing/2014/main" val="10002"/>
                   </a:ext>
                 </a:extLst>
               </a:tr>
@@ -14129,7 +14112,7 @@
                 <a:gridCol w="1463824">
                   <a:extLst>
                     <a:ext uri="{9D8B030D-6E8A-4147-A177-3AD203B41FA5}">
-                      <a16:colId xmlns:a16="http://schemas.microsoft.com/office/drawing/2014/main" xmlns="" val="20000"/>
+                      <a16:colId xmlns="" xmlns:a16="http://schemas.microsoft.com/office/drawing/2014/main" val="20000"/>
                     </a:ext>
                   </a:extLst>
                 </a:gridCol>
@@ -14151,7 +14134,7 @@
                 </a:tc>
                 <a:extLst>
                   <a:ext uri="{0D108BD9-81ED-4DB2-BD59-A6C34878D82A}">
-                    <a16:rowId xmlns:a16="http://schemas.microsoft.com/office/drawing/2014/main" xmlns="" val="10000"/>
+                    <a16:rowId xmlns="" xmlns:a16="http://schemas.microsoft.com/office/drawing/2014/main" val="10000"/>
                   </a:ext>
                 </a:extLst>
               </a:tr>
@@ -14172,7 +14155,7 @@
                 </a:tc>
                 <a:extLst>
                   <a:ext uri="{0D108BD9-81ED-4DB2-BD59-A6C34878D82A}">
-                    <a16:rowId xmlns:a16="http://schemas.microsoft.com/office/drawing/2014/main" xmlns="" val="10001"/>
+                    <a16:rowId xmlns="" xmlns:a16="http://schemas.microsoft.com/office/drawing/2014/main" val="10001"/>
                   </a:ext>
                 </a:extLst>
               </a:tr>
@@ -14193,7 +14176,7 @@
                 </a:tc>
                 <a:extLst>
                   <a:ext uri="{0D108BD9-81ED-4DB2-BD59-A6C34878D82A}">
-                    <a16:rowId xmlns:a16="http://schemas.microsoft.com/office/drawing/2014/main" xmlns="" val="10002"/>
+                    <a16:rowId xmlns="" xmlns:a16="http://schemas.microsoft.com/office/drawing/2014/main" val="10002"/>
                   </a:ext>
                 </a:extLst>
               </a:tr>
@@ -14229,7 +14212,7 @@
                 <a:gridCol w="1463824">
                   <a:extLst>
                     <a:ext uri="{9D8B030D-6E8A-4147-A177-3AD203B41FA5}">
-                      <a16:colId xmlns:a16="http://schemas.microsoft.com/office/drawing/2014/main" xmlns="" val="20000"/>
+                      <a16:colId xmlns="" xmlns:a16="http://schemas.microsoft.com/office/drawing/2014/main" val="20000"/>
                     </a:ext>
                   </a:extLst>
                 </a:gridCol>
@@ -14251,7 +14234,7 @@
                 </a:tc>
                 <a:extLst>
                   <a:ext uri="{0D108BD9-81ED-4DB2-BD59-A6C34878D82A}">
-                    <a16:rowId xmlns:a16="http://schemas.microsoft.com/office/drawing/2014/main" xmlns="" val="10000"/>
+                    <a16:rowId xmlns="" xmlns:a16="http://schemas.microsoft.com/office/drawing/2014/main" val="10000"/>
                   </a:ext>
                 </a:extLst>
               </a:tr>
@@ -14272,7 +14255,7 @@
                 </a:tc>
                 <a:extLst>
                   <a:ext uri="{0D108BD9-81ED-4DB2-BD59-A6C34878D82A}">
-                    <a16:rowId xmlns:a16="http://schemas.microsoft.com/office/drawing/2014/main" xmlns="" val="10001"/>
+                    <a16:rowId xmlns="" xmlns:a16="http://schemas.microsoft.com/office/drawing/2014/main" val="10001"/>
                   </a:ext>
                 </a:extLst>
               </a:tr>
@@ -14293,7 +14276,7 @@
                 </a:tc>
                 <a:extLst>
                   <a:ext uri="{0D108BD9-81ED-4DB2-BD59-A6C34878D82A}">
-                    <a16:rowId xmlns:a16="http://schemas.microsoft.com/office/drawing/2014/main" xmlns="" val="10002"/>
+                    <a16:rowId xmlns="" xmlns:a16="http://schemas.microsoft.com/office/drawing/2014/main" val="10002"/>
                   </a:ext>
                 </a:extLst>
               </a:tr>

--- a/Documentación Soporte/Documento Tablas - Relaciones Borrador.pptx
+++ b/Documentación Soporte/Documento Tablas - Relaciones Borrador.pptx
@@ -110,7 +110,7 @@
   </p:defaultTextStyle>
   <p:extLst>
     <p:ext uri="{EFAFB233-063F-42B5-8137-9DF3F51BA10A}">
-      <p15:sldGuideLst xmlns="" xmlns:p15="http://schemas.microsoft.com/office/powerpoint/2012/main">
+      <p15:sldGuideLst xmlns:p15="http://schemas.microsoft.com/office/powerpoint/2012/main" xmlns="">
         <p15:guide id="1" orient="horz" pos="2160">
           <p15:clr>
             <a:srgbClr val="A4A3A4"/>
@@ -306,7 +306,7 @@
           <a:p>
             <a:fld id="{4BC66413-18F1-4893-88B2-0A18709E0B52}" type="datetimeFigureOut">
               <a:rPr lang="es-ES" smtClean="0"/>
-              <a:t>04/06/2020</a:t>
+              <a:t>05/06/2020</a:t>
             </a:fld>
             <a:endParaRPr lang="es-ES"/>
           </a:p>
@@ -474,7 +474,7 @@
           <a:p>
             <a:fld id="{4BC66413-18F1-4893-88B2-0A18709E0B52}" type="datetimeFigureOut">
               <a:rPr lang="es-ES" smtClean="0"/>
-              <a:t>04/06/2020</a:t>
+              <a:t>05/06/2020</a:t>
             </a:fld>
             <a:endParaRPr lang="es-ES"/>
           </a:p>
@@ -652,7 +652,7 @@
           <a:p>
             <a:fld id="{4BC66413-18F1-4893-88B2-0A18709E0B52}" type="datetimeFigureOut">
               <a:rPr lang="es-ES" smtClean="0"/>
-              <a:t>04/06/2020</a:t>
+              <a:t>05/06/2020</a:t>
             </a:fld>
             <a:endParaRPr lang="es-ES"/>
           </a:p>
@@ -820,7 +820,7 @@
           <a:p>
             <a:fld id="{4BC66413-18F1-4893-88B2-0A18709E0B52}" type="datetimeFigureOut">
               <a:rPr lang="es-ES" smtClean="0"/>
-              <a:t>04/06/2020</a:t>
+              <a:t>05/06/2020</a:t>
             </a:fld>
             <a:endParaRPr lang="es-ES"/>
           </a:p>
@@ -1065,7 +1065,7 @@
           <a:p>
             <a:fld id="{4BC66413-18F1-4893-88B2-0A18709E0B52}" type="datetimeFigureOut">
               <a:rPr lang="es-ES" smtClean="0"/>
-              <a:t>04/06/2020</a:t>
+              <a:t>05/06/2020</a:t>
             </a:fld>
             <a:endParaRPr lang="es-ES"/>
           </a:p>
@@ -1350,7 +1350,7 @@
           <a:p>
             <a:fld id="{4BC66413-18F1-4893-88B2-0A18709E0B52}" type="datetimeFigureOut">
               <a:rPr lang="es-ES" smtClean="0"/>
-              <a:t>04/06/2020</a:t>
+              <a:t>05/06/2020</a:t>
             </a:fld>
             <a:endParaRPr lang="es-ES"/>
           </a:p>
@@ -1769,7 +1769,7 @@
           <a:p>
             <a:fld id="{4BC66413-18F1-4893-88B2-0A18709E0B52}" type="datetimeFigureOut">
               <a:rPr lang="es-ES" smtClean="0"/>
-              <a:t>04/06/2020</a:t>
+              <a:t>05/06/2020</a:t>
             </a:fld>
             <a:endParaRPr lang="es-ES"/>
           </a:p>
@@ -1886,7 +1886,7 @@
           <a:p>
             <a:fld id="{4BC66413-18F1-4893-88B2-0A18709E0B52}" type="datetimeFigureOut">
               <a:rPr lang="es-ES" smtClean="0"/>
-              <a:t>04/06/2020</a:t>
+              <a:t>05/06/2020</a:t>
             </a:fld>
             <a:endParaRPr lang="es-ES"/>
           </a:p>
@@ -1981,7 +1981,7 @@
           <a:p>
             <a:fld id="{4BC66413-18F1-4893-88B2-0A18709E0B52}" type="datetimeFigureOut">
               <a:rPr lang="es-ES" smtClean="0"/>
-              <a:t>04/06/2020</a:t>
+              <a:t>05/06/2020</a:t>
             </a:fld>
             <a:endParaRPr lang="es-ES"/>
           </a:p>
@@ -2256,7 +2256,7 @@
           <a:p>
             <a:fld id="{4BC66413-18F1-4893-88B2-0A18709E0B52}" type="datetimeFigureOut">
               <a:rPr lang="es-ES" smtClean="0"/>
-              <a:t>04/06/2020</a:t>
+              <a:t>05/06/2020</a:t>
             </a:fld>
             <a:endParaRPr lang="es-ES"/>
           </a:p>
@@ -2508,7 +2508,7 @@
           <a:p>
             <a:fld id="{4BC66413-18F1-4893-88B2-0A18709E0B52}" type="datetimeFigureOut">
               <a:rPr lang="es-ES" smtClean="0"/>
-              <a:t>04/06/2020</a:t>
+              <a:t>05/06/2020</a:t>
             </a:fld>
             <a:endParaRPr lang="es-ES"/>
           </a:p>
@@ -2719,7 +2719,7 @@
           <a:p>
             <a:fld id="{4BC66413-18F1-4893-88B2-0A18709E0B52}" type="datetimeFigureOut">
               <a:rPr lang="es-ES" smtClean="0"/>
-              <a:t>04/06/2020</a:t>
+              <a:t>05/06/2020</a:t>
             </a:fld>
             <a:endParaRPr lang="es-ES"/>
           </a:p>
@@ -3122,7 +3122,7 @@
                 <a:gridCol w="1463824">
                   <a:extLst>
                     <a:ext uri="{9D8B030D-6E8A-4147-A177-3AD203B41FA5}">
-                      <a16:colId xmlns="" xmlns:a16="http://schemas.microsoft.com/office/drawing/2014/main" val="20000"/>
+                      <a16:colId xmlns:a16="http://schemas.microsoft.com/office/drawing/2014/main" xmlns="" val="20000"/>
                     </a:ext>
                   </a:extLst>
                 </a:gridCol>
@@ -3144,7 +3144,7 @@
                 </a:tc>
                 <a:extLst>
                   <a:ext uri="{0D108BD9-81ED-4DB2-BD59-A6C34878D82A}">
-                    <a16:rowId xmlns="" xmlns:a16="http://schemas.microsoft.com/office/drawing/2014/main" val="10000"/>
+                    <a16:rowId xmlns:a16="http://schemas.microsoft.com/office/drawing/2014/main" xmlns="" val="10000"/>
                   </a:ext>
                 </a:extLst>
               </a:tr>
@@ -3212,7 +3212,7 @@
                 </a:tc>
                 <a:extLst>
                   <a:ext uri="{0D108BD9-81ED-4DB2-BD59-A6C34878D82A}">
-                    <a16:rowId xmlns="" xmlns:a16="http://schemas.microsoft.com/office/drawing/2014/main" val="10001"/>
+                    <a16:rowId xmlns:a16="http://schemas.microsoft.com/office/drawing/2014/main" xmlns="" val="10001"/>
                   </a:ext>
                 </a:extLst>
               </a:tr>
@@ -3245,7 +3245,7 @@
                 </a:tc>
                 <a:extLst>
                   <a:ext uri="{0D108BD9-81ED-4DB2-BD59-A6C34878D82A}">
-                    <a16:rowId xmlns="" xmlns:a16="http://schemas.microsoft.com/office/drawing/2014/main" val="10002"/>
+                    <a16:rowId xmlns:a16="http://schemas.microsoft.com/office/drawing/2014/main" xmlns="" val="10002"/>
                   </a:ext>
                 </a:extLst>
               </a:tr>
@@ -3281,7 +3281,7 @@
                 <a:gridCol w="1463824">
                   <a:extLst>
                     <a:ext uri="{9D8B030D-6E8A-4147-A177-3AD203B41FA5}">
-                      <a16:colId xmlns="" xmlns:a16="http://schemas.microsoft.com/office/drawing/2014/main" val="20000"/>
+                      <a16:colId xmlns:a16="http://schemas.microsoft.com/office/drawing/2014/main" xmlns="" val="20000"/>
                     </a:ext>
                   </a:extLst>
                 </a:gridCol>
@@ -3303,7 +3303,7 @@
                 </a:tc>
                 <a:extLst>
                   <a:ext uri="{0D108BD9-81ED-4DB2-BD59-A6C34878D82A}">
-                    <a16:rowId xmlns="" xmlns:a16="http://schemas.microsoft.com/office/drawing/2014/main" val="10000"/>
+                    <a16:rowId xmlns:a16="http://schemas.microsoft.com/office/drawing/2014/main" xmlns="" val="10000"/>
                   </a:ext>
                 </a:extLst>
               </a:tr>
@@ -3324,7 +3324,7 @@
                 </a:tc>
                 <a:extLst>
                   <a:ext uri="{0D108BD9-81ED-4DB2-BD59-A6C34878D82A}">
-                    <a16:rowId xmlns="" xmlns:a16="http://schemas.microsoft.com/office/drawing/2014/main" val="10001"/>
+                    <a16:rowId xmlns:a16="http://schemas.microsoft.com/office/drawing/2014/main" xmlns="" val="10001"/>
                   </a:ext>
                 </a:extLst>
               </a:tr>
@@ -3537,7 +3537,7 @@
                 </a:tc>
                 <a:extLst>
                   <a:ext uri="{0D108BD9-81ED-4DB2-BD59-A6C34878D82A}">
-                    <a16:rowId xmlns="" xmlns:a16="http://schemas.microsoft.com/office/drawing/2014/main" val="10002"/>
+                    <a16:rowId xmlns:a16="http://schemas.microsoft.com/office/drawing/2014/main" xmlns="" val="10002"/>
                   </a:ext>
                 </a:extLst>
               </a:tr>
@@ -3573,7 +3573,7 @@
                 <a:gridCol w="1463824">
                   <a:extLst>
                     <a:ext uri="{9D8B030D-6E8A-4147-A177-3AD203B41FA5}">
-                      <a16:colId xmlns="" xmlns:a16="http://schemas.microsoft.com/office/drawing/2014/main" val="20000"/>
+                      <a16:colId xmlns:a16="http://schemas.microsoft.com/office/drawing/2014/main" xmlns="" val="20000"/>
                     </a:ext>
                   </a:extLst>
                 </a:gridCol>
@@ -3595,7 +3595,7 @@
                 </a:tc>
                 <a:extLst>
                   <a:ext uri="{0D108BD9-81ED-4DB2-BD59-A6C34878D82A}">
-                    <a16:rowId xmlns="" xmlns:a16="http://schemas.microsoft.com/office/drawing/2014/main" val="10000"/>
+                    <a16:rowId xmlns:a16="http://schemas.microsoft.com/office/drawing/2014/main" xmlns="" val="10000"/>
                   </a:ext>
                 </a:extLst>
               </a:tr>
@@ -3616,7 +3616,7 @@
                 </a:tc>
                 <a:extLst>
                   <a:ext uri="{0D108BD9-81ED-4DB2-BD59-A6C34878D82A}">
-                    <a16:rowId xmlns="" xmlns:a16="http://schemas.microsoft.com/office/drawing/2014/main" val="10001"/>
+                    <a16:rowId xmlns:a16="http://schemas.microsoft.com/office/drawing/2014/main" xmlns="" val="10001"/>
                   </a:ext>
                 </a:extLst>
               </a:tr>
@@ -3780,7 +3780,7 @@
                 </a:tc>
                 <a:extLst>
                   <a:ext uri="{0D108BD9-81ED-4DB2-BD59-A6C34878D82A}">
-                    <a16:rowId xmlns="" xmlns:a16="http://schemas.microsoft.com/office/drawing/2014/main" val="10002"/>
+                    <a16:rowId xmlns:a16="http://schemas.microsoft.com/office/drawing/2014/main" xmlns="" val="10002"/>
                   </a:ext>
                 </a:extLst>
               </a:tr>
@@ -3816,7 +3816,7 @@
                 <a:gridCol w="1332402">
                   <a:extLst>
                     <a:ext uri="{9D8B030D-6E8A-4147-A177-3AD203B41FA5}">
-                      <a16:colId xmlns="" xmlns:a16="http://schemas.microsoft.com/office/drawing/2014/main" val="20000"/>
+                      <a16:colId xmlns:a16="http://schemas.microsoft.com/office/drawing/2014/main" xmlns="" val="20000"/>
                     </a:ext>
                   </a:extLst>
                 </a:gridCol>
@@ -3837,7 +3837,7 @@
                 </a:tc>
                 <a:extLst>
                   <a:ext uri="{0D108BD9-81ED-4DB2-BD59-A6C34878D82A}">
-                    <a16:rowId xmlns="" xmlns:a16="http://schemas.microsoft.com/office/drawing/2014/main" val="10000"/>
+                    <a16:rowId xmlns:a16="http://schemas.microsoft.com/office/drawing/2014/main" xmlns="" val="10000"/>
                   </a:ext>
                 </a:extLst>
               </a:tr>
@@ -3864,7 +3864,7 @@
                 </a:tc>
                 <a:extLst>
                   <a:ext uri="{0D108BD9-81ED-4DB2-BD59-A6C34878D82A}">
-                    <a16:rowId xmlns="" xmlns:a16="http://schemas.microsoft.com/office/drawing/2014/main" val="10001"/>
+                    <a16:rowId xmlns:a16="http://schemas.microsoft.com/office/drawing/2014/main" xmlns="" val="10001"/>
                   </a:ext>
                 </a:extLst>
               </a:tr>
@@ -3951,7 +3951,7 @@
                 </a:tc>
                 <a:extLst>
                   <a:ext uri="{0D108BD9-81ED-4DB2-BD59-A6C34878D82A}">
-                    <a16:rowId xmlns="" xmlns:a16="http://schemas.microsoft.com/office/drawing/2014/main" val="10002"/>
+                    <a16:rowId xmlns:a16="http://schemas.microsoft.com/office/drawing/2014/main" xmlns="" val="10002"/>
                   </a:ext>
                 </a:extLst>
               </a:tr>
@@ -3987,7 +3987,7 @@
                 <a:gridCol w="1296144">
                   <a:extLst>
                     <a:ext uri="{9D8B030D-6E8A-4147-A177-3AD203B41FA5}">
-                      <a16:colId xmlns="" xmlns:a16="http://schemas.microsoft.com/office/drawing/2014/main" val="20000"/>
+                      <a16:colId xmlns:a16="http://schemas.microsoft.com/office/drawing/2014/main" xmlns="" val="20000"/>
                     </a:ext>
                   </a:extLst>
                 </a:gridCol>
@@ -4013,7 +4013,7 @@
                 </a:tc>
                 <a:extLst>
                   <a:ext uri="{0D108BD9-81ED-4DB2-BD59-A6C34878D82A}">
-                    <a16:rowId xmlns="" xmlns:a16="http://schemas.microsoft.com/office/drawing/2014/main" val="10000"/>
+                    <a16:rowId xmlns:a16="http://schemas.microsoft.com/office/drawing/2014/main" xmlns="" val="10000"/>
                   </a:ext>
                 </a:extLst>
               </a:tr>
@@ -4039,7 +4039,7 @@
                 </a:tc>
                 <a:extLst>
                   <a:ext uri="{0D108BD9-81ED-4DB2-BD59-A6C34878D82A}">
-                    <a16:rowId xmlns="" xmlns:a16="http://schemas.microsoft.com/office/drawing/2014/main" val="10001"/>
+                    <a16:rowId xmlns:a16="http://schemas.microsoft.com/office/drawing/2014/main" xmlns="" val="10001"/>
                   </a:ext>
                 </a:extLst>
               </a:tr>
@@ -4066,7 +4066,7 @@
                 </a:tc>
                 <a:extLst>
                   <a:ext uri="{0D108BD9-81ED-4DB2-BD59-A6C34878D82A}">
-                    <a16:rowId xmlns="" xmlns:a16="http://schemas.microsoft.com/office/drawing/2014/main" val="10002"/>
+                    <a16:rowId xmlns:a16="http://schemas.microsoft.com/office/drawing/2014/main" xmlns="" val="10002"/>
                   </a:ext>
                 </a:extLst>
               </a:tr>
@@ -4102,7 +4102,7 @@
                 <a:gridCol w="1317165">
                   <a:extLst>
                     <a:ext uri="{9D8B030D-6E8A-4147-A177-3AD203B41FA5}">
-                      <a16:colId xmlns="" xmlns:a16="http://schemas.microsoft.com/office/drawing/2014/main" val="20000"/>
+                      <a16:colId xmlns:a16="http://schemas.microsoft.com/office/drawing/2014/main" xmlns="" val="20000"/>
                     </a:ext>
                   </a:extLst>
                 </a:gridCol>
@@ -4124,7 +4124,7 @@
                 </a:tc>
                 <a:extLst>
                   <a:ext uri="{0D108BD9-81ED-4DB2-BD59-A6C34878D82A}">
-                    <a16:rowId xmlns="" xmlns:a16="http://schemas.microsoft.com/office/drawing/2014/main" val="10000"/>
+                    <a16:rowId xmlns:a16="http://schemas.microsoft.com/office/drawing/2014/main" xmlns="" val="10000"/>
                   </a:ext>
                 </a:extLst>
               </a:tr>
@@ -4145,7 +4145,7 @@
                 </a:tc>
                 <a:extLst>
                   <a:ext uri="{0D108BD9-81ED-4DB2-BD59-A6C34878D82A}">
-                    <a16:rowId xmlns="" xmlns:a16="http://schemas.microsoft.com/office/drawing/2014/main" val="10001"/>
+                    <a16:rowId xmlns:a16="http://schemas.microsoft.com/office/drawing/2014/main" xmlns="" val="10001"/>
                   </a:ext>
                 </a:extLst>
               </a:tr>
@@ -4251,7 +4251,7 @@
                 </a:tc>
                 <a:extLst>
                   <a:ext uri="{0D108BD9-81ED-4DB2-BD59-A6C34878D82A}">
-                    <a16:rowId xmlns="" xmlns:a16="http://schemas.microsoft.com/office/drawing/2014/main" val="10002"/>
+                    <a16:rowId xmlns:a16="http://schemas.microsoft.com/office/drawing/2014/main" xmlns="" val="10002"/>
                   </a:ext>
                 </a:extLst>
               </a:tr>
@@ -4287,7 +4287,7 @@
                 <a:gridCol w="1080120">
                   <a:extLst>
                     <a:ext uri="{9D8B030D-6E8A-4147-A177-3AD203B41FA5}">
-                      <a16:colId xmlns="" xmlns:a16="http://schemas.microsoft.com/office/drawing/2014/main" val="20000"/>
+                      <a16:colId xmlns:a16="http://schemas.microsoft.com/office/drawing/2014/main" xmlns="" val="20000"/>
                     </a:ext>
                   </a:extLst>
                 </a:gridCol>
@@ -4309,7 +4309,7 @@
                 </a:tc>
                 <a:extLst>
                   <a:ext uri="{0D108BD9-81ED-4DB2-BD59-A6C34878D82A}">
-                    <a16:rowId xmlns="" xmlns:a16="http://schemas.microsoft.com/office/drawing/2014/main" val="10000"/>
+                    <a16:rowId xmlns:a16="http://schemas.microsoft.com/office/drawing/2014/main" xmlns="" val="10000"/>
                   </a:ext>
                 </a:extLst>
               </a:tr>
@@ -4342,7 +4342,7 @@
                 </a:tc>
                 <a:extLst>
                   <a:ext uri="{0D108BD9-81ED-4DB2-BD59-A6C34878D82A}">
-                    <a16:rowId xmlns="" xmlns:a16="http://schemas.microsoft.com/office/drawing/2014/main" val="10001"/>
+                    <a16:rowId xmlns:a16="http://schemas.microsoft.com/office/drawing/2014/main" xmlns="" val="10001"/>
                   </a:ext>
                 </a:extLst>
               </a:tr>
@@ -4375,7 +4375,7 @@
                 </a:tc>
                 <a:extLst>
                   <a:ext uri="{0D108BD9-81ED-4DB2-BD59-A6C34878D82A}">
-                    <a16:rowId xmlns="" xmlns:a16="http://schemas.microsoft.com/office/drawing/2014/main" val="10002"/>
+                    <a16:rowId xmlns:a16="http://schemas.microsoft.com/office/drawing/2014/main" xmlns="" val="10002"/>
                   </a:ext>
                 </a:extLst>
               </a:tr>
@@ -4392,14 +4392,14 @@
           <p:nvPr>
             <p:extLst>
               <p:ext uri="{D42A27DB-BD31-4B8C-83A1-F6EECF244321}">
-                <p14:modId xmlns:p14="http://schemas.microsoft.com/office/powerpoint/2010/main" val="680192760"/>
+                <p14:modId xmlns:p14="http://schemas.microsoft.com/office/powerpoint/2010/main" val="2340703283"/>
               </p:ext>
             </p:extLst>
           </p:nvPr>
         </p:nvGraphicFramePr>
         <p:xfrm>
           <a:off x="3923928" y="4581128"/>
-          <a:ext cx="1512168" cy="1371600"/>
+          <a:ext cx="1512168" cy="1493520"/>
         </p:xfrm>
         <a:graphic>
           <a:graphicData uri="http://schemas.openxmlformats.org/drawingml/2006/table">
@@ -4411,7 +4411,7 @@
                 <a:gridCol w="1512168">
                   <a:extLst>
                     <a:ext uri="{9D8B030D-6E8A-4147-A177-3AD203B41FA5}">
-                      <a16:colId xmlns="" xmlns:a16="http://schemas.microsoft.com/office/drawing/2014/main" val="20000"/>
+                      <a16:colId xmlns:a16="http://schemas.microsoft.com/office/drawing/2014/main" xmlns="" val="20000"/>
                     </a:ext>
                   </a:extLst>
                 </a:gridCol>
@@ -4433,7 +4433,7 @@
                 </a:tc>
                 <a:extLst>
                   <a:ext uri="{0D108BD9-81ED-4DB2-BD59-A6C34878D82A}">
-                    <a16:rowId xmlns="" xmlns:a16="http://schemas.microsoft.com/office/drawing/2014/main" val="10000"/>
+                    <a16:rowId xmlns:a16="http://schemas.microsoft.com/office/drawing/2014/main" xmlns="" val="10000"/>
                   </a:ext>
                 </a:extLst>
               </a:tr>
@@ -4445,7 +4445,7 @@
                     <a:p>
                       <a:r>
                         <a:rPr lang="es-ES" sz="800" dirty="0" smtClean="0"/>
-                        <a:t>EVENTO</a:t>
+                        <a:t>ID_EVENTO</a:t>
                       </a:r>
                       <a:endParaRPr lang="es-ES" sz="800" dirty="0"/>
                     </a:p>
@@ -4454,7 +4454,7 @@
                 </a:tc>
                 <a:extLst>
                   <a:ext uri="{0D108BD9-81ED-4DB2-BD59-A6C34878D82A}">
-                    <a16:rowId xmlns="" xmlns:a16="http://schemas.microsoft.com/office/drawing/2014/main" val="10001"/>
+                    <a16:rowId xmlns:a16="http://schemas.microsoft.com/office/drawing/2014/main" xmlns="" val="10001"/>
                   </a:ext>
                 </a:extLst>
               </a:tr>
@@ -4512,12 +4512,9 @@
                       </a:pPr>
                       <a:r>
                         <a:rPr lang="es-ES" sz="800" dirty="0" smtClean="0"/>
-                        <a:t>FECHA</a:t>
-                      </a:r>
-                      <a:r>
-                        <a:rPr lang="es-ES" sz="800" baseline="0" dirty="0" smtClean="0"/>
-                        <a:t>_INICIO</a:t>
-                      </a:r>
+                        <a:t>DESCRIPCION</a:t>
+                      </a:r>
+                      <a:endParaRPr lang="es-ES" sz="800" dirty="0" smtClean="0"/>
                     </a:p>
                     <a:p>
                       <a:pPr marL="0" marR="0" indent="0" algn="l" defTabSz="914400" rtl="0" eaLnBrk="1" fontAlgn="auto" latinLnBrk="0" hangingPunct="1">
@@ -4538,8 +4535,12 @@
                         <a:defRPr/>
                       </a:pPr>
                       <a:r>
+                        <a:rPr lang="es-ES" sz="800" dirty="0" smtClean="0"/>
+                        <a:t>FECHA</a:t>
+                      </a:r>
+                      <a:r>
                         <a:rPr lang="es-ES" sz="800" baseline="0" dirty="0" smtClean="0"/>
-                        <a:t>FECHA_ESPERADA_FIN</a:t>
+                        <a:t>_INICIO</a:t>
                       </a:r>
                     </a:p>
                     <a:p>
@@ -4562,6 +4563,29 @@
                       </a:pPr>
                       <a:r>
                         <a:rPr lang="es-ES" sz="800" baseline="0" dirty="0" smtClean="0"/>
+                        <a:t>FECHA_ESPERADA_FIN</a:t>
+                      </a:r>
+                    </a:p>
+                    <a:p>
+                      <a:pPr marL="0" marR="0" indent="0" algn="l" defTabSz="914400" rtl="0" eaLnBrk="1" fontAlgn="auto" latinLnBrk="0" hangingPunct="1">
+                        <a:lnSpc>
+                          <a:spcPct val="100000"/>
+                        </a:lnSpc>
+                        <a:spcBef>
+                          <a:spcPts val="0"/>
+                        </a:spcBef>
+                        <a:spcAft>
+                          <a:spcPts val="0"/>
+                        </a:spcAft>
+                        <a:buClrTx/>
+                        <a:buSzTx/>
+                        <a:buFontTx/>
+                        <a:buNone/>
+                        <a:tabLst/>
+                        <a:defRPr/>
+                      </a:pPr>
+                      <a:r>
+                        <a:rPr lang="es-ES" sz="800" baseline="0" dirty="0" smtClean="0"/>
                         <a:t>ID_TRAMITADOR</a:t>
                       </a:r>
                       <a:endParaRPr lang="es-ES" sz="800" dirty="0" smtClean="0"/>
@@ -4584,7 +4608,7 @@
                 </a:tc>
                 <a:extLst>
                   <a:ext uri="{0D108BD9-81ED-4DB2-BD59-A6C34878D82A}">
-                    <a16:rowId xmlns="" xmlns:a16="http://schemas.microsoft.com/office/drawing/2014/main" val="10002"/>
+                    <a16:rowId xmlns:a16="http://schemas.microsoft.com/office/drawing/2014/main" xmlns="" val="10002"/>
                   </a:ext>
                 </a:extLst>
               </a:tr>
@@ -4620,7 +4644,7 @@
                 <a:gridCol w="1463824">
                   <a:extLst>
                     <a:ext uri="{9D8B030D-6E8A-4147-A177-3AD203B41FA5}">
-                      <a16:colId xmlns="" xmlns:a16="http://schemas.microsoft.com/office/drawing/2014/main" val="20000"/>
+                      <a16:colId xmlns:a16="http://schemas.microsoft.com/office/drawing/2014/main" xmlns="" val="20000"/>
                     </a:ext>
                   </a:extLst>
                 </a:gridCol>
@@ -4642,7 +4666,7 @@
                 </a:tc>
                 <a:extLst>
                   <a:ext uri="{0D108BD9-81ED-4DB2-BD59-A6C34878D82A}">
-                    <a16:rowId xmlns="" xmlns:a16="http://schemas.microsoft.com/office/drawing/2014/main" val="10000"/>
+                    <a16:rowId xmlns:a16="http://schemas.microsoft.com/office/drawing/2014/main" xmlns="" val="10000"/>
                   </a:ext>
                 </a:extLst>
               </a:tr>
@@ -4669,7 +4693,7 @@
                 </a:tc>
                 <a:extLst>
                   <a:ext uri="{0D108BD9-81ED-4DB2-BD59-A6C34878D82A}">
-                    <a16:rowId xmlns="" xmlns:a16="http://schemas.microsoft.com/office/drawing/2014/main" val="10001"/>
+                    <a16:rowId xmlns:a16="http://schemas.microsoft.com/office/drawing/2014/main" xmlns="" val="10001"/>
                   </a:ext>
                 </a:extLst>
               </a:tr>
@@ -4690,7 +4714,7 @@
                 </a:tc>
                 <a:extLst>
                   <a:ext uri="{0D108BD9-81ED-4DB2-BD59-A6C34878D82A}">
-                    <a16:rowId xmlns="" xmlns:a16="http://schemas.microsoft.com/office/drawing/2014/main" val="10002"/>
+                    <a16:rowId xmlns:a16="http://schemas.microsoft.com/office/drawing/2014/main" xmlns="" val="10002"/>
                   </a:ext>
                 </a:extLst>
               </a:tr>
@@ -5033,7 +5057,7 @@
                 <a:gridCol w="1080120">
                   <a:extLst>
                     <a:ext uri="{9D8B030D-6E8A-4147-A177-3AD203B41FA5}">
-                      <a16:colId xmlns="" xmlns:a16="http://schemas.microsoft.com/office/drawing/2014/main" val="20000"/>
+                      <a16:colId xmlns:a16="http://schemas.microsoft.com/office/drawing/2014/main" xmlns="" val="20000"/>
                     </a:ext>
                   </a:extLst>
                 </a:gridCol>
@@ -5055,7 +5079,7 @@
                 </a:tc>
                 <a:extLst>
                   <a:ext uri="{0D108BD9-81ED-4DB2-BD59-A6C34878D82A}">
-                    <a16:rowId xmlns="" xmlns:a16="http://schemas.microsoft.com/office/drawing/2014/main" val="10000"/>
+                    <a16:rowId xmlns:a16="http://schemas.microsoft.com/office/drawing/2014/main" xmlns="" val="10000"/>
                   </a:ext>
                 </a:extLst>
               </a:tr>
@@ -5082,7 +5106,7 @@
                 </a:tc>
                 <a:extLst>
                   <a:ext uri="{0D108BD9-81ED-4DB2-BD59-A6C34878D82A}">
-                    <a16:rowId xmlns="" xmlns:a16="http://schemas.microsoft.com/office/drawing/2014/main" val="10001"/>
+                    <a16:rowId xmlns:a16="http://schemas.microsoft.com/office/drawing/2014/main" xmlns="" val="10001"/>
                   </a:ext>
                 </a:extLst>
               </a:tr>
@@ -5115,7 +5139,7 @@
                 </a:tc>
                 <a:extLst>
                   <a:ext uri="{0D108BD9-81ED-4DB2-BD59-A6C34878D82A}">
-                    <a16:rowId xmlns="" xmlns:a16="http://schemas.microsoft.com/office/drawing/2014/main" val="10002"/>
+                    <a16:rowId xmlns:a16="http://schemas.microsoft.com/office/drawing/2014/main" xmlns="" val="10002"/>
                   </a:ext>
                 </a:extLst>
               </a:tr>
@@ -5191,7 +5215,7 @@
                 <a:gridCol w="1368152">
                   <a:extLst>
                     <a:ext uri="{9D8B030D-6E8A-4147-A177-3AD203B41FA5}">
-                      <a16:colId xmlns="" xmlns:a16="http://schemas.microsoft.com/office/drawing/2014/main" val="20000"/>
+                      <a16:colId xmlns:a16="http://schemas.microsoft.com/office/drawing/2014/main" xmlns="" val="20000"/>
                     </a:ext>
                   </a:extLst>
                 </a:gridCol>
@@ -5213,7 +5237,7 @@
                 </a:tc>
                 <a:extLst>
                   <a:ext uri="{0D108BD9-81ED-4DB2-BD59-A6C34878D82A}">
-                    <a16:rowId xmlns="" xmlns:a16="http://schemas.microsoft.com/office/drawing/2014/main" val="10000"/>
+                    <a16:rowId xmlns:a16="http://schemas.microsoft.com/office/drawing/2014/main" xmlns="" val="10000"/>
                   </a:ext>
                 </a:extLst>
               </a:tr>
@@ -5282,7 +5306,7 @@
                 </a:tc>
                 <a:extLst>
                   <a:ext uri="{0D108BD9-81ED-4DB2-BD59-A6C34878D82A}">
-                    <a16:rowId xmlns="" xmlns:a16="http://schemas.microsoft.com/office/drawing/2014/main" val="10001"/>
+                    <a16:rowId xmlns:a16="http://schemas.microsoft.com/office/drawing/2014/main" xmlns="" val="10001"/>
                   </a:ext>
                 </a:extLst>
               </a:tr>
@@ -5315,7 +5339,7 @@
                 </a:tc>
                 <a:extLst>
                   <a:ext uri="{0D108BD9-81ED-4DB2-BD59-A6C34878D82A}">
-                    <a16:rowId xmlns="" xmlns:a16="http://schemas.microsoft.com/office/drawing/2014/main" val="10002"/>
+                    <a16:rowId xmlns:a16="http://schemas.microsoft.com/office/drawing/2014/main" xmlns="" val="10002"/>
                   </a:ext>
                 </a:extLst>
               </a:tr>
@@ -5368,7 +5392,7 @@
           <p:cNvPr id="20" name="CuadroTexto 19">
             <a:extLst>
               <a:ext uri="{FF2B5EF4-FFF2-40B4-BE49-F238E27FC236}">
-                <a16:creationId xmlns="" xmlns:a16="http://schemas.microsoft.com/office/drawing/2014/main" id="{58ABF96F-D80D-4391-85D2-883FE28F91A0}"/>
+                <a16:creationId xmlns:a16="http://schemas.microsoft.com/office/drawing/2014/main" xmlns="" id="{58ABF96F-D80D-4391-85D2-883FE28F91A0}"/>
               </a:ext>
             </a:extLst>
           </p:cNvPr>
@@ -5403,7 +5427,7 @@
           <p:cNvPr id="39" name="CuadroTexto 38">
             <a:extLst>
               <a:ext uri="{FF2B5EF4-FFF2-40B4-BE49-F238E27FC236}">
-                <a16:creationId xmlns="" xmlns:a16="http://schemas.microsoft.com/office/drawing/2014/main" id="{6B08FE2C-B795-482D-8B2D-91CAB6048C42}"/>
+                <a16:creationId xmlns:a16="http://schemas.microsoft.com/office/drawing/2014/main" xmlns="" id="{6B08FE2C-B795-482D-8B2D-91CAB6048C42}"/>
               </a:ext>
             </a:extLst>
           </p:cNvPr>
@@ -5438,7 +5462,7 @@
           <p:cNvPr id="42" name="CuadroTexto 41">
             <a:extLst>
               <a:ext uri="{FF2B5EF4-FFF2-40B4-BE49-F238E27FC236}">
-                <a16:creationId xmlns="" xmlns:a16="http://schemas.microsoft.com/office/drawing/2014/main" id="{D4BD3DB6-0773-492F-8371-E4DBF04AB502}"/>
+                <a16:creationId xmlns:a16="http://schemas.microsoft.com/office/drawing/2014/main" xmlns="" id="{D4BD3DB6-0773-492F-8371-E4DBF04AB502}"/>
               </a:ext>
             </a:extLst>
           </p:cNvPr>
@@ -5474,7 +5498,7 @@
           <p:cNvPr id="43" name="CuadroTexto 42">
             <a:extLst>
               <a:ext uri="{FF2B5EF4-FFF2-40B4-BE49-F238E27FC236}">
-                <a16:creationId xmlns="" xmlns:a16="http://schemas.microsoft.com/office/drawing/2014/main" id="{319322CE-E44B-4D1D-8E0E-B3B87AE651CB}"/>
+                <a16:creationId xmlns:a16="http://schemas.microsoft.com/office/drawing/2014/main" xmlns="" id="{319322CE-E44B-4D1D-8E0E-B3B87AE651CB}"/>
               </a:ext>
             </a:extLst>
           </p:cNvPr>
@@ -5509,7 +5533,7 @@
           <p:cNvPr id="45" name="CuadroTexto 44">
             <a:extLst>
               <a:ext uri="{FF2B5EF4-FFF2-40B4-BE49-F238E27FC236}">
-                <a16:creationId xmlns="" xmlns:a16="http://schemas.microsoft.com/office/drawing/2014/main" id="{58DDF0F6-557A-42E3-87C5-C25B3173C4ED}"/>
+                <a16:creationId xmlns:a16="http://schemas.microsoft.com/office/drawing/2014/main" xmlns="" id="{58DDF0F6-557A-42E3-87C5-C25B3173C4ED}"/>
               </a:ext>
             </a:extLst>
           </p:cNvPr>
@@ -5544,7 +5568,7 @@
           <p:cNvPr id="46" name="CuadroTexto 45">
             <a:extLst>
               <a:ext uri="{FF2B5EF4-FFF2-40B4-BE49-F238E27FC236}">
-                <a16:creationId xmlns="" xmlns:a16="http://schemas.microsoft.com/office/drawing/2014/main" id="{55F53D7F-2119-4913-AA53-D870B574148E}"/>
+                <a16:creationId xmlns:a16="http://schemas.microsoft.com/office/drawing/2014/main" xmlns="" id="{55F53D7F-2119-4913-AA53-D870B574148E}"/>
               </a:ext>
             </a:extLst>
           </p:cNvPr>
@@ -5579,7 +5603,7 @@
           <p:cNvPr id="52" name="CuadroTexto 51">
             <a:extLst>
               <a:ext uri="{FF2B5EF4-FFF2-40B4-BE49-F238E27FC236}">
-                <a16:creationId xmlns="" xmlns:a16="http://schemas.microsoft.com/office/drawing/2014/main" id="{B6D70908-F77F-48B9-9026-68A9D9B4D50E}"/>
+                <a16:creationId xmlns:a16="http://schemas.microsoft.com/office/drawing/2014/main" xmlns="" id="{B6D70908-F77F-48B9-9026-68A9D9B4D50E}"/>
               </a:ext>
             </a:extLst>
           </p:cNvPr>
@@ -5614,7 +5638,7 @@
           <p:cNvPr id="53" name="CuadroTexto 52">
             <a:extLst>
               <a:ext uri="{FF2B5EF4-FFF2-40B4-BE49-F238E27FC236}">
-                <a16:creationId xmlns="" xmlns:a16="http://schemas.microsoft.com/office/drawing/2014/main" id="{753AD79F-CA2B-4809-8F9C-D46F075A8F66}"/>
+                <a16:creationId xmlns:a16="http://schemas.microsoft.com/office/drawing/2014/main" xmlns="" id="{753AD79F-CA2B-4809-8F9C-D46F075A8F66}"/>
               </a:ext>
             </a:extLst>
           </p:cNvPr>
@@ -5649,7 +5673,7 @@
           <p:cNvPr id="57" name="CuadroTexto 56">
             <a:extLst>
               <a:ext uri="{FF2B5EF4-FFF2-40B4-BE49-F238E27FC236}">
-                <a16:creationId xmlns="" xmlns:a16="http://schemas.microsoft.com/office/drawing/2014/main" id="{D5180711-4B86-4B2F-956C-8DDD8710CE54}"/>
+                <a16:creationId xmlns:a16="http://schemas.microsoft.com/office/drawing/2014/main" xmlns="" id="{D5180711-4B86-4B2F-956C-8DDD8710CE54}"/>
               </a:ext>
             </a:extLst>
           </p:cNvPr>
@@ -5684,7 +5708,7 @@
           <p:cNvPr id="58" name="CuadroTexto 57">
             <a:extLst>
               <a:ext uri="{FF2B5EF4-FFF2-40B4-BE49-F238E27FC236}">
-                <a16:creationId xmlns="" xmlns:a16="http://schemas.microsoft.com/office/drawing/2014/main" id="{D7B2DB04-F793-460A-B7CB-1510DCB68D1D}"/>
+                <a16:creationId xmlns:a16="http://schemas.microsoft.com/office/drawing/2014/main" xmlns="" id="{D7B2DB04-F793-460A-B7CB-1510DCB68D1D}"/>
               </a:ext>
             </a:extLst>
           </p:cNvPr>
@@ -5719,7 +5743,7 @@
           <p:cNvPr id="66" name="18 Tabla">
             <a:extLst>
               <a:ext uri="{FF2B5EF4-FFF2-40B4-BE49-F238E27FC236}">
-                <a16:creationId xmlns="" xmlns:a16="http://schemas.microsoft.com/office/drawing/2014/main" id="{05566C85-30C2-4CE1-8CE7-EDB88250823F}"/>
+                <a16:creationId xmlns:a16="http://schemas.microsoft.com/office/drawing/2014/main" xmlns="" id="{05566C85-30C2-4CE1-8CE7-EDB88250823F}"/>
               </a:ext>
             </a:extLst>
           </p:cNvPr>
@@ -5748,7 +5772,7 @@
                 <a:gridCol w="1920581">
                   <a:extLst>
                     <a:ext uri="{9D8B030D-6E8A-4147-A177-3AD203B41FA5}">
-                      <a16:colId xmlns="" xmlns:a16="http://schemas.microsoft.com/office/drawing/2014/main" val="20000"/>
+                      <a16:colId xmlns:a16="http://schemas.microsoft.com/office/drawing/2014/main" xmlns="" val="20000"/>
                     </a:ext>
                   </a:extLst>
                 </a:gridCol>
@@ -5770,7 +5794,7 @@
                 </a:tc>
                 <a:extLst>
                   <a:ext uri="{0D108BD9-81ED-4DB2-BD59-A6C34878D82A}">
-                    <a16:rowId xmlns="" xmlns:a16="http://schemas.microsoft.com/office/drawing/2014/main" val="10000"/>
+                    <a16:rowId xmlns:a16="http://schemas.microsoft.com/office/drawing/2014/main" xmlns="" val="10000"/>
                   </a:ext>
                 </a:extLst>
               </a:tr>
@@ -5803,7 +5827,7 @@
                 </a:tc>
                 <a:extLst>
                   <a:ext uri="{0D108BD9-81ED-4DB2-BD59-A6C34878D82A}">
-                    <a16:rowId xmlns="" xmlns:a16="http://schemas.microsoft.com/office/drawing/2014/main" val="10001"/>
+                    <a16:rowId xmlns:a16="http://schemas.microsoft.com/office/drawing/2014/main" xmlns="" val="10001"/>
                   </a:ext>
                 </a:extLst>
               </a:tr>
@@ -5824,7 +5848,7 @@
                 </a:tc>
                 <a:extLst>
                   <a:ext uri="{0D108BD9-81ED-4DB2-BD59-A6C34878D82A}">
-                    <a16:rowId xmlns="" xmlns:a16="http://schemas.microsoft.com/office/drawing/2014/main" val="10002"/>
+                    <a16:rowId xmlns:a16="http://schemas.microsoft.com/office/drawing/2014/main" xmlns="" val="10002"/>
                   </a:ext>
                 </a:extLst>
               </a:tr>
@@ -5837,7 +5861,7 @@
           <p:cNvPr id="67" name="23 Conector angular">
             <a:extLst>
               <a:ext uri="{FF2B5EF4-FFF2-40B4-BE49-F238E27FC236}">
-                <a16:creationId xmlns="" xmlns:a16="http://schemas.microsoft.com/office/drawing/2014/main" id="{651FD637-AEF2-4614-B81D-AA28E6099CB3}"/>
+                <a16:creationId xmlns:a16="http://schemas.microsoft.com/office/drawing/2014/main" xmlns="" id="{651FD637-AEF2-4614-B81D-AA28E6099CB3}"/>
               </a:ext>
             </a:extLst>
           </p:cNvPr>
@@ -5880,7 +5904,7 @@
           <p:cNvPr id="68" name="CuadroTexto 67">
             <a:extLst>
               <a:ext uri="{FF2B5EF4-FFF2-40B4-BE49-F238E27FC236}">
-                <a16:creationId xmlns="" xmlns:a16="http://schemas.microsoft.com/office/drawing/2014/main" id="{A558D5E9-768D-44B0-A51D-DF01F25E9C04}"/>
+                <a16:creationId xmlns:a16="http://schemas.microsoft.com/office/drawing/2014/main" xmlns="" id="{A558D5E9-768D-44B0-A51D-DF01F25E9C04}"/>
               </a:ext>
             </a:extLst>
           </p:cNvPr>
@@ -5938,7 +5962,7 @@
                 <a:gridCol w="756085">
                   <a:extLst>
                     <a:ext uri="{9D8B030D-6E8A-4147-A177-3AD203B41FA5}">
-                      <a16:colId xmlns="" xmlns:a16="http://schemas.microsoft.com/office/drawing/2014/main" val="20000"/>
+                      <a16:colId xmlns:a16="http://schemas.microsoft.com/office/drawing/2014/main" xmlns="" val="20000"/>
                     </a:ext>
                   </a:extLst>
                 </a:gridCol>
@@ -5960,7 +5984,7 @@
                 </a:tc>
                 <a:extLst>
                   <a:ext uri="{0D108BD9-81ED-4DB2-BD59-A6C34878D82A}">
-                    <a16:rowId xmlns="" xmlns:a16="http://schemas.microsoft.com/office/drawing/2014/main" val="10000"/>
+                    <a16:rowId xmlns:a16="http://schemas.microsoft.com/office/drawing/2014/main" xmlns="" val="10000"/>
                   </a:ext>
                 </a:extLst>
               </a:tr>
@@ -5981,7 +6005,7 @@
                 </a:tc>
                 <a:extLst>
                   <a:ext uri="{0D108BD9-81ED-4DB2-BD59-A6C34878D82A}">
-                    <a16:rowId xmlns="" xmlns:a16="http://schemas.microsoft.com/office/drawing/2014/main" val="10001"/>
+                    <a16:rowId xmlns:a16="http://schemas.microsoft.com/office/drawing/2014/main" xmlns="" val="10001"/>
                   </a:ext>
                 </a:extLst>
               </a:tr>
@@ -6008,7 +6032,7 @@
                 </a:tc>
                 <a:extLst>
                   <a:ext uri="{0D108BD9-81ED-4DB2-BD59-A6C34878D82A}">
-                    <a16:rowId xmlns="" xmlns:a16="http://schemas.microsoft.com/office/drawing/2014/main" val="10002"/>
+                    <a16:rowId xmlns:a16="http://schemas.microsoft.com/office/drawing/2014/main" xmlns="" val="10002"/>
                   </a:ext>
                 </a:extLst>
               </a:tr>
@@ -6060,7 +6084,7 @@
           <p:cNvPr id="70" name="CuadroTexto 38">
             <a:extLst>
               <a:ext uri="{FF2B5EF4-FFF2-40B4-BE49-F238E27FC236}">
-                <a16:creationId xmlns="" xmlns:a16="http://schemas.microsoft.com/office/drawing/2014/main" id="{6B08FE2C-B795-482D-8B2D-91CAB6048C42}"/>
+                <a16:creationId xmlns:a16="http://schemas.microsoft.com/office/drawing/2014/main" xmlns="" id="{6B08FE2C-B795-482D-8B2D-91CAB6048C42}"/>
               </a:ext>
             </a:extLst>
           </p:cNvPr>
@@ -6148,7 +6172,7 @@
                 <a:gridCol w="1296144">
                   <a:extLst>
                     <a:ext uri="{9D8B030D-6E8A-4147-A177-3AD203B41FA5}">
-                      <a16:colId xmlns="" xmlns:a16="http://schemas.microsoft.com/office/drawing/2014/main" val="20000"/>
+                      <a16:colId xmlns:a16="http://schemas.microsoft.com/office/drawing/2014/main" xmlns="" val="20000"/>
                     </a:ext>
                   </a:extLst>
                 </a:gridCol>
@@ -6170,7 +6194,7 @@
                 </a:tc>
                 <a:extLst>
                   <a:ext uri="{0D108BD9-81ED-4DB2-BD59-A6C34878D82A}">
-                    <a16:rowId xmlns="" xmlns:a16="http://schemas.microsoft.com/office/drawing/2014/main" val="10000"/>
+                    <a16:rowId xmlns:a16="http://schemas.microsoft.com/office/drawing/2014/main" xmlns="" val="10000"/>
                   </a:ext>
                 </a:extLst>
               </a:tr>
@@ -6233,7 +6257,7 @@
                 </a:tc>
                 <a:extLst>
                   <a:ext uri="{0D108BD9-81ED-4DB2-BD59-A6C34878D82A}">
-                    <a16:rowId xmlns="" xmlns:a16="http://schemas.microsoft.com/office/drawing/2014/main" val="10001"/>
+                    <a16:rowId xmlns:a16="http://schemas.microsoft.com/office/drawing/2014/main" xmlns="" val="10001"/>
                   </a:ext>
                 </a:extLst>
               </a:tr>
@@ -6270,7 +6294,7 @@
                 </a:tc>
                 <a:extLst>
                   <a:ext uri="{0D108BD9-81ED-4DB2-BD59-A6C34878D82A}">
-                    <a16:rowId xmlns="" xmlns:a16="http://schemas.microsoft.com/office/drawing/2014/main" val="10002"/>
+                    <a16:rowId xmlns:a16="http://schemas.microsoft.com/office/drawing/2014/main" xmlns="" val="10002"/>
                   </a:ext>
                 </a:extLst>
               </a:tr>
@@ -6322,7 +6346,7 @@
           <p:cNvPr id="61" name="CuadroTexto 67">
             <a:extLst>
               <a:ext uri="{FF2B5EF4-FFF2-40B4-BE49-F238E27FC236}">
-                <a16:creationId xmlns="" xmlns:a16="http://schemas.microsoft.com/office/drawing/2014/main" id="{A558D5E9-768D-44B0-A51D-DF01F25E9C04}"/>
+                <a16:creationId xmlns:a16="http://schemas.microsoft.com/office/drawing/2014/main" xmlns="" id="{A558D5E9-768D-44B0-A51D-DF01F25E9C04}"/>
               </a:ext>
             </a:extLst>
           </p:cNvPr>
@@ -6357,7 +6381,7 @@
           <p:cNvPr id="62" name="CuadroTexto 67">
             <a:extLst>
               <a:ext uri="{FF2B5EF4-FFF2-40B4-BE49-F238E27FC236}">
-                <a16:creationId xmlns="" xmlns:a16="http://schemas.microsoft.com/office/drawing/2014/main" id="{A558D5E9-768D-44B0-A51D-DF01F25E9C04}"/>
+                <a16:creationId xmlns:a16="http://schemas.microsoft.com/office/drawing/2014/main" xmlns="" id="{A558D5E9-768D-44B0-A51D-DF01F25E9C04}"/>
               </a:ext>
             </a:extLst>
           </p:cNvPr>
@@ -6415,7 +6439,7 @@
                 <a:gridCol w="756085">
                   <a:extLst>
                     <a:ext uri="{9D8B030D-6E8A-4147-A177-3AD203B41FA5}">
-                      <a16:colId xmlns="" xmlns:a16="http://schemas.microsoft.com/office/drawing/2014/main" val="20000"/>
+                      <a16:colId xmlns:a16="http://schemas.microsoft.com/office/drawing/2014/main" xmlns="" val="20000"/>
                     </a:ext>
                   </a:extLst>
                 </a:gridCol>
@@ -6437,7 +6461,7 @@
                 </a:tc>
                 <a:extLst>
                   <a:ext uri="{0D108BD9-81ED-4DB2-BD59-A6C34878D82A}">
-                    <a16:rowId xmlns="" xmlns:a16="http://schemas.microsoft.com/office/drawing/2014/main" val="10000"/>
+                    <a16:rowId xmlns:a16="http://schemas.microsoft.com/office/drawing/2014/main" xmlns="" val="10000"/>
                   </a:ext>
                 </a:extLst>
               </a:tr>
@@ -6458,7 +6482,7 @@
                 </a:tc>
                 <a:extLst>
                   <a:ext uri="{0D108BD9-81ED-4DB2-BD59-A6C34878D82A}">
-                    <a16:rowId xmlns="" xmlns:a16="http://schemas.microsoft.com/office/drawing/2014/main" val="10001"/>
+                    <a16:rowId xmlns:a16="http://schemas.microsoft.com/office/drawing/2014/main" xmlns="" val="10001"/>
                   </a:ext>
                 </a:extLst>
               </a:tr>
@@ -6485,7 +6509,7 @@
                 </a:tc>
                 <a:extLst>
                   <a:ext uri="{0D108BD9-81ED-4DB2-BD59-A6C34878D82A}">
-                    <a16:rowId xmlns="" xmlns:a16="http://schemas.microsoft.com/office/drawing/2014/main" val="10002"/>
+                    <a16:rowId xmlns:a16="http://schemas.microsoft.com/office/drawing/2014/main" xmlns="" val="10002"/>
                   </a:ext>
                 </a:extLst>
               </a:tr>
@@ -6537,7 +6561,7 @@
           <p:cNvPr id="63" name="CuadroTexto 38">
             <a:extLst>
               <a:ext uri="{FF2B5EF4-FFF2-40B4-BE49-F238E27FC236}">
-                <a16:creationId xmlns="" xmlns:a16="http://schemas.microsoft.com/office/drawing/2014/main" id="{6B08FE2C-B795-482D-8B2D-91CAB6048C42}"/>
+                <a16:creationId xmlns:a16="http://schemas.microsoft.com/office/drawing/2014/main" xmlns="" id="{6B08FE2C-B795-482D-8B2D-91CAB6048C42}"/>
               </a:ext>
             </a:extLst>
           </p:cNvPr>
@@ -6595,7 +6619,7 @@
                 <a:gridCol w="1317165">
                   <a:extLst>
                     <a:ext uri="{9D8B030D-6E8A-4147-A177-3AD203B41FA5}">
-                      <a16:colId xmlns="" xmlns:a16="http://schemas.microsoft.com/office/drawing/2014/main" val="20000"/>
+                      <a16:colId xmlns:a16="http://schemas.microsoft.com/office/drawing/2014/main" xmlns="" val="20000"/>
                     </a:ext>
                   </a:extLst>
                 </a:gridCol>
@@ -6625,7 +6649,7 @@
                 </a:tc>
                 <a:extLst>
                   <a:ext uri="{0D108BD9-81ED-4DB2-BD59-A6C34878D82A}">
-                    <a16:rowId xmlns="" xmlns:a16="http://schemas.microsoft.com/office/drawing/2014/main" val="10000"/>
+                    <a16:rowId xmlns:a16="http://schemas.microsoft.com/office/drawing/2014/main" xmlns="" val="10000"/>
                   </a:ext>
                 </a:extLst>
               </a:tr>
@@ -6646,7 +6670,7 @@
                 </a:tc>
                 <a:extLst>
                   <a:ext uri="{0D108BD9-81ED-4DB2-BD59-A6C34878D82A}">
-                    <a16:rowId xmlns="" xmlns:a16="http://schemas.microsoft.com/office/drawing/2014/main" val="10001"/>
+                    <a16:rowId xmlns:a16="http://schemas.microsoft.com/office/drawing/2014/main" xmlns="" val="10001"/>
                   </a:ext>
                 </a:extLst>
               </a:tr>
@@ -6679,7 +6703,7 @@
                 </a:tc>
                 <a:extLst>
                   <a:ext uri="{0D108BD9-81ED-4DB2-BD59-A6C34878D82A}">
-                    <a16:rowId xmlns="" xmlns:a16="http://schemas.microsoft.com/office/drawing/2014/main" val="10002"/>
+                    <a16:rowId xmlns:a16="http://schemas.microsoft.com/office/drawing/2014/main" xmlns="" val="10002"/>
                   </a:ext>
                 </a:extLst>
               </a:tr>
@@ -6730,7 +6754,7 @@
           <p:cNvPr id="72" name="CuadroTexto 67">
             <a:extLst>
               <a:ext uri="{FF2B5EF4-FFF2-40B4-BE49-F238E27FC236}">
-                <a16:creationId xmlns="" xmlns:a16="http://schemas.microsoft.com/office/drawing/2014/main" id="{A558D5E9-768D-44B0-A51D-DF01F25E9C04}"/>
+                <a16:creationId xmlns:a16="http://schemas.microsoft.com/office/drawing/2014/main" xmlns="" id="{A558D5E9-768D-44B0-A51D-DF01F25E9C04}"/>
               </a:ext>
             </a:extLst>
           </p:cNvPr>
@@ -6769,14 +6793,14 @@
           <p:nvPr>
             <p:extLst>
               <p:ext uri="{D42A27DB-BD31-4B8C-83A1-F6EECF244321}">
-                <p14:modId xmlns:p14="http://schemas.microsoft.com/office/powerpoint/2010/main" val="3888312338"/>
+                <p14:modId xmlns:p14="http://schemas.microsoft.com/office/powerpoint/2010/main" val="3717548075"/>
               </p:ext>
             </p:extLst>
           </p:nvPr>
         </p:nvGraphicFramePr>
         <p:xfrm>
           <a:off x="8532694" y="5710918"/>
-          <a:ext cx="1688172" cy="1371600"/>
+          <a:ext cx="1688172" cy="1493520"/>
         </p:xfrm>
         <a:graphic>
           <a:graphicData uri="http://schemas.openxmlformats.org/drawingml/2006/table">
@@ -6788,7 +6812,7 @@
                 <a:gridCol w="1688172">
                   <a:extLst>
                     <a:ext uri="{9D8B030D-6E8A-4147-A177-3AD203B41FA5}">
-                      <a16:colId xmlns="" xmlns:a16="http://schemas.microsoft.com/office/drawing/2014/main" val="20000"/>
+                      <a16:colId xmlns:a16="http://schemas.microsoft.com/office/drawing/2014/main" xmlns="" val="20000"/>
                     </a:ext>
                   </a:extLst>
                 </a:gridCol>
@@ -6810,7 +6834,7 @@
                 </a:tc>
                 <a:extLst>
                   <a:ext uri="{0D108BD9-81ED-4DB2-BD59-A6C34878D82A}">
-                    <a16:rowId xmlns="" xmlns:a16="http://schemas.microsoft.com/office/drawing/2014/main" val="10000"/>
+                    <a16:rowId xmlns:a16="http://schemas.microsoft.com/office/drawing/2014/main" xmlns="" val="10000"/>
                   </a:ext>
                 </a:extLst>
               </a:tr>
@@ -6822,7 +6846,7 @@
                     <a:p>
                       <a:r>
                         <a:rPr lang="es-ES" sz="800" dirty="0" smtClean="0"/>
-                        <a:t>EVENTO</a:t>
+                        <a:t>ID_EVENTO</a:t>
                       </a:r>
                       <a:endParaRPr lang="es-ES" sz="800" dirty="0"/>
                     </a:p>
@@ -6831,7 +6855,7 @@
                 </a:tc>
                 <a:extLst>
                   <a:ext uri="{0D108BD9-81ED-4DB2-BD59-A6C34878D82A}">
-                    <a16:rowId xmlns="" xmlns:a16="http://schemas.microsoft.com/office/drawing/2014/main" val="10001"/>
+                    <a16:rowId xmlns:a16="http://schemas.microsoft.com/office/drawing/2014/main" xmlns="" val="10001"/>
                   </a:ext>
                 </a:extLst>
               </a:tr>
@@ -6889,12 +6913,9 @@
                       </a:pPr>
                       <a:r>
                         <a:rPr lang="es-ES" sz="800" dirty="0" smtClean="0"/>
-                        <a:t>FECHA</a:t>
-                      </a:r>
-                      <a:r>
-                        <a:rPr lang="es-ES" sz="800" baseline="0" dirty="0" smtClean="0"/>
-                        <a:t>_INICIO</a:t>
-                      </a:r>
+                        <a:t>DESCRIPCION</a:t>
+                      </a:r>
+                      <a:endParaRPr lang="es-ES" sz="800" dirty="0" smtClean="0"/>
                     </a:p>
                     <a:p>
                       <a:pPr marL="0" marR="0" indent="0" algn="l" defTabSz="914400" rtl="0" eaLnBrk="1" fontAlgn="auto" latinLnBrk="0" hangingPunct="1">
@@ -6915,8 +6936,12 @@
                         <a:defRPr/>
                       </a:pPr>
                       <a:r>
+                        <a:rPr lang="es-ES" sz="800" dirty="0" smtClean="0"/>
+                        <a:t>FECHA</a:t>
+                      </a:r>
+                      <a:r>
                         <a:rPr lang="es-ES" sz="800" baseline="0" dirty="0" smtClean="0"/>
-                        <a:t>FECHA_ESPERADA_FIN</a:t>
+                        <a:t>_INICIO</a:t>
                       </a:r>
                     </a:p>
                     <a:p>
@@ -6939,6 +6964,29 @@
                       </a:pPr>
                       <a:r>
                         <a:rPr lang="es-ES" sz="800" baseline="0" dirty="0" smtClean="0"/>
+                        <a:t>FECHA_ESPERADA_FIN</a:t>
+                      </a:r>
+                    </a:p>
+                    <a:p>
+                      <a:pPr marL="0" marR="0" indent="0" algn="l" defTabSz="914400" rtl="0" eaLnBrk="1" fontAlgn="auto" latinLnBrk="0" hangingPunct="1">
+                        <a:lnSpc>
+                          <a:spcPct val="100000"/>
+                        </a:lnSpc>
+                        <a:spcBef>
+                          <a:spcPts val="0"/>
+                        </a:spcBef>
+                        <a:spcAft>
+                          <a:spcPts val="0"/>
+                        </a:spcAft>
+                        <a:buClrTx/>
+                        <a:buSzTx/>
+                        <a:buFontTx/>
+                        <a:buNone/>
+                        <a:tabLst/>
+                        <a:defRPr/>
+                      </a:pPr>
+                      <a:r>
+                        <a:rPr lang="es-ES" sz="800" baseline="0" dirty="0" smtClean="0"/>
                         <a:t>ID_TRAMITADOR</a:t>
                       </a:r>
                       <a:endParaRPr lang="es-ES" sz="800" dirty="0" smtClean="0"/>
@@ -6960,7 +7008,7 @@
                 </a:tc>
                 <a:extLst>
                   <a:ext uri="{0D108BD9-81ED-4DB2-BD59-A6C34878D82A}">
-                    <a16:rowId xmlns="" xmlns:a16="http://schemas.microsoft.com/office/drawing/2014/main" val="10002"/>
+                    <a16:rowId xmlns:a16="http://schemas.microsoft.com/office/drawing/2014/main" xmlns="" val="10002"/>
                   </a:ext>
                 </a:extLst>
               </a:tr>
@@ -6981,7 +7029,7 @@
         <p:spPr>
           <a:xfrm>
             <a:off x="8121413" y="5471648"/>
-            <a:ext cx="411281" cy="925070"/>
+            <a:ext cx="411281" cy="986030"/>
           </a:xfrm>
           <a:prstGeom prst="bentConnector3">
             <a:avLst>
@@ -7013,7 +7061,7 @@
           <p:cNvPr id="75" name="CuadroTexto 67">
             <a:extLst>
               <a:ext uri="{FF2B5EF4-FFF2-40B4-BE49-F238E27FC236}">
-                <a16:creationId xmlns="" xmlns:a16="http://schemas.microsoft.com/office/drawing/2014/main" id="{A558D5E9-768D-44B0-A51D-DF01F25E9C04}"/>
+                <a16:creationId xmlns:a16="http://schemas.microsoft.com/office/drawing/2014/main" xmlns="" id="{A558D5E9-768D-44B0-A51D-DF01F25E9C04}"/>
               </a:ext>
             </a:extLst>
           </p:cNvPr>
@@ -7052,14 +7100,14 @@
           <p:nvPr>
             <p:extLst>
               <p:ext uri="{D42A27DB-BD31-4B8C-83A1-F6EECF244321}">
-                <p14:modId xmlns:p14="http://schemas.microsoft.com/office/powerpoint/2010/main" val="3086599979"/>
+                <p14:modId xmlns:p14="http://schemas.microsoft.com/office/powerpoint/2010/main" val="2373444688"/>
               </p:ext>
             </p:extLst>
           </p:nvPr>
         </p:nvGraphicFramePr>
         <p:xfrm>
           <a:off x="98591" y="3796212"/>
-          <a:ext cx="1512168" cy="1371600"/>
+          <a:ext cx="1512168" cy="1493520"/>
         </p:xfrm>
         <a:graphic>
           <a:graphicData uri="http://schemas.openxmlformats.org/drawingml/2006/table">
@@ -7071,7 +7119,7 @@
                 <a:gridCol w="1512168">
                   <a:extLst>
                     <a:ext uri="{9D8B030D-6E8A-4147-A177-3AD203B41FA5}">
-                      <a16:colId xmlns="" xmlns:a16="http://schemas.microsoft.com/office/drawing/2014/main" val="20000"/>
+                      <a16:colId xmlns:a16="http://schemas.microsoft.com/office/drawing/2014/main" xmlns="" val="20000"/>
                     </a:ext>
                   </a:extLst>
                 </a:gridCol>
@@ -7093,7 +7141,7 @@
                 </a:tc>
                 <a:extLst>
                   <a:ext uri="{0D108BD9-81ED-4DB2-BD59-A6C34878D82A}">
-                    <a16:rowId xmlns="" xmlns:a16="http://schemas.microsoft.com/office/drawing/2014/main" val="10000"/>
+                    <a16:rowId xmlns:a16="http://schemas.microsoft.com/office/drawing/2014/main" xmlns="" val="10000"/>
                   </a:ext>
                 </a:extLst>
               </a:tr>
@@ -7105,7 +7153,7 @@
                     <a:p>
                       <a:r>
                         <a:rPr lang="es-ES" sz="800" dirty="0" smtClean="0"/>
-                        <a:t>EVENTO</a:t>
+                        <a:t>ID_EVENTO</a:t>
                       </a:r>
                       <a:endParaRPr lang="es-ES" sz="800" dirty="0"/>
                     </a:p>
@@ -7114,7 +7162,7 @@
                 </a:tc>
                 <a:extLst>
                   <a:ext uri="{0D108BD9-81ED-4DB2-BD59-A6C34878D82A}">
-                    <a16:rowId xmlns="" xmlns:a16="http://schemas.microsoft.com/office/drawing/2014/main" val="10001"/>
+                    <a16:rowId xmlns:a16="http://schemas.microsoft.com/office/drawing/2014/main" xmlns="" val="10001"/>
                   </a:ext>
                 </a:extLst>
               </a:tr>
@@ -7172,11 +7220,7 @@
                       </a:pPr>
                       <a:r>
                         <a:rPr lang="es-ES" sz="800" dirty="0" smtClean="0"/>
-                        <a:t>FECHA</a:t>
-                      </a:r>
-                      <a:r>
-                        <a:rPr lang="es-ES" sz="800" baseline="0" dirty="0" smtClean="0"/>
-                        <a:t>_INICIO</a:t>
+                        <a:t>DESCRIPCION</a:t>
                       </a:r>
                     </a:p>
                     <a:p>
@@ -7198,9 +7242,14 @@
                         <a:defRPr/>
                       </a:pPr>
                       <a:r>
+                        <a:rPr lang="es-ES" sz="800" dirty="0" smtClean="0"/>
+                        <a:t>FECHA</a:t>
+                      </a:r>
+                      <a:r>
                         <a:rPr lang="es-ES" sz="800" baseline="0" dirty="0" smtClean="0"/>
-                        <a:t>FECHA_ESPERADA_FIN</a:t>
-                      </a:r>
+                        <a:t>_INICIO</a:t>
+                      </a:r>
+                      <a:endParaRPr lang="es-ES" sz="800" baseline="0" dirty="0" smtClean="0"/>
                     </a:p>
                     <a:p>
                       <a:pPr marL="0" marR="0" indent="0" algn="l" defTabSz="914400" rtl="0" eaLnBrk="1" fontAlgn="auto" latinLnBrk="0" hangingPunct="1">
@@ -7222,6 +7271,29 @@
                       </a:pPr>
                       <a:r>
                         <a:rPr lang="es-ES" sz="800" baseline="0" dirty="0" smtClean="0"/>
+                        <a:t>FECHA_ESPERADA_FIN</a:t>
+                      </a:r>
+                    </a:p>
+                    <a:p>
+                      <a:pPr marL="0" marR="0" indent="0" algn="l" defTabSz="914400" rtl="0" eaLnBrk="1" fontAlgn="auto" latinLnBrk="0" hangingPunct="1">
+                        <a:lnSpc>
+                          <a:spcPct val="100000"/>
+                        </a:lnSpc>
+                        <a:spcBef>
+                          <a:spcPts val="0"/>
+                        </a:spcBef>
+                        <a:spcAft>
+                          <a:spcPts val="0"/>
+                        </a:spcAft>
+                        <a:buClrTx/>
+                        <a:buSzTx/>
+                        <a:buFontTx/>
+                        <a:buNone/>
+                        <a:tabLst/>
+                        <a:defRPr/>
+                      </a:pPr>
+                      <a:r>
+                        <a:rPr lang="es-ES" sz="800" baseline="0" dirty="0" smtClean="0"/>
                         <a:t>ID_TRAMITADOR</a:t>
                       </a:r>
                       <a:endParaRPr lang="es-ES" sz="800" dirty="0" smtClean="0"/>
@@ -7244,7 +7316,7 @@
                 </a:tc>
                 <a:extLst>
                   <a:ext uri="{0D108BD9-81ED-4DB2-BD59-A6C34878D82A}">
-                    <a16:rowId xmlns="" xmlns:a16="http://schemas.microsoft.com/office/drawing/2014/main" val="10002"/>
+                    <a16:rowId xmlns:a16="http://schemas.microsoft.com/office/drawing/2014/main" xmlns="" val="10002"/>
                   </a:ext>
                 </a:extLst>
               </a:tr>
@@ -7264,7 +7336,7 @@
         <p:spPr>
           <a:xfrm flipV="1">
             <a:off x="1610759" y="3497198"/>
-            <a:ext cx="1304803" cy="984814"/>
+            <a:ext cx="1304803" cy="1045774"/>
           </a:xfrm>
           <a:prstGeom prst="bentConnector2">
             <a:avLst/>
@@ -7294,7 +7366,7 @@
           <p:cNvPr id="78" name="CuadroTexto 38">
             <a:extLst>
               <a:ext uri="{FF2B5EF4-FFF2-40B4-BE49-F238E27FC236}">
-                <a16:creationId xmlns="" xmlns:a16="http://schemas.microsoft.com/office/drawing/2014/main" id="{6B08FE2C-B795-482D-8B2D-91CAB6048C42}"/>
+                <a16:creationId xmlns:a16="http://schemas.microsoft.com/office/drawing/2014/main" xmlns="" id="{6B08FE2C-B795-482D-8B2D-91CAB6048C42}"/>
               </a:ext>
             </a:extLst>
           </p:cNvPr>
@@ -7382,7 +7454,7 @@
                 <a:gridCol w="1446076">
                   <a:extLst>
                     <a:ext uri="{9D8B030D-6E8A-4147-A177-3AD203B41FA5}">
-                      <a16:colId xmlns="" xmlns:a16="http://schemas.microsoft.com/office/drawing/2014/main" val="20000"/>
+                      <a16:colId xmlns:a16="http://schemas.microsoft.com/office/drawing/2014/main" xmlns="" val="20000"/>
                     </a:ext>
                   </a:extLst>
                 </a:gridCol>
@@ -7408,7 +7480,7 @@
                 </a:tc>
                 <a:extLst>
                   <a:ext uri="{0D108BD9-81ED-4DB2-BD59-A6C34878D82A}">
-                    <a16:rowId xmlns="" xmlns:a16="http://schemas.microsoft.com/office/drawing/2014/main" val="10000"/>
+                    <a16:rowId xmlns:a16="http://schemas.microsoft.com/office/drawing/2014/main" xmlns="" val="10000"/>
                   </a:ext>
                 </a:extLst>
               </a:tr>
@@ -7429,7 +7501,7 @@
                 </a:tc>
                 <a:extLst>
                   <a:ext uri="{0D108BD9-81ED-4DB2-BD59-A6C34878D82A}">
-                    <a16:rowId xmlns="" xmlns:a16="http://schemas.microsoft.com/office/drawing/2014/main" val="10001"/>
+                    <a16:rowId xmlns:a16="http://schemas.microsoft.com/office/drawing/2014/main" xmlns="" val="10001"/>
                   </a:ext>
                 </a:extLst>
               </a:tr>
@@ -7510,7 +7582,7 @@
                 </a:tc>
                 <a:extLst>
                   <a:ext uri="{0D108BD9-81ED-4DB2-BD59-A6C34878D82A}">
-                    <a16:rowId xmlns="" xmlns:a16="http://schemas.microsoft.com/office/drawing/2014/main" val="10002"/>
+                    <a16:rowId xmlns:a16="http://schemas.microsoft.com/office/drawing/2014/main" xmlns="" val="10002"/>
                   </a:ext>
                 </a:extLst>
               </a:tr>
@@ -7546,7 +7618,7 @@
                 <a:gridCol w="1620780">
                   <a:extLst>
                     <a:ext uri="{9D8B030D-6E8A-4147-A177-3AD203B41FA5}">
-                      <a16:colId xmlns="" xmlns:a16="http://schemas.microsoft.com/office/drawing/2014/main" val="20000"/>
+                      <a16:colId xmlns:a16="http://schemas.microsoft.com/office/drawing/2014/main" xmlns="" val="20000"/>
                     </a:ext>
                   </a:extLst>
                 </a:gridCol>
@@ -7567,7 +7639,7 @@
                 </a:tc>
                 <a:extLst>
                   <a:ext uri="{0D108BD9-81ED-4DB2-BD59-A6C34878D82A}">
-                    <a16:rowId xmlns="" xmlns:a16="http://schemas.microsoft.com/office/drawing/2014/main" val="10000"/>
+                    <a16:rowId xmlns:a16="http://schemas.microsoft.com/office/drawing/2014/main" xmlns="" val="10000"/>
                   </a:ext>
                 </a:extLst>
               </a:tr>
@@ -7588,7 +7660,7 @@
                 </a:tc>
                 <a:extLst>
                   <a:ext uri="{0D108BD9-81ED-4DB2-BD59-A6C34878D82A}">
-                    <a16:rowId xmlns="" xmlns:a16="http://schemas.microsoft.com/office/drawing/2014/main" val="10001"/>
+                    <a16:rowId xmlns:a16="http://schemas.microsoft.com/office/drawing/2014/main" xmlns="" val="10001"/>
                   </a:ext>
                 </a:extLst>
               </a:tr>
@@ -7737,7 +7809,7 @@
                 </a:tc>
                 <a:extLst>
                   <a:ext uri="{0D108BD9-81ED-4DB2-BD59-A6C34878D82A}">
-                    <a16:rowId xmlns="" xmlns:a16="http://schemas.microsoft.com/office/drawing/2014/main" val="10002"/>
+                    <a16:rowId xmlns:a16="http://schemas.microsoft.com/office/drawing/2014/main" xmlns="" val="10002"/>
                   </a:ext>
                 </a:extLst>
               </a:tr>
@@ -7773,7 +7845,7 @@
                 <a:gridCol w="1528262">
                   <a:extLst>
                     <a:ext uri="{9D8B030D-6E8A-4147-A177-3AD203B41FA5}">
-                      <a16:colId xmlns="" xmlns:a16="http://schemas.microsoft.com/office/drawing/2014/main" val="20000"/>
+                      <a16:colId xmlns:a16="http://schemas.microsoft.com/office/drawing/2014/main" xmlns="" val="20000"/>
                     </a:ext>
                   </a:extLst>
                 </a:gridCol>
@@ -7795,7 +7867,7 @@
                 </a:tc>
                 <a:extLst>
                   <a:ext uri="{0D108BD9-81ED-4DB2-BD59-A6C34878D82A}">
-                    <a16:rowId xmlns="" xmlns:a16="http://schemas.microsoft.com/office/drawing/2014/main" val="10000"/>
+                    <a16:rowId xmlns:a16="http://schemas.microsoft.com/office/drawing/2014/main" xmlns="" val="10000"/>
                   </a:ext>
                 </a:extLst>
               </a:tr>
@@ -7816,7 +7888,7 @@
                 </a:tc>
                 <a:extLst>
                   <a:ext uri="{0D108BD9-81ED-4DB2-BD59-A6C34878D82A}">
-                    <a16:rowId xmlns="" xmlns:a16="http://schemas.microsoft.com/office/drawing/2014/main" val="10001"/>
+                    <a16:rowId xmlns:a16="http://schemas.microsoft.com/office/drawing/2014/main" xmlns="" val="10001"/>
                   </a:ext>
                 </a:extLst>
               </a:tr>
@@ -7909,7 +7981,7 @@
                 </a:tc>
                 <a:extLst>
                   <a:ext uri="{0D108BD9-81ED-4DB2-BD59-A6C34878D82A}">
-                    <a16:rowId xmlns="" xmlns:a16="http://schemas.microsoft.com/office/drawing/2014/main" val="10002"/>
+                    <a16:rowId xmlns:a16="http://schemas.microsoft.com/office/drawing/2014/main" xmlns="" val="10002"/>
                   </a:ext>
                 </a:extLst>
               </a:tr>
@@ -8041,7 +8113,7 @@
           <p:cNvPr id="59" name="CuadroTexto 59">
             <a:extLst>
               <a:ext uri="{FF2B5EF4-FFF2-40B4-BE49-F238E27FC236}">
-                <a16:creationId xmlns="" xmlns:a16="http://schemas.microsoft.com/office/drawing/2014/main" id="{E3E4B657-CF4C-4A80-9E44-4A0317C54F9E}"/>
+                <a16:creationId xmlns:a16="http://schemas.microsoft.com/office/drawing/2014/main" xmlns="" id="{E3E4B657-CF4C-4A80-9E44-4A0317C54F9E}"/>
               </a:ext>
             </a:extLst>
           </p:cNvPr>
@@ -8077,7 +8149,7 @@
           <p:cNvPr id="61" name="CuadroTexto 59">
             <a:extLst>
               <a:ext uri="{FF2B5EF4-FFF2-40B4-BE49-F238E27FC236}">
-                <a16:creationId xmlns="" xmlns:a16="http://schemas.microsoft.com/office/drawing/2014/main" id="{E3E4B657-CF4C-4A80-9E44-4A0317C54F9E}"/>
+                <a16:creationId xmlns:a16="http://schemas.microsoft.com/office/drawing/2014/main" xmlns="" id="{E3E4B657-CF4C-4A80-9E44-4A0317C54F9E}"/>
               </a:ext>
             </a:extLst>
           </p:cNvPr>
@@ -8112,7 +8184,7 @@
           <p:cNvPr id="62" name="CuadroTexto 59">
             <a:extLst>
               <a:ext uri="{FF2B5EF4-FFF2-40B4-BE49-F238E27FC236}">
-                <a16:creationId xmlns="" xmlns:a16="http://schemas.microsoft.com/office/drawing/2014/main" id="{E3E4B657-CF4C-4A80-9E44-4A0317C54F9E}"/>
+                <a16:creationId xmlns:a16="http://schemas.microsoft.com/office/drawing/2014/main" xmlns="" id="{E3E4B657-CF4C-4A80-9E44-4A0317C54F9E}"/>
               </a:ext>
             </a:extLst>
           </p:cNvPr>
@@ -8170,7 +8242,7 @@
                 <a:gridCol w="1512168">
                   <a:extLst>
                     <a:ext uri="{9D8B030D-6E8A-4147-A177-3AD203B41FA5}">
-                      <a16:colId xmlns="" xmlns:a16="http://schemas.microsoft.com/office/drawing/2014/main" val="20000"/>
+                      <a16:colId xmlns:a16="http://schemas.microsoft.com/office/drawing/2014/main" xmlns="" val="20000"/>
                     </a:ext>
                   </a:extLst>
                 </a:gridCol>
@@ -8192,7 +8264,7 @@
                 </a:tc>
                 <a:extLst>
                   <a:ext uri="{0D108BD9-81ED-4DB2-BD59-A6C34878D82A}">
-                    <a16:rowId xmlns="" xmlns:a16="http://schemas.microsoft.com/office/drawing/2014/main" val="10000"/>
+                    <a16:rowId xmlns:a16="http://schemas.microsoft.com/office/drawing/2014/main" xmlns="" val="10000"/>
                   </a:ext>
                 </a:extLst>
               </a:tr>
@@ -8219,7 +8291,7 @@
                 </a:tc>
                 <a:extLst>
                   <a:ext uri="{0D108BD9-81ED-4DB2-BD59-A6C34878D82A}">
-                    <a16:rowId xmlns="" xmlns:a16="http://schemas.microsoft.com/office/drawing/2014/main" val="10001"/>
+                    <a16:rowId xmlns:a16="http://schemas.microsoft.com/office/drawing/2014/main" xmlns="" val="10001"/>
                   </a:ext>
                 </a:extLst>
               </a:tr>
@@ -8252,7 +8324,7 @@
                 </a:tc>
                 <a:extLst>
                   <a:ext uri="{0D108BD9-81ED-4DB2-BD59-A6C34878D82A}">
-                    <a16:rowId xmlns="" xmlns:a16="http://schemas.microsoft.com/office/drawing/2014/main" val="10002"/>
+                    <a16:rowId xmlns:a16="http://schemas.microsoft.com/office/drawing/2014/main" xmlns="" val="10002"/>
                   </a:ext>
                 </a:extLst>
               </a:tr>
@@ -8304,7 +8376,7 @@
           <p:cNvPr id="65" name="CuadroTexto 59">
             <a:extLst>
               <a:ext uri="{FF2B5EF4-FFF2-40B4-BE49-F238E27FC236}">
-                <a16:creationId xmlns="" xmlns:a16="http://schemas.microsoft.com/office/drawing/2014/main" id="{E3E4B657-CF4C-4A80-9E44-4A0317C54F9E}"/>
+                <a16:creationId xmlns:a16="http://schemas.microsoft.com/office/drawing/2014/main" xmlns="" id="{E3E4B657-CF4C-4A80-9E44-4A0317C54F9E}"/>
               </a:ext>
             </a:extLst>
           </p:cNvPr>
@@ -8343,7 +8415,7 @@
           <p:nvPr>
             <p:extLst>
               <p:ext uri="{D42A27DB-BD31-4B8C-83A1-F6EECF244321}">
-                <p14:modId xmlns:p14="http://schemas.microsoft.com/office/powerpoint/2010/main" val="2622469881"/>
+                <p14:modId xmlns:p14="http://schemas.microsoft.com/office/powerpoint/2010/main" val="1156262724"/>
               </p:ext>
             </p:extLst>
           </p:nvPr>
@@ -8362,7 +8434,7 @@
                 <a:gridCol w="1404155">
                   <a:extLst>
                     <a:ext uri="{9D8B030D-6E8A-4147-A177-3AD203B41FA5}">
-                      <a16:colId xmlns="" xmlns:a16="http://schemas.microsoft.com/office/drawing/2014/main" val="20000"/>
+                      <a16:colId xmlns:a16="http://schemas.microsoft.com/office/drawing/2014/main" xmlns="" val="20000"/>
                     </a:ext>
                   </a:extLst>
                 </a:gridCol>
@@ -8388,7 +8460,7 @@
                 </a:tc>
                 <a:extLst>
                   <a:ext uri="{0D108BD9-81ED-4DB2-BD59-A6C34878D82A}">
-                    <a16:rowId xmlns="" xmlns:a16="http://schemas.microsoft.com/office/drawing/2014/main" val="10000"/>
+                    <a16:rowId xmlns:a16="http://schemas.microsoft.com/office/drawing/2014/main" xmlns="" val="10000"/>
                   </a:ext>
                 </a:extLst>
               </a:tr>
@@ -8409,7 +8481,7 @@
                 </a:tc>
                 <a:extLst>
                   <a:ext uri="{0D108BD9-81ED-4DB2-BD59-A6C34878D82A}">
-                    <a16:rowId xmlns="" xmlns:a16="http://schemas.microsoft.com/office/drawing/2014/main" val="10001"/>
+                    <a16:rowId xmlns:a16="http://schemas.microsoft.com/office/drawing/2014/main" xmlns="" val="10001"/>
                   </a:ext>
                 </a:extLst>
               </a:tr>
@@ -8481,7 +8553,7 @@
                     <a:p>
                       <a:r>
                         <a:rPr lang="es-ES" sz="800" dirty="0" smtClean="0"/>
-                        <a:t>DOCUMENTO</a:t>
+                        <a:t>DOCUMENTACION</a:t>
                       </a:r>
                       <a:endParaRPr lang="es-ES" sz="800" dirty="0"/>
                     </a:p>
@@ -8490,7 +8562,7 @@
                 </a:tc>
                 <a:extLst>
                   <a:ext uri="{0D108BD9-81ED-4DB2-BD59-A6C34878D82A}">
-                    <a16:rowId xmlns="" xmlns:a16="http://schemas.microsoft.com/office/drawing/2014/main" val="10002"/>
+                    <a16:rowId xmlns:a16="http://schemas.microsoft.com/office/drawing/2014/main" xmlns="" val="10002"/>
                   </a:ext>
                 </a:extLst>
               </a:tr>
@@ -8526,7 +8598,7 @@
                 <a:gridCol w="1547919">
                   <a:extLst>
                     <a:ext uri="{9D8B030D-6E8A-4147-A177-3AD203B41FA5}">
-                      <a16:colId xmlns="" xmlns:a16="http://schemas.microsoft.com/office/drawing/2014/main" val="20000"/>
+                      <a16:colId xmlns:a16="http://schemas.microsoft.com/office/drawing/2014/main" xmlns="" val="20000"/>
                     </a:ext>
                   </a:extLst>
                 </a:gridCol>
@@ -8548,7 +8620,7 @@
                 </a:tc>
                 <a:extLst>
                   <a:ext uri="{0D108BD9-81ED-4DB2-BD59-A6C34878D82A}">
-                    <a16:rowId xmlns="" xmlns:a16="http://schemas.microsoft.com/office/drawing/2014/main" val="10000"/>
+                    <a16:rowId xmlns:a16="http://schemas.microsoft.com/office/drawing/2014/main" xmlns="" val="10000"/>
                   </a:ext>
                 </a:extLst>
               </a:tr>
@@ -8569,7 +8641,7 @@
                 </a:tc>
                 <a:extLst>
                   <a:ext uri="{0D108BD9-81ED-4DB2-BD59-A6C34878D82A}">
-                    <a16:rowId xmlns="" xmlns:a16="http://schemas.microsoft.com/office/drawing/2014/main" val="10001"/>
+                    <a16:rowId xmlns:a16="http://schemas.microsoft.com/office/drawing/2014/main" xmlns="" val="10001"/>
                   </a:ext>
                 </a:extLst>
               </a:tr>
@@ -8626,7 +8698,7 @@
                 </a:tc>
                 <a:extLst>
                   <a:ext uri="{0D108BD9-81ED-4DB2-BD59-A6C34878D82A}">
-                    <a16:rowId xmlns="" xmlns:a16="http://schemas.microsoft.com/office/drawing/2014/main" val="10002"/>
+                    <a16:rowId xmlns:a16="http://schemas.microsoft.com/office/drawing/2014/main" xmlns="" val="10002"/>
                   </a:ext>
                 </a:extLst>
               </a:tr>
@@ -8679,7 +8751,7 @@
           <p:cNvPr id="71" name="CuadroTexto 59">
             <a:extLst>
               <a:ext uri="{FF2B5EF4-FFF2-40B4-BE49-F238E27FC236}">
-                <a16:creationId xmlns="" xmlns:a16="http://schemas.microsoft.com/office/drawing/2014/main" id="{E3E4B657-CF4C-4A80-9E44-4A0317C54F9E}"/>
+                <a16:creationId xmlns:a16="http://schemas.microsoft.com/office/drawing/2014/main" xmlns="" id="{E3E4B657-CF4C-4A80-9E44-4A0317C54F9E}"/>
               </a:ext>
             </a:extLst>
           </p:cNvPr>
@@ -8753,7 +8825,7 @@
           <p:cNvPr id="73" name="CuadroTexto 59">
             <a:extLst>
               <a:ext uri="{FF2B5EF4-FFF2-40B4-BE49-F238E27FC236}">
-                <a16:creationId xmlns="" xmlns:a16="http://schemas.microsoft.com/office/drawing/2014/main" id="{E3E4B657-CF4C-4A80-9E44-4A0317C54F9E}"/>
+                <a16:creationId xmlns:a16="http://schemas.microsoft.com/office/drawing/2014/main" xmlns="" id="{E3E4B657-CF4C-4A80-9E44-4A0317C54F9E}"/>
               </a:ext>
             </a:extLst>
           </p:cNvPr>
@@ -8876,7 +8948,7 @@
                 <a:gridCol w="1080120">
                   <a:extLst>
                     <a:ext uri="{9D8B030D-6E8A-4147-A177-3AD203B41FA5}">
-                      <a16:colId xmlns="" xmlns:a16="http://schemas.microsoft.com/office/drawing/2014/main" val="20000"/>
+                      <a16:colId xmlns:a16="http://schemas.microsoft.com/office/drawing/2014/main" xmlns="" val="20000"/>
                     </a:ext>
                   </a:extLst>
                 </a:gridCol>
@@ -8898,7 +8970,7 @@
                 </a:tc>
                 <a:extLst>
                   <a:ext uri="{0D108BD9-81ED-4DB2-BD59-A6C34878D82A}">
-                    <a16:rowId xmlns="" xmlns:a16="http://schemas.microsoft.com/office/drawing/2014/main" val="10000"/>
+                    <a16:rowId xmlns:a16="http://schemas.microsoft.com/office/drawing/2014/main" xmlns="" val="10000"/>
                   </a:ext>
                 </a:extLst>
               </a:tr>
@@ -8960,7 +9032,7 @@
                 </a:tc>
                 <a:extLst>
                   <a:ext uri="{0D108BD9-81ED-4DB2-BD59-A6C34878D82A}">
-                    <a16:rowId xmlns="" xmlns:a16="http://schemas.microsoft.com/office/drawing/2014/main" val="10001"/>
+                    <a16:rowId xmlns:a16="http://schemas.microsoft.com/office/drawing/2014/main" xmlns="" val="10001"/>
                   </a:ext>
                 </a:extLst>
               </a:tr>
@@ -8993,7 +9065,7 @@
                 </a:tc>
                 <a:extLst>
                   <a:ext uri="{0D108BD9-81ED-4DB2-BD59-A6C34878D82A}">
-                    <a16:rowId xmlns="" xmlns:a16="http://schemas.microsoft.com/office/drawing/2014/main" val="10002"/>
+                    <a16:rowId xmlns:a16="http://schemas.microsoft.com/office/drawing/2014/main" xmlns="" val="10002"/>
                   </a:ext>
                 </a:extLst>
               </a:tr>
@@ -9060,7 +9132,7 @@
                 <a:gridCol w="1463824">
                   <a:extLst>
                     <a:ext uri="{9D8B030D-6E8A-4147-A177-3AD203B41FA5}">
-                      <a16:colId xmlns="" xmlns:a16="http://schemas.microsoft.com/office/drawing/2014/main" val="20000"/>
+                      <a16:colId xmlns:a16="http://schemas.microsoft.com/office/drawing/2014/main" xmlns="" val="20000"/>
                     </a:ext>
                   </a:extLst>
                 </a:gridCol>
@@ -9082,7 +9154,7 @@
                 </a:tc>
                 <a:extLst>
                   <a:ext uri="{0D108BD9-81ED-4DB2-BD59-A6C34878D82A}">
-                    <a16:rowId xmlns="" xmlns:a16="http://schemas.microsoft.com/office/drawing/2014/main" val="10000"/>
+                    <a16:rowId xmlns:a16="http://schemas.microsoft.com/office/drawing/2014/main" xmlns="" val="10000"/>
                   </a:ext>
                 </a:extLst>
               </a:tr>
@@ -9103,7 +9175,7 @@
                 </a:tc>
                 <a:extLst>
                   <a:ext uri="{0D108BD9-81ED-4DB2-BD59-A6C34878D82A}">
-                    <a16:rowId xmlns="" xmlns:a16="http://schemas.microsoft.com/office/drawing/2014/main" val="10001"/>
+                    <a16:rowId xmlns:a16="http://schemas.microsoft.com/office/drawing/2014/main" xmlns="" val="10001"/>
                   </a:ext>
                 </a:extLst>
               </a:tr>
@@ -9160,7 +9232,7 @@
                 </a:tc>
                 <a:extLst>
                   <a:ext uri="{0D108BD9-81ED-4DB2-BD59-A6C34878D82A}">
-                    <a16:rowId xmlns="" xmlns:a16="http://schemas.microsoft.com/office/drawing/2014/main" val="10002"/>
+                    <a16:rowId xmlns:a16="http://schemas.microsoft.com/office/drawing/2014/main" xmlns="" val="10002"/>
                   </a:ext>
                 </a:extLst>
               </a:tr>
@@ -9177,7 +9249,7 @@
           <p:nvPr>
             <p:extLst>
               <p:ext uri="{D42A27DB-BD31-4B8C-83A1-F6EECF244321}">
-                <p14:modId xmlns:p14="http://schemas.microsoft.com/office/powerpoint/2010/main" val="3840765184"/>
+                <p14:modId xmlns:p14="http://schemas.microsoft.com/office/powerpoint/2010/main" val="3184558151"/>
               </p:ext>
             </p:extLst>
           </p:nvPr>
@@ -9196,7 +9268,7 @@
                 <a:gridCol w="1440160">
                   <a:extLst>
                     <a:ext uri="{9D8B030D-6E8A-4147-A177-3AD203B41FA5}">
-                      <a16:colId xmlns="" xmlns:a16="http://schemas.microsoft.com/office/drawing/2014/main" val="20000"/>
+                      <a16:colId xmlns:a16="http://schemas.microsoft.com/office/drawing/2014/main" xmlns="" val="20000"/>
                     </a:ext>
                   </a:extLst>
                 </a:gridCol>
@@ -9218,7 +9290,7 @@
                 </a:tc>
                 <a:extLst>
                   <a:ext uri="{0D108BD9-81ED-4DB2-BD59-A6C34878D82A}">
-                    <a16:rowId xmlns="" xmlns:a16="http://schemas.microsoft.com/office/drawing/2014/main" val="10000"/>
+                    <a16:rowId xmlns:a16="http://schemas.microsoft.com/office/drawing/2014/main" xmlns="" val="10000"/>
                   </a:ext>
                 </a:extLst>
               </a:tr>
@@ -9236,7 +9308,7 @@
                     <a:p>
                       <a:r>
                         <a:rPr lang="es-ES" sz="800" dirty="0" smtClean="0"/>
-                        <a:t>NUM_DOCUMENTO</a:t>
+                        <a:t>NOMBRE</a:t>
                       </a:r>
                       <a:endParaRPr lang="es-ES" sz="800" dirty="0"/>
                     </a:p>
@@ -9245,7 +9317,7 @@
                 </a:tc>
                 <a:extLst>
                   <a:ext uri="{0D108BD9-81ED-4DB2-BD59-A6C34878D82A}">
-                    <a16:rowId xmlns="" xmlns:a16="http://schemas.microsoft.com/office/drawing/2014/main" val="10001"/>
+                    <a16:rowId xmlns:a16="http://schemas.microsoft.com/office/drawing/2014/main" xmlns="" val="10001"/>
                   </a:ext>
                 </a:extLst>
               </a:tr>
@@ -9263,8 +9335,9 @@
                     <a:p>
                       <a:r>
                         <a:rPr lang="es-ES" sz="800" dirty="0" smtClean="0"/>
-                        <a:t>DOCUMENTACION (FICH)</a:t>
-                      </a:r>
+                        <a:t>FICHERO</a:t>
+                      </a:r>
+                      <a:endParaRPr lang="es-ES" sz="800" dirty="0" smtClean="0"/>
                     </a:p>
                     <a:p>
                       <a:r>
@@ -9278,7 +9351,7 @@
                 </a:tc>
                 <a:extLst>
                   <a:ext uri="{0D108BD9-81ED-4DB2-BD59-A6C34878D82A}">
-                    <a16:rowId xmlns="" xmlns:a16="http://schemas.microsoft.com/office/drawing/2014/main" val="10002"/>
+                    <a16:rowId xmlns:a16="http://schemas.microsoft.com/office/drawing/2014/main" xmlns="" val="10002"/>
                   </a:ext>
                 </a:extLst>
               </a:tr>
@@ -9289,15 +9362,12 @@
       <p:cxnSp>
         <p:nvCxnSpPr>
           <p:cNvPr id="71" name="70 Conector angular"/>
-          <p:cNvCxnSpPr>
-            <a:stCxn id="69" idx="3"/>
-            <a:endCxn id="70" idx="1"/>
-          </p:cNvCxnSpPr>
+          <p:cNvCxnSpPr/>
           <p:nvPr/>
         </p:nvCxnSpPr>
         <p:spPr>
           <a:xfrm flipV="1">
-            <a:off x="5315744" y="1648038"/>
+            <a:off x="5315744" y="5373216"/>
             <a:ext cx="1344488" cy="170941"/>
           </a:xfrm>
           <a:prstGeom prst="bentConnector3">
@@ -9330,7 +9400,7 @@
           <p:cNvPr id="72" name="CuadroTexto 44">
             <a:extLst>
               <a:ext uri="{FF2B5EF4-FFF2-40B4-BE49-F238E27FC236}">
-                <a16:creationId xmlns="" xmlns:a16="http://schemas.microsoft.com/office/drawing/2014/main" id="{58DDF0F6-557A-42E3-87C5-C25B3173C4ED}"/>
+                <a16:creationId xmlns:a16="http://schemas.microsoft.com/office/drawing/2014/main" xmlns="" id="{58DDF0F6-557A-42E3-87C5-C25B3173C4ED}"/>
               </a:ext>
             </a:extLst>
           </p:cNvPr>
@@ -9339,7 +9409,7 @@
         </p:nvSpPr>
         <p:spPr>
           <a:xfrm>
-            <a:off x="6084168" y="1432594"/>
+            <a:off x="6084168" y="5157772"/>
             <a:ext cx="432556" cy="215444"/>
           </a:xfrm>
           <a:prstGeom prst="rect">
@@ -9363,14 +9433,12 @@
       <p:cxnSp>
         <p:nvCxnSpPr>
           <p:cNvPr id="73" name="72 Conector angular"/>
-          <p:cNvCxnSpPr>
-            <a:stCxn id="10" idx="3"/>
-          </p:cNvCxnSpPr>
+          <p:cNvCxnSpPr/>
           <p:nvPr/>
         </p:nvCxnSpPr>
         <p:spPr>
           <a:xfrm flipV="1">
-            <a:off x="2843808" y="1648038"/>
+            <a:off x="2843808" y="5373216"/>
             <a:ext cx="1056456" cy="234514"/>
           </a:xfrm>
           <a:prstGeom prst="bentConnector3">
@@ -9403,7 +9471,7 @@
           <p:cNvPr id="74" name="CuadroTexto 44">
             <a:extLst>
               <a:ext uri="{FF2B5EF4-FFF2-40B4-BE49-F238E27FC236}">
-                <a16:creationId xmlns="" xmlns:a16="http://schemas.microsoft.com/office/drawing/2014/main" id="{58DDF0F6-557A-42E3-87C5-C25B3173C4ED}"/>
+                <a16:creationId xmlns:a16="http://schemas.microsoft.com/office/drawing/2014/main" xmlns="" id="{58DDF0F6-557A-42E3-87C5-C25B3173C4ED}"/>
               </a:ext>
             </a:extLst>
           </p:cNvPr>
@@ -9412,7 +9480,7 @@
         </p:nvSpPr>
         <p:spPr>
           <a:xfrm>
-            <a:off x="3372036" y="1462980"/>
+            <a:off x="3372036" y="5188158"/>
             <a:ext cx="432556" cy="215444"/>
           </a:xfrm>
           <a:prstGeom prst="rect">
@@ -9430,37 +9498,6 @@
               <a:rPr lang="es-ES" sz="800" dirty="0"/>
               <a:t>1…*</a:t>
             </a:r>
-          </a:p>
-        </p:txBody>
-      </p:sp>
-      <p:sp>
-        <p:nvSpPr>
-          <p:cNvPr id="75" name="74 CuadroTexto"/>
-          <p:cNvSpPr txBox="1"/>
-          <p:nvPr/>
-        </p:nvSpPr>
-        <p:spPr>
-          <a:xfrm>
-            <a:off x="3352250" y="2636912"/>
-            <a:ext cx="2756090" cy="646331"/>
-          </a:xfrm>
-          <a:prstGeom prst="rect">
-            <a:avLst/>
-          </a:prstGeom>
-          <a:noFill/>
-        </p:spPr>
-        <p:txBody>
-          <a:bodyPr wrap="square" rtlCol="0">
-            <a:spAutoFit/>
-          </a:bodyPr>
-          <a:lstStyle/>
-          <a:p>
-            <a:pPr algn="ctr"/>
-            <a:r>
-              <a:rPr lang="es-ES" dirty="0" smtClean="0"/>
-              <a:t>Pendiente de revisar los datos caja fija</a:t>
-            </a:r>
-            <a:endParaRPr lang="es-ES" dirty="0"/>
           </a:p>
         </p:txBody>
       </p:sp>
@@ -9523,7 +9560,7 @@
                 <a:gridCol w="1440160">
                   <a:extLst>
                     <a:ext uri="{9D8B030D-6E8A-4147-A177-3AD203B41FA5}">
-                      <a16:colId xmlns="" xmlns:a16="http://schemas.microsoft.com/office/drawing/2014/main" val="20000"/>
+                      <a16:colId xmlns:a16="http://schemas.microsoft.com/office/drawing/2014/main" xmlns="" val="20000"/>
                     </a:ext>
                   </a:extLst>
                 </a:gridCol>
@@ -9545,7 +9582,7 @@
                 </a:tc>
                 <a:extLst>
                   <a:ext uri="{0D108BD9-81ED-4DB2-BD59-A6C34878D82A}">
-                    <a16:rowId xmlns="" xmlns:a16="http://schemas.microsoft.com/office/drawing/2014/main" val="10000"/>
+                    <a16:rowId xmlns:a16="http://schemas.microsoft.com/office/drawing/2014/main" xmlns="" val="10000"/>
                   </a:ext>
                 </a:extLst>
               </a:tr>
@@ -9589,7 +9626,7 @@
                 </a:tc>
                 <a:extLst>
                   <a:ext uri="{0D108BD9-81ED-4DB2-BD59-A6C34878D82A}">
-                    <a16:rowId xmlns="" xmlns:a16="http://schemas.microsoft.com/office/drawing/2014/main" val="10001"/>
+                    <a16:rowId xmlns:a16="http://schemas.microsoft.com/office/drawing/2014/main" xmlns="" val="10001"/>
                   </a:ext>
                 </a:extLst>
               </a:tr>
@@ -9616,7 +9653,7 @@
                 </a:tc>
                 <a:extLst>
                   <a:ext uri="{0D108BD9-81ED-4DB2-BD59-A6C34878D82A}">
-                    <a16:rowId xmlns="" xmlns:a16="http://schemas.microsoft.com/office/drawing/2014/main" val="10002"/>
+                    <a16:rowId xmlns:a16="http://schemas.microsoft.com/office/drawing/2014/main" xmlns="" val="10002"/>
                   </a:ext>
                 </a:extLst>
               </a:tr>
@@ -9633,7 +9670,7 @@
           <p:nvPr>
             <p:extLst>
               <p:ext uri="{D42A27DB-BD31-4B8C-83A1-F6EECF244321}">
-                <p14:modId xmlns:p14="http://schemas.microsoft.com/office/powerpoint/2010/main" val="3065606920"/>
+                <p14:modId xmlns:p14="http://schemas.microsoft.com/office/powerpoint/2010/main" val="691449639"/>
               </p:ext>
             </p:extLst>
           </p:nvPr>
@@ -9652,7 +9689,7 @@
                 <a:gridCol w="1463824">
                   <a:extLst>
                     <a:ext uri="{9D8B030D-6E8A-4147-A177-3AD203B41FA5}">
-                      <a16:colId xmlns="" xmlns:a16="http://schemas.microsoft.com/office/drawing/2014/main" val="20000"/>
+                      <a16:colId xmlns:a16="http://schemas.microsoft.com/office/drawing/2014/main" xmlns="" val="20000"/>
                     </a:ext>
                   </a:extLst>
                 </a:gridCol>
@@ -9674,7 +9711,7 @@
                 </a:tc>
                 <a:extLst>
                   <a:ext uri="{0D108BD9-81ED-4DB2-BD59-A6C34878D82A}">
-                    <a16:rowId xmlns="" xmlns:a16="http://schemas.microsoft.com/office/drawing/2014/main" val="10000"/>
+                    <a16:rowId xmlns:a16="http://schemas.microsoft.com/office/drawing/2014/main" xmlns="" val="10000"/>
                   </a:ext>
                 </a:extLst>
               </a:tr>
@@ -9695,7 +9732,7 @@
                 </a:tc>
                 <a:extLst>
                   <a:ext uri="{0D108BD9-81ED-4DB2-BD59-A6C34878D82A}">
-                    <a16:rowId xmlns="" xmlns:a16="http://schemas.microsoft.com/office/drawing/2014/main" val="10001"/>
+                    <a16:rowId xmlns:a16="http://schemas.microsoft.com/office/drawing/2014/main" xmlns="" val="10001"/>
                   </a:ext>
                 </a:extLst>
               </a:tr>
@@ -9709,6 +9746,13 @@
                         <a:rPr lang="es-ES" sz="800" dirty="0" smtClean="0"/>
                         <a:t>NOMBRE</a:t>
                       </a:r>
+                    </a:p>
+                    <a:p>
+                      <a:r>
+                        <a:rPr lang="es-ES" sz="800" dirty="0" smtClean="0"/>
+                        <a:t>TIPO_MODELO</a:t>
+                      </a:r>
+                      <a:endParaRPr lang="es-ES" sz="800" dirty="0" smtClean="0"/>
                     </a:p>
                     <a:p>
                       <a:r>
@@ -9722,7 +9766,7 @@
                 </a:tc>
                 <a:extLst>
                   <a:ext uri="{0D108BD9-81ED-4DB2-BD59-A6C34878D82A}">
-                    <a16:rowId xmlns="" xmlns:a16="http://schemas.microsoft.com/office/drawing/2014/main" val="10002"/>
+                    <a16:rowId xmlns:a16="http://schemas.microsoft.com/office/drawing/2014/main" xmlns="" val="10002"/>
                   </a:ext>
                 </a:extLst>
               </a:tr>
@@ -9730,36 +9774,112 @@
           </a:graphicData>
         </a:graphic>
       </p:graphicFrame>
-      <p:sp>
-        <p:nvSpPr>
-          <p:cNvPr id="17" name="16 CuadroTexto"/>
-          <p:cNvSpPr txBox="1"/>
-          <p:nvPr/>
-        </p:nvSpPr>
-        <p:spPr>
-          <a:xfrm>
-            <a:off x="801286" y="5373216"/>
-            <a:ext cx="2756090" cy="646331"/>
-          </a:xfrm>
-          <a:prstGeom prst="rect">
-            <a:avLst/>
-          </a:prstGeom>
-          <a:noFill/>
-        </p:spPr>
-        <p:txBody>
-          <a:bodyPr wrap="square" rtlCol="0">
-            <a:spAutoFit/>
-          </a:bodyPr>
-          <a:lstStyle/>
-          <a:p>
-            <a:r>
-              <a:rPr lang="es-ES" dirty="0" smtClean="0"/>
-              <a:t>Pendiente de revisar los datos modelos</a:t>
-            </a:r>
-            <a:endParaRPr lang="es-ES" dirty="0"/>
-          </a:p>
-        </p:txBody>
-      </p:sp>
+      <p:graphicFrame>
+        <p:nvGraphicFramePr>
+          <p:cNvPr id="15" name="14 Tabla"/>
+          <p:cNvGraphicFramePr>
+            <a:graphicFrameLocks noGrp="1"/>
+          </p:cNvGraphicFramePr>
+          <p:nvPr>
+            <p:extLst>
+              <p:ext uri="{D42A27DB-BD31-4B8C-83A1-F6EECF244321}">
+                <p14:modId xmlns:p14="http://schemas.microsoft.com/office/powerpoint/2010/main" val="2183849624"/>
+              </p:ext>
+            </p:extLst>
+          </p:nvPr>
+        </p:nvGraphicFramePr>
+        <p:xfrm>
+          <a:off x="1547664" y="5094827"/>
+          <a:ext cx="1463824" cy="898660"/>
+        </p:xfrm>
+        <a:graphic>
+          <a:graphicData uri="http://schemas.openxmlformats.org/drawingml/2006/table">
+            <a:tbl>
+              <a:tblPr firstRow="1" bandRow="1">
+                <a:tableStyleId>{5C22544A-7EE6-4342-B048-85BDC9FD1C3A}</a:tableStyleId>
+              </a:tblPr>
+              <a:tblGrid>
+                <a:gridCol w="1463824">
+                  <a:extLst>
+                    <a:ext uri="{9D8B030D-6E8A-4147-A177-3AD203B41FA5}">
+                      <a16:colId xmlns:a16="http://schemas.microsoft.com/office/drawing/2014/main" xmlns="" val="20000"/>
+                    </a:ext>
+                  </a:extLst>
+                </a:gridCol>
+              </a:tblGrid>
+              <a:tr h="155428">
+                <a:tc>
+                  <a:txBody>
+                    <a:bodyPr/>
+                    <a:lstStyle/>
+                    <a:p>
+                      <a:r>
+                        <a:rPr lang="es-ES" sz="800" i="1" dirty="0" smtClean="0"/>
+                        <a:t>TIPOS_MODELO</a:t>
+                      </a:r>
+                      <a:endParaRPr lang="es-ES" sz="800" i="1" dirty="0"/>
+                    </a:p>
+                  </a:txBody>
+                  <a:tcPr/>
+                </a:tc>
+                <a:extLst>
+                  <a:ext uri="{0D108BD9-81ED-4DB2-BD59-A6C34878D82A}">
+                    <a16:rowId xmlns:a16="http://schemas.microsoft.com/office/drawing/2014/main" xmlns="" val="10000"/>
+                  </a:ext>
+                </a:extLst>
+              </a:tr>
+              <a:tr h="155428">
+                <a:tc>
+                  <a:txBody>
+                    <a:bodyPr/>
+                    <a:lstStyle/>
+                    <a:p>
+                      <a:r>
+                        <a:rPr lang="es-ES" sz="800" dirty="0" smtClean="0"/>
+                        <a:t>TIPO_MODELO</a:t>
+                      </a:r>
+                      <a:endParaRPr lang="es-ES" sz="800" dirty="0"/>
+                    </a:p>
+                  </a:txBody>
+                  <a:tcPr/>
+                </a:tc>
+                <a:extLst>
+                  <a:ext uri="{0D108BD9-81ED-4DB2-BD59-A6C34878D82A}">
+                    <a16:rowId xmlns:a16="http://schemas.microsoft.com/office/drawing/2014/main" xmlns="" val="10001"/>
+                  </a:ext>
+                </a:extLst>
+              </a:tr>
+              <a:tr h="471940">
+                <a:tc>
+                  <a:txBody>
+                    <a:bodyPr/>
+                    <a:lstStyle/>
+                    <a:p>
+                      <a:r>
+                        <a:rPr lang="es-ES" sz="800" dirty="0" smtClean="0"/>
+                        <a:t>NOMBRE</a:t>
+                      </a:r>
+                    </a:p>
+                    <a:p>
+                      <a:r>
+                        <a:rPr lang="es-ES" sz="800" baseline="0" dirty="0" smtClean="0"/>
+                        <a:t>DESCRIPCIÓN</a:t>
+                      </a:r>
+                      <a:endParaRPr lang="es-ES" sz="800" baseline="0" dirty="0"/>
+                    </a:p>
+                  </a:txBody>
+                  <a:tcPr/>
+                </a:tc>
+                <a:extLst>
+                  <a:ext uri="{0D108BD9-81ED-4DB2-BD59-A6C34878D82A}">
+                    <a16:rowId xmlns:a16="http://schemas.microsoft.com/office/drawing/2014/main" xmlns="" val="10002"/>
+                  </a:ext>
+                </a:extLst>
+              </a:tr>
+            </a:tbl>
+          </a:graphicData>
+        </a:graphic>
+      </p:graphicFrame>
     </p:spTree>
     <p:extLst>
       <p:ext uri="{BB962C8B-B14F-4D97-AF65-F5344CB8AC3E}">
@@ -9818,7 +9938,7 @@
                 <a:gridCol w="1463824">
                   <a:extLst>
                     <a:ext uri="{9D8B030D-6E8A-4147-A177-3AD203B41FA5}">
-                      <a16:colId xmlns="" xmlns:a16="http://schemas.microsoft.com/office/drawing/2014/main" val="20000"/>
+                      <a16:colId xmlns:a16="http://schemas.microsoft.com/office/drawing/2014/main" xmlns="" val="20000"/>
                     </a:ext>
                   </a:extLst>
                 </a:gridCol>
@@ -9839,7 +9959,7 @@
                 </a:tc>
                 <a:extLst>
                   <a:ext uri="{0D108BD9-81ED-4DB2-BD59-A6C34878D82A}">
-                    <a16:rowId xmlns="" xmlns:a16="http://schemas.microsoft.com/office/drawing/2014/main" val="10000"/>
+                    <a16:rowId xmlns:a16="http://schemas.microsoft.com/office/drawing/2014/main" xmlns="" val="10000"/>
                   </a:ext>
                 </a:extLst>
               </a:tr>
@@ -9860,7 +9980,7 @@
                 </a:tc>
                 <a:extLst>
                   <a:ext uri="{0D108BD9-81ED-4DB2-BD59-A6C34878D82A}">
-                    <a16:rowId xmlns="" xmlns:a16="http://schemas.microsoft.com/office/drawing/2014/main" val="10001"/>
+                    <a16:rowId xmlns:a16="http://schemas.microsoft.com/office/drawing/2014/main" xmlns="" val="10001"/>
                   </a:ext>
                 </a:extLst>
               </a:tr>
@@ -9968,7 +10088,7 @@
                 </a:tc>
                 <a:extLst>
                   <a:ext uri="{0D108BD9-81ED-4DB2-BD59-A6C34878D82A}">
-                    <a16:rowId xmlns="" xmlns:a16="http://schemas.microsoft.com/office/drawing/2014/main" val="10002"/>
+                    <a16:rowId xmlns:a16="http://schemas.microsoft.com/office/drawing/2014/main" xmlns="" val="10002"/>
                   </a:ext>
                 </a:extLst>
               </a:tr>
@@ -10004,7 +10124,7 @@
                 <a:gridCol w="1463824">
                   <a:extLst>
                     <a:ext uri="{9D8B030D-6E8A-4147-A177-3AD203B41FA5}">
-                      <a16:colId xmlns="" xmlns:a16="http://schemas.microsoft.com/office/drawing/2014/main" val="20000"/>
+                      <a16:colId xmlns:a16="http://schemas.microsoft.com/office/drawing/2014/main" xmlns="" val="20000"/>
                     </a:ext>
                   </a:extLst>
                 </a:gridCol>
@@ -10026,7 +10146,7 @@
                 </a:tc>
                 <a:extLst>
                   <a:ext uri="{0D108BD9-81ED-4DB2-BD59-A6C34878D82A}">
-                    <a16:rowId xmlns="" xmlns:a16="http://schemas.microsoft.com/office/drawing/2014/main" val="10000"/>
+                    <a16:rowId xmlns:a16="http://schemas.microsoft.com/office/drawing/2014/main" xmlns="" val="10000"/>
                   </a:ext>
                 </a:extLst>
               </a:tr>
@@ -10047,7 +10167,7 @@
                 </a:tc>
                 <a:extLst>
                   <a:ext uri="{0D108BD9-81ED-4DB2-BD59-A6C34878D82A}">
-                    <a16:rowId xmlns="" xmlns:a16="http://schemas.microsoft.com/office/drawing/2014/main" val="10001"/>
+                    <a16:rowId xmlns:a16="http://schemas.microsoft.com/office/drawing/2014/main" xmlns="" val="10001"/>
                   </a:ext>
                 </a:extLst>
               </a:tr>
@@ -10086,7 +10206,7 @@
                 </a:tc>
                 <a:extLst>
                   <a:ext uri="{0D108BD9-81ED-4DB2-BD59-A6C34878D82A}">
-                    <a16:rowId xmlns="" xmlns:a16="http://schemas.microsoft.com/office/drawing/2014/main" val="10002"/>
+                    <a16:rowId xmlns:a16="http://schemas.microsoft.com/office/drawing/2014/main" xmlns="" val="10002"/>
                   </a:ext>
                 </a:extLst>
               </a:tr>
@@ -10122,7 +10242,7 @@
                 <a:gridCol w="720080">
                   <a:extLst>
                     <a:ext uri="{9D8B030D-6E8A-4147-A177-3AD203B41FA5}">
-                      <a16:colId xmlns="" xmlns:a16="http://schemas.microsoft.com/office/drawing/2014/main" val="20000"/>
+                      <a16:colId xmlns:a16="http://schemas.microsoft.com/office/drawing/2014/main" xmlns="" val="20000"/>
                     </a:ext>
                   </a:extLst>
                 </a:gridCol>
@@ -10143,7 +10263,7 @@
                 </a:tc>
                 <a:extLst>
                   <a:ext uri="{0D108BD9-81ED-4DB2-BD59-A6C34878D82A}">
-                    <a16:rowId xmlns="" xmlns:a16="http://schemas.microsoft.com/office/drawing/2014/main" val="10000"/>
+                    <a16:rowId xmlns:a16="http://schemas.microsoft.com/office/drawing/2014/main" xmlns="" val="10000"/>
                   </a:ext>
                 </a:extLst>
               </a:tr>
@@ -10164,7 +10284,7 @@
                 </a:tc>
                 <a:extLst>
                   <a:ext uri="{0D108BD9-81ED-4DB2-BD59-A6C34878D82A}">
-                    <a16:rowId xmlns="" xmlns:a16="http://schemas.microsoft.com/office/drawing/2014/main" val="10001"/>
+                    <a16:rowId xmlns:a16="http://schemas.microsoft.com/office/drawing/2014/main" xmlns="" val="10001"/>
                   </a:ext>
                 </a:extLst>
               </a:tr>
@@ -10184,7 +10304,7 @@
                 </a:tc>
                 <a:extLst>
                   <a:ext uri="{0D108BD9-81ED-4DB2-BD59-A6C34878D82A}">
-                    <a16:rowId xmlns="" xmlns:a16="http://schemas.microsoft.com/office/drawing/2014/main" val="10002"/>
+                    <a16:rowId xmlns:a16="http://schemas.microsoft.com/office/drawing/2014/main" xmlns="" val="10002"/>
                   </a:ext>
                 </a:extLst>
               </a:tr>
@@ -10220,7 +10340,7 @@
                 <a:gridCol w="1368152">
                   <a:extLst>
                     <a:ext uri="{9D8B030D-6E8A-4147-A177-3AD203B41FA5}">
-                      <a16:colId xmlns="" xmlns:a16="http://schemas.microsoft.com/office/drawing/2014/main" val="20000"/>
+                      <a16:colId xmlns:a16="http://schemas.microsoft.com/office/drawing/2014/main" xmlns="" val="20000"/>
                     </a:ext>
                   </a:extLst>
                 </a:gridCol>
@@ -10241,7 +10361,7 @@
                 </a:tc>
                 <a:extLst>
                   <a:ext uri="{0D108BD9-81ED-4DB2-BD59-A6C34878D82A}">
-                    <a16:rowId xmlns="" xmlns:a16="http://schemas.microsoft.com/office/drawing/2014/main" val="10000"/>
+                    <a16:rowId xmlns:a16="http://schemas.microsoft.com/office/drawing/2014/main" xmlns="" val="10000"/>
                   </a:ext>
                 </a:extLst>
               </a:tr>
@@ -10268,7 +10388,7 @@
                 </a:tc>
                 <a:extLst>
                   <a:ext uri="{0D108BD9-81ED-4DB2-BD59-A6C34878D82A}">
-                    <a16:rowId xmlns="" xmlns:a16="http://schemas.microsoft.com/office/drawing/2014/main" val="10001"/>
+                    <a16:rowId xmlns:a16="http://schemas.microsoft.com/office/drawing/2014/main" xmlns="" val="10001"/>
                   </a:ext>
                 </a:extLst>
               </a:tr>
@@ -10288,7 +10408,7 @@
                 </a:tc>
                 <a:extLst>
                   <a:ext uri="{0D108BD9-81ED-4DB2-BD59-A6C34878D82A}">
-                    <a16:rowId xmlns="" xmlns:a16="http://schemas.microsoft.com/office/drawing/2014/main" val="10002"/>
+                    <a16:rowId xmlns:a16="http://schemas.microsoft.com/office/drawing/2014/main" xmlns="" val="10002"/>
                   </a:ext>
                 </a:extLst>
               </a:tr>
@@ -10324,7 +10444,7 @@
                 <a:gridCol w="1368152">
                   <a:extLst>
                     <a:ext uri="{9D8B030D-6E8A-4147-A177-3AD203B41FA5}">
-                      <a16:colId xmlns="" xmlns:a16="http://schemas.microsoft.com/office/drawing/2014/main" val="20000"/>
+                      <a16:colId xmlns:a16="http://schemas.microsoft.com/office/drawing/2014/main" xmlns="" val="20000"/>
                     </a:ext>
                   </a:extLst>
                 </a:gridCol>
@@ -10345,7 +10465,7 @@
                 </a:tc>
                 <a:extLst>
                   <a:ext uri="{0D108BD9-81ED-4DB2-BD59-A6C34878D82A}">
-                    <a16:rowId xmlns="" xmlns:a16="http://schemas.microsoft.com/office/drawing/2014/main" val="10000"/>
+                    <a16:rowId xmlns:a16="http://schemas.microsoft.com/office/drawing/2014/main" xmlns="" val="10000"/>
                   </a:ext>
                 </a:extLst>
               </a:tr>
@@ -10365,7 +10485,7 @@
                 </a:tc>
                 <a:extLst>
                   <a:ext uri="{0D108BD9-81ED-4DB2-BD59-A6C34878D82A}">
-                    <a16:rowId xmlns="" xmlns:a16="http://schemas.microsoft.com/office/drawing/2014/main" val="10001"/>
+                    <a16:rowId xmlns:a16="http://schemas.microsoft.com/office/drawing/2014/main" xmlns="" val="10001"/>
                   </a:ext>
                 </a:extLst>
               </a:tr>
@@ -10393,7 +10513,7 @@
                 </a:tc>
                 <a:extLst>
                   <a:ext uri="{0D108BD9-81ED-4DB2-BD59-A6C34878D82A}">
-                    <a16:rowId xmlns="" xmlns:a16="http://schemas.microsoft.com/office/drawing/2014/main" val="10002"/>
+                    <a16:rowId xmlns:a16="http://schemas.microsoft.com/office/drawing/2014/main" xmlns="" val="10002"/>
                   </a:ext>
                 </a:extLst>
               </a:tr>
@@ -10429,7 +10549,7 @@
                 <a:gridCol w="1463824">
                   <a:extLst>
                     <a:ext uri="{9D8B030D-6E8A-4147-A177-3AD203B41FA5}">
-                      <a16:colId xmlns="" xmlns:a16="http://schemas.microsoft.com/office/drawing/2014/main" val="20000"/>
+                      <a16:colId xmlns:a16="http://schemas.microsoft.com/office/drawing/2014/main" xmlns="" val="20000"/>
                     </a:ext>
                   </a:extLst>
                 </a:gridCol>
@@ -10450,7 +10570,7 @@
                 </a:tc>
                 <a:extLst>
                   <a:ext uri="{0D108BD9-81ED-4DB2-BD59-A6C34878D82A}">
-                    <a16:rowId xmlns="" xmlns:a16="http://schemas.microsoft.com/office/drawing/2014/main" val="10000"/>
+                    <a16:rowId xmlns:a16="http://schemas.microsoft.com/office/drawing/2014/main" xmlns="" val="10000"/>
                   </a:ext>
                 </a:extLst>
               </a:tr>
@@ -10470,7 +10590,7 @@
                 </a:tc>
                 <a:extLst>
                   <a:ext uri="{0D108BD9-81ED-4DB2-BD59-A6C34878D82A}">
-                    <a16:rowId xmlns="" xmlns:a16="http://schemas.microsoft.com/office/drawing/2014/main" val="10001"/>
+                    <a16:rowId xmlns:a16="http://schemas.microsoft.com/office/drawing/2014/main" xmlns="" val="10001"/>
                   </a:ext>
                 </a:extLst>
               </a:tr>
@@ -10497,7 +10617,7 @@
                 </a:tc>
                 <a:extLst>
                   <a:ext uri="{0D108BD9-81ED-4DB2-BD59-A6C34878D82A}">
-                    <a16:rowId xmlns="" xmlns:a16="http://schemas.microsoft.com/office/drawing/2014/main" val="10002"/>
+                    <a16:rowId xmlns:a16="http://schemas.microsoft.com/office/drawing/2014/main" xmlns="" val="10002"/>
                   </a:ext>
                 </a:extLst>
               </a:tr>
@@ -10533,7 +10653,7 @@
                 <a:gridCol w="1463824">
                   <a:extLst>
                     <a:ext uri="{9D8B030D-6E8A-4147-A177-3AD203B41FA5}">
-                      <a16:colId xmlns="" xmlns:a16="http://schemas.microsoft.com/office/drawing/2014/main" val="20000"/>
+                      <a16:colId xmlns:a16="http://schemas.microsoft.com/office/drawing/2014/main" xmlns="" val="20000"/>
                     </a:ext>
                   </a:extLst>
                 </a:gridCol>
@@ -10555,7 +10675,7 @@
                 </a:tc>
                 <a:extLst>
                   <a:ext uri="{0D108BD9-81ED-4DB2-BD59-A6C34878D82A}">
-                    <a16:rowId xmlns="" xmlns:a16="http://schemas.microsoft.com/office/drawing/2014/main" val="10000"/>
+                    <a16:rowId xmlns:a16="http://schemas.microsoft.com/office/drawing/2014/main" xmlns="" val="10000"/>
                   </a:ext>
                 </a:extLst>
               </a:tr>
@@ -10576,7 +10696,7 @@
                 </a:tc>
                 <a:extLst>
                   <a:ext uri="{0D108BD9-81ED-4DB2-BD59-A6C34878D82A}">
-                    <a16:rowId xmlns="" xmlns:a16="http://schemas.microsoft.com/office/drawing/2014/main" val="10001"/>
+                    <a16:rowId xmlns:a16="http://schemas.microsoft.com/office/drawing/2014/main" xmlns="" val="10001"/>
                   </a:ext>
                 </a:extLst>
               </a:tr>
@@ -10625,7 +10745,7 @@
                 </a:tc>
                 <a:extLst>
                   <a:ext uri="{0D108BD9-81ED-4DB2-BD59-A6C34878D82A}">
-                    <a16:rowId xmlns="" xmlns:a16="http://schemas.microsoft.com/office/drawing/2014/main" val="10002"/>
+                    <a16:rowId xmlns:a16="http://schemas.microsoft.com/office/drawing/2014/main" xmlns="" val="10002"/>
                   </a:ext>
                 </a:extLst>
               </a:tr>
@@ -10661,7 +10781,7 @@
                 <a:gridCol w="1463824">
                   <a:extLst>
                     <a:ext uri="{9D8B030D-6E8A-4147-A177-3AD203B41FA5}">
-                      <a16:colId xmlns="" xmlns:a16="http://schemas.microsoft.com/office/drawing/2014/main" val="20000"/>
+                      <a16:colId xmlns:a16="http://schemas.microsoft.com/office/drawing/2014/main" xmlns="" val="20000"/>
                     </a:ext>
                   </a:extLst>
                 </a:gridCol>
@@ -10682,7 +10802,7 @@
                 </a:tc>
                 <a:extLst>
                   <a:ext uri="{0D108BD9-81ED-4DB2-BD59-A6C34878D82A}">
-                    <a16:rowId xmlns="" xmlns:a16="http://schemas.microsoft.com/office/drawing/2014/main" val="10000"/>
+                    <a16:rowId xmlns:a16="http://schemas.microsoft.com/office/drawing/2014/main" xmlns="" val="10000"/>
                   </a:ext>
                 </a:extLst>
               </a:tr>
@@ -10703,7 +10823,7 @@
                 </a:tc>
                 <a:extLst>
                   <a:ext uri="{0D108BD9-81ED-4DB2-BD59-A6C34878D82A}">
-                    <a16:rowId xmlns="" xmlns:a16="http://schemas.microsoft.com/office/drawing/2014/main" val="10001"/>
+                    <a16:rowId xmlns:a16="http://schemas.microsoft.com/office/drawing/2014/main" xmlns="" val="10001"/>
                   </a:ext>
                 </a:extLst>
               </a:tr>
@@ -10724,7 +10844,7 @@
                 </a:tc>
                 <a:extLst>
                   <a:ext uri="{0D108BD9-81ED-4DB2-BD59-A6C34878D82A}">
-                    <a16:rowId xmlns="" xmlns:a16="http://schemas.microsoft.com/office/drawing/2014/main" val="10002"/>
+                    <a16:rowId xmlns:a16="http://schemas.microsoft.com/office/drawing/2014/main" xmlns="" val="10002"/>
                   </a:ext>
                 </a:extLst>
               </a:tr>
@@ -10760,7 +10880,7 @@
                 <a:gridCol w="1728192">
                   <a:extLst>
                     <a:ext uri="{9D8B030D-6E8A-4147-A177-3AD203B41FA5}">
-                      <a16:colId xmlns="" xmlns:a16="http://schemas.microsoft.com/office/drawing/2014/main" val="20000"/>
+                      <a16:colId xmlns:a16="http://schemas.microsoft.com/office/drawing/2014/main" xmlns="" val="20000"/>
                     </a:ext>
                   </a:extLst>
                 </a:gridCol>
@@ -10782,7 +10902,7 @@
                 </a:tc>
                 <a:extLst>
                   <a:ext uri="{0D108BD9-81ED-4DB2-BD59-A6C34878D82A}">
-                    <a16:rowId xmlns="" xmlns:a16="http://schemas.microsoft.com/office/drawing/2014/main" val="10000"/>
+                    <a16:rowId xmlns:a16="http://schemas.microsoft.com/office/drawing/2014/main" xmlns="" val="10000"/>
                   </a:ext>
                 </a:extLst>
               </a:tr>
@@ -10803,7 +10923,7 @@
                 </a:tc>
                 <a:extLst>
                   <a:ext uri="{0D108BD9-81ED-4DB2-BD59-A6C34878D82A}">
-                    <a16:rowId xmlns="" xmlns:a16="http://schemas.microsoft.com/office/drawing/2014/main" val="10001"/>
+                    <a16:rowId xmlns:a16="http://schemas.microsoft.com/office/drawing/2014/main" xmlns="" val="10001"/>
                   </a:ext>
                 </a:extLst>
               </a:tr>
@@ -10824,7 +10944,7 @@
                 </a:tc>
                 <a:extLst>
                   <a:ext uri="{0D108BD9-81ED-4DB2-BD59-A6C34878D82A}">
-                    <a16:rowId xmlns="" xmlns:a16="http://schemas.microsoft.com/office/drawing/2014/main" val="10002"/>
+                    <a16:rowId xmlns:a16="http://schemas.microsoft.com/office/drawing/2014/main" xmlns="" val="10002"/>
                   </a:ext>
                 </a:extLst>
               </a:tr>
@@ -10860,7 +10980,7 @@
                 <a:gridCol w="1728192">
                   <a:extLst>
                     <a:ext uri="{9D8B030D-6E8A-4147-A177-3AD203B41FA5}">
-                      <a16:colId xmlns="" xmlns:a16="http://schemas.microsoft.com/office/drawing/2014/main" val="20000"/>
+                      <a16:colId xmlns:a16="http://schemas.microsoft.com/office/drawing/2014/main" xmlns="" val="20000"/>
                     </a:ext>
                   </a:extLst>
                 </a:gridCol>
@@ -10882,7 +11002,7 @@
                 </a:tc>
                 <a:extLst>
                   <a:ext uri="{0D108BD9-81ED-4DB2-BD59-A6C34878D82A}">
-                    <a16:rowId xmlns="" xmlns:a16="http://schemas.microsoft.com/office/drawing/2014/main" val="10000"/>
+                    <a16:rowId xmlns:a16="http://schemas.microsoft.com/office/drawing/2014/main" xmlns="" val="10000"/>
                   </a:ext>
                 </a:extLst>
               </a:tr>
@@ -10903,7 +11023,7 @@
                 </a:tc>
                 <a:extLst>
                   <a:ext uri="{0D108BD9-81ED-4DB2-BD59-A6C34878D82A}">
-                    <a16:rowId xmlns="" xmlns:a16="http://schemas.microsoft.com/office/drawing/2014/main" val="10001"/>
+                    <a16:rowId xmlns:a16="http://schemas.microsoft.com/office/drawing/2014/main" xmlns="" val="10001"/>
                   </a:ext>
                 </a:extLst>
               </a:tr>
@@ -10924,7 +11044,7 @@
                 </a:tc>
                 <a:extLst>
                   <a:ext uri="{0D108BD9-81ED-4DB2-BD59-A6C34878D82A}">
-                    <a16:rowId xmlns="" xmlns:a16="http://schemas.microsoft.com/office/drawing/2014/main" val="10002"/>
+                    <a16:rowId xmlns:a16="http://schemas.microsoft.com/office/drawing/2014/main" xmlns="" val="10002"/>
                   </a:ext>
                 </a:extLst>
               </a:tr>
@@ -10960,7 +11080,7 @@
                 <a:gridCol w="1463824">
                   <a:extLst>
                     <a:ext uri="{9D8B030D-6E8A-4147-A177-3AD203B41FA5}">
-                      <a16:colId xmlns="" xmlns:a16="http://schemas.microsoft.com/office/drawing/2014/main" val="20000"/>
+                      <a16:colId xmlns:a16="http://schemas.microsoft.com/office/drawing/2014/main" xmlns="" val="20000"/>
                     </a:ext>
                   </a:extLst>
                 </a:gridCol>
@@ -10982,7 +11102,7 @@
                 </a:tc>
                 <a:extLst>
                   <a:ext uri="{0D108BD9-81ED-4DB2-BD59-A6C34878D82A}">
-                    <a16:rowId xmlns="" xmlns:a16="http://schemas.microsoft.com/office/drawing/2014/main" val="10000"/>
+                    <a16:rowId xmlns:a16="http://schemas.microsoft.com/office/drawing/2014/main" xmlns="" val="10000"/>
                   </a:ext>
                 </a:extLst>
               </a:tr>
@@ -11003,7 +11123,7 @@
                 </a:tc>
                 <a:extLst>
                   <a:ext uri="{0D108BD9-81ED-4DB2-BD59-A6C34878D82A}">
-                    <a16:rowId xmlns="" xmlns:a16="http://schemas.microsoft.com/office/drawing/2014/main" val="10001"/>
+                    <a16:rowId xmlns:a16="http://schemas.microsoft.com/office/drawing/2014/main" xmlns="" val="10001"/>
                   </a:ext>
                 </a:extLst>
               </a:tr>
@@ -11024,7 +11144,7 @@
                 </a:tc>
                 <a:extLst>
                   <a:ext uri="{0D108BD9-81ED-4DB2-BD59-A6C34878D82A}">
-                    <a16:rowId xmlns="" xmlns:a16="http://schemas.microsoft.com/office/drawing/2014/main" val="10002"/>
+                    <a16:rowId xmlns:a16="http://schemas.microsoft.com/office/drawing/2014/main" xmlns="" val="10002"/>
                   </a:ext>
                 </a:extLst>
               </a:tr>
@@ -11060,7 +11180,7 @@
                 <a:gridCol w="1463824">
                   <a:extLst>
                     <a:ext uri="{9D8B030D-6E8A-4147-A177-3AD203B41FA5}">
-                      <a16:colId xmlns="" xmlns:a16="http://schemas.microsoft.com/office/drawing/2014/main" val="20000"/>
+                      <a16:colId xmlns:a16="http://schemas.microsoft.com/office/drawing/2014/main" xmlns="" val="20000"/>
                     </a:ext>
                   </a:extLst>
                 </a:gridCol>
@@ -11081,7 +11201,7 @@
                 </a:tc>
                 <a:extLst>
                   <a:ext uri="{0D108BD9-81ED-4DB2-BD59-A6C34878D82A}">
-                    <a16:rowId xmlns="" xmlns:a16="http://schemas.microsoft.com/office/drawing/2014/main" val="10000"/>
+                    <a16:rowId xmlns:a16="http://schemas.microsoft.com/office/drawing/2014/main" xmlns="" val="10000"/>
                   </a:ext>
                 </a:extLst>
               </a:tr>
@@ -11102,7 +11222,7 @@
                 </a:tc>
                 <a:extLst>
                   <a:ext uri="{0D108BD9-81ED-4DB2-BD59-A6C34878D82A}">
-                    <a16:rowId xmlns="" xmlns:a16="http://schemas.microsoft.com/office/drawing/2014/main" val="10001"/>
+                    <a16:rowId xmlns:a16="http://schemas.microsoft.com/office/drawing/2014/main" xmlns="" val="10001"/>
                   </a:ext>
                 </a:extLst>
               </a:tr>
@@ -11136,7 +11256,7 @@
                 </a:tc>
                 <a:extLst>
                   <a:ext uri="{0D108BD9-81ED-4DB2-BD59-A6C34878D82A}">
-                    <a16:rowId xmlns="" xmlns:a16="http://schemas.microsoft.com/office/drawing/2014/main" val="10002"/>
+                    <a16:rowId xmlns:a16="http://schemas.microsoft.com/office/drawing/2014/main" xmlns="" val="10002"/>
                   </a:ext>
                 </a:extLst>
               </a:tr>
@@ -11172,7 +11292,7 @@
                 <a:gridCol w="1463824">
                   <a:extLst>
                     <a:ext uri="{9D8B030D-6E8A-4147-A177-3AD203B41FA5}">
-                      <a16:colId xmlns="" xmlns:a16="http://schemas.microsoft.com/office/drawing/2014/main" val="20000"/>
+                      <a16:colId xmlns:a16="http://schemas.microsoft.com/office/drawing/2014/main" xmlns="" val="20000"/>
                     </a:ext>
                   </a:extLst>
                 </a:gridCol>
@@ -11194,7 +11314,7 @@
                 </a:tc>
                 <a:extLst>
                   <a:ext uri="{0D108BD9-81ED-4DB2-BD59-A6C34878D82A}">
-                    <a16:rowId xmlns="" xmlns:a16="http://schemas.microsoft.com/office/drawing/2014/main" val="10000"/>
+                    <a16:rowId xmlns:a16="http://schemas.microsoft.com/office/drawing/2014/main" xmlns="" val="10000"/>
                   </a:ext>
                 </a:extLst>
               </a:tr>
@@ -11215,7 +11335,7 @@
                 </a:tc>
                 <a:extLst>
                   <a:ext uri="{0D108BD9-81ED-4DB2-BD59-A6C34878D82A}">
-                    <a16:rowId xmlns="" xmlns:a16="http://schemas.microsoft.com/office/drawing/2014/main" val="10001"/>
+                    <a16:rowId xmlns:a16="http://schemas.microsoft.com/office/drawing/2014/main" xmlns="" val="10001"/>
                   </a:ext>
                 </a:extLst>
               </a:tr>
@@ -11235,7 +11355,7 @@
                 </a:tc>
                 <a:extLst>
                   <a:ext uri="{0D108BD9-81ED-4DB2-BD59-A6C34878D82A}">
-                    <a16:rowId xmlns="" xmlns:a16="http://schemas.microsoft.com/office/drawing/2014/main" val="10002"/>
+                    <a16:rowId xmlns:a16="http://schemas.microsoft.com/office/drawing/2014/main" xmlns="" val="10002"/>
                   </a:ext>
                 </a:extLst>
               </a:tr>
@@ -11271,7 +11391,7 @@
                 <a:gridCol w="1463824">
                   <a:extLst>
                     <a:ext uri="{9D8B030D-6E8A-4147-A177-3AD203B41FA5}">
-                      <a16:colId xmlns="" xmlns:a16="http://schemas.microsoft.com/office/drawing/2014/main" val="20000"/>
+                      <a16:colId xmlns:a16="http://schemas.microsoft.com/office/drawing/2014/main" xmlns="" val="20000"/>
                     </a:ext>
                   </a:extLst>
                 </a:gridCol>
@@ -11293,7 +11413,7 @@
                 </a:tc>
                 <a:extLst>
                   <a:ext uri="{0D108BD9-81ED-4DB2-BD59-A6C34878D82A}">
-                    <a16:rowId xmlns="" xmlns:a16="http://schemas.microsoft.com/office/drawing/2014/main" val="10000"/>
+                    <a16:rowId xmlns:a16="http://schemas.microsoft.com/office/drawing/2014/main" xmlns="" val="10000"/>
                   </a:ext>
                 </a:extLst>
               </a:tr>
@@ -11313,7 +11433,7 @@
                 </a:tc>
                 <a:extLst>
                   <a:ext uri="{0D108BD9-81ED-4DB2-BD59-A6C34878D82A}">
-                    <a16:rowId xmlns="" xmlns:a16="http://schemas.microsoft.com/office/drawing/2014/main" val="10001"/>
+                    <a16:rowId xmlns:a16="http://schemas.microsoft.com/office/drawing/2014/main" xmlns="" val="10001"/>
                   </a:ext>
                 </a:extLst>
               </a:tr>
@@ -11334,7 +11454,7 @@
                 </a:tc>
                 <a:extLst>
                   <a:ext uri="{0D108BD9-81ED-4DB2-BD59-A6C34878D82A}">
-                    <a16:rowId xmlns="" xmlns:a16="http://schemas.microsoft.com/office/drawing/2014/main" val="10002"/>
+                    <a16:rowId xmlns:a16="http://schemas.microsoft.com/office/drawing/2014/main" xmlns="" val="10002"/>
                   </a:ext>
                 </a:extLst>
               </a:tr>
@@ -11400,7 +11520,7 @@
                 <a:gridCol w="1463824">
                   <a:extLst>
                     <a:ext uri="{9D8B030D-6E8A-4147-A177-3AD203B41FA5}">
-                      <a16:colId xmlns="" xmlns:a16="http://schemas.microsoft.com/office/drawing/2014/main" val="20000"/>
+                      <a16:colId xmlns:a16="http://schemas.microsoft.com/office/drawing/2014/main" xmlns="" val="20000"/>
                     </a:ext>
                   </a:extLst>
                 </a:gridCol>
@@ -11422,7 +11542,7 @@
                 </a:tc>
                 <a:extLst>
                   <a:ext uri="{0D108BD9-81ED-4DB2-BD59-A6C34878D82A}">
-                    <a16:rowId xmlns="" xmlns:a16="http://schemas.microsoft.com/office/drawing/2014/main" val="10000"/>
+                    <a16:rowId xmlns:a16="http://schemas.microsoft.com/office/drawing/2014/main" xmlns="" val="10000"/>
                   </a:ext>
                 </a:extLst>
               </a:tr>
@@ -11443,7 +11563,7 @@
                 </a:tc>
                 <a:extLst>
                   <a:ext uri="{0D108BD9-81ED-4DB2-BD59-A6C34878D82A}">
-                    <a16:rowId xmlns="" xmlns:a16="http://schemas.microsoft.com/office/drawing/2014/main" val="10001"/>
+                    <a16:rowId xmlns:a16="http://schemas.microsoft.com/office/drawing/2014/main" xmlns="" val="10001"/>
                   </a:ext>
                 </a:extLst>
               </a:tr>
@@ -11464,7 +11584,7 @@
                 </a:tc>
                 <a:extLst>
                   <a:ext uri="{0D108BD9-81ED-4DB2-BD59-A6C34878D82A}">
-                    <a16:rowId xmlns="" xmlns:a16="http://schemas.microsoft.com/office/drawing/2014/main" val="10002"/>
+                    <a16:rowId xmlns:a16="http://schemas.microsoft.com/office/drawing/2014/main" xmlns="" val="10002"/>
                   </a:ext>
                 </a:extLst>
               </a:tr>
@@ -11500,7 +11620,7 @@
                 <a:gridCol w="1800200">
                   <a:extLst>
                     <a:ext uri="{9D8B030D-6E8A-4147-A177-3AD203B41FA5}">
-                      <a16:colId xmlns="" xmlns:a16="http://schemas.microsoft.com/office/drawing/2014/main" val="20000"/>
+                      <a16:colId xmlns:a16="http://schemas.microsoft.com/office/drawing/2014/main" xmlns="" val="20000"/>
                     </a:ext>
                   </a:extLst>
                 </a:gridCol>
@@ -11522,7 +11642,7 @@
                 </a:tc>
                 <a:extLst>
                   <a:ext uri="{0D108BD9-81ED-4DB2-BD59-A6C34878D82A}">
-                    <a16:rowId xmlns="" xmlns:a16="http://schemas.microsoft.com/office/drawing/2014/main" val="10000"/>
+                    <a16:rowId xmlns:a16="http://schemas.microsoft.com/office/drawing/2014/main" xmlns="" val="10000"/>
                   </a:ext>
                 </a:extLst>
               </a:tr>
@@ -11543,7 +11663,7 @@
                 </a:tc>
                 <a:extLst>
                   <a:ext uri="{0D108BD9-81ED-4DB2-BD59-A6C34878D82A}">
-                    <a16:rowId xmlns="" xmlns:a16="http://schemas.microsoft.com/office/drawing/2014/main" val="10001"/>
+                    <a16:rowId xmlns:a16="http://schemas.microsoft.com/office/drawing/2014/main" xmlns="" val="10001"/>
                   </a:ext>
                 </a:extLst>
               </a:tr>
@@ -11564,7 +11684,7 @@
                 </a:tc>
                 <a:extLst>
                   <a:ext uri="{0D108BD9-81ED-4DB2-BD59-A6C34878D82A}">
-                    <a16:rowId xmlns="" xmlns:a16="http://schemas.microsoft.com/office/drawing/2014/main" val="10002"/>
+                    <a16:rowId xmlns:a16="http://schemas.microsoft.com/office/drawing/2014/main" xmlns="" val="10002"/>
                   </a:ext>
                 </a:extLst>
               </a:tr>
@@ -11600,7 +11720,7 @@
                 <a:gridCol w="1463824">
                   <a:extLst>
                     <a:ext uri="{9D8B030D-6E8A-4147-A177-3AD203B41FA5}">
-                      <a16:colId xmlns="" xmlns:a16="http://schemas.microsoft.com/office/drawing/2014/main" val="20000"/>
+                      <a16:colId xmlns:a16="http://schemas.microsoft.com/office/drawing/2014/main" xmlns="" val="20000"/>
                     </a:ext>
                   </a:extLst>
                 </a:gridCol>
@@ -11621,7 +11741,7 @@
                 </a:tc>
                 <a:extLst>
                   <a:ext uri="{0D108BD9-81ED-4DB2-BD59-A6C34878D82A}">
-                    <a16:rowId xmlns="" xmlns:a16="http://schemas.microsoft.com/office/drawing/2014/main" val="10000"/>
+                    <a16:rowId xmlns:a16="http://schemas.microsoft.com/office/drawing/2014/main" xmlns="" val="10000"/>
                   </a:ext>
                 </a:extLst>
               </a:tr>
@@ -11646,7 +11766,7 @@
                 </a:tc>
                 <a:extLst>
                   <a:ext uri="{0D108BD9-81ED-4DB2-BD59-A6C34878D82A}">
-                    <a16:rowId xmlns="" xmlns:a16="http://schemas.microsoft.com/office/drawing/2014/main" val="10001"/>
+                    <a16:rowId xmlns:a16="http://schemas.microsoft.com/office/drawing/2014/main" xmlns="" val="10001"/>
                   </a:ext>
                 </a:extLst>
               </a:tr>
@@ -11667,7 +11787,7 @@
                 </a:tc>
                 <a:extLst>
                   <a:ext uri="{0D108BD9-81ED-4DB2-BD59-A6C34878D82A}">
-                    <a16:rowId xmlns="" xmlns:a16="http://schemas.microsoft.com/office/drawing/2014/main" val="10002"/>
+                    <a16:rowId xmlns:a16="http://schemas.microsoft.com/office/drawing/2014/main" xmlns="" val="10002"/>
                   </a:ext>
                 </a:extLst>
               </a:tr>
@@ -11703,7 +11823,7 @@
                 <a:gridCol w="1463824">
                   <a:extLst>
                     <a:ext uri="{9D8B030D-6E8A-4147-A177-3AD203B41FA5}">
-                      <a16:colId xmlns="" xmlns:a16="http://schemas.microsoft.com/office/drawing/2014/main" val="20000"/>
+                      <a16:colId xmlns:a16="http://schemas.microsoft.com/office/drawing/2014/main" xmlns="" val="20000"/>
                     </a:ext>
                   </a:extLst>
                 </a:gridCol>
@@ -11724,7 +11844,7 @@
                 </a:tc>
                 <a:extLst>
                   <a:ext uri="{0D108BD9-81ED-4DB2-BD59-A6C34878D82A}">
-                    <a16:rowId xmlns="" xmlns:a16="http://schemas.microsoft.com/office/drawing/2014/main" val="10000"/>
+                    <a16:rowId xmlns:a16="http://schemas.microsoft.com/office/drawing/2014/main" xmlns="" val="10000"/>
                   </a:ext>
                 </a:extLst>
               </a:tr>
@@ -11745,7 +11865,7 @@
                 </a:tc>
                 <a:extLst>
                   <a:ext uri="{0D108BD9-81ED-4DB2-BD59-A6C34878D82A}">
-                    <a16:rowId xmlns="" xmlns:a16="http://schemas.microsoft.com/office/drawing/2014/main" val="10001"/>
+                    <a16:rowId xmlns:a16="http://schemas.microsoft.com/office/drawing/2014/main" xmlns="" val="10001"/>
                   </a:ext>
                 </a:extLst>
               </a:tr>
@@ -11772,7 +11892,7 @@
                 </a:tc>
                 <a:extLst>
                   <a:ext uri="{0D108BD9-81ED-4DB2-BD59-A6C34878D82A}">
-                    <a16:rowId xmlns="" xmlns:a16="http://schemas.microsoft.com/office/drawing/2014/main" val="10002"/>
+                    <a16:rowId xmlns:a16="http://schemas.microsoft.com/office/drawing/2014/main" xmlns="" val="10002"/>
                   </a:ext>
                 </a:extLst>
               </a:tr>
@@ -11808,7 +11928,7 @@
                 <a:gridCol w="1800200">
                   <a:extLst>
                     <a:ext uri="{9D8B030D-6E8A-4147-A177-3AD203B41FA5}">
-                      <a16:colId xmlns="" xmlns:a16="http://schemas.microsoft.com/office/drawing/2014/main" val="20000"/>
+                      <a16:colId xmlns:a16="http://schemas.microsoft.com/office/drawing/2014/main" xmlns="" val="20000"/>
                     </a:ext>
                   </a:extLst>
                 </a:gridCol>
@@ -11829,7 +11949,7 @@
                 </a:tc>
                 <a:extLst>
                   <a:ext uri="{0D108BD9-81ED-4DB2-BD59-A6C34878D82A}">
-                    <a16:rowId xmlns="" xmlns:a16="http://schemas.microsoft.com/office/drawing/2014/main" val="10000"/>
+                    <a16:rowId xmlns:a16="http://schemas.microsoft.com/office/drawing/2014/main" xmlns="" val="10000"/>
                   </a:ext>
                 </a:extLst>
               </a:tr>
@@ -11849,7 +11969,7 @@
                 </a:tc>
                 <a:extLst>
                   <a:ext uri="{0D108BD9-81ED-4DB2-BD59-A6C34878D82A}">
-                    <a16:rowId xmlns="" xmlns:a16="http://schemas.microsoft.com/office/drawing/2014/main" val="10001"/>
+                    <a16:rowId xmlns:a16="http://schemas.microsoft.com/office/drawing/2014/main" xmlns="" val="10001"/>
                   </a:ext>
                 </a:extLst>
               </a:tr>
@@ -11869,7 +11989,7 @@
                 </a:tc>
                 <a:extLst>
                   <a:ext uri="{0D108BD9-81ED-4DB2-BD59-A6C34878D82A}">
-                    <a16:rowId xmlns="" xmlns:a16="http://schemas.microsoft.com/office/drawing/2014/main" val="10002"/>
+                    <a16:rowId xmlns:a16="http://schemas.microsoft.com/office/drawing/2014/main" xmlns="" val="10002"/>
                   </a:ext>
                 </a:extLst>
               </a:tr>
@@ -11905,7 +12025,7 @@
                 <a:gridCol w="1463824">
                   <a:extLst>
                     <a:ext uri="{9D8B030D-6E8A-4147-A177-3AD203B41FA5}">
-                      <a16:colId xmlns="" xmlns:a16="http://schemas.microsoft.com/office/drawing/2014/main" val="20000"/>
+                      <a16:colId xmlns:a16="http://schemas.microsoft.com/office/drawing/2014/main" xmlns="" val="20000"/>
                     </a:ext>
                   </a:extLst>
                 </a:gridCol>
@@ -11926,7 +12046,7 @@
                 </a:tc>
                 <a:extLst>
                   <a:ext uri="{0D108BD9-81ED-4DB2-BD59-A6C34878D82A}">
-                    <a16:rowId xmlns="" xmlns:a16="http://schemas.microsoft.com/office/drawing/2014/main" val="10000"/>
+                    <a16:rowId xmlns:a16="http://schemas.microsoft.com/office/drawing/2014/main" xmlns="" val="10000"/>
                   </a:ext>
                 </a:extLst>
               </a:tr>
@@ -11946,7 +12066,7 @@
                 </a:tc>
                 <a:extLst>
                   <a:ext uri="{0D108BD9-81ED-4DB2-BD59-A6C34878D82A}">
-                    <a16:rowId xmlns="" xmlns:a16="http://schemas.microsoft.com/office/drawing/2014/main" val="10001"/>
+                    <a16:rowId xmlns:a16="http://schemas.microsoft.com/office/drawing/2014/main" xmlns="" val="10001"/>
                   </a:ext>
                 </a:extLst>
               </a:tr>
@@ -11966,7 +12086,7 @@
                 </a:tc>
                 <a:extLst>
                   <a:ext uri="{0D108BD9-81ED-4DB2-BD59-A6C34878D82A}">
-                    <a16:rowId xmlns="" xmlns:a16="http://schemas.microsoft.com/office/drawing/2014/main" val="10002"/>
+                    <a16:rowId xmlns:a16="http://schemas.microsoft.com/office/drawing/2014/main" xmlns="" val="10002"/>
                   </a:ext>
                 </a:extLst>
               </a:tr>
@@ -12002,7 +12122,7 @@
                 <a:gridCol w="1463824">
                   <a:extLst>
                     <a:ext uri="{9D8B030D-6E8A-4147-A177-3AD203B41FA5}">
-                      <a16:colId xmlns="" xmlns:a16="http://schemas.microsoft.com/office/drawing/2014/main" val="20000"/>
+                      <a16:colId xmlns:a16="http://schemas.microsoft.com/office/drawing/2014/main" xmlns="" val="20000"/>
                     </a:ext>
                   </a:extLst>
                 </a:gridCol>
@@ -12024,7 +12144,7 @@
                 </a:tc>
                 <a:extLst>
                   <a:ext uri="{0D108BD9-81ED-4DB2-BD59-A6C34878D82A}">
-                    <a16:rowId xmlns="" xmlns:a16="http://schemas.microsoft.com/office/drawing/2014/main" val="10000"/>
+                    <a16:rowId xmlns:a16="http://schemas.microsoft.com/office/drawing/2014/main" xmlns="" val="10000"/>
                   </a:ext>
                 </a:extLst>
               </a:tr>
@@ -12062,7 +12182,7 @@
                 </a:tc>
                 <a:extLst>
                   <a:ext uri="{0D108BD9-81ED-4DB2-BD59-A6C34878D82A}">
-                    <a16:rowId xmlns="" xmlns:a16="http://schemas.microsoft.com/office/drawing/2014/main" val="10001"/>
+                    <a16:rowId xmlns:a16="http://schemas.microsoft.com/office/drawing/2014/main" xmlns="" val="10001"/>
                   </a:ext>
                 </a:extLst>
               </a:tr>
@@ -12083,7 +12203,7 @@
                 </a:tc>
                 <a:extLst>
                   <a:ext uri="{0D108BD9-81ED-4DB2-BD59-A6C34878D82A}">
-                    <a16:rowId xmlns="" xmlns:a16="http://schemas.microsoft.com/office/drawing/2014/main" val="10002"/>
+                    <a16:rowId xmlns:a16="http://schemas.microsoft.com/office/drawing/2014/main" xmlns="" val="10002"/>
                   </a:ext>
                 </a:extLst>
               </a:tr>
@@ -12119,7 +12239,7 @@
                 <a:gridCol w="1463824">
                   <a:extLst>
                     <a:ext uri="{9D8B030D-6E8A-4147-A177-3AD203B41FA5}">
-                      <a16:colId xmlns="" xmlns:a16="http://schemas.microsoft.com/office/drawing/2014/main" val="20000"/>
+                      <a16:colId xmlns:a16="http://schemas.microsoft.com/office/drawing/2014/main" xmlns="" val="20000"/>
                     </a:ext>
                   </a:extLst>
                 </a:gridCol>
@@ -12141,7 +12261,7 @@
                 </a:tc>
                 <a:extLst>
                   <a:ext uri="{0D108BD9-81ED-4DB2-BD59-A6C34878D82A}">
-                    <a16:rowId xmlns="" xmlns:a16="http://schemas.microsoft.com/office/drawing/2014/main" val="10000"/>
+                    <a16:rowId xmlns:a16="http://schemas.microsoft.com/office/drawing/2014/main" xmlns="" val="10000"/>
                   </a:ext>
                 </a:extLst>
               </a:tr>
@@ -12178,7 +12298,7 @@
                 </a:tc>
                 <a:extLst>
                   <a:ext uri="{0D108BD9-81ED-4DB2-BD59-A6C34878D82A}">
-                    <a16:rowId xmlns="" xmlns:a16="http://schemas.microsoft.com/office/drawing/2014/main" val="10001"/>
+                    <a16:rowId xmlns:a16="http://schemas.microsoft.com/office/drawing/2014/main" xmlns="" val="10001"/>
                   </a:ext>
                 </a:extLst>
               </a:tr>
@@ -12199,7 +12319,7 @@
                 </a:tc>
                 <a:extLst>
                   <a:ext uri="{0D108BD9-81ED-4DB2-BD59-A6C34878D82A}">
-                    <a16:rowId xmlns="" xmlns:a16="http://schemas.microsoft.com/office/drawing/2014/main" val="10002"/>
+                    <a16:rowId xmlns:a16="http://schemas.microsoft.com/office/drawing/2014/main" xmlns="" val="10002"/>
                   </a:ext>
                 </a:extLst>
               </a:tr>
@@ -12235,7 +12355,7 @@
                 <a:gridCol w="1463824">
                   <a:extLst>
                     <a:ext uri="{9D8B030D-6E8A-4147-A177-3AD203B41FA5}">
-                      <a16:colId xmlns="" xmlns:a16="http://schemas.microsoft.com/office/drawing/2014/main" val="20000"/>
+                      <a16:colId xmlns:a16="http://schemas.microsoft.com/office/drawing/2014/main" xmlns="" val="20000"/>
                     </a:ext>
                   </a:extLst>
                 </a:gridCol>
@@ -12256,7 +12376,7 @@
                 </a:tc>
                 <a:extLst>
                   <a:ext uri="{0D108BD9-81ED-4DB2-BD59-A6C34878D82A}">
-                    <a16:rowId xmlns="" xmlns:a16="http://schemas.microsoft.com/office/drawing/2014/main" val="10000"/>
+                    <a16:rowId xmlns:a16="http://schemas.microsoft.com/office/drawing/2014/main" xmlns="" val="10000"/>
                   </a:ext>
                 </a:extLst>
               </a:tr>
@@ -12293,7 +12413,7 @@
                 </a:tc>
                 <a:extLst>
                   <a:ext uri="{0D108BD9-81ED-4DB2-BD59-A6C34878D82A}">
-                    <a16:rowId xmlns="" xmlns:a16="http://schemas.microsoft.com/office/drawing/2014/main" val="10001"/>
+                    <a16:rowId xmlns:a16="http://schemas.microsoft.com/office/drawing/2014/main" xmlns="" val="10001"/>
                   </a:ext>
                 </a:extLst>
               </a:tr>
@@ -12314,7 +12434,7 @@
                 </a:tc>
                 <a:extLst>
                   <a:ext uri="{0D108BD9-81ED-4DB2-BD59-A6C34878D82A}">
-                    <a16:rowId xmlns="" xmlns:a16="http://schemas.microsoft.com/office/drawing/2014/main" val="10002"/>
+                    <a16:rowId xmlns:a16="http://schemas.microsoft.com/office/drawing/2014/main" xmlns="" val="10002"/>
                   </a:ext>
                 </a:extLst>
               </a:tr>
@@ -12585,7 +12705,7 @@
           <p:cNvPr id="51" name="28 Tabla">
             <a:extLst>
               <a:ext uri="{FF2B5EF4-FFF2-40B4-BE49-F238E27FC236}">
-                <a16:creationId xmlns="" xmlns:a16="http://schemas.microsoft.com/office/drawing/2014/main" id="{7BC80704-58FD-41C9-9A09-CA32EBE0B254}"/>
+                <a16:creationId xmlns:a16="http://schemas.microsoft.com/office/drawing/2014/main" xmlns="" id="{7BC80704-58FD-41C9-9A09-CA32EBE0B254}"/>
               </a:ext>
             </a:extLst>
           </p:cNvPr>
@@ -12614,7 +12734,7 @@
                 <a:gridCol w="1463824">
                   <a:extLst>
                     <a:ext uri="{9D8B030D-6E8A-4147-A177-3AD203B41FA5}">
-                      <a16:colId xmlns="" xmlns:a16="http://schemas.microsoft.com/office/drawing/2014/main" val="20000"/>
+                      <a16:colId xmlns:a16="http://schemas.microsoft.com/office/drawing/2014/main" xmlns="" val="20000"/>
                     </a:ext>
                   </a:extLst>
                 </a:gridCol>
@@ -12636,7 +12756,7 @@
                 </a:tc>
                 <a:extLst>
                   <a:ext uri="{0D108BD9-81ED-4DB2-BD59-A6C34878D82A}">
-                    <a16:rowId xmlns="" xmlns:a16="http://schemas.microsoft.com/office/drawing/2014/main" val="10000"/>
+                    <a16:rowId xmlns:a16="http://schemas.microsoft.com/office/drawing/2014/main" xmlns="" val="10000"/>
                   </a:ext>
                 </a:extLst>
               </a:tr>
@@ -12674,7 +12794,7 @@
                 </a:tc>
                 <a:extLst>
                   <a:ext uri="{0D108BD9-81ED-4DB2-BD59-A6C34878D82A}">
-                    <a16:rowId xmlns="" xmlns:a16="http://schemas.microsoft.com/office/drawing/2014/main" val="10001"/>
+                    <a16:rowId xmlns:a16="http://schemas.microsoft.com/office/drawing/2014/main" xmlns="" val="10001"/>
                   </a:ext>
                 </a:extLst>
               </a:tr>
@@ -12695,7 +12815,7 @@
                 </a:tc>
                 <a:extLst>
                   <a:ext uri="{0D108BD9-81ED-4DB2-BD59-A6C34878D82A}">
-                    <a16:rowId xmlns="" xmlns:a16="http://schemas.microsoft.com/office/drawing/2014/main" val="10002"/>
+                    <a16:rowId xmlns:a16="http://schemas.microsoft.com/office/drawing/2014/main" xmlns="" val="10002"/>
                   </a:ext>
                 </a:extLst>
               </a:tr>
@@ -12762,7 +12882,7 @@
                 <a:gridCol w="1103784">
                   <a:extLst>
                     <a:ext uri="{9D8B030D-6E8A-4147-A177-3AD203B41FA5}">
-                      <a16:colId xmlns="" xmlns:a16="http://schemas.microsoft.com/office/drawing/2014/main" val="20000"/>
+                      <a16:colId xmlns:a16="http://schemas.microsoft.com/office/drawing/2014/main" xmlns="" val="20000"/>
                     </a:ext>
                   </a:extLst>
                 </a:gridCol>
@@ -12784,7 +12904,7 @@
                 </a:tc>
                 <a:extLst>
                   <a:ext uri="{0D108BD9-81ED-4DB2-BD59-A6C34878D82A}">
-                    <a16:rowId xmlns="" xmlns:a16="http://schemas.microsoft.com/office/drawing/2014/main" val="10000"/>
+                    <a16:rowId xmlns:a16="http://schemas.microsoft.com/office/drawing/2014/main" xmlns="" val="10000"/>
                   </a:ext>
                 </a:extLst>
               </a:tr>
@@ -12809,7 +12929,7 @@
                 </a:tc>
                 <a:extLst>
                   <a:ext uri="{0D108BD9-81ED-4DB2-BD59-A6C34878D82A}">
-                    <a16:rowId xmlns="" xmlns:a16="http://schemas.microsoft.com/office/drawing/2014/main" val="10001"/>
+                    <a16:rowId xmlns:a16="http://schemas.microsoft.com/office/drawing/2014/main" xmlns="" val="10001"/>
                   </a:ext>
                 </a:extLst>
               </a:tr>
@@ -12851,7 +12971,7 @@
                 </a:tc>
                 <a:extLst>
                   <a:ext uri="{0D108BD9-81ED-4DB2-BD59-A6C34878D82A}">
-                    <a16:rowId xmlns="" xmlns:a16="http://schemas.microsoft.com/office/drawing/2014/main" val="10002"/>
+                    <a16:rowId xmlns:a16="http://schemas.microsoft.com/office/drawing/2014/main" xmlns="" val="10002"/>
                   </a:ext>
                 </a:extLst>
               </a:tr>
@@ -12894,7 +13014,7 @@
           <p:cNvPr id="2" name="24 Tabla">
             <a:extLst>
               <a:ext uri="{FF2B5EF4-FFF2-40B4-BE49-F238E27FC236}">
-                <a16:creationId xmlns="" xmlns:a16="http://schemas.microsoft.com/office/drawing/2014/main" id="{F6A8AF39-2787-44F7-B4F6-72ABA8FD81D3}"/>
+                <a16:creationId xmlns:a16="http://schemas.microsoft.com/office/drawing/2014/main" xmlns="" id="{F6A8AF39-2787-44F7-B4F6-72ABA8FD81D3}"/>
               </a:ext>
             </a:extLst>
           </p:cNvPr>
@@ -12904,7 +13024,7 @@
           <p:nvPr>
             <p:extLst>
               <p:ext uri="{D42A27DB-BD31-4B8C-83A1-F6EECF244321}">
-                <p14:modId xmlns:p14="http://schemas.microsoft.com/office/powerpoint/2010/main" val="712612657"/>
+                <p14:modId xmlns:p14="http://schemas.microsoft.com/office/powerpoint/2010/main" val="834022154"/>
               </p:ext>
             </p:extLst>
           </p:nvPr>
@@ -12923,7 +13043,7 @@
                 <a:gridCol w="1463824">
                   <a:extLst>
                     <a:ext uri="{9D8B030D-6E8A-4147-A177-3AD203B41FA5}">
-                      <a16:colId xmlns="" xmlns:a16="http://schemas.microsoft.com/office/drawing/2014/main" val="20000"/>
+                      <a16:colId xmlns:a16="http://schemas.microsoft.com/office/drawing/2014/main" xmlns="" val="20000"/>
                     </a:ext>
                   </a:extLst>
                 </a:gridCol>
@@ -12935,8 +13055,8 @@
                     <a:lstStyle/>
                     <a:p>
                       <a:r>
-                        <a:rPr lang="es-ES" sz="800" i="1" dirty="0" err="1"/>
-                        <a:t>ORGANISMOS_PAGADORES</a:t>
+                        <a:rPr lang="es-ES" sz="800" i="1" dirty="0" smtClean="0"/>
+                        <a:t>ORGANISMOS</a:t>
                       </a:r>
                       <a:endParaRPr lang="es-ES" sz="800" i="1" dirty="0"/>
                     </a:p>
@@ -12945,7 +13065,7 @@
                 </a:tc>
                 <a:extLst>
                   <a:ext uri="{0D108BD9-81ED-4DB2-BD59-A6C34878D82A}">
-                    <a16:rowId xmlns="" xmlns:a16="http://schemas.microsoft.com/office/drawing/2014/main" val="10000"/>
+                    <a16:rowId xmlns:a16="http://schemas.microsoft.com/office/drawing/2014/main" xmlns="" val="10000"/>
                   </a:ext>
                 </a:extLst>
               </a:tr>
@@ -12966,7 +13086,7 @@
                 </a:tc>
                 <a:extLst>
                   <a:ext uri="{0D108BD9-81ED-4DB2-BD59-A6C34878D82A}">
-                    <a16:rowId xmlns="" xmlns:a16="http://schemas.microsoft.com/office/drawing/2014/main" val="10001"/>
+                    <a16:rowId xmlns:a16="http://schemas.microsoft.com/office/drawing/2014/main" xmlns="" val="10001"/>
                   </a:ext>
                 </a:extLst>
               </a:tr>
@@ -13053,7 +13173,7 @@
                 </a:tc>
                 <a:extLst>
                   <a:ext uri="{0D108BD9-81ED-4DB2-BD59-A6C34878D82A}">
-                    <a16:rowId xmlns="" xmlns:a16="http://schemas.microsoft.com/office/drawing/2014/main" val="10002"/>
+                    <a16:rowId xmlns:a16="http://schemas.microsoft.com/office/drawing/2014/main" xmlns="" val="10002"/>
                   </a:ext>
                 </a:extLst>
               </a:tr>
@@ -13066,7 +13186,7 @@
           <p:cNvPr id="3" name="24 Tabla">
             <a:extLst>
               <a:ext uri="{FF2B5EF4-FFF2-40B4-BE49-F238E27FC236}">
-                <a16:creationId xmlns="" xmlns:a16="http://schemas.microsoft.com/office/drawing/2014/main" id="{F6A8AF39-2787-44F7-B4F6-72ABA8FD81D3}"/>
+                <a16:creationId xmlns:a16="http://schemas.microsoft.com/office/drawing/2014/main" xmlns="" id="{F6A8AF39-2787-44F7-B4F6-72ABA8FD81D3}"/>
               </a:ext>
             </a:extLst>
           </p:cNvPr>
@@ -13095,7 +13215,7 @@
                 <a:gridCol w="1463824">
                   <a:extLst>
                     <a:ext uri="{9D8B030D-6E8A-4147-A177-3AD203B41FA5}">
-                      <a16:colId xmlns="" xmlns:a16="http://schemas.microsoft.com/office/drawing/2014/main" val="20000"/>
+                      <a16:colId xmlns:a16="http://schemas.microsoft.com/office/drawing/2014/main" xmlns="" val="20000"/>
                     </a:ext>
                   </a:extLst>
                 </a:gridCol>
@@ -13117,7 +13237,7 @@
                 </a:tc>
                 <a:extLst>
                   <a:ext uri="{0D108BD9-81ED-4DB2-BD59-A6C34878D82A}">
-                    <a16:rowId xmlns="" xmlns:a16="http://schemas.microsoft.com/office/drawing/2014/main" val="10000"/>
+                    <a16:rowId xmlns:a16="http://schemas.microsoft.com/office/drawing/2014/main" xmlns="" val="10000"/>
                   </a:ext>
                 </a:extLst>
               </a:tr>
@@ -13137,7 +13257,7 @@
                 </a:tc>
                 <a:extLst>
                   <a:ext uri="{0D108BD9-81ED-4DB2-BD59-A6C34878D82A}">
-                    <a16:rowId xmlns="" xmlns:a16="http://schemas.microsoft.com/office/drawing/2014/main" val="10001"/>
+                    <a16:rowId xmlns:a16="http://schemas.microsoft.com/office/drawing/2014/main" xmlns="" val="10001"/>
                   </a:ext>
                 </a:extLst>
               </a:tr>
@@ -13158,7 +13278,7 @@
                 </a:tc>
                 <a:extLst>
                   <a:ext uri="{0D108BD9-81ED-4DB2-BD59-A6C34878D82A}">
-                    <a16:rowId xmlns="" xmlns:a16="http://schemas.microsoft.com/office/drawing/2014/main" val="10002"/>
+                    <a16:rowId xmlns:a16="http://schemas.microsoft.com/office/drawing/2014/main" xmlns="" val="10002"/>
                   </a:ext>
                 </a:extLst>
               </a:tr>
@@ -13171,7 +13291,7 @@
           <p:cNvPr id="4" name="24 Tabla">
             <a:extLst>
               <a:ext uri="{FF2B5EF4-FFF2-40B4-BE49-F238E27FC236}">
-                <a16:creationId xmlns="" xmlns:a16="http://schemas.microsoft.com/office/drawing/2014/main" id="{F6A8AF39-2787-44F7-B4F6-72ABA8FD81D3}"/>
+                <a16:creationId xmlns:a16="http://schemas.microsoft.com/office/drawing/2014/main" xmlns="" id="{F6A8AF39-2787-44F7-B4F6-72ABA8FD81D3}"/>
               </a:ext>
             </a:extLst>
           </p:cNvPr>
@@ -13200,7 +13320,7 @@
                 <a:gridCol w="1463824">
                   <a:extLst>
                     <a:ext uri="{9D8B030D-6E8A-4147-A177-3AD203B41FA5}">
-                      <a16:colId xmlns="" xmlns:a16="http://schemas.microsoft.com/office/drawing/2014/main" val="20000"/>
+                      <a16:colId xmlns:a16="http://schemas.microsoft.com/office/drawing/2014/main" xmlns="" val="20000"/>
                     </a:ext>
                   </a:extLst>
                 </a:gridCol>
@@ -13222,7 +13342,7 @@
                 </a:tc>
                 <a:extLst>
                   <a:ext uri="{0D108BD9-81ED-4DB2-BD59-A6C34878D82A}">
-                    <a16:rowId xmlns="" xmlns:a16="http://schemas.microsoft.com/office/drawing/2014/main" val="10000"/>
+                    <a16:rowId xmlns:a16="http://schemas.microsoft.com/office/drawing/2014/main" xmlns="" val="10000"/>
                   </a:ext>
                 </a:extLst>
               </a:tr>
@@ -13243,7 +13363,7 @@
                 </a:tc>
                 <a:extLst>
                   <a:ext uri="{0D108BD9-81ED-4DB2-BD59-A6C34878D82A}">
-                    <a16:rowId xmlns="" xmlns:a16="http://schemas.microsoft.com/office/drawing/2014/main" val="10001"/>
+                    <a16:rowId xmlns:a16="http://schemas.microsoft.com/office/drawing/2014/main" xmlns="" val="10001"/>
                   </a:ext>
                 </a:extLst>
               </a:tr>
@@ -13264,7 +13384,7 @@
                 </a:tc>
                 <a:extLst>
                   <a:ext uri="{0D108BD9-81ED-4DB2-BD59-A6C34878D82A}">
-                    <a16:rowId xmlns="" xmlns:a16="http://schemas.microsoft.com/office/drawing/2014/main" val="10002"/>
+                    <a16:rowId xmlns:a16="http://schemas.microsoft.com/office/drawing/2014/main" xmlns="" val="10002"/>
                   </a:ext>
                 </a:extLst>
               </a:tr>
@@ -13335,7 +13455,7 @@
           <p:cNvPr id="9" name="36 Tabla">
             <a:extLst>
               <a:ext uri="{FF2B5EF4-FFF2-40B4-BE49-F238E27FC236}">
-                <a16:creationId xmlns="" xmlns:a16="http://schemas.microsoft.com/office/drawing/2014/main" id="{74E71F2C-CF67-4AFF-8B3F-B7DD43BBFA8A}"/>
+                <a16:creationId xmlns:a16="http://schemas.microsoft.com/office/drawing/2014/main" xmlns="" id="{74E71F2C-CF67-4AFF-8B3F-B7DD43BBFA8A}"/>
               </a:ext>
             </a:extLst>
           </p:cNvPr>
@@ -13364,7 +13484,7 @@
                 <a:gridCol w="1463824">
                   <a:extLst>
                     <a:ext uri="{9D8B030D-6E8A-4147-A177-3AD203B41FA5}">
-                      <a16:colId xmlns="" xmlns:a16="http://schemas.microsoft.com/office/drawing/2014/main" val="20000"/>
+                      <a16:colId xmlns:a16="http://schemas.microsoft.com/office/drawing/2014/main" xmlns="" val="20000"/>
                     </a:ext>
                   </a:extLst>
                 </a:gridCol>
@@ -13385,7 +13505,7 @@
                 </a:tc>
                 <a:extLst>
                   <a:ext uri="{0D108BD9-81ED-4DB2-BD59-A6C34878D82A}">
-                    <a16:rowId xmlns="" xmlns:a16="http://schemas.microsoft.com/office/drawing/2014/main" val="10000"/>
+                    <a16:rowId xmlns:a16="http://schemas.microsoft.com/office/drawing/2014/main" xmlns="" val="10000"/>
                   </a:ext>
                 </a:extLst>
               </a:tr>
@@ -13406,7 +13526,7 @@
                 </a:tc>
                 <a:extLst>
                   <a:ext uri="{0D108BD9-81ED-4DB2-BD59-A6C34878D82A}">
-                    <a16:rowId xmlns="" xmlns:a16="http://schemas.microsoft.com/office/drawing/2014/main" val="10001"/>
+                    <a16:rowId xmlns:a16="http://schemas.microsoft.com/office/drawing/2014/main" xmlns="" val="10001"/>
                   </a:ext>
                 </a:extLst>
               </a:tr>
@@ -13434,7 +13554,7 @@
                 </a:tc>
                 <a:extLst>
                   <a:ext uri="{0D108BD9-81ED-4DB2-BD59-A6C34878D82A}">
-                    <a16:rowId xmlns="" xmlns:a16="http://schemas.microsoft.com/office/drawing/2014/main" val="10002"/>
+                    <a16:rowId xmlns:a16="http://schemas.microsoft.com/office/drawing/2014/main" xmlns="" val="10002"/>
                   </a:ext>
                 </a:extLst>
               </a:tr>
@@ -13470,7 +13590,7 @@
                 <a:gridCol w="1463824">
                   <a:extLst>
                     <a:ext uri="{9D8B030D-6E8A-4147-A177-3AD203B41FA5}">
-                      <a16:colId xmlns="" xmlns:a16="http://schemas.microsoft.com/office/drawing/2014/main" val="20000"/>
+                      <a16:colId xmlns:a16="http://schemas.microsoft.com/office/drawing/2014/main" xmlns="" val="20000"/>
                     </a:ext>
                   </a:extLst>
                 </a:gridCol>
@@ -13491,7 +13611,7 @@
                 </a:tc>
                 <a:extLst>
                   <a:ext uri="{0D108BD9-81ED-4DB2-BD59-A6C34878D82A}">
-                    <a16:rowId xmlns="" xmlns:a16="http://schemas.microsoft.com/office/drawing/2014/main" val="10000"/>
+                    <a16:rowId xmlns:a16="http://schemas.microsoft.com/office/drawing/2014/main" xmlns="" val="10000"/>
                   </a:ext>
                 </a:extLst>
               </a:tr>
@@ -13512,7 +13632,7 @@
                 </a:tc>
                 <a:extLst>
                   <a:ext uri="{0D108BD9-81ED-4DB2-BD59-A6C34878D82A}">
-                    <a16:rowId xmlns="" xmlns:a16="http://schemas.microsoft.com/office/drawing/2014/main" val="10001"/>
+                    <a16:rowId xmlns:a16="http://schemas.microsoft.com/office/drawing/2014/main" xmlns="" val="10001"/>
                   </a:ext>
                 </a:extLst>
               </a:tr>
@@ -13533,7 +13653,7 @@
                 </a:tc>
                 <a:extLst>
                   <a:ext uri="{0D108BD9-81ED-4DB2-BD59-A6C34878D82A}">
-                    <a16:rowId xmlns="" xmlns:a16="http://schemas.microsoft.com/office/drawing/2014/main" val="10002"/>
+                    <a16:rowId xmlns:a16="http://schemas.microsoft.com/office/drawing/2014/main" xmlns="" val="10002"/>
                   </a:ext>
                 </a:extLst>
               </a:tr>
@@ -13598,7 +13718,7 @@
                 <a:gridCol w="1463824">
                   <a:extLst>
                     <a:ext uri="{9D8B030D-6E8A-4147-A177-3AD203B41FA5}">
-                      <a16:colId xmlns="" xmlns:a16="http://schemas.microsoft.com/office/drawing/2014/main" val="20000"/>
+                      <a16:colId xmlns:a16="http://schemas.microsoft.com/office/drawing/2014/main" xmlns="" val="20000"/>
                     </a:ext>
                   </a:extLst>
                 </a:gridCol>
@@ -13619,7 +13739,7 @@
                 </a:tc>
                 <a:extLst>
                   <a:ext uri="{0D108BD9-81ED-4DB2-BD59-A6C34878D82A}">
-                    <a16:rowId xmlns="" xmlns:a16="http://schemas.microsoft.com/office/drawing/2014/main" val="10000"/>
+                    <a16:rowId xmlns:a16="http://schemas.microsoft.com/office/drawing/2014/main" xmlns="" val="10000"/>
                   </a:ext>
                 </a:extLst>
               </a:tr>
@@ -13640,7 +13760,7 @@
                 </a:tc>
                 <a:extLst>
                   <a:ext uri="{0D108BD9-81ED-4DB2-BD59-A6C34878D82A}">
-                    <a16:rowId xmlns="" xmlns:a16="http://schemas.microsoft.com/office/drawing/2014/main" val="10001"/>
+                    <a16:rowId xmlns:a16="http://schemas.microsoft.com/office/drawing/2014/main" xmlns="" val="10001"/>
                   </a:ext>
                 </a:extLst>
               </a:tr>
@@ -13661,7 +13781,7 @@
                 </a:tc>
                 <a:extLst>
                   <a:ext uri="{0D108BD9-81ED-4DB2-BD59-A6C34878D82A}">
-                    <a16:rowId xmlns="" xmlns:a16="http://schemas.microsoft.com/office/drawing/2014/main" val="10002"/>
+                    <a16:rowId xmlns:a16="http://schemas.microsoft.com/office/drawing/2014/main" xmlns="" val="10002"/>
                   </a:ext>
                 </a:extLst>
               </a:tr>
@@ -13697,7 +13817,7 @@
                 <a:gridCol w="1463824">
                   <a:extLst>
                     <a:ext uri="{9D8B030D-6E8A-4147-A177-3AD203B41FA5}">
-                      <a16:colId xmlns="" xmlns:a16="http://schemas.microsoft.com/office/drawing/2014/main" val="20000"/>
+                      <a16:colId xmlns:a16="http://schemas.microsoft.com/office/drawing/2014/main" xmlns="" val="20000"/>
                     </a:ext>
                   </a:extLst>
                 </a:gridCol>
@@ -13718,7 +13838,7 @@
                 </a:tc>
                 <a:extLst>
                   <a:ext uri="{0D108BD9-81ED-4DB2-BD59-A6C34878D82A}">
-                    <a16:rowId xmlns="" xmlns:a16="http://schemas.microsoft.com/office/drawing/2014/main" val="10000"/>
+                    <a16:rowId xmlns:a16="http://schemas.microsoft.com/office/drawing/2014/main" xmlns="" val="10000"/>
                   </a:ext>
                 </a:extLst>
               </a:tr>
@@ -13739,7 +13859,7 @@
                 </a:tc>
                 <a:extLst>
                   <a:ext uri="{0D108BD9-81ED-4DB2-BD59-A6C34878D82A}">
-                    <a16:rowId xmlns="" xmlns:a16="http://schemas.microsoft.com/office/drawing/2014/main" val="10001"/>
+                    <a16:rowId xmlns:a16="http://schemas.microsoft.com/office/drawing/2014/main" xmlns="" val="10001"/>
                   </a:ext>
                 </a:extLst>
               </a:tr>
@@ -13760,7 +13880,7 @@
                 </a:tc>
                 <a:extLst>
                   <a:ext uri="{0D108BD9-81ED-4DB2-BD59-A6C34878D82A}">
-                    <a16:rowId xmlns="" xmlns:a16="http://schemas.microsoft.com/office/drawing/2014/main" val="10002"/>
+                    <a16:rowId xmlns:a16="http://schemas.microsoft.com/office/drawing/2014/main" xmlns="" val="10002"/>
                   </a:ext>
                 </a:extLst>
               </a:tr>
@@ -13796,7 +13916,7 @@
                 <a:gridCol w="1463824">
                   <a:extLst>
                     <a:ext uri="{9D8B030D-6E8A-4147-A177-3AD203B41FA5}">
-                      <a16:colId xmlns="" xmlns:a16="http://schemas.microsoft.com/office/drawing/2014/main" val="20000"/>
+                      <a16:colId xmlns:a16="http://schemas.microsoft.com/office/drawing/2014/main" xmlns="" val="20000"/>
                     </a:ext>
                   </a:extLst>
                 </a:gridCol>
@@ -13817,7 +13937,7 @@
                 </a:tc>
                 <a:extLst>
                   <a:ext uri="{0D108BD9-81ED-4DB2-BD59-A6C34878D82A}">
-                    <a16:rowId xmlns="" xmlns:a16="http://schemas.microsoft.com/office/drawing/2014/main" val="10000"/>
+                    <a16:rowId xmlns:a16="http://schemas.microsoft.com/office/drawing/2014/main" xmlns="" val="10000"/>
                   </a:ext>
                 </a:extLst>
               </a:tr>
@@ -13838,7 +13958,7 @@
                 </a:tc>
                 <a:extLst>
                   <a:ext uri="{0D108BD9-81ED-4DB2-BD59-A6C34878D82A}">
-                    <a16:rowId xmlns="" xmlns:a16="http://schemas.microsoft.com/office/drawing/2014/main" val="10001"/>
+                    <a16:rowId xmlns:a16="http://schemas.microsoft.com/office/drawing/2014/main" xmlns="" val="10001"/>
                   </a:ext>
                 </a:extLst>
               </a:tr>
@@ -13859,7 +13979,7 @@
                 </a:tc>
                 <a:extLst>
                   <a:ext uri="{0D108BD9-81ED-4DB2-BD59-A6C34878D82A}">
-                    <a16:rowId xmlns="" xmlns:a16="http://schemas.microsoft.com/office/drawing/2014/main" val="10002"/>
+                    <a16:rowId xmlns:a16="http://schemas.microsoft.com/office/drawing/2014/main" xmlns="" val="10002"/>
                   </a:ext>
                 </a:extLst>
               </a:tr>
@@ -13895,7 +14015,7 @@
                 <a:gridCol w="1463824">
                   <a:extLst>
                     <a:ext uri="{9D8B030D-6E8A-4147-A177-3AD203B41FA5}">
-                      <a16:colId xmlns="" xmlns:a16="http://schemas.microsoft.com/office/drawing/2014/main" val="20000"/>
+                      <a16:colId xmlns:a16="http://schemas.microsoft.com/office/drawing/2014/main" xmlns="" val="20000"/>
                     </a:ext>
                   </a:extLst>
                 </a:gridCol>
@@ -13916,7 +14036,7 @@
                 </a:tc>
                 <a:extLst>
                   <a:ext uri="{0D108BD9-81ED-4DB2-BD59-A6C34878D82A}">
-                    <a16:rowId xmlns="" xmlns:a16="http://schemas.microsoft.com/office/drawing/2014/main" val="10000"/>
+                    <a16:rowId xmlns:a16="http://schemas.microsoft.com/office/drawing/2014/main" xmlns="" val="10000"/>
                   </a:ext>
                 </a:extLst>
               </a:tr>
@@ -13937,7 +14057,7 @@
                 </a:tc>
                 <a:extLst>
                   <a:ext uri="{0D108BD9-81ED-4DB2-BD59-A6C34878D82A}">
-                    <a16:rowId xmlns="" xmlns:a16="http://schemas.microsoft.com/office/drawing/2014/main" val="10001"/>
+                    <a16:rowId xmlns:a16="http://schemas.microsoft.com/office/drawing/2014/main" xmlns="" val="10001"/>
                   </a:ext>
                 </a:extLst>
               </a:tr>
@@ -13958,7 +14078,7 @@
                 </a:tc>
                 <a:extLst>
                   <a:ext uri="{0D108BD9-81ED-4DB2-BD59-A6C34878D82A}">
-                    <a16:rowId xmlns="" xmlns:a16="http://schemas.microsoft.com/office/drawing/2014/main" val="10002"/>
+                    <a16:rowId xmlns:a16="http://schemas.microsoft.com/office/drawing/2014/main" xmlns="" val="10002"/>
                   </a:ext>
                 </a:extLst>
               </a:tr>
@@ -14112,7 +14232,7 @@
                 <a:gridCol w="1463824">
                   <a:extLst>
                     <a:ext uri="{9D8B030D-6E8A-4147-A177-3AD203B41FA5}">
-                      <a16:colId xmlns="" xmlns:a16="http://schemas.microsoft.com/office/drawing/2014/main" val="20000"/>
+                      <a16:colId xmlns:a16="http://schemas.microsoft.com/office/drawing/2014/main" xmlns="" val="20000"/>
                     </a:ext>
                   </a:extLst>
                 </a:gridCol>
@@ -14134,7 +14254,7 @@
                 </a:tc>
                 <a:extLst>
                   <a:ext uri="{0D108BD9-81ED-4DB2-BD59-A6C34878D82A}">
-                    <a16:rowId xmlns="" xmlns:a16="http://schemas.microsoft.com/office/drawing/2014/main" val="10000"/>
+                    <a16:rowId xmlns:a16="http://schemas.microsoft.com/office/drawing/2014/main" xmlns="" val="10000"/>
                   </a:ext>
                 </a:extLst>
               </a:tr>
@@ -14155,7 +14275,7 @@
                 </a:tc>
                 <a:extLst>
                   <a:ext uri="{0D108BD9-81ED-4DB2-BD59-A6C34878D82A}">
-                    <a16:rowId xmlns="" xmlns:a16="http://schemas.microsoft.com/office/drawing/2014/main" val="10001"/>
+                    <a16:rowId xmlns:a16="http://schemas.microsoft.com/office/drawing/2014/main" xmlns="" val="10001"/>
                   </a:ext>
                 </a:extLst>
               </a:tr>
@@ -14176,7 +14296,7 @@
                 </a:tc>
                 <a:extLst>
                   <a:ext uri="{0D108BD9-81ED-4DB2-BD59-A6C34878D82A}">
-                    <a16:rowId xmlns="" xmlns:a16="http://schemas.microsoft.com/office/drawing/2014/main" val="10002"/>
+                    <a16:rowId xmlns:a16="http://schemas.microsoft.com/office/drawing/2014/main" xmlns="" val="10002"/>
                   </a:ext>
                 </a:extLst>
               </a:tr>
@@ -14212,7 +14332,7 @@
                 <a:gridCol w="1463824">
                   <a:extLst>
                     <a:ext uri="{9D8B030D-6E8A-4147-A177-3AD203B41FA5}">
-                      <a16:colId xmlns="" xmlns:a16="http://schemas.microsoft.com/office/drawing/2014/main" val="20000"/>
+                      <a16:colId xmlns:a16="http://schemas.microsoft.com/office/drawing/2014/main" xmlns="" val="20000"/>
                     </a:ext>
                   </a:extLst>
                 </a:gridCol>
@@ -14234,7 +14354,7 @@
                 </a:tc>
                 <a:extLst>
                   <a:ext uri="{0D108BD9-81ED-4DB2-BD59-A6C34878D82A}">
-                    <a16:rowId xmlns="" xmlns:a16="http://schemas.microsoft.com/office/drawing/2014/main" val="10000"/>
+                    <a16:rowId xmlns:a16="http://schemas.microsoft.com/office/drawing/2014/main" xmlns="" val="10000"/>
                   </a:ext>
                 </a:extLst>
               </a:tr>
@@ -14255,7 +14375,7 @@
                 </a:tc>
                 <a:extLst>
                   <a:ext uri="{0D108BD9-81ED-4DB2-BD59-A6C34878D82A}">
-                    <a16:rowId xmlns="" xmlns:a16="http://schemas.microsoft.com/office/drawing/2014/main" val="10001"/>
+                    <a16:rowId xmlns:a16="http://schemas.microsoft.com/office/drawing/2014/main" xmlns="" val="10001"/>
                   </a:ext>
                 </a:extLst>
               </a:tr>
@@ -14276,7 +14396,7 @@
                 </a:tc>
                 <a:extLst>
                   <a:ext uri="{0D108BD9-81ED-4DB2-BD59-A6C34878D82A}">
-                    <a16:rowId xmlns="" xmlns:a16="http://schemas.microsoft.com/office/drawing/2014/main" val="10002"/>
+                    <a16:rowId xmlns:a16="http://schemas.microsoft.com/office/drawing/2014/main" xmlns="" val="10002"/>
                   </a:ext>
                 </a:extLst>
               </a:tr>
